--- a/lectures/slides_10.pptx
+++ b/lectures/slides_10.pptx
@@ -1,54 +1,54 @@
 
 <file path=ppt/presentation.xml><?xml version="1.0" encoding="utf-8"?>
-<p:presentation xmlns:a="http://schemas.openxmlformats.org/drawingml/2006/main" xmlns:r="http://schemas.openxmlformats.org/officeDocument/2006/relationships" xmlns:mc="http://schemas.openxmlformats.org/markup-compatibility/2006" xmlns:mv="urn:schemas-microsoft-com:mac:vml" xmlns:p="http://schemas.openxmlformats.org/presentationml/2006/main" xmlns:c="http://schemas.openxmlformats.org/drawingml/2006/chart" xmlns:dgm="http://schemas.openxmlformats.org/drawingml/2006/diagram" xmlns:o="urn:schemas-microsoft-com:office:office" xmlns:v="urn:schemas-microsoft-com:vml" xmlns:pvml="urn:schemas-microsoft-com:office:powerpoint" xmlns:com="http://schemas.openxmlformats.org/drawingml/2006/compatibility" xmlns:p14="http://schemas.microsoft.com/office/powerpoint/2010/main" xmlns:p15="http://schemas.microsoft.com/office/powerpoint/2012/main" xmlns:ahyp="http://schemas.microsoft.com/office/drawing/2018/hyperlinkcolor" autoCompressPictures="0" strictFirstAndLastChars="0" saveSubsetFonts="1">
+<p:presentation xmlns:a="http://schemas.openxmlformats.org/drawingml/2006/main" xmlns:r="http://schemas.openxmlformats.org/officeDocument/2006/relationships" xmlns:p="http://schemas.openxmlformats.org/presentationml/2006/main" strictFirstAndLastChars="0" saveSubsetFonts="1" autoCompressPictures="0">
   <p:sldMasterIdLst>
-    <p:sldMasterId id="2147483659" r:id="rId4"/>
+    <p:sldMasterId id="2147483659" r:id="rId1"/>
   </p:sldMasterIdLst>
   <p:notesMasterIdLst>
-    <p:notesMasterId r:id="rId5"/>
+    <p:notesMasterId r:id="rId38"/>
   </p:notesMasterIdLst>
   <p:sldIdLst>
-    <p:sldId id="256" r:id="rId6"/>
-    <p:sldId id="257" r:id="rId7"/>
-    <p:sldId id="258" r:id="rId8"/>
-    <p:sldId id="259" r:id="rId9"/>
-    <p:sldId id="260" r:id="rId10"/>
-    <p:sldId id="261" r:id="rId11"/>
-    <p:sldId id="262" r:id="rId12"/>
-    <p:sldId id="263" r:id="rId13"/>
-    <p:sldId id="264" r:id="rId14"/>
-    <p:sldId id="265" r:id="rId15"/>
-    <p:sldId id="266" r:id="rId16"/>
-    <p:sldId id="267" r:id="rId17"/>
-    <p:sldId id="268" r:id="rId18"/>
-    <p:sldId id="269" r:id="rId19"/>
-    <p:sldId id="270" r:id="rId20"/>
-    <p:sldId id="271" r:id="rId21"/>
-    <p:sldId id="272" r:id="rId22"/>
-    <p:sldId id="273" r:id="rId23"/>
-    <p:sldId id="274" r:id="rId24"/>
-    <p:sldId id="275" r:id="rId25"/>
-    <p:sldId id="276" r:id="rId26"/>
-    <p:sldId id="277" r:id="rId27"/>
-    <p:sldId id="278" r:id="rId28"/>
-    <p:sldId id="279" r:id="rId29"/>
-    <p:sldId id="280" r:id="rId30"/>
-    <p:sldId id="281" r:id="rId31"/>
-    <p:sldId id="282" r:id="rId32"/>
-    <p:sldId id="283" r:id="rId33"/>
-    <p:sldId id="284" r:id="rId34"/>
-    <p:sldId id="285" r:id="rId35"/>
-    <p:sldId id="286" r:id="rId36"/>
-    <p:sldId id="287" r:id="rId37"/>
-    <p:sldId id="288" r:id="rId38"/>
-    <p:sldId id="289" r:id="rId39"/>
-    <p:sldId id="290" r:id="rId40"/>
-    <p:sldId id="291" r:id="rId41"/>
+    <p:sldId id="256" r:id="rId2"/>
+    <p:sldId id="257" r:id="rId3"/>
+    <p:sldId id="258" r:id="rId4"/>
+    <p:sldId id="259" r:id="rId5"/>
+    <p:sldId id="260" r:id="rId6"/>
+    <p:sldId id="261" r:id="rId7"/>
+    <p:sldId id="262" r:id="rId8"/>
+    <p:sldId id="263" r:id="rId9"/>
+    <p:sldId id="264" r:id="rId10"/>
+    <p:sldId id="265" r:id="rId11"/>
+    <p:sldId id="266" r:id="rId12"/>
+    <p:sldId id="267" r:id="rId13"/>
+    <p:sldId id="268" r:id="rId14"/>
+    <p:sldId id="269" r:id="rId15"/>
+    <p:sldId id="270" r:id="rId16"/>
+    <p:sldId id="271" r:id="rId17"/>
+    <p:sldId id="272" r:id="rId18"/>
+    <p:sldId id="273" r:id="rId19"/>
+    <p:sldId id="274" r:id="rId20"/>
+    <p:sldId id="275" r:id="rId21"/>
+    <p:sldId id="276" r:id="rId22"/>
+    <p:sldId id="277" r:id="rId23"/>
+    <p:sldId id="278" r:id="rId24"/>
+    <p:sldId id="279" r:id="rId25"/>
+    <p:sldId id="280" r:id="rId26"/>
+    <p:sldId id="281" r:id="rId27"/>
+    <p:sldId id="282" r:id="rId28"/>
+    <p:sldId id="283" r:id="rId29"/>
+    <p:sldId id="284" r:id="rId30"/>
+    <p:sldId id="285" r:id="rId31"/>
+    <p:sldId id="286" r:id="rId32"/>
+    <p:sldId id="287" r:id="rId33"/>
+    <p:sldId id="288" r:id="rId34"/>
+    <p:sldId id="289" r:id="rId35"/>
+    <p:sldId id="290" r:id="rId36"/>
+    <p:sldId id="291" r:id="rId37"/>
   </p:sldIdLst>
-  <p:sldSz cy="5143500" cx="9144000"/>
+  <p:sldSz cx="9144000" cy="5143500" type="screen16x9"/>
   <p:notesSz cx="6858000" cy="9144000"/>
   <p:defaultTextStyle>
-    <a:defPPr lvl="0" marR="0" rtl="0" algn="l">
+    <a:defPPr marR="0" lvl="0" algn="l" rtl="0">
       <a:lnSpc>
         <a:spcPct val="100000"/>
       </a:lnSpc>
@@ -59,7 +59,7 @@
         <a:spcPts val="0"/>
       </a:spcAft>
     </a:defPPr>
-    <a:lvl1pPr lvl="0" marR="0" rtl="0" algn="l">
+    <a:lvl1pPr marR="0" lvl="0" algn="l" rtl="0">
       <a:lnSpc>
         <a:spcPct val="100000"/>
       </a:lnSpc>
@@ -73,7 +73,7 @@
         <a:srgbClr val="000000"/>
       </a:buClr>
       <a:buFont typeface="Arial"/>
-      <a:defRPr b="0" i="0" sz="1400" u="none" cap="none" strike="noStrike">
+      <a:defRPr sz="1400" b="0" i="0" u="none" strike="noStrike" cap="none">
         <a:solidFill>
           <a:srgbClr val="000000"/>
         </a:solidFill>
@@ -83,7 +83,7 @@
         <a:sym typeface="Arial"/>
       </a:defRPr>
     </a:lvl1pPr>
-    <a:lvl2pPr lvl="1" marR="0" rtl="0" algn="l">
+    <a:lvl2pPr marR="0" lvl="1" algn="l" rtl="0">
       <a:lnSpc>
         <a:spcPct val="100000"/>
       </a:lnSpc>
@@ -97,7 +97,7 @@
         <a:srgbClr val="000000"/>
       </a:buClr>
       <a:buFont typeface="Arial"/>
-      <a:defRPr b="0" i="0" sz="1400" u="none" cap="none" strike="noStrike">
+      <a:defRPr sz="1400" b="0" i="0" u="none" strike="noStrike" cap="none">
         <a:solidFill>
           <a:srgbClr val="000000"/>
         </a:solidFill>
@@ -107,7 +107,7 @@
         <a:sym typeface="Arial"/>
       </a:defRPr>
     </a:lvl2pPr>
-    <a:lvl3pPr lvl="2" marR="0" rtl="0" algn="l">
+    <a:lvl3pPr marR="0" lvl="2" algn="l" rtl="0">
       <a:lnSpc>
         <a:spcPct val="100000"/>
       </a:lnSpc>
@@ -121,7 +121,7 @@
         <a:srgbClr val="000000"/>
       </a:buClr>
       <a:buFont typeface="Arial"/>
-      <a:defRPr b="0" i="0" sz="1400" u="none" cap="none" strike="noStrike">
+      <a:defRPr sz="1400" b="0" i="0" u="none" strike="noStrike" cap="none">
         <a:solidFill>
           <a:srgbClr val="000000"/>
         </a:solidFill>
@@ -131,7 +131,7 @@
         <a:sym typeface="Arial"/>
       </a:defRPr>
     </a:lvl3pPr>
-    <a:lvl4pPr lvl="3" marR="0" rtl="0" algn="l">
+    <a:lvl4pPr marR="0" lvl="3" algn="l" rtl="0">
       <a:lnSpc>
         <a:spcPct val="100000"/>
       </a:lnSpc>
@@ -145,7 +145,7 @@
         <a:srgbClr val="000000"/>
       </a:buClr>
       <a:buFont typeface="Arial"/>
-      <a:defRPr b="0" i="0" sz="1400" u="none" cap="none" strike="noStrike">
+      <a:defRPr sz="1400" b="0" i="0" u="none" strike="noStrike" cap="none">
         <a:solidFill>
           <a:srgbClr val="000000"/>
         </a:solidFill>
@@ -155,7 +155,7 @@
         <a:sym typeface="Arial"/>
       </a:defRPr>
     </a:lvl4pPr>
-    <a:lvl5pPr lvl="4" marR="0" rtl="0" algn="l">
+    <a:lvl5pPr marR="0" lvl="4" algn="l" rtl="0">
       <a:lnSpc>
         <a:spcPct val="100000"/>
       </a:lnSpc>
@@ -169,7 +169,7 @@
         <a:srgbClr val="000000"/>
       </a:buClr>
       <a:buFont typeface="Arial"/>
-      <a:defRPr b="0" i="0" sz="1400" u="none" cap="none" strike="noStrike">
+      <a:defRPr sz="1400" b="0" i="0" u="none" strike="noStrike" cap="none">
         <a:solidFill>
           <a:srgbClr val="000000"/>
         </a:solidFill>
@@ -179,7 +179,7 @@
         <a:sym typeface="Arial"/>
       </a:defRPr>
     </a:lvl5pPr>
-    <a:lvl6pPr lvl="5" marR="0" rtl="0" algn="l">
+    <a:lvl6pPr marR="0" lvl="5" algn="l" rtl="0">
       <a:lnSpc>
         <a:spcPct val="100000"/>
       </a:lnSpc>
@@ -193,7 +193,7 @@
         <a:srgbClr val="000000"/>
       </a:buClr>
       <a:buFont typeface="Arial"/>
-      <a:defRPr b="0" i="0" sz="1400" u="none" cap="none" strike="noStrike">
+      <a:defRPr sz="1400" b="0" i="0" u="none" strike="noStrike" cap="none">
         <a:solidFill>
           <a:srgbClr val="000000"/>
         </a:solidFill>
@@ -203,7 +203,7 @@
         <a:sym typeface="Arial"/>
       </a:defRPr>
     </a:lvl6pPr>
-    <a:lvl7pPr lvl="6" marR="0" rtl="0" algn="l">
+    <a:lvl7pPr marR="0" lvl="6" algn="l" rtl="0">
       <a:lnSpc>
         <a:spcPct val="100000"/>
       </a:lnSpc>
@@ -217,7 +217,7 @@
         <a:srgbClr val="000000"/>
       </a:buClr>
       <a:buFont typeface="Arial"/>
-      <a:defRPr b="0" i="0" sz="1400" u="none" cap="none" strike="noStrike">
+      <a:defRPr sz="1400" b="0" i="0" u="none" strike="noStrike" cap="none">
         <a:solidFill>
           <a:srgbClr val="000000"/>
         </a:solidFill>
@@ -227,7 +227,7 @@
         <a:sym typeface="Arial"/>
       </a:defRPr>
     </a:lvl7pPr>
-    <a:lvl8pPr lvl="7" marR="0" rtl="0" algn="l">
+    <a:lvl8pPr marR="0" lvl="7" algn="l" rtl="0">
       <a:lnSpc>
         <a:spcPct val="100000"/>
       </a:lnSpc>
@@ -241,7 +241,7 @@
         <a:srgbClr val="000000"/>
       </a:buClr>
       <a:buFont typeface="Arial"/>
-      <a:defRPr b="0" i="0" sz="1400" u="none" cap="none" strike="noStrike">
+      <a:defRPr sz="1400" b="0" i="0" u="none" strike="noStrike" cap="none">
         <a:solidFill>
           <a:srgbClr val="000000"/>
         </a:solidFill>
@@ -251,7 +251,7 @@
         <a:sym typeface="Arial"/>
       </a:defRPr>
     </a:lvl8pPr>
-    <a:lvl9pPr lvl="8" marR="0" rtl="0" algn="l">
+    <a:lvl9pPr marR="0" lvl="8" algn="l" rtl="0">
       <a:lnSpc>
         <a:spcPct val="100000"/>
       </a:lnSpc>
@@ -265,7 +265,7 @@
         <a:srgbClr val="000000"/>
       </a:buClr>
       <a:buFont typeface="Arial"/>
-      <a:defRPr b="0" i="0" sz="1400" u="none" cap="none" strike="noStrike">
+      <a:defRPr sz="1400" b="0" i="0" u="none" strike="noStrike" cap="none">
         <a:solidFill>
           <a:srgbClr val="000000"/>
         </a:solidFill>
@@ -278,7 +278,7 @@
   </p:defaultTextStyle>
   <p:extLst>
     <p:ext uri="{EFAFB233-063F-42B5-8137-9DF3F51BA10A}">
-      <p15:sldGuideLst>
+      <p15:sldGuideLst xmlns:p15="http://schemas.microsoft.com/office/powerpoint/2012/main">
         <p15:guide id="1" orient="horz" pos="1620">
           <p15:clr>
             <a:srgbClr val="A4A3A4"/>
@@ -296,11 +296,16 @@
 </file>
 
 <file path=ppt/notesMasters/notesMaster1.xml><?xml version="1.0" encoding="utf-8"?>
-<p:notesMaster xmlns:a="http://schemas.openxmlformats.org/drawingml/2006/main" xmlns:r="http://schemas.openxmlformats.org/officeDocument/2006/relationships" xmlns:mc="http://schemas.openxmlformats.org/markup-compatibility/2006" xmlns:mv="urn:schemas-microsoft-com:mac:vml" xmlns:p="http://schemas.openxmlformats.org/presentationml/2006/main" xmlns:c="http://schemas.openxmlformats.org/drawingml/2006/chart" xmlns:dgm="http://schemas.openxmlformats.org/drawingml/2006/diagram" xmlns:o="urn:schemas-microsoft-com:office:office" xmlns:v="urn:schemas-microsoft-com:vml" xmlns:pvml="urn:schemas-microsoft-com:office:powerpoint" xmlns:com="http://schemas.openxmlformats.org/drawingml/2006/compatibility" xmlns:p14="http://schemas.microsoft.com/office/powerpoint/2010/main" xmlns:p15="http://schemas.microsoft.com/office/powerpoint/2012/main" xmlns:ahyp="http://schemas.microsoft.com/office/drawing/2018/hyperlinkcolor">
+<p:notesMaster xmlns:a="http://schemas.openxmlformats.org/drawingml/2006/main" xmlns:r="http://schemas.openxmlformats.org/officeDocument/2006/relationships" xmlns:p="http://schemas.openxmlformats.org/presentationml/2006/main">
   <p:cSld>
+    <p:bg>
+      <p:bgRef idx="1001">
+        <a:schemeClr val="bg1"/>
+      </p:bgRef>
+    </p:bg>
     <p:spTree>
       <p:nvGrpSpPr>
-        <p:cNvPr id="2" name="Shape 2"/>
+        <p:cNvPr id="1" name="Shape 2"/>
         <p:cNvGrpSpPr/>
         <p:nvPr/>
       </p:nvGrpSpPr>
@@ -315,9 +320,11 @@
       <p:sp>
         <p:nvSpPr>
           <p:cNvPr id="3" name="Google Shape;3;n"/>
-          <p:cNvSpPr/>
+          <p:cNvSpPr>
+            <a:spLocks noGrp="1" noRot="1" noChangeAspect="1"/>
+          </p:cNvSpPr>
           <p:nvPr>
-            <p:ph idx="2" type="sldImg"/>
+            <p:ph type="sldImg" idx="2"/>
           </p:nvPr>
         </p:nvSpPr>
         <p:spPr>
@@ -326,9 +333,13 @@
             <a:ext cx="6096075" cy="3429000"/>
           </a:xfrm>
           <a:custGeom>
-            <a:rect b="b" l="l" r="r" t="t"/>
+            <a:avLst/>
+            <a:gdLst/>
+            <a:ahLst/>
+            <a:cxnLst/>
+            <a:rect l="l" t="t" r="r" b="b"/>
             <a:pathLst>
-              <a:path extrusionOk="0" h="120000" w="120000">
+              <a:path w="120000" h="120000" extrusionOk="0">
                 <a:moveTo>
                   <a:pt x="0" y="0"/>
                 </a:moveTo>
@@ -346,23 +357,25 @@
             </a:pathLst>
           </a:custGeom>
           <a:noFill/>
-          <a:ln cap="flat" cmpd="sng" w="9525">
+          <a:ln w="9525" cap="flat" cmpd="sng">
             <a:solidFill>
               <a:srgbClr val="000000"/>
             </a:solidFill>
             <a:prstDash val="solid"/>
             <a:round/>
-            <a:headEnd len="sm" w="sm" type="none"/>
-            <a:tailEnd len="sm" w="sm" type="none"/>
+            <a:headEnd type="none" w="sm" len="sm"/>
+            <a:tailEnd type="none" w="sm" len="sm"/>
           </a:ln>
         </p:spPr>
       </p:sp>
       <p:sp>
         <p:nvSpPr>
           <p:cNvPr id="4" name="Google Shape;4;n"/>
-          <p:cNvSpPr txBox="1"/>
+          <p:cNvSpPr txBox="1">
+            <a:spLocks noGrp="1"/>
+          </p:cNvSpPr>
           <p:nvPr>
-            <p:ph idx="1" type="body"/>
+            <p:ph type="body" idx="1"/>
           </p:nvPr>
         </p:nvSpPr>
         <p:spPr>
@@ -379,11 +392,11 @@
           </a:ln>
         </p:spPr>
         <p:txBody>
-          <a:bodyPr anchorCtr="0" anchor="t" bIns="91425" lIns="91425" spcFirstLastPara="1" rIns="91425" wrap="square" tIns="91425">
+          <a:bodyPr spcFirstLastPara="1" wrap="square" lIns="91425" tIns="91425" rIns="91425" bIns="91425" anchor="t" anchorCtr="0">
             <a:noAutofit/>
           </a:bodyPr>
           <a:lstStyle>
-            <a:lvl1pPr indent="-298450" lvl="0" marL="457200">
+            <a:lvl1pPr marL="457200" lvl="0" indent="-298450">
               <a:spcBef>
                 <a:spcPts val="0"/>
               </a:spcBef>
@@ -394,7 +407,7 @@
               <a:buChar char="●"/>
               <a:defRPr sz="1100"/>
             </a:lvl1pPr>
-            <a:lvl2pPr indent="-298450" lvl="1" marL="914400">
+            <a:lvl2pPr marL="914400" lvl="1" indent="-298450">
               <a:spcBef>
                 <a:spcPts val="0"/>
               </a:spcBef>
@@ -405,7 +418,7 @@
               <a:buChar char="○"/>
               <a:defRPr sz="1100"/>
             </a:lvl2pPr>
-            <a:lvl3pPr indent="-298450" lvl="2" marL="1371600">
+            <a:lvl3pPr marL="1371600" lvl="2" indent="-298450">
               <a:spcBef>
                 <a:spcPts val="0"/>
               </a:spcBef>
@@ -416,7 +429,7 @@
               <a:buChar char="■"/>
               <a:defRPr sz="1100"/>
             </a:lvl3pPr>
-            <a:lvl4pPr indent="-298450" lvl="3" marL="1828800">
+            <a:lvl4pPr marL="1828800" lvl="3" indent="-298450">
               <a:spcBef>
                 <a:spcPts val="0"/>
               </a:spcBef>
@@ -427,7 +440,7 @@
               <a:buChar char="●"/>
               <a:defRPr sz="1100"/>
             </a:lvl4pPr>
-            <a:lvl5pPr indent="-298450" lvl="4" marL="2286000">
+            <a:lvl5pPr marL="2286000" lvl="4" indent="-298450">
               <a:spcBef>
                 <a:spcPts val="0"/>
               </a:spcBef>
@@ -438,7 +451,7 @@
               <a:buChar char="○"/>
               <a:defRPr sz="1100"/>
             </a:lvl5pPr>
-            <a:lvl6pPr indent="-298450" lvl="5" marL="2743200">
+            <a:lvl6pPr marL="2743200" lvl="5" indent="-298450">
               <a:spcBef>
                 <a:spcPts val="0"/>
               </a:spcBef>
@@ -449,7 +462,7 @@
               <a:buChar char="■"/>
               <a:defRPr sz="1100"/>
             </a:lvl6pPr>
-            <a:lvl7pPr indent="-298450" lvl="6" marL="3200400">
+            <a:lvl7pPr marL="3200400" lvl="6" indent="-298450">
               <a:spcBef>
                 <a:spcPts val="0"/>
               </a:spcBef>
@@ -460,7 +473,7 @@
               <a:buChar char="●"/>
               <a:defRPr sz="1100"/>
             </a:lvl7pPr>
-            <a:lvl8pPr indent="-298450" lvl="7" marL="3657600">
+            <a:lvl8pPr marL="3657600" lvl="7" indent="-298450">
               <a:spcBef>
                 <a:spcPts val="0"/>
               </a:spcBef>
@@ -471,7 +484,7 @@
               <a:buChar char="○"/>
               <a:defRPr sz="1100"/>
             </a:lvl8pPr>
-            <a:lvl9pPr indent="-298450" lvl="8" marL="4114800">
+            <a:lvl9pPr marL="4114800" lvl="8" indent="-298450">
               <a:spcBef>
                 <a:spcPts val="0"/>
               </a:spcBef>
@@ -483,14 +496,16 @@
               <a:defRPr sz="1100"/>
             </a:lvl9pPr>
           </a:lstStyle>
-          <a:p/>
+          <a:p>
+            <a:endParaRPr/>
+          </a:p>
         </p:txBody>
       </p:sp>
     </p:spTree>
   </p:cSld>
-  <p:clrMap accent1="accent1" accent2="accent2" accent3="accent3" accent4="accent4" accent5="accent5" accent6="accent6" bg1="lt1" bg2="dk2" tx1="dk1" tx2="lt2" folHlink="folHlink" hlink="hlink"/>
+  <p:clrMap bg1="lt1" tx1="dk1" bg2="dk2" tx2="lt2" accent1="accent1" accent2="accent2" accent3="accent3" accent4="accent4" accent5="accent5" accent6="accent6" hlink="hlink" folHlink="folHlink"/>
   <p:notesStyle>
-    <a:defPPr lvl="0" marR="0" rtl="0" algn="l">
+    <a:defPPr marR="0" lvl="0" algn="l" rtl="0">
       <a:lnSpc>
         <a:spcPct val="100000"/>
       </a:lnSpc>
@@ -501,7 +516,7 @@
         <a:spcPts val="0"/>
       </a:spcAft>
     </a:defPPr>
-    <a:lvl1pPr lvl="0" marR="0" rtl="0" algn="l">
+    <a:lvl1pPr marR="0" lvl="0" algn="l" rtl="0">
       <a:lnSpc>
         <a:spcPct val="100000"/>
       </a:lnSpc>
@@ -515,7 +530,7 @@
         <a:srgbClr val="000000"/>
       </a:buClr>
       <a:buFont typeface="Arial"/>
-      <a:defRPr b="0" i="0" sz="1400" u="none" cap="none" strike="noStrike">
+      <a:defRPr sz="1400" b="0" i="0" u="none" strike="noStrike" cap="none">
         <a:solidFill>
           <a:srgbClr val="000000"/>
         </a:solidFill>
@@ -525,7 +540,7 @@
         <a:sym typeface="Arial"/>
       </a:defRPr>
     </a:lvl1pPr>
-    <a:lvl2pPr lvl="1" marR="0" rtl="0" algn="l">
+    <a:lvl2pPr marR="0" lvl="1" algn="l" rtl="0">
       <a:lnSpc>
         <a:spcPct val="100000"/>
       </a:lnSpc>
@@ -539,7 +554,7 @@
         <a:srgbClr val="000000"/>
       </a:buClr>
       <a:buFont typeface="Arial"/>
-      <a:defRPr b="0" i="0" sz="1400" u="none" cap="none" strike="noStrike">
+      <a:defRPr sz="1400" b="0" i="0" u="none" strike="noStrike" cap="none">
         <a:solidFill>
           <a:srgbClr val="000000"/>
         </a:solidFill>
@@ -549,7 +564,7 @@
         <a:sym typeface="Arial"/>
       </a:defRPr>
     </a:lvl2pPr>
-    <a:lvl3pPr lvl="2" marR="0" rtl="0" algn="l">
+    <a:lvl3pPr marR="0" lvl="2" algn="l" rtl="0">
       <a:lnSpc>
         <a:spcPct val="100000"/>
       </a:lnSpc>
@@ -563,7 +578,7 @@
         <a:srgbClr val="000000"/>
       </a:buClr>
       <a:buFont typeface="Arial"/>
-      <a:defRPr b="0" i="0" sz="1400" u="none" cap="none" strike="noStrike">
+      <a:defRPr sz="1400" b="0" i="0" u="none" strike="noStrike" cap="none">
         <a:solidFill>
           <a:srgbClr val="000000"/>
         </a:solidFill>
@@ -573,7 +588,7 @@
         <a:sym typeface="Arial"/>
       </a:defRPr>
     </a:lvl3pPr>
-    <a:lvl4pPr lvl="3" marR="0" rtl="0" algn="l">
+    <a:lvl4pPr marR="0" lvl="3" algn="l" rtl="0">
       <a:lnSpc>
         <a:spcPct val="100000"/>
       </a:lnSpc>
@@ -587,7 +602,7 @@
         <a:srgbClr val="000000"/>
       </a:buClr>
       <a:buFont typeface="Arial"/>
-      <a:defRPr b="0" i="0" sz="1400" u="none" cap="none" strike="noStrike">
+      <a:defRPr sz="1400" b="0" i="0" u="none" strike="noStrike" cap="none">
         <a:solidFill>
           <a:srgbClr val="000000"/>
         </a:solidFill>
@@ -597,7 +612,7 @@
         <a:sym typeface="Arial"/>
       </a:defRPr>
     </a:lvl4pPr>
-    <a:lvl5pPr lvl="4" marR="0" rtl="0" algn="l">
+    <a:lvl5pPr marR="0" lvl="4" algn="l" rtl="0">
       <a:lnSpc>
         <a:spcPct val="100000"/>
       </a:lnSpc>
@@ -611,7 +626,7 @@
         <a:srgbClr val="000000"/>
       </a:buClr>
       <a:buFont typeface="Arial"/>
-      <a:defRPr b="0" i="0" sz="1400" u="none" cap="none" strike="noStrike">
+      <a:defRPr sz="1400" b="0" i="0" u="none" strike="noStrike" cap="none">
         <a:solidFill>
           <a:srgbClr val="000000"/>
         </a:solidFill>
@@ -621,7 +636,7 @@
         <a:sym typeface="Arial"/>
       </a:defRPr>
     </a:lvl5pPr>
-    <a:lvl6pPr lvl="5" marR="0" rtl="0" algn="l">
+    <a:lvl6pPr marR="0" lvl="5" algn="l" rtl="0">
       <a:lnSpc>
         <a:spcPct val="100000"/>
       </a:lnSpc>
@@ -635,7 +650,7 @@
         <a:srgbClr val="000000"/>
       </a:buClr>
       <a:buFont typeface="Arial"/>
-      <a:defRPr b="0" i="0" sz="1400" u="none" cap="none" strike="noStrike">
+      <a:defRPr sz="1400" b="0" i="0" u="none" strike="noStrike" cap="none">
         <a:solidFill>
           <a:srgbClr val="000000"/>
         </a:solidFill>
@@ -645,7 +660,7 @@
         <a:sym typeface="Arial"/>
       </a:defRPr>
     </a:lvl6pPr>
-    <a:lvl7pPr lvl="6" marR="0" rtl="0" algn="l">
+    <a:lvl7pPr marR="0" lvl="6" algn="l" rtl="0">
       <a:lnSpc>
         <a:spcPct val="100000"/>
       </a:lnSpc>
@@ -659,7 +674,7 @@
         <a:srgbClr val="000000"/>
       </a:buClr>
       <a:buFont typeface="Arial"/>
-      <a:defRPr b="0" i="0" sz="1400" u="none" cap="none" strike="noStrike">
+      <a:defRPr sz="1400" b="0" i="0" u="none" strike="noStrike" cap="none">
         <a:solidFill>
           <a:srgbClr val="000000"/>
         </a:solidFill>
@@ -669,7 +684,7 @@
         <a:sym typeface="Arial"/>
       </a:defRPr>
     </a:lvl7pPr>
-    <a:lvl8pPr lvl="7" marR="0" rtl="0" algn="l">
+    <a:lvl8pPr marR="0" lvl="7" algn="l" rtl="0">
       <a:lnSpc>
         <a:spcPct val="100000"/>
       </a:lnSpc>
@@ -683,7 +698,7 @@
         <a:srgbClr val="000000"/>
       </a:buClr>
       <a:buFont typeface="Arial"/>
-      <a:defRPr b="0" i="0" sz="1400" u="none" cap="none" strike="noStrike">
+      <a:defRPr sz="1400" b="0" i="0" u="none" strike="noStrike" cap="none">
         <a:solidFill>
           <a:srgbClr val="000000"/>
         </a:solidFill>
@@ -693,7 +708,7 @@
         <a:sym typeface="Arial"/>
       </a:defRPr>
     </a:lvl8pPr>
-    <a:lvl9pPr lvl="8" marR="0" rtl="0" algn="l">
+    <a:lvl9pPr marR="0" lvl="8" algn="l" rtl="0">
       <a:lnSpc>
         <a:spcPct val="100000"/>
       </a:lnSpc>
@@ -707,7 +722,7 @@
         <a:srgbClr val="000000"/>
       </a:buClr>
       <a:buFont typeface="Arial"/>
-      <a:defRPr b="0" i="0" sz="1400" u="none" cap="none" strike="noStrike">
+      <a:defRPr sz="1400" b="0" i="0" u="none" strike="noStrike" cap="none">
         <a:solidFill>
           <a:srgbClr val="000000"/>
         </a:solidFill>
@@ -722,11 +737,11 @@
 </file>
 
 <file path=ppt/notesSlides/notesSlide1.xml><?xml version="1.0" encoding="utf-8"?>
-<p:notes xmlns:a="http://schemas.openxmlformats.org/drawingml/2006/main" xmlns:r="http://schemas.openxmlformats.org/officeDocument/2006/relationships" xmlns:mc="http://schemas.openxmlformats.org/markup-compatibility/2006" xmlns:mv="urn:schemas-microsoft-com:mac:vml" xmlns:p="http://schemas.openxmlformats.org/presentationml/2006/main" xmlns:c="http://schemas.openxmlformats.org/drawingml/2006/chart" xmlns:dgm="http://schemas.openxmlformats.org/drawingml/2006/diagram" xmlns:o="urn:schemas-microsoft-com:office:office" xmlns:v="urn:schemas-microsoft-com:vml" xmlns:pvml="urn:schemas-microsoft-com:office:powerpoint" xmlns:com="http://schemas.openxmlformats.org/drawingml/2006/compatibility" xmlns:p14="http://schemas.microsoft.com/office/powerpoint/2010/main" xmlns:p15="http://schemas.microsoft.com/office/powerpoint/2012/main" xmlns:ahyp="http://schemas.microsoft.com/office/drawing/2018/hyperlinkcolor" showMasterPhAnim="0" showMasterSp="0">
+<p:notes xmlns:a="http://schemas.openxmlformats.org/drawingml/2006/main" xmlns:r="http://schemas.openxmlformats.org/officeDocument/2006/relationships" xmlns:p="http://schemas.openxmlformats.org/presentationml/2006/main" showMasterSp="0" showMasterPhAnim="0">
   <p:cSld>
     <p:spTree>
       <p:nvGrpSpPr>
-        <p:cNvPr id="50" name="Shape 50"/>
+        <p:cNvPr id="1" name="Shape 50"/>
         <p:cNvGrpSpPr/>
         <p:nvPr/>
       </p:nvGrpSpPr>
@@ -741,20 +756,26 @@
       <p:sp>
         <p:nvSpPr>
           <p:cNvPr id="51" name="Google Shape;51;g18401b6c26c_0_13:notes"/>
-          <p:cNvSpPr/>
+          <p:cNvSpPr>
+            <a:spLocks noGrp="1" noRot="1" noChangeAspect="1"/>
+          </p:cNvSpPr>
           <p:nvPr>
-            <p:ph idx="2" type="sldImg"/>
+            <p:ph type="sldImg" idx="2"/>
           </p:nvPr>
         </p:nvSpPr>
         <p:spPr>
           <a:xfrm>
-            <a:off x="381300" y="685800"/>
+            <a:off x="381000" y="685800"/>
             <a:ext cx="6096000" cy="3429000"/>
           </a:xfrm>
           <a:custGeom>
-            <a:rect b="b" l="l" r="r" t="t"/>
+            <a:avLst/>
+            <a:gdLst/>
+            <a:ahLst/>
+            <a:cxnLst/>
+            <a:rect l="l" t="t" r="r" b="b"/>
             <a:pathLst>
-              <a:path extrusionOk="0" h="120000" w="120000">
+              <a:path w="120000" h="120000" extrusionOk="0">
                 <a:moveTo>
                   <a:pt x="0" y="0"/>
                 </a:moveTo>
@@ -776,9 +797,11 @@
       <p:sp>
         <p:nvSpPr>
           <p:cNvPr id="52" name="Google Shape;52;g18401b6c26c_0_13:notes"/>
-          <p:cNvSpPr txBox="1"/>
+          <p:cNvSpPr txBox="1">
+            <a:spLocks noGrp="1"/>
+          </p:cNvSpPr>
           <p:nvPr>
-            <p:ph idx="1" type="body"/>
+            <p:ph type="body" idx="1"/>
           </p:nvPr>
         </p:nvSpPr>
         <p:spPr>
@@ -791,12 +814,12 @@
           </a:prstGeom>
         </p:spPr>
         <p:txBody>
-          <a:bodyPr anchorCtr="0" anchor="t" bIns="91425" lIns="91425" spcFirstLastPara="1" rIns="91425" wrap="square" tIns="91425">
+          <a:bodyPr spcFirstLastPara="1" wrap="square" lIns="91425" tIns="91425" rIns="91425" bIns="91425" anchor="t" anchorCtr="0">
             <a:noAutofit/>
           </a:bodyPr>
           <a:lstStyle/>
           <a:p>
-            <a:pPr indent="0" lvl="0" marL="0" rtl="0" algn="l">
+            <a:pPr marL="0" lvl="0" indent="0" algn="l" rtl="0">
               <a:spcBef>
                 <a:spcPts val="0"/>
               </a:spcBef>
@@ -805,9 +828,6 @@
               </a:spcAft>
               <a:buNone/>
             </a:pPr>
-            <a:r>
-              <a:t/>
-            </a:r>
             <a:endParaRPr>
               <a:solidFill>
                 <a:schemeClr val="dk1"/>
@@ -825,11 +845,11 @@
 </file>
 
 <file path=ppt/notesSlides/notesSlide10.xml><?xml version="1.0" encoding="utf-8"?>
-<p:notes xmlns:a="http://schemas.openxmlformats.org/drawingml/2006/main" xmlns:r="http://schemas.openxmlformats.org/officeDocument/2006/relationships" xmlns:mc="http://schemas.openxmlformats.org/markup-compatibility/2006" xmlns:mv="urn:schemas-microsoft-com:mac:vml" xmlns:p="http://schemas.openxmlformats.org/presentationml/2006/main" xmlns:c="http://schemas.openxmlformats.org/drawingml/2006/chart" xmlns:dgm="http://schemas.openxmlformats.org/drawingml/2006/diagram" xmlns:o="urn:schemas-microsoft-com:office:office" xmlns:v="urn:schemas-microsoft-com:vml" xmlns:pvml="urn:schemas-microsoft-com:office:powerpoint" xmlns:com="http://schemas.openxmlformats.org/drawingml/2006/compatibility" xmlns:p14="http://schemas.microsoft.com/office/powerpoint/2010/main" xmlns:p15="http://schemas.microsoft.com/office/powerpoint/2012/main" xmlns:ahyp="http://schemas.microsoft.com/office/drawing/2018/hyperlinkcolor" showMasterPhAnim="0" showMasterSp="0">
+<p:notes xmlns:a="http://schemas.openxmlformats.org/drawingml/2006/main" xmlns:r="http://schemas.openxmlformats.org/officeDocument/2006/relationships" xmlns:p="http://schemas.openxmlformats.org/presentationml/2006/main" showMasterSp="0" showMasterPhAnim="0">
   <p:cSld>
     <p:spTree>
       <p:nvGrpSpPr>
-        <p:cNvPr id="95" name="Shape 95"/>
+        <p:cNvPr id="1" name="Shape 95"/>
         <p:cNvGrpSpPr/>
         <p:nvPr/>
       </p:nvGrpSpPr>
@@ -844,9 +864,11 @@
       <p:sp>
         <p:nvSpPr>
           <p:cNvPr id="96" name="Google Shape;96;g18401b6c2f9_0_12:notes"/>
-          <p:cNvSpPr/>
+          <p:cNvSpPr>
+            <a:spLocks noGrp="1" noRot="1" noChangeAspect="1"/>
+          </p:cNvSpPr>
           <p:nvPr>
-            <p:ph idx="2" type="sldImg"/>
+            <p:ph type="sldImg" idx="2"/>
           </p:nvPr>
         </p:nvSpPr>
         <p:spPr>
@@ -855,9 +877,13 @@
             <a:ext cx="6096000" cy="3429000"/>
           </a:xfrm>
           <a:custGeom>
-            <a:rect b="b" l="l" r="r" t="t"/>
+            <a:avLst/>
+            <a:gdLst/>
+            <a:ahLst/>
+            <a:cxnLst/>
+            <a:rect l="l" t="t" r="r" b="b"/>
             <a:pathLst>
-              <a:path extrusionOk="0" h="120000" w="120000">
+              <a:path w="120000" h="120000" extrusionOk="0">
                 <a:moveTo>
                   <a:pt x="0" y="0"/>
                 </a:moveTo>
@@ -879,9 +905,11 @@
       <p:sp>
         <p:nvSpPr>
           <p:cNvPr id="97" name="Google Shape;97;g18401b6c2f9_0_12:notes"/>
-          <p:cNvSpPr txBox="1"/>
+          <p:cNvSpPr txBox="1">
+            <a:spLocks noGrp="1"/>
+          </p:cNvSpPr>
           <p:nvPr>
-            <p:ph idx="1" type="body"/>
+            <p:ph type="body" idx="1"/>
           </p:nvPr>
         </p:nvSpPr>
         <p:spPr>
@@ -894,12 +922,12 @@
           </a:prstGeom>
         </p:spPr>
         <p:txBody>
-          <a:bodyPr anchorCtr="0" anchor="t" bIns="91425" lIns="91425" spcFirstLastPara="1" rIns="91425" wrap="square" tIns="91425">
+          <a:bodyPr spcFirstLastPara="1" wrap="square" lIns="91425" tIns="91425" rIns="91425" bIns="91425" anchor="t" anchorCtr="0">
             <a:noAutofit/>
           </a:bodyPr>
           <a:lstStyle/>
           <a:p>
-            <a:pPr indent="0" lvl="0" marL="0" rtl="0" algn="l">
+            <a:pPr marL="0" lvl="0" indent="0" algn="l" rtl="0">
               <a:spcBef>
                 <a:spcPts val="0"/>
               </a:spcBef>
@@ -913,7 +941,7 @@
                 <a:solidFill>
                   <a:schemeClr val="hlink"/>
                 </a:solidFill>
-                <a:hlinkClick r:id="rId2"/>
+                <a:hlinkClick r:id="rId3"/>
               </a:rPr>
               <a:t>https://www.google.com/search?q=cats</a:t>
             </a:r>
@@ -934,11 +962,11 @@
 </file>
 
 <file path=ppt/notesSlides/notesSlide11.xml><?xml version="1.0" encoding="utf-8"?>
-<p:notes xmlns:a="http://schemas.openxmlformats.org/drawingml/2006/main" xmlns:r="http://schemas.openxmlformats.org/officeDocument/2006/relationships" xmlns:mc="http://schemas.openxmlformats.org/markup-compatibility/2006" xmlns:mv="urn:schemas-microsoft-com:mac:vml" xmlns:p="http://schemas.openxmlformats.org/presentationml/2006/main" xmlns:c="http://schemas.openxmlformats.org/drawingml/2006/chart" xmlns:dgm="http://schemas.openxmlformats.org/drawingml/2006/diagram" xmlns:o="urn:schemas-microsoft-com:office:office" xmlns:v="urn:schemas-microsoft-com:vml" xmlns:pvml="urn:schemas-microsoft-com:office:powerpoint" xmlns:com="http://schemas.openxmlformats.org/drawingml/2006/compatibility" xmlns:p14="http://schemas.microsoft.com/office/powerpoint/2010/main" xmlns:p15="http://schemas.microsoft.com/office/powerpoint/2012/main" xmlns:ahyp="http://schemas.microsoft.com/office/drawing/2018/hyperlinkcolor" showMasterPhAnim="0" showMasterSp="0">
+<p:notes xmlns:a="http://schemas.openxmlformats.org/drawingml/2006/main" xmlns:r="http://schemas.openxmlformats.org/officeDocument/2006/relationships" xmlns:p="http://schemas.openxmlformats.org/presentationml/2006/main" showMasterSp="0" showMasterPhAnim="0">
   <p:cSld>
     <p:spTree>
       <p:nvGrpSpPr>
-        <p:cNvPr id="100" name="Shape 100"/>
+        <p:cNvPr id="1" name="Shape 100"/>
         <p:cNvGrpSpPr/>
         <p:nvPr/>
       </p:nvGrpSpPr>
@@ -953,9 +981,11 @@
       <p:sp>
         <p:nvSpPr>
           <p:cNvPr id="101" name="Google Shape;101;g10096cd1cda_0_115:notes"/>
-          <p:cNvSpPr/>
+          <p:cNvSpPr>
+            <a:spLocks noGrp="1" noRot="1" noChangeAspect="1"/>
+          </p:cNvSpPr>
           <p:nvPr>
-            <p:ph idx="2" type="sldImg"/>
+            <p:ph type="sldImg" idx="2"/>
           </p:nvPr>
         </p:nvSpPr>
         <p:spPr>
@@ -964,9 +994,13 @@
             <a:ext cx="6096000" cy="3429000"/>
           </a:xfrm>
           <a:custGeom>
-            <a:rect b="b" l="l" r="r" t="t"/>
+            <a:avLst/>
+            <a:gdLst/>
+            <a:ahLst/>
+            <a:cxnLst/>
+            <a:rect l="l" t="t" r="r" b="b"/>
             <a:pathLst>
-              <a:path extrusionOk="0" h="120000" w="120000">
+              <a:path w="120000" h="120000" extrusionOk="0">
                 <a:moveTo>
                   <a:pt x="0" y="0"/>
                 </a:moveTo>
@@ -988,9 +1022,11 @@
       <p:sp>
         <p:nvSpPr>
           <p:cNvPr id="102" name="Google Shape;102;g10096cd1cda_0_115:notes"/>
-          <p:cNvSpPr txBox="1"/>
+          <p:cNvSpPr txBox="1">
+            <a:spLocks noGrp="1"/>
+          </p:cNvSpPr>
           <p:nvPr>
-            <p:ph idx="1" type="body"/>
+            <p:ph type="body" idx="1"/>
           </p:nvPr>
         </p:nvSpPr>
         <p:spPr>
@@ -1003,12 +1039,12 @@
           </a:prstGeom>
         </p:spPr>
         <p:txBody>
-          <a:bodyPr anchorCtr="0" anchor="t" bIns="91425" lIns="91425" spcFirstLastPara="1" rIns="91425" wrap="square" tIns="91425">
+          <a:bodyPr spcFirstLastPara="1" wrap="square" lIns="91425" tIns="91425" rIns="91425" bIns="91425" anchor="t" anchorCtr="0">
             <a:noAutofit/>
           </a:bodyPr>
           <a:lstStyle/>
           <a:p>
-            <a:pPr indent="0" lvl="0" marL="0" rtl="0" algn="l">
+            <a:pPr marL="0" lvl="0" indent="0" algn="l" rtl="0">
               <a:spcBef>
                 <a:spcPts val="0"/>
               </a:spcBef>
@@ -1017,9 +1053,6 @@
               </a:spcAft>
               <a:buNone/>
             </a:pPr>
-            <a:r>
-              <a:t/>
-            </a:r>
             <a:endParaRPr/>
           </a:p>
         </p:txBody>
@@ -1033,11 +1066,11 @@
 </file>
 
 <file path=ppt/notesSlides/notesSlide12.xml><?xml version="1.0" encoding="utf-8"?>
-<p:notes xmlns:a="http://schemas.openxmlformats.org/drawingml/2006/main" xmlns:r="http://schemas.openxmlformats.org/officeDocument/2006/relationships" xmlns:mc="http://schemas.openxmlformats.org/markup-compatibility/2006" xmlns:mv="urn:schemas-microsoft-com:mac:vml" xmlns:p="http://schemas.openxmlformats.org/presentationml/2006/main" xmlns:c="http://schemas.openxmlformats.org/drawingml/2006/chart" xmlns:dgm="http://schemas.openxmlformats.org/drawingml/2006/diagram" xmlns:o="urn:schemas-microsoft-com:office:office" xmlns:v="urn:schemas-microsoft-com:vml" xmlns:pvml="urn:schemas-microsoft-com:office:powerpoint" xmlns:com="http://schemas.openxmlformats.org/drawingml/2006/compatibility" xmlns:p14="http://schemas.microsoft.com/office/powerpoint/2010/main" xmlns:p15="http://schemas.microsoft.com/office/powerpoint/2012/main" xmlns:ahyp="http://schemas.microsoft.com/office/drawing/2018/hyperlinkcolor" showMasterPhAnim="0" showMasterSp="0">
+<p:notes xmlns:a="http://schemas.openxmlformats.org/drawingml/2006/main" xmlns:r="http://schemas.openxmlformats.org/officeDocument/2006/relationships" xmlns:p="http://schemas.openxmlformats.org/presentationml/2006/main" showMasterSp="0" showMasterPhAnim="0">
   <p:cSld>
     <p:spTree>
       <p:nvGrpSpPr>
-        <p:cNvPr id="105" name="Shape 105"/>
+        <p:cNvPr id="1" name="Shape 105"/>
         <p:cNvGrpSpPr/>
         <p:nvPr/>
       </p:nvGrpSpPr>
@@ -1052,9 +1085,11 @@
       <p:sp>
         <p:nvSpPr>
           <p:cNvPr id="106" name="Google Shape;106;g14f8c7742b5_3_8:notes"/>
-          <p:cNvSpPr/>
+          <p:cNvSpPr>
+            <a:spLocks noGrp="1" noRot="1" noChangeAspect="1"/>
+          </p:cNvSpPr>
           <p:nvPr>
-            <p:ph idx="2" type="sldImg"/>
+            <p:ph type="sldImg" idx="2"/>
           </p:nvPr>
         </p:nvSpPr>
         <p:spPr>
@@ -1063,9 +1098,13 @@
             <a:ext cx="6096000" cy="3429000"/>
           </a:xfrm>
           <a:custGeom>
-            <a:rect b="b" l="l" r="r" t="t"/>
+            <a:avLst/>
+            <a:gdLst/>
+            <a:ahLst/>
+            <a:cxnLst/>
+            <a:rect l="l" t="t" r="r" b="b"/>
             <a:pathLst>
-              <a:path extrusionOk="0" h="120000" w="120000">
+              <a:path w="120000" h="120000" extrusionOk="0">
                 <a:moveTo>
                   <a:pt x="0" y="0"/>
                 </a:moveTo>
@@ -1087,9 +1126,11 @@
       <p:sp>
         <p:nvSpPr>
           <p:cNvPr id="107" name="Google Shape;107;g14f8c7742b5_3_8:notes"/>
-          <p:cNvSpPr txBox="1"/>
+          <p:cNvSpPr txBox="1">
+            <a:spLocks noGrp="1"/>
+          </p:cNvSpPr>
           <p:nvPr>
-            <p:ph idx="1" type="body"/>
+            <p:ph type="body" idx="1"/>
           </p:nvPr>
         </p:nvSpPr>
         <p:spPr>
@@ -1102,12 +1143,12 @@
           </a:prstGeom>
         </p:spPr>
         <p:txBody>
-          <a:bodyPr anchorCtr="0" anchor="t" bIns="91425" lIns="91425" spcFirstLastPara="1" rIns="91425" wrap="square" tIns="91425">
+          <a:bodyPr spcFirstLastPara="1" wrap="square" lIns="91425" tIns="91425" rIns="91425" bIns="91425" anchor="t" anchorCtr="0">
             <a:noAutofit/>
           </a:bodyPr>
           <a:lstStyle/>
           <a:p>
-            <a:pPr indent="0" lvl="0" marL="0" rtl="0" algn="l">
+            <a:pPr marL="0" lvl="0" indent="0" algn="l" rtl="0">
               <a:spcBef>
                 <a:spcPts val="0"/>
               </a:spcBef>
@@ -1116,9 +1157,6 @@
               </a:spcAft>
               <a:buNone/>
             </a:pPr>
-            <a:r>
-              <a:t/>
-            </a:r>
             <a:endParaRPr/>
           </a:p>
         </p:txBody>
@@ -1132,11 +1170,11 @@
 </file>
 
 <file path=ppt/notesSlides/notesSlide13.xml><?xml version="1.0" encoding="utf-8"?>
-<p:notes xmlns:a="http://schemas.openxmlformats.org/drawingml/2006/main" xmlns:r="http://schemas.openxmlformats.org/officeDocument/2006/relationships" xmlns:mc="http://schemas.openxmlformats.org/markup-compatibility/2006" xmlns:mv="urn:schemas-microsoft-com:mac:vml" xmlns:p="http://schemas.openxmlformats.org/presentationml/2006/main" xmlns:c="http://schemas.openxmlformats.org/drawingml/2006/chart" xmlns:dgm="http://schemas.openxmlformats.org/drawingml/2006/diagram" xmlns:o="urn:schemas-microsoft-com:office:office" xmlns:v="urn:schemas-microsoft-com:vml" xmlns:pvml="urn:schemas-microsoft-com:office:powerpoint" xmlns:com="http://schemas.openxmlformats.org/drawingml/2006/compatibility" xmlns:p14="http://schemas.microsoft.com/office/powerpoint/2010/main" xmlns:p15="http://schemas.microsoft.com/office/powerpoint/2012/main" xmlns:ahyp="http://schemas.microsoft.com/office/drawing/2018/hyperlinkcolor" showMasterPhAnim="0" showMasterSp="0">
+<p:notes xmlns:a="http://schemas.openxmlformats.org/drawingml/2006/main" xmlns:r="http://schemas.openxmlformats.org/officeDocument/2006/relationships" xmlns:p="http://schemas.openxmlformats.org/presentationml/2006/main" showMasterSp="0" showMasterPhAnim="0">
   <p:cSld>
     <p:spTree>
       <p:nvGrpSpPr>
-        <p:cNvPr id="110" name="Shape 110"/>
+        <p:cNvPr id="1" name="Shape 110"/>
         <p:cNvGrpSpPr/>
         <p:nvPr/>
       </p:nvGrpSpPr>
@@ -1151,9 +1189,11 @@
       <p:sp>
         <p:nvSpPr>
           <p:cNvPr id="111" name="Google Shape;111;g14f8c7742b5_3_0:notes"/>
-          <p:cNvSpPr/>
+          <p:cNvSpPr>
+            <a:spLocks noGrp="1" noRot="1" noChangeAspect="1"/>
+          </p:cNvSpPr>
           <p:nvPr>
-            <p:ph idx="2" type="sldImg"/>
+            <p:ph type="sldImg" idx="2"/>
           </p:nvPr>
         </p:nvSpPr>
         <p:spPr>
@@ -1162,9 +1202,13 @@
             <a:ext cx="6096000" cy="3429000"/>
           </a:xfrm>
           <a:custGeom>
-            <a:rect b="b" l="l" r="r" t="t"/>
+            <a:avLst/>
+            <a:gdLst/>
+            <a:ahLst/>
+            <a:cxnLst/>
+            <a:rect l="l" t="t" r="r" b="b"/>
             <a:pathLst>
-              <a:path extrusionOk="0" h="120000" w="120000">
+              <a:path w="120000" h="120000" extrusionOk="0">
                 <a:moveTo>
                   <a:pt x="0" y="0"/>
                 </a:moveTo>
@@ -1186,9 +1230,11 @@
       <p:sp>
         <p:nvSpPr>
           <p:cNvPr id="112" name="Google Shape;112;g14f8c7742b5_3_0:notes"/>
-          <p:cNvSpPr txBox="1"/>
+          <p:cNvSpPr txBox="1">
+            <a:spLocks noGrp="1"/>
+          </p:cNvSpPr>
           <p:nvPr>
-            <p:ph idx="1" type="body"/>
+            <p:ph type="body" idx="1"/>
           </p:nvPr>
         </p:nvSpPr>
         <p:spPr>
@@ -1201,12 +1247,12 @@
           </a:prstGeom>
         </p:spPr>
         <p:txBody>
-          <a:bodyPr anchorCtr="0" anchor="t" bIns="91425" lIns="91425" spcFirstLastPara="1" rIns="91425" wrap="square" tIns="91425">
+          <a:bodyPr spcFirstLastPara="1" wrap="square" lIns="91425" tIns="91425" rIns="91425" bIns="91425" anchor="t" anchorCtr="0">
             <a:noAutofit/>
           </a:bodyPr>
           <a:lstStyle/>
           <a:p>
-            <a:pPr indent="0" lvl="0" marL="0" rtl="0" algn="l">
+            <a:pPr marL="0" lvl="0" indent="0" algn="l" rtl="0">
               <a:spcBef>
                 <a:spcPts val="0"/>
               </a:spcBef>
@@ -1215,9 +1261,6 @@
               </a:spcAft>
               <a:buNone/>
             </a:pPr>
-            <a:r>
-              <a:t/>
-            </a:r>
             <a:endParaRPr/>
           </a:p>
         </p:txBody>
@@ -1231,11 +1274,11 @@
 </file>
 
 <file path=ppt/notesSlides/notesSlide14.xml><?xml version="1.0" encoding="utf-8"?>
-<p:notes xmlns:a="http://schemas.openxmlformats.org/drawingml/2006/main" xmlns:r="http://schemas.openxmlformats.org/officeDocument/2006/relationships" xmlns:mc="http://schemas.openxmlformats.org/markup-compatibility/2006" xmlns:mv="urn:schemas-microsoft-com:mac:vml" xmlns:p="http://schemas.openxmlformats.org/presentationml/2006/main" xmlns:c="http://schemas.openxmlformats.org/drawingml/2006/chart" xmlns:dgm="http://schemas.openxmlformats.org/drawingml/2006/diagram" xmlns:o="urn:schemas-microsoft-com:office:office" xmlns:v="urn:schemas-microsoft-com:vml" xmlns:pvml="urn:schemas-microsoft-com:office:powerpoint" xmlns:com="http://schemas.openxmlformats.org/drawingml/2006/compatibility" xmlns:p14="http://schemas.microsoft.com/office/powerpoint/2010/main" xmlns:p15="http://schemas.microsoft.com/office/powerpoint/2012/main" xmlns:ahyp="http://schemas.microsoft.com/office/drawing/2018/hyperlinkcolor" showMasterPhAnim="0" showMasterSp="0">
+<p:notes xmlns:a="http://schemas.openxmlformats.org/drawingml/2006/main" xmlns:r="http://schemas.openxmlformats.org/officeDocument/2006/relationships" xmlns:p="http://schemas.openxmlformats.org/presentationml/2006/main" showMasterSp="0" showMasterPhAnim="0">
   <p:cSld>
     <p:spTree>
       <p:nvGrpSpPr>
-        <p:cNvPr id="115" name="Shape 115"/>
+        <p:cNvPr id="1" name="Shape 115"/>
         <p:cNvGrpSpPr/>
         <p:nvPr/>
       </p:nvGrpSpPr>
@@ -1250,9 +1293,11 @@
       <p:sp>
         <p:nvSpPr>
           <p:cNvPr id="116" name="Google Shape;116;g312d605125f_0_4:notes"/>
-          <p:cNvSpPr/>
+          <p:cNvSpPr>
+            <a:spLocks noGrp="1" noRot="1" noChangeAspect="1"/>
+          </p:cNvSpPr>
           <p:nvPr>
-            <p:ph idx="2" type="sldImg"/>
+            <p:ph type="sldImg" idx="2"/>
           </p:nvPr>
         </p:nvSpPr>
         <p:spPr>
@@ -1261,9 +1306,13 @@
             <a:ext cx="6096000" cy="3429000"/>
           </a:xfrm>
           <a:custGeom>
-            <a:rect b="b" l="l" r="r" t="t"/>
+            <a:avLst/>
+            <a:gdLst/>
+            <a:ahLst/>
+            <a:cxnLst/>
+            <a:rect l="l" t="t" r="r" b="b"/>
             <a:pathLst>
-              <a:path extrusionOk="0" h="120000" w="120000">
+              <a:path w="120000" h="120000" extrusionOk="0">
                 <a:moveTo>
                   <a:pt x="0" y="0"/>
                 </a:moveTo>
@@ -1285,9 +1334,11 @@
       <p:sp>
         <p:nvSpPr>
           <p:cNvPr id="117" name="Google Shape;117;g312d605125f_0_4:notes"/>
-          <p:cNvSpPr txBox="1"/>
+          <p:cNvSpPr txBox="1">
+            <a:spLocks noGrp="1"/>
+          </p:cNvSpPr>
           <p:nvPr>
-            <p:ph idx="1" type="body"/>
+            <p:ph type="body" idx="1"/>
           </p:nvPr>
         </p:nvSpPr>
         <p:spPr>
@@ -1300,12 +1351,12 @@
           </a:prstGeom>
         </p:spPr>
         <p:txBody>
-          <a:bodyPr anchorCtr="0" anchor="t" bIns="91425" lIns="91425" spcFirstLastPara="1" rIns="91425" wrap="square" tIns="91425">
+          <a:bodyPr spcFirstLastPara="1" wrap="square" lIns="91425" tIns="91425" rIns="91425" bIns="91425" anchor="t" anchorCtr="0">
             <a:noAutofit/>
           </a:bodyPr>
           <a:lstStyle/>
           <a:p>
-            <a:pPr indent="0" lvl="0" marL="0" rtl="0" algn="l">
+            <a:pPr marL="0" lvl="0" indent="0" algn="l" rtl="0">
               <a:spcBef>
                 <a:spcPts val="0"/>
               </a:spcBef>
@@ -1314,9 +1365,6 @@
               </a:spcAft>
               <a:buNone/>
             </a:pPr>
-            <a:r>
-              <a:t/>
-            </a:r>
             <a:endParaRPr/>
           </a:p>
         </p:txBody>
@@ -1330,11 +1378,11 @@
 </file>
 
 <file path=ppt/notesSlides/notesSlide15.xml><?xml version="1.0" encoding="utf-8"?>
-<p:notes xmlns:a="http://schemas.openxmlformats.org/drawingml/2006/main" xmlns:r="http://schemas.openxmlformats.org/officeDocument/2006/relationships" xmlns:mc="http://schemas.openxmlformats.org/markup-compatibility/2006" xmlns:mv="urn:schemas-microsoft-com:mac:vml" xmlns:p="http://schemas.openxmlformats.org/presentationml/2006/main" xmlns:c="http://schemas.openxmlformats.org/drawingml/2006/chart" xmlns:dgm="http://schemas.openxmlformats.org/drawingml/2006/diagram" xmlns:o="urn:schemas-microsoft-com:office:office" xmlns:v="urn:schemas-microsoft-com:vml" xmlns:pvml="urn:schemas-microsoft-com:office:powerpoint" xmlns:com="http://schemas.openxmlformats.org/drawingml/2006/compatibility" xmlns:p14="http://schemas.microsoft.com/office/powerpoint/2010/main" xmlns:p15="http://schemas.microsoft.com/office/powerpoint/2012/main" xmlns:ahyp="http://schemas.microsoft.com/office/drawing/2018/hyperlinkcolor" showMasterPhAnim="0" showMasterSp="0">
+<p:notes xmlns:a="http://schemas.openxmlformats.org/drawingml/2006/main" xmlns:r="http://schemas.openxmlformats.org/officeDocument/2006/relationships" xmlns:p="http://schemas.openxmlformats.org/presentationml/2006/main" showMasterSp="0" showMasterPhAnim="0">
   <p:cSld>
     <p:spTree>
       <p:nvGrpSpPr>
-        <p:cNvPr id="120" name="Shape 120"/>
+        <p:cNvPr id="1" name="Shape 120"/>
         <p:cNvGrpSpPr/>
         <p:nvPr/>
       </p:nvGrpSpPr>
@@ -1349,9 +1397,11 @@
       <p:sp>
         <p:nvSpPr>
           <p:cNvPr id="121" name="Google Shape;121;g9f210aecbc_0_5:notes"/>
-          <p:cNvSpPr/>
+          <p:cNvSpPr>
+            <a:spLocks noGrp="1" noRot="1" noChangeAspect="1"/>
+          </p:cNvSpPr>
           <p:nvPr>
-            <p:ph idx="2" type="sldImg"/>
+            <p:ph type="sldImg" idx="2"/>
           </p:nvPr>
         </p:nvSpPr>
         <p:spPr>
@@ -1360,9 +1410,13 @@
             <a:ext cx="6096000" cy="3429000"/>
           </a:xfrm>
           <a:custGeom>
-            <a:rect b="b" l="l" r="r" t="t"/>
+            <a:avLst/>
+            <a:gdLst/>
+            <a:ahLst/>
+            <a:cxnLst/>
+            <a:rect l="l" t="t" r="r" b="b"/>
             <a:pathLst>
-              <a:path extrusionOk="0" h="120000" w="120000">
+              <a:path w="120000" h="120000" extrusionOk="0">
                 <a:moveTo>
                   <a:pt x="0" y="0"/>
                 </a:moveTo>
@@ -1384,9 +1438,11 @@
       <p:sp>
         <p:nvSpPr>
           <p:cNvPr id="122" name="Google Shape;122;g9f210aecbc_0_5:notes"/>
-          <p:cNvSpPr txBox="1"/>
+          <p:cNvSpPr txBox="1">
+            <a:spLocks noGrp="1"/>
+          </p:cNvSpPr>
           <p:nvPr>
-            <p:ph idx="1" type="body"/>
+            <p:ph type="body" idx="1"/>
           </p:nvPr>
         </p:nvSpPr>
         <p:spPr>
@@ -1399,12 +1455,12 @@
           </a:prstGeom>
         </p:spPr>
         <p:txBody>
-          <a:bodyPr anchorCtr="0" anchor="t" bIns="91425" lIns="91425" spcFirstLastPara="1" rIns="91425" wrap="square" tIns="91425">
+          <a:bodyPr spcFirstLastPara="1" wrap="square" lIns="91425" tIns="91425" rIns="91425" bIns="91425" anchor="t" anchorCtr="0">
             <a:noAutofit/>
           </a:bodyPr>
           <a:lstStyle/>
           <a:p>
-            <a:pPr indent="0" lvl="0" marL="0" rtl="0" algn="l">
+            <a:pPr marL="0" lvl="0" indent="0" algn="l" rtl="0">
               <a:spcBef>
                 <a:spcPts val="0"/>
               </a:spcBef>
@@ -1430,11 +1486,11 @@
 </file>
 
 <file path=ppt/notesSlides/notesSlide16.xml><?xml version="1.0" encoding="utf-8"?>
-<p:notes xmlns:a="http://schemas.openxmlformats.org/drawingml/2006/main" xmlns:r="http://schemas.openxmlformats.org/officeDocument/2006/relationships" xmlns:mc="http://schemas.openxmlformats.org/markup-compatibility/2006" xmlns:mv="urn:schemas-microsoft-com:mac:vml" xmlns:p="http://schemas.openxmlformats.org/presentationml/2006/main" xmlns:c="http://schemas.openxmlformats.org/drawingml/2006/chart" xmlns:dgm="http://schemas.openxmlformats.org/drawingml/2006/diagram" xmlns:o="urn:schemas-microsoft-com:office:office" xmlns:v="urn:schemas-microsoft-com:vml" xmlns:pvml="urn:schemas-microsoft-com:office:powerpoint" xmlns:com="http://schemas.openxmlformats.org/drawingml/2006/compatibility" xmlns:p14="http://schemas.microsoft.com/office/powerpoint/2010/main" xmlns:p15="http://schemas.microsoft.com/office/powerpoint/2012/main" xmlns:ahyp="http://schemas.microsoft.com/office/drawing/2018/hyperlinkcolor" showMasterPhAnim="0" showMasterSp="0">
+<p:notes xmlns:a="http://schemas.openxmlformats.org/drawingml/2006/main" xmlns:r="http://schemas.openxmlformats.org/officeDocument/2006/relationships" xmlns:p="http://schemas.openxmlformats.org/presentationml/2006/main" showMasterSp="0" showMasterPhAnim="0">
   <p:cSld>
     <p:spTree>
       <p:nvGrpSpPr>
-        <p:cNvPr id="125" name="Shape 125"/>
+        <p:cNvPr id="1" name="Shape 125"/>
         <p:cNvGrpSpPr/>
         <p:nvPr/>
       </p:nvGrpSpPr>
@@ -1449,9 +1505,11 @@
       <p:sp>
         <p:nvSpPr>
           <p:cNvPr id="126" name="Google Shape;126;g312d605125f_0_8:notes"/>
-          <p:cNvSpPr/>
+          <p:cNvSpPr>
+            <a:spLocks noGrp="1" noRot="1" noChangeAspect="1"/>
+          </p:cNvSpPr>
           <p:nvPr>
-            <p:ph idx="2" type="sldImg"/>
+            <p:ph type="sldImg" idx="2"/>
           </p:nvPr>
         </p:nvSpPr>
         <p:spPr>
@@ -1460,9 +1518,13 @@
             <a:ext cx="6096000" cy="3429000"/>
           </a:xfrm>
           <a:custGeom>
-            <a:rect b="b" l="l" r="r" t="t"/>
+            <a:avLst/>
+            <a:gdLst/>
+            <a:ahLst/>
+            <a:cxnLst/>
+            <a:rect l="l" t="t" r="r" b="b"/>
             <a:pathLst>
-              <a:path extrusionOk="0" h="120000" w="120000">
+              <a:path w="120000" h="120000" extrusionOk="0">
                 <a:moveTo>
                   <a:pt x="0" y="0"/>
                 </a:moveTo>
@@ -1484,9 +1546,11 @@
       <p:sp>
         <p:nvSpPr>
           <p:cNvPr id="127" name="Google Shape;127;g312d605125f_0_8:notes"/>
-          <p:cNvSpPr txBox="1"/>
+          <p:cNvSpPr txBox="1">
+            <a:spLocks noGrp="1"/>
+          </p:cNvSpPr>
           <p:nvPr>
-            <p:ph idx="1" type="body"/>
+            <p:ph type="body" idx="1"/>
           </p:nvPr>
         </p:nvSpPr>
         <p:spPr>
@@ -1499,12 +1563,12 @@
           </a:prstGeom>
         </p:spPr>
         <p:txBody>
-          <a:bodyPr anchorCtr="0" anchor="t" bIns="91425" lIns="91425" spcFirstLastPara="1" rIns="91425" wrap="square" tIns="91425">
+          <a:bodyPr spcFirstLastPara="1" wrap="square" lIns="91425" tIns="91425" rIns="91425" bIns="91425" anchor="t" anchorCtr="0">
             <a:noAutofit/>
           </a:bodyPr>
           <a:lstStyle/>
           <a:p>
-            <a:pPr indent="0" lvl="0" marL="0" rtl="0" algn="l">
+            <a:pPr marL="0" lvl="0" indent="0" algn="l" rtl="0">
               <a:spcBef>
                 <a:spcPts val="0"/>
               </a:spcBef>
@@ -1534,11 +1598,11 @@
 </file>
 
 <file path=ppt/notesSlides/notesSlide17.xml><?xml version="1.0" encoding="utf-8"?>
-<p:notes xmlns:a="http://schemas.openxmlformats.org/drawingml/2006/main" xmlns:r="http://schemas.openxmlformats.org/officeDocument/2006/relationships" xmlns:mc="http://schemas.openxmlformats.org/markup-compatibility/2006" xmlns:mv="urn:schemas-microsoft-com:mac:vml" xmlns:p="http://schemas.openxmlformats.org/presentationml/2006/main" xmlns:c="http://schemas.openxmlformats.org/drawingml/2006/chart" xmlns:dgm="http://schemas.openxmlformats.org/drawingml/2006/diagram" xmlns:o="urn:schemas-microsoft-com:office:office" xmlns:v="urn:schemas-microsoft-com:vml" xmlns:pvml="urn:schemas-microsoft-com:office:powerpoint" xmlns:com="http://schemas.openxmlformats.org/drawingml/2006/compatibility" xmlns:p14="http://schemas.microsoft.com/office/powerpoint/2010/main" xmlns:p15="http://schemas.microsoft.com/office/powerpoint/2012/main" xmlns:ahyp="http://schemas.microsoft.com/office/drawing/2018/hyperlinkcolor" showMasterPhAnim="0" showMasterSp="0">
+<p:notes xmlns:a="http://schemas.openxmlformats.org/drawingml/2006/main" xmlns:r="http://schemas.openxmlformats.org/officeDocument/2006/relationships" xmlns:p="http://schemas.openxmlformats.org/presentationml/2006/main" showMasterSp="0" showMasterPhAnim="0">
   <p:cSld>
     <p:spTree>
       <p:nvGrpSpPr>
-        <p:cNvPr id="130" name="Shape 130"/>
+        <p:cNvPr id="1" name="Shape 130"/>
         <p:cNvGrpSpPr/>
         <p:nvPr/>
       </p:nvGrpSpPr>
@@ -1553,9 +1617,11 @@
       <p:sp>
         <p:nvSpPr>
           <p:cNvPr id="131" name="Google Shape;131;g312d605125f_0_0:notes"/>
-          <p:cNvSpPr/>
+          <p:cNvSpPr>
+            <a:spLocks noGrp="1" noRot="1" noChangeAspect="1"/>
+          </p:cNvSpPr>
           <p:nvPr>
-            <p:ph idx="2" type="sldImg"/>
+            <p:ph type="sldImg" idx="2"/>
           </p:nvPr>
         </p:nvSpPr>
         <p:spPr>
@@ -1564,9 +1630,13 @@
             <a:ext cx="6096000" cy="3429000"/>
           </a:xfrm>
           <a:custGeom>
-            <a:rect b="b" l="l" r="r" t="t"/>
+            <a:avLst/>
+            <a:gdLst/>
+            <a:ahLst/>
+            <a:cxnLst/>
+            <a:rect l="l" t="t" r="r" b="b"/>
             <a:pathLst>
-              <a:path extrusionOk="0" h="120000" w="120000">
+              <a:path w="120000" h="120000" extrusionOk="0">
                 <a:moveTo>
                   <a:pt x="0" y="0"/>
                 </a:moveTo>
@@ -1588,9 +1658,11 @@
       <p:sp>
         <p:nvSpPr>
           <p:cNvPr id="132" name="Google Shape;132;g312d605125f_0_0:notes"/>
-          <p:cNvSpPr txBox="1"/>
+          <p:cNvSpPr txBox="1">
+            <a:spLocks noGrp="1"/>
+          </p:cNvSpPr>
           <p:nvPr>
-            <p:ph idx="1" type="body"/>
+            <p:ph type="body" idx="1"/>
           </p:nvPr>
         </p:nvSpPr>
         <p:spPr>
@@ -1603,12 +1675,12 @@
           </a:prstGeom>
         </p:spPr>
         <p:txBody>
-          <a:bodyPr anchorCtr="0" anchor="t" bIns="91425" lIns="91425" spcFirstLastPara="1" rIns="91425" wrap="square" tIns="91425">
+          <a:bodyPr spcFirstLastPara="1" wrap="square" lIns="91425" tIns="91425" rIns="91425" bIns="91425" anchor="t" anchorCtr="0">
             <a:noAutofit/>
           </a:bodyPr>
           <a:lstStyle/>
           <a:p>
-            <a:pPr indent="0" lvl="0" marL="0" rtl="0" algn="l">
+            <a:pPr marL="0" lvl="0" indent="0" algn="l" rtl="0">
               <a:spcBef>
                 <a:spcPts val="0"/>
               </a:spcBef>
@@ -1634,11 +1706,11 @@
 </file>
 
 <file path=ppt/notesSlides/notesSlide18.xml><?xml version="1.0" encoding="utf-8"?>
-<p:notes xmlns:a="http://schemas.openxmlformats.org/drawingml/2006/main" xmlns:r="http://schemas.openxmlformats.org/officeDocument/2006/relationships" xmlns:mc="http://schemas.openxmlformats.org/markup-compatibility/2006" xmlns:mv="urn:schemas-microsoft-com:mac:vml" xmlns:p="http://schemas.openxmlformats.org/presentationml/2006/main" xmlns:c="http://schemas.openxmlformats.org/drawingml/2006/chart" xmlns:dgm="http://schemas.openxmlformats.org/drawingml/2006/diagram" xmlns:o="urn:schemas-microsoft-com:office:office" xmlns:v="urn:schemas-microsoft-com:vml" xmlns:pvml="urn:schemas-microsoft-com:office:powerpoint" xmlns:com="http://schemas.openxmlformats.org/drawingml/2006/compatibility" xmlns:p14="http://schemas.microsoft.com/office/powerpoint/2010/main" xmlns:p15="http://schemas.microsoft.com/office/powerpoint/2012/main" xmlns:ahyp="http://schemas.microsoft.com/office/drawing/2018/hyperlinkcolor" showMasterPhAnim="0" showMasterSp="0">
+<p:notes xmlns:a="http://schemas.openxmlformats.org/drawingml/2006/main" xmlns:r="http://schemas.openxmlformats.org/officeDocument/2006/relationships" xmlns:p="http://schemas.openxmlformats.org/presentationml/2006/main" showMasterSp="0" showMasterPhAnim="0">
   <p:cSld>
     <p:spTree>
       <p:nvGrpSpPr>
-        <p:cNvPr id="135" name="Shape 135"/>
+        <p:cNvPr id="1" name="Shape 135"/>
         <p:cNvGrpSpPr/>
         <p:nvPr/>
       </p:nvGrpSpPr>
@@ -1653,9 +1725,11 @@
       <p:sp>
         <p:nvSpPr>
           <p:cNvPr id="136" name="Google Shape;136;g18401b6c2f9_0_89:notes"/>
-          <p:cNvSpPr/>
+          <p:cNvSpPr>
+            <a:spLocks noGrp="1" noRot="1" noChangeAspect="1"/>
+          </p:cNvSpPr>
           <p:nvPr>
-            <p:ph idx="2" type="sldImg"/>
+            <p:ph type="sldImg" idx="2"/>
           </p:nvPr>
         </p:nvSpPr>
         <p:spPr>
@@ -1664,9 +1738,13 @@
             <a:ext cx="6096000" cy="3429000"/>
           </a:xfrm>
           <a:custGeom>
-            <a:rect b="b" l="l" r="r" t="t"/>
+            <a:avLst/>
+            <a:gdLst/>
+            <a:ahLst/>
+            <a:cxnLst/>
+            <a:rect l="l" t="t" r="r" b="b"/>
             <a:pathLst>
-              <a:path extrusionOk="0" h="120000" w="120000">
+              <a:path w="120000" h="120000" extrusionOk="0">
                 <a:moveTo>
                   <a:pt x="0" y="0"/>
                 </a:moveTo>
@@ -1688,9 +1766,11 @@
       <p:sp>
         <p:nvSpPr>
           <p:cNvPr id="137" name="Google Shape;137;g18401b6c2f9_0_89:notes"/>
-          <p:cNvSpPr txBox="1"/>
+          <p:cNvSpPr txBox="1">
+            <a:spLocks noGrp="1"/>
+          </p:cNvSpPr>
           <p:nvPr>
-            <p:ph idx="1" type="body"/>
+            <p:ph type="body" idx="1"/>
           </p:nvPr>
         </p:nvSpPr>
         <p:spPr>
@@ -1703,12 +1783,12 @@
           </a:prstGeom>
         </p:spPr>
         <p:txBody>
-          <a:bodyPr anchorCtr="0" anchor="t" bIns="91425" lIns="91425" spcFirstLastPara="1" rIns="91425" wrap="square" tIns="91425">
+          <a:bodyPr spcFirstLastPara="1" wrap="square" lIns="91425" tIns="91425" rIns="91425" bIns="91425" anchor="t" anchorCtr="0">
             <a:noAutofit/>
           </a:bodyPr>
           <a:lstStyle/>
           <a:p>
-            <a:pPr indent="0" lvl="0" marL="0" rtl="0" algn="l">
+            <a:pPr marL="0" lvl="0" indent="0" algn="l" rtl="0">
               <a:spcBef>
                 <a:spcPts val="0"/>
               </a:spcBef>
@@ -1717,9 +1797,6 @@
               </a:spcAft>
               <a:buNone/>
             </a:pPr>
-            <a:r>
-              <a:t/>
-            </a:r>
             <a:endParaRPr/>
           </a:p>
         </p:txBody>
@@ -1733,11 +1810,11 @@
 </file>
 
 <file path=ppt/notesSlides/notesSlide19.xml><?xml version="1.0" encoding="utf-8"?>
-<p:notes xmlns:a="http://schemas.openxmlformats.org/drawingml/2006/main" xmlns:r="http://schemas.openxmlformats.org/officeDocument/2006/relationships" xmlns:mc="http://schemas.openxmlformats.org/markup-compatibility/2006" xmlns:mv="urn:schemas-microsoft-com:mac:vml" xmlns:p="http://schemas.openxmlformats.org/presentationml/2006/main" xmlns:c="http://schemas.openxmlformats.org/drawingml/2006/chart" xmlns:dgm="http://schemas.openxmlformats.org/drawingml/2006/diagram" xmlns:o="urn:schemas-microsoft-com:office:office" xmlns:v="urn:schemas-microsoft-com:vml" xmlns:pvml="urn:schemas-microsoft-com:office:powerpoint" xmlns:com="http://schemas.openxmlformats.org/drawingml/2006/compatibility" xmlns:p14="http://schemas.microsoft.com/office/powerpoint/2010/main" xmlns:p15="http://schemas.microsoft.com/office/powerpoint/2012/main" xmlns:ahyp="http://schemas.microsoft.com/office/drawing/2018/hyperlinkcolor" showMasterPhAnim="0" showMasterSp="0">
+<p:notes xmlns:a="http://schemas.openxmlformats.org/drawingml/2006/main" xmlns:r="http://schemas.openxmlformats.org/officeDocument/2006/relationships" xmlns:p="http://schemas.openxmlformats.org/presentationml/2006/main" showMasterSp="0" showMasterPhAnim="0">
   <p:cSld>
     <p:spTree>
       <p:nvGrpSpPr>
-        <p:cNvPr id="140" name="Shape 140"/>
+        <p:cNvPr id="1" name="Shape 140"/>
         <p:cNvGrpSpPr/>
         <p:nvPr/>
       </p:nvGrpSpPr>
@@ -1752,9 +1829,11 @@
       <p:sp>
         <p:nvSpPr>
           <p:cNvPr id="141" name="Google Shape;141;g29a924ac89a_3_4:notes"/>
-          <p:cNvSpPr/>
+          <p:cNvSpPr>
+            <a:spLocks noGrp="1" noRot="1" noChangeAspect="1"/>
+          </p:cNvSpPr>
           <p:nvPr>
-            <p:ph idx="2" type="sldImg"/>
+            <p:ph type="sldImg" idx="2"/>
           </p:nvPr>
         </p:nvSpPr>
         <p:spPr>
@@ -1763,9 +1842,13 @@
             <a:ext cx="6096000" cy="3429000"/>
           </a:xfrm>
           <a:custGeom>
-            <a:rect b="b" l="l" r="r" t="t"/>
+            <a:avLst/>
+            <a:gdLst/>
+            <a:ahLst/>
+            <a:cxnLst/>
+            <a:rect l="l" t="t" r="r" b="b"/>
             <a:pathLst>
-              <a:path extrusionOk="0" h="120000" w="120000">
+              <a:path w="120000" h="120000" extrusionOk="0">
                 <a:moveTo>
                   <a:pt x="0" y="0"/>
                 </a:moveTo>
@@ -1787,9 +1870,11 @@
       <p:sp>
         <p:nvSpPr>
           <p:cNvPr id="142" name="Google Shape;142;g29a924ac89a_3_4:notes"/>
-          <p:cNvSpPr txBox="1"/>
+          <p:cNvSpPr txBox="1">
+            <a:spLocks noGrp="1"/>
+          </p:cNvSpPr>
           <p:nvPr>
-            <p:ph idx="1" type="body"/>
+            <p:ph type="body" idx="1"/>
           </p:nvPr>
         </p:nvSpPr>
         <p:spPr>
@@ -1802,12 +1887,12 @@
           </a:prstGeom>
         </p:spPr>
         <p:txBody>
-          <a:bodyPr anchorCtr="0" anchor="t" bIns="91425" lIns="91425" spcFirstLastPara="1" rIns="91425" wrap="square" tIns="91425">
+          <a:bodyPr spcFirstLastPara="1" wrap="square" lIns="91425" tIns="91425" rIns="91425" bIns="91425" anchor="t" anchorCtr="0">
             <a:noAutofit/>
           </a:bodyPr>
           <a:lstStyle/>
           <a:p>
-            <a:pPr indent="0" lvl="0" marL="0" rtl="0" algn="l">
+            <a:pPr marL="0" lvl="0" indent="0" algn="l" rtl="0">
               <a:spcBef>
                 <a:spcPts val="0"/>
               </a:spcBef>
@@ -1836,7 +1921,7 @@
             </a:endParaRPr>
           </a:p>
           <a:p>
-            <a:pPr indent="0" lvl="0" marL="0" rtl="0" algn="l">
+            <a:pPr marL="0" lvl="0" indent="0" algn="l" rtl="0">
               <a:spcBef>
                 <a:spcPts val="0"/>
               </a:spcBef>
@@ -1845,9 +1930,6 @@
               </a:spcAft>
               <a:buNone/>
             </a:pPr>
-            <a:r>
-              <a:t/>
-            </a:r>
             <a:endParaRPr/>
           </a:p>
         </p:txBody>
@@ -1861,11 +1943,11 @@
 </file>
 
 <file path=ppt/notesSlides/notesSlide2.xml><?xml version="1.0" encoding="utf-8"?>
-<p:notes xmlns:a="http://schemas.openxmlformats.org/drawingml/2006/main" xmlns:r="http://schemas.openxmlformats.org/officeDocument/2006/relationships" xmlns:mc="http://schemas.openxmlformats.org/markup-compatibility/2006" xmlns:mv="urn:schemas-microsoft-com:mac:vml" xmlns:p="http://schemas.openxmlformats.org/presentationml/2006/main" xmlns:c="http://schemas.openxmlformats.org/drawingml/2006/chart" xmlns:dgm="http://schemas.openxmlformats.org/drawingml/2006/diagram" xmlns:o="urn:schemas-microsoft-com:office:office" xmlns:v="urn:schemas-microsoft-com:vml" xmlns:pvml="urn:schemas-microsoft-com:office:powerpoint" xmlns:com="http://schemas.openxmlformats.org/drawingml/2006/compatibility" xmlns:p14="http://schemas.microsoft.com/office/powerpoint/2010/main" xmlns:p15="http://schemas.microsoft.com/office/powerpoint/2012/main" xmlns:ahyp="http://schemas.microsoft.com/office/drawing/2018/hyperlinkcolor" showMasterPhAnim="0" showMasterSp="0">
+<p:notes xmlns:a="http://schemas.openxmlformats.org/drawingml/2006/main" xmlns:r="http://schemas.openxmlformats.org/officeDocument/2006/relationships" xmlns:p="http://schemas.openxmlformats.org/presentationml/2006/main" showMasterSp="0" showMasterPhAnim="0">
   <p:cSld>
     <p:spTree>
       <p:nvGrpSpPr>
-        <p:cNvPr id="55" name="Shape 55"/>
+        <p:cNvPr id="1" name="Shape 55"/>
         <p:cNvGrpSpPr/>
         <p:nvPr/>
       </p:nvGrpSpPr>
@@ -1880,9 +1962,11 @@
       <p:sp>
         <p:nvSpPr>
           <p:cNvPr id="56" name="Google Shape;56;g9f210aecbc_0_154:notes"/>
-          <p:cNvSpPr/>
+          <p:cNvSpPr>
+            <a:spLocks noGrp="1" noRot="1" noChangeAspect="1"/>
+          </p:cNvSpPr>
           <p:nvPr>
-            <p:ph idx="2" type="sldImg"/>
+            <p:ph type="sldImg" idx="2"/>
           </p:nvPr>
         </p:nvSpPr>
         <p:spPr>
@@ -1891,9 +1975,13 @@
             <a:ext cx="6096000" cy="3429000"/>
           </a:xfrm>
           <a:custGeom>
-            <a:rect b="b" l="l" r="r" t="t"/>
+            <a:avLst/>
+            <a:gdLst/>
+            <a:ahLst/>
+            <a:cxnLst/>
+            <a:rect l="l" t="t" r="r" b="b"/>
             <a:pathLst>
-              <a:path extrusionOk="0" h="120000" w="120000">
+              <a:path w="120000" h="120000" extrusionOk="0">
                 <a:moveTo>
                   <a:pt x="0" y="0"/>
                 </a:moveTo>
@@ -1915,9 +2003,11 @@
       <p:sp>
         <p:nvSpPr>
           <p:cNvPr id="57" name="Google Shape;57;g9f210aecbc_0_154:notes"/>
-          <p:cNvSpPr txBox="1"/>
+          <p:cNvSpPr txBox="1">
+            <a:spLocks noGrp="1"/>
+          </p:cNvSpPr>
           <p:nvPr>
-            <p:ph idx="1" type="body"/>
+            <p:ph type="body" idx="1"/>
           </p:nvPr>
         </p:nvSpPr>
         <p:spPr>
@@ -1930,12 +2020,12 @@
           </a:prstGeom>
         </p:spPr>
         <p:txBody>
-          <a:bodyPr anchorCtr="0" anchor="t" bIns="91425" lIns="91425" spcFirstLastPara="1" rIns="91425" wrap="square" tIns="91425">
+          <a:bodyPr spcFirstLastPara="1" wrap="square" lIns="91425" tIns="91425" rIns="91425" bIns="91425" anchor="t" anchorCtr="0">
             <a:noAutofit/>
           </a:bodyPr>
           <a:lstStyle/>
           <a:p>
-            <a:pPr indent="0" lvl="0" marL="0" rtl="0" algn="l">
+            <a:pPr marL="0" lvl="0" indent="0" algn="l" rtl="0">
               <a:spcBef>
                 <a:spcPts val="0"/>
               </a:spcBef>
@@ -1944,9 +2034,6 @@
               </a:spcAft>
               <a:buNone/>
             </a:pPr>
-            <a:r>
-              <a:t/>
-            </a:r>
             <a:endParaRPr/>
           </a:p>
         </p:txBody>
@@ -1960,11 +2047,11 @@
 </file>
 
 <file path=ppt/notesSlides/notesSlide20.xml><?xml version="1.0" encoding="utf-8"?>
-<p:notes xmlns:a="http://schemas.openxmlformats.org/drawingml/2006/main" xmlns:r="http://schemas.openxmlformats.org/officeDocument/2006/relationships" xmlns:mc="http://schemas.openxmlformats.org/markup-compatibility/2006" xmlns:mv="urn:schemas-microsoft-com:mac:vml" xmlns:p="http://schemas.openxmlformats.org/presentationml/2006/main" xmlns:c="http://schemas.openxmlformats.org/drawingml/2006/chart" xmlns:dgm="http://schemas.openxmlformats.org/drawingml/2006/diagram" xmlns:o="urn:schemas-microsoft-com:office:office" xmlns:v="urn:schemas-microsoft-com:vml" xmlns:pvml="urn:schemas-microsoft-com:office:powerpoint" xmlns:com="http://schemas.openxmlformats.org/drawingml/2006/compatibility" xmlns:p14="http://schemas.microsoft.com/office/powerpoint/2010/main" xmlns:p15="http://schemas.microsoft.com/office/powerpoint/2012/main" xmlns:ahyp="http://schemas.microsoft.com/office/drawing/2018/hyperlinkcolor" showMasterPhAnim="0" showMasterSp="0">
+<p:notes xmlns:a="http://schemas.openxmlformats.org/drawingml/2006/main" xmlns:r="http://schemas.openxmlformats.org/officeDocument/2006/relationships" xmlns:p="http://schemas.openxmlformats.org/presentationml/2006/main" showMasterSp="0" showMasterPhAnim="0">
   <p:cSld>
     <p:spTree>
       <p:nvGrpSpPr>
-        <p:cNvPr id="145" name="Shape 145"/>
+        <p:cNvPr id="1" name="Shape 145"/>
         <p:cNvGrpSpPr/>
         <p:nvPr/>
       </p:nvGrpSpPr>
@@ -1979,9 +2066,11 @@
       <p:sp>
         <p:nvSpPr>
           <p:cNvPr id="146" name="Google Shape;146;g9f210aecbc_0_145:notes"/>
-          <p:cNvSpPr/>
+          <p:cNvSpPr>
+            <a:spLocks noGrp="1" noRot="1" noChangeAspect="1"/>
+          </p:cNvSpPr>
           <p:nvPr>
-            <p:ph idx="2" type="sldImg"/>
+            <p:ph type="sldImg" idx="2"/>
           </p:nvPr>
         </p:nvSpPr>
         <p:spPr>
@@ -1990,9 +2079,13 @@
             <a:ext cx="6096000" cy="3429000"/>
           </a:xfrm>
           <a:custGeom>
-            <a:rect b="b" l="l" r="r" t="t"/>
+            <a:avLst/>
+            <a:gdLst/>
+            <a:ahLst/>
+            <a:cxnLst/>
+            <a:rect l="l" t="t" r="r" b="b"/>
             <a:pathLst>
-              <a:path extrusionOk="0" h="120000" w="120000">
+              <a:path w="120000" h="120000" extrusionOk="0">
                 <a:moveTo>
                   <a:pt x="0" y="0"/>
                 </a:moveTo>
@@ -2014,9 +2107,11 @@
       <p:sp>
         <p:nvSpPr>
           <p:cNvPr id="147" name="Google Shape;147;g9f210aecbc_0_145:notes"/>
-          <p:cNvSpPr txBox="1"/>
+          <p:cNvSpPr txBox="1">
+            <a:spLocks noGrp="1"/>
+          </p:cNvSpPr>
           <p:nvPr>
-            <p:ph idx="1" type="body"/>
+            <p:ph type="body" idx="1"/>
           </p:nvPr>
         </p:nvSpPr>
         <p:spPr>
@@ -2029,12 +2124,12 @@
           </a:prstGeom>
         </p:spPr>
         <p:txBody>
-          <a:bodyPr anchorCtr="0" anchor="t" bIns="91425" lIns="91425" spcFirstLastPara="1" rIns="91425" wrap="square" tIns="91425">
+          <a:bodyPr spcFirstLastPara="1" wrap="square" lIns="91425" tIns="91425" rIns="91425" bIns="91425" anchor="t" anchorCtr="0">
             <a:noAutofit/>
           </a:bodyPr>
           <a:lstStyle/>
           <a:p>
-            <a:pPr indent="0" lvl="0" marL="0" rtl="0" algn="l">
+            <a:pPr marL="0" lvl="0" indent="0" algn="l" rtl="0">
               <a:spcBef>
                 <a:spcPts val="0"/>
               </a:spcBef>
@@ -2064,11 +2159,11 @@
 </file>
 
 <file path=ppt/notesSlides/notesSlide21.xml><?xml version="1.0" encoding="utf-8"?>
-<p:notes xmlns:a="http://schemas.openxmlformats.org/drawingml/2006/main" xmlns:r="http://schemas.openxmlformats.org/officeDocument/2006/relationships" xmlns:mc="http://schemas.openxmlformats.org/markup-compatibility/2006" xmlns:mv="urn:schemas-microsoft-com:mac:vml" xmlns:p="http://schemas.openxmlformats.org/presentationml/2006/main" xmlns:c="http://schemas.openxmlformats.org/drawingml/2006/chart" xmlns:dgm="http://schemas.openxmlformats.org/drawingml/2006/diagram" xmlns:o="urn:schemas-microsoft-com:office:office" xmlns:v="urn:schemas-microsoft-com:vml" xmlns:pvml="urn:schemas-microsoft-com:office:powerpoint" xmlns:com="http://schemas.openxmlformats.org/drawingml/2006/compatibility" xmlns:p14="http://schemas.microsoft.com/office/powerpoint/2010/main" xmlns:p15="http://schemas.microsoft.com/office/powerpoint/2012/main" xmlns:ahyp="http://schemas.microsoft.com/office/drawing/2018/hyperlinkcolor" showMasterPhAnim="0" showMasterSp="0">
+<p:notes xmlns:a="http://schemas.openxmlformats.org/drawingml/2006/main" xmlns:r="http://schemas.openxmlformats.org/officeDocument/2006/relationships" xmlns:p="http://schemas.openxmlformats.org/presentationml/2006/main" showMasterSp="0" showMasterPhAnim="0">
   <p:cSld>
     <p:spTree>
       <p:nvGrpSpPr>
-        <p:cNvPr id="150" name="Shape 150"/>
+        <p:cNvPr id="1" name="Shape 150"/>
         <p:cNvGrpSpPr/>
         <p:nvPr/>
       </p:nvGrpSpPr>
@@ -2083,9 +2178,11 @@
       <p:sp>
         <p:nvSpPr>
           <p:cNvPr id="151" name="Google Shape;151;g312d605125f_0_17:notes"/>
-          <p:cNvSpPr/>
+          <p:cNvSpPr>
+            <a:spLocks noGrp="1" noRot="1" noChangeAspect="1"/>
+          </p:cNvSpPr>
           <p:nvPr>
-            <p:ph idx="2" type="sldImg"/>
+            <p:ph type="sldImg" idx="2"/>
           </p:nvPr>
         </p:nvSpPr>
         <p:spPr>
@@ -2094,9 +2191,13 @@
             <a:ext cx="6096000" cy="3429000"/>
           </a:xfrm>
           <a:custGeom>
-            <a:rect b="b" l="l" r="r" t="t"/>
+            <a:avLst/>
+            <a:gdLst/>
+            <a:ahLst/>
+            <a:cxnLst/>
+            <a:rect l="l" t="t" r="r" b="b"/>
             <a:pathLst>
-              <a:path extrusionOk="0" h="120000" w="120000">
+              <a:path w="120000" h="120000" extrusionOk="0">
                 <a:moveTo>
                   <a:pt x="0" y="0"/>
                 </a:moveTo>
@@ -2118,9 +2219,11 @@
       <p:sp>
         <p:nvSpPr>
           <p:cNvPr id="152" name="Google Shape;152;g312d605125f_0_17:notes"/>
-          <p:cNvSpPr txBox="1"/>
+          <p:cNvSpPr txBox="1">
+            <a:spLocks noGrp="1"/>
+          </p:cNvSpPr>
           <p:nvPr>
-            <p:ph idx="1" type="body"/>
+            <p:ph type="body" idx="1"/>
           </p:nvPr>
         </p:nvSpPr>
         <p:spPr>
@@ -2133,12 +2236,12 @@
           </a:prstGeom>
         </p:spPr>
         <p:txBody>
-          <a:bodyPr anchorCtr="0" anchor="t" bIns="91425" lIns="91425" spcFirstLastPara="1" rIns="91425" wrap="square" tIns="91425">
+          <a:bodyPr spcFirstLastPara="1" wrap="square" lIns="91425" tIns="91425" rIns="91425" bIns="91425" anchor="t" anchorCtr="0">
             <a:noAutofit/>
           </a:bodyPr>
           <a:lstStyle/>
           <a:p>
-            <a:pPr indent="0" lvl="0" marL="0" rtl="0" algn="l">
+            <a:pPr marL="0" lvl="0" indent="0" algn="l" rtl="0">
               <a:spcBef>
                 <a:spcPts val="0"/>
               </a:spcBef>
@@ -2164,11 +2267,11 @@
 </file>
 
 <file path=ppt/notesSlides/notesSlide22.xml><?xml version="1.0" encoding="utf-8"?>
-<p:notes xmlns:a="http://schemas.openxmlformats.org/drawingml/2006/main" xmlns:r="http://schemas.openxmlformats.org/officeDocument/2006/relationships" xmlns:mc="http://schemas.openxmlformats.org/markup-compatibility/2006" xmlns:mv="urn:schemas-microsoft-com:mac:vml" xmlns:p="http://schemas.openxmlformats.org/presentationml/2006/main" xmlns:c="http://schemas.openxmlformats.org/drawingml/2006/chart" xmlns:dgm="http://schemas.openxmlformats.org/drawingml/2006/diagram" xmlns:o="urn:schemas-microsoft-com:office:office" xmlns:v="urn:schemas-microsoft-com:vml" xmlns:pvml="urn:schemas-microsoft-com:office:powerpoint" xmlns:com="http://schemas.openxmlformats.org/drawingml/2006/compatibility" xmlns:p14="http://schemas.microsoft.com/office/powerpoint/2010/main" xmlns:p15="http://schemas.microsoft.com/office/powerpoint/2012/main" xmlns:ahyp="http://schemas.microsoft.com/office/drawing/2018/hyperlinkcolor" showMasterPhAnim="0" showMasterSp="0">
+<p:notes xmlns:a="http://schemas.openxmlformats.org/drawingml/2006/main" xmlns:r="http://schemas.openxmlformats.org/officeDocument/2006/relationships" xmlns:p="http://schemas.openxmlformats.org/presentationml/2006/main" showMasterSp="0" showMasterPhAnim="0">
   <p:cSld>
     <p:spTree>
       <p:nvGrpSpPr>
-        <p:cNvPr id="155" name="Shape 155"/>
+        <p:cNvPr id="1" name="Shape 155"/>
         <p:cNvGrpSpPr/>
         <p:nvPr/>
       </p:nvGrpSpPr>
@@ -2183,9 +2286,11 @@
       <p:sp>
         <p:nvSpPr>
           <p:cNvPr id="156" name="Google Shape;156;g9f210aecbc_0_226:notes"/>
-          <p:cNvSpPr/>
+          <p:cNvSpPr>
+            <a:spLocks noGrp="1" noRot="1" noChangeAspect="1"/>
+          </p:cNvSpPr>
           <p:nvPr>
-            <p:ph idx="2" type="sldImg"/>
+            <p:ph type="sldImg" idx="2"/>
           </p:nvPr>
         </p:nvSpPr>
         <p:spPr>
@@ -2194,9 +2299,13 @@
             <a:ext cx="6096000" cy="3429000"/>
           </a:xfrm>
           <a:custGeom>
-            <a:rect b="b" l="l" r="r" t="t"/>
+            <a:avLst/>
+            <a:gdLst/>
+            <a:ahLst/>
+            <a:cxnLst/>
+            <a:rect l="l" t="t" r="r" b="b"/>
             <a:pathLst>
-              <a:path extrusionOk="0" h="120000" w="120000">
+              <a:path w="120000" h="120000" extrusionOk="0">
                 <a:moveTo>
                   <a:pt x="0" y="0"/>
                 </a:moveTo>
@@ -2218,9 +2327,11 @@
       <p:sp>
         <p:nvSpPr>
           <p:cNvPr id="157" name="Google Shape;157;g9f210aecbc_0_226:notes"/>
-          <p:cNvSpPr txBox="1"/>
+          <p:cNvSpPr txBox="1">
+            <a:spLocks noGrp="1"/>
+          </p:cNvSpPr>
           <p:nvPr>
-            <p:ph idx="1" type="body"/>
+            <p:ph type="body" idx="1"/>
           </p:nvPr>
         </p:nvSpPr>
         <p:spPr>
@@ -2233,12 +2344,12 @@
           </a:prstGeom>
         </p:spPr>
         <p:txBody>
-          <a:bodyPr anchorCtr="0" anchor="t" bIns="91425" lIns="91425" spcFirstLastPara="1" rIns="91425" wrap="square" tIns="91425">
+          <a:bodyPr spcFirstLastPara="1" wrap="square" lIns="91425" tIns="91425" rIns="91425" bIns="91425" anchor="t" anchorCtr="0">
             <a:noAutofit/>
           </a:bodyPr>
           <a:lstStyle/>
           <a:p>
-            <a:pPr indent="0" lvl="0" marL="0" rtl="0" algn="l">
+            <a:pPr marL="0" lvl="0" indent="0" algn="l" rtl="0">
               <a:spcBef>
                 <a:spcPts val="0"/>
               </a:spcBef>
@@ -2264,11 +2375,11 @@
 </file>
 
 <file path=ppt/notesSlides/notesSlide23.xml><?xml version="1.0" encoding="utf-8"?>
-<p:notes xmlns:a="http://schemas.openxmlformats.org/drawingml/2006/main" xmlns:r="http://schemas.openxmlformats.org/officeDocument/2006/relationships" xmlns:mc="http://schemas.openxmlformats.org/markup-compatibility/2006" xmlns:mv="urn:schemas-microsoft-com:mac:vml" xmlns:p="http://schemas.openxmlformats.org/presentationml/2006/main" xmlns:c="http://schemas.openxmlformats.org/drawingml/2006/chart" xmlns:dgm="http://schemas.openxmlformats.org/drawingml/2006/diagram" xmlns:o="urn:schemas-microsoft-com:office:office" xmlns:v="urn:schemas-microsoft-com:vml" xmlns:pvml="urn:schemas-microsoft-com:office:powerpoint" xmlns:com="http://schemas.openxmlformats.org/drawingml/2006/compatibility" xmlns:p14="http://schemas.microsoft.com/office/powerpoint/2010/main" xmlns:p15="http://schemas.microsoft.com/office/powerpoint/2012/main" xmlns:ahyp="http://schemas.microsoft.com/office/drawing/2018/hyperlinkcolor" showMasterPhAnim="0" showMasterSp="0">
+<p:notes xmlns:a="http://schemas.openxmlformats.org/drawingml/2006/main" xmlns:r="http://schemas.openxmlformats.org/officeDocument/2006/relationships" xmlns:p="http://schemas.openxmlformats.org/presentationml/2006/main" showMasterSp="0" showMasterPhAnim="0">
   <p:cSld>
     <p:spTree>
       <p:nvGrpSpPr>
-        <p:cNvPr id="161" name="Shape 161"/>
+        <p:cNvPr id="1" name="Shape 161"/>
         <p:cNvGrpSpPr/>
         <p:nvPr/>
       </p:nvGrpSpPr>
@@ -2283,9 +2394,11 @@
       <p:sp>
         <p:nvSpPr>
           <p:cNvPr id="162" name="Google Shape;162;g1850e900ea2_1_67:notes"/>
-          <p:cNvSpPr/>
+          <p:cNvSpPr>
+            <a:spLocks noGrp="1" noRot="1" noChangeAspect="1"/>
+          </p:cNvSpPr>
           <p:nvPr>
-            <p:ph idx="2" type="sldImg"/>
+            <p:ph type="sldImg" idx="2"/>
           </p:nvPr>
         </p:nvSpPr>
         <p:spPr>
@@ -2294,9 +2407,13 @@
             <a:ext cx="6096000" cy="3429000"/>
           </a:xfrm>
           <a:custGeom>
-            <a:rect b="b" l="l" r="r" t="t"/>
+            <a:avLst/>
+            <a:gdLst/>
+            <a:ahLst/>
+            <a:cxnLst/>
+            <a:rect l="l" t="t" r="r" b="b"/>
             <a:pathLst>
-              <a:path extrusionOk="0" h="120000" w="120000">
+              <a:path w="120000" h="120000" extrusionOk="0">
                 <a:moveTo>
                   <a:pt x="0" y="0"/>
                 </a:moveTo>
@@ -2318,9 +2435,11 @@
       <p:sp>
         <p:nvSpPr>
           <p:cNvPr id="163" name="Google Shape;163;g1850e900ea2_1_67:notes"/>
-          <p:cNvSpPr txBox="1"/>
+          <p:cNvSpPr txBox="1">
+            <a:spLocks noGrp="1"/>
+          </p:cNvSpPr>
           <p:nvPr>
-            <p:ph idx="1" type="body"/>
+            <p:ph type="body" idx="1"/>
           </p:nvPr>
         </p:nvSpPr>
         <p:spPr>
@@ -2333,12 +2452,12 @@
           </a:prstGeom>
         </p:spPr>
         <p:txBody>
-          <a:bodyPr anchorCtr="0" anchor="t" bIns="91425" lIns="91425" spcFirstLastPara="1" rIns="91425" wrap="square" tIns="91425">
+          <a:bodyPr spcFirstLastPara="1" wrap="square" lIns="91425" tIns="91425" rIns="91425" bIns="91425" anchor="t" anchorCtr="0">
             <a:noAutofit/>
           </a:bodyPr>
           <a:lstStyle/>
           <a:p>
-            <a:pPr indent="0" lvl="0" marL="0" rtl="0" algn="l">
+            <a:pPr marL="0" lvl="0" indent="0" algn="l" rtl="0">
               <a:spcBef>
                 <a:spcPts val="0"/>
               </a:spcBef>
@@ -2347,9 +2466,6 @@
               </a:spcAft>
               <a:buNone/>
             </a:pPr>
-            <a:r>
-              <a:t/>
-            </a:r>
             <a:endParaRPr/>
           </a:p>
         </p:txBody>
@@ -2363,11 +2479,11 @@
 </file>
 
 <file path=ppt/notesSlides/notesSlide24.xml><?xml version="1.0" encoding="utf-8"?>
-<p:notes xmlns:a="http://schemas.openxmlformats.org/drawingml/2006/main" xmlns:r="http://schemas.openxmlformats.org/officeDocument/2006/relationships" xmlns:mc="http://schemas.openxmlformats.org/markup-compatibility/2006" xmlns:mv="urn:schemas-microsoft-com:mac:vml" xmlns:p="http://schemas.openxmlformats.org/presentationml/2006/main" xmlns:c="http://schemas.openxmlformats.org/drawingml/2006/chart" xmlns:dgm="http://schemas.openxmlformats.org/drawingml/2006/diagram" xmlns:o="urn:schemas-microsoft-com:office:office" xmlns:v="urn:schemas-microsoft-com:vml" xmlns:pvml="urn:schemas-microsoft-com:office:powerpoint" xmlns:com="http://schemas.openxmlformats.org/drawingml/2006/compatibility" xmlns:p14="http://schemas.microsoft.com/office/powerpoint/2010/main" xmlns:p15="http://schemas.microsoft.com/office/powerpoint/2012/main" xmlns:ahyp="http://schemas.microsoft.com/office/drawing/2018/hyperlinkcolor" showMasterPhAnim="0" showMasterSp="0">
+<p:notes xmlns:a="http://schemas.openxmlformats.org/drawingml/2006/main" xmlns:r="http://schemas.openxmlformats.org/officeDocument/2006/relationships" xmlns:p="http://schemas.openxmlformats.org/presentationml/2006/main" showMasterSp="0" showMasterPhAnim="0">
   <p:cSld>
     <p:spTree>
       <p:nvGrpSpPr>
-        <p:cNvPr id="171" name="Shape 171"/>
+        <p:cNvPr id="1" name="Shape 171"/>
         <p:cNvGrpSpPr/>
         <p:nvPr/>
       </p:nvGrpSpPr>
@@ -2382,9 +2498,11 @@
       <p:sp>
         <p:nvSpPr>
           <p:cNvPr id="172" name="Google Shape;172;g1850e900ea2_1_56:notes"/>
-          <p:cNvSpPr/>
+          <p:cNvSpPr>
+            <a:spLocks noGrp="1" noRot="1" noChangeAspect="1"/>
+          </p:cNvSpPr>
           <p:nvPr>
-            <p:ph idx="2" type="sldImg"/>
+            <p:ph type="sldImg" idx="2"/>
           </p:nvPr>
         </p:nvSpPr>
         <p:spPr>
@@ -2393,9 +2511,13 @@
             <a:ext cx="6096000" cy="3429000"/>
           </a:xfrm>
           <a:custGeom>
-            <a:rect b="b" l="l" r="r" t="t"/>
+            <a:avLst/>
+            <a:gdLst/>
+            <a:ahLst/>
+            <a:cxnLst/>
+            <a:rect l="l" t="t" r="r" b="b"/>
             <a:pathLst>
-              <a:path extrusionOk="0" h="120000" w="120000">
+              <a:path w="120000" h="120000" extrusionOk="0">
                 <a:moveTo>
                   <a:pt x="0" y="0"/>
                 </a:moveTo>
@@ -2417,9 +2539,11 @@
       <p:sp>
         <p:nvSpPr>
           <p:cNvPr id="173" name="Google Shape;173;g1850e900ea2_1_56:notes"/>
-          <p:cNvSpPr txBox="1"/>
+          <p:cNvSpPr txBox="1">
+            <a:spLocks noGrp="1"/>
+          </p:cNvSpPr>
           <p:nvPr>
-            <p:ph idx="1" type="body"/>
+            <p:ph type="body" idx="1"/>
           </p:nvPr>
         </p:nvSpPr>
         <p:spPr>
@@ -2432,12 +2556,12 @@
           </a:prstGeom>
         </p:spPr>
         <p:txBody>
-          <a:bodyPr anchorCtr="0" anchor="t" bIns="91425" lIns="91425" spcFirstLastPara="1" rIns="91425" wrap="square" tIns="91425">
+          <a:bodyPr spcFirstLastPara="1" wrap="square" lIns="91425" tIns="91425" rIns="91425" bIns="91425" anchor="t" anchorCtr="0">
             <a:noAutofit/>
           </a:bodyPr>
           <a:lstStyle/>
           <a:p>
-            <a:pPr indent="0" lvl="0" marL="0" rtl="0" algn="l">
+            <a:pPr marL="0" lvl="0" indent="0" algn="l" rtl="0">
               <a:spcBef>
                 <a:spcPts val="0"/>
               </a:spcBef>
@@ -2446,9 +2570,6 @@
               </a:spcAft>
               <a:buNone/>
             </a:pPr>
-            <a:r>
-              <a:t/>
-            </a:r>
             <a:endParaRPr/>
           </a:p>
         </p:txBody>
@@ -2462,11 +2583,11 @@
 </file>
 
 <file path=ppt/notesSlides/notesSlide25.xml><?xml version="1.0" encoding="utf-8"?>
-<p:notes xmlns:a="http://schemas.openxmlformats.org/drawingml/2006/main" xmlns:r="http://schemas.openxmlformats.org/officeDocument/2006/relationships" xmlns:mc="http://schemas.openxmlformats.org/markup-compatibility/2006" xmlns:mv="urn:schemas-microsoft-com:mac:vml" xmlns:p="http://schemas.openxmlformats.org/presentationml/2006/main" xmlns:c="http://schemas.openxmlformats.org/drawingml/2006/chart" xmlns:dgm="http://schemas.openxmlformats.org/drawingml/2006/diagram" xmlns:o="urn:schemas-microsoft-com:office:office" xmlns:v="urn:schemas-microsoft-com:vml" xmlns:pvml="urn:schemas-microsoft-com:office:powerpoint" xmlns:com="http://schemas.openxmlformats.org/drawingml/2006/compatibility" xmlns:p14="http://schemas.microsoft.com/office/powerpoint/2010/main" xmlns:p15="http://schemas.microsoft.com/office/powerpoint/2012/main" xmlns:ahyp="http://schemas.microsoft.com/office/drawing/2018/hyperlinkcolor" showMasterPhAnim="0" showMasterSp="0">
+<p:notes xmlns:a="http://schemas.openxmlformats.org/drawingml/2006/main" xmlns:r="http://schemas.openxmlformats.org/officeDocument/2006/relationships" xmlns:p="http://schemas.openxmlformats.org/presentationml/2006/main" showMasterSp="0" showMasterPhAnim="0">
   <p:cSld>
     <p:spTree>
       <p:nvGrpSpPr>
-        <p:cNvPr id="183" name="Shape 183"/>
+        <p:cNvPr id="1" name="Shape 183"/>
         <p:cNvGrpSpPr/>
         <p:nvPr/>
       </p:nvGrpSpPr>
@@ -2481,9 +2602,11 @@
       <p:sp>
         <p:nvSpPr>
           <p:cNvPr id="184" name="Google Shape;184;g10096cd1cda_0_225:notes"/>
-          <p:cNvSpPr/>
+          <p:cNvSpPr>
+            <a:spLocks noGrp="1" noRot="1" noChangeAspect="1"/>
+          </p:cNvSpPr>
           <p:nvPr>
-            <p:ph idx="2" type="sldImg"/>
+            <p:ph type="sldImg" idx="2"/>
           </p:nvPr>
         </p:nvSpPr>
         <p:spPr>
@@ -2492,9 +2615,13 @@
             <a:ext cx="6096000" cy="3429000"/>
           </a:xfrm>
           <a:custGeom>
-            <a:rect b="b" l="l" r="r" t="t"/>
+            <a:avLst/>
+            <a:gdLst/>
+            <a:ahLst/>
+            <a:cxnLst/>
+            <a:rect l="l" t="t" r="r" b="b"/>
             <a:pathLst>
-              <a:path extrusionOk="0" h="120000" w="120000">
+              <a:path w="120000" h="120000" extrusionOk="0">
                 <a:moveTo>
                   <a:pt x="0" y="0"/>
                 </a:moveTo>
@@ -2516,9 +2643,11 @@
       <p:sp>
         <p:nvSpPr>
           <p:cNvPr id="185" name="Google Shape;185;g10096cd1cda_0_225:notes"/>
-          <p:cNvSpPr txBox="1"/>
+          <p:cNvSpPr txBox="1">
+            <a:spLocks noGrp="1"/>
+          </p:cNvSpPr>
           <p:nvPr>
-            <p:ph idx="1" type="body"/>
+            <p:ph type="body" idx="1"/>
           </p:nvPr>
         </p:nvSpPr>
         <p:spPr>
@@ -2531,12 +2660,12 @@
           </a:prstGeom>
         </p:spPr>
         <p:txBody>
-          <a:bodyPr anchorCtr="0" anchor="t" bIns="91425" lIns="91425" spcFirstLastPara="1" rIns="91425" wrap="square" tIns="91425">
+          <a:bodyPr spcFirstLastPara="1" wrap="square" lIns="91425" tIns="91425" rIns="91425" bIns="91425" anchor="t" anchorCtr="0">
             <a:noAutofit/>
           </a:bodyPr>
           <a:lstStyle/>
           <a:p>
-            <a:pPr indent="0" lvl="0" marL="0" rtl="0" algn="l">
+            <a:pPr marL="0" lvl="0" indent="0" algn="l" rtl="0">
               <a:spcBef>
                 <a:spcPts val="0"/>
               </a:spcBef>
@@ -2545,9 +2674,6 @@
               </a:spcAft>
               <a:buNone/>
             </a:pPr>
-            <a:r>
-              <a:t/>
-            </a:r>
             <a:endParaRPr/>
           </a:p>
         </p:txBody>
@@ -2561,11 +2687,11 @@
 </file>
 
 <file path=ppt/notesSlides/notesSlide26.xml><?xml version="1.0" encoding="utf-8"?>
-<p:notes xmlns:a="http://schemas.openxmlformats.org/drawingml/2006/main" xmlns:r="http://schemas.openxmlformats.org/officeDocument/2006/relationships" xmlns:mc="http://schemas.openxmlformats.org/markup-compatibility/2006" xmlns:mv="urn:schemas-microsoft-com:mac:vml" xmlns:p="http://schemas.openxmlformats.org/presentationml/2006/main" xmlns:c="http://schemas.openxmlformats.org/drawingml/2006/chart" xmlns:dgm="http://schemas.openxmlformats.org/drawingml/2006/diagram" xmlns:o="urn:schemas-microsoft-com:office:office" xmlns:v="urn:schemas-microsoft-com:vml" xmlns:pvml="urn:schemas-microsoft-com:office:powerpoint" xmlns:com="http://schemas.openxmlformats.org/drawingml/2006/compatibility" xmlns:p14="http://schemas.microsoft.com/office/powerpoint/2010/main" xmlns:p15="http://schemas.microsoft.com/office/powerpoint/2012/main" xmlns:ahyp="http://schemas.microsoft.com/office/drawing/2018/hyperlinkcolor" showMasterPhAnim="0" showMasterSp="0">
+<p:notes xmlns:a="http://schemas.openxmlformats.org/drawingml/2006/main" xmlns:r="http://schemas.openxmlformats.org/officeDocument/2006/relationships" xmlns:p="http://schemas.openxmlformats.org/presentationml/2006/main" showMasterSp="0" showMasterPhAnim="0">
   <p:cSld>
     <p:spTree>
       <p:nvGrpSpPr>
-        <p:cNvPr id="188" name="Shape 188"/>
+        <p:cNvPr id="1" name="Shape 188"/>
         <p:cNvGrpSpPr/>
         <p:nvPr/>
       </p:nvGrpSpPr>
@@ -2580,9 +2706,11 @@
       <p:sp>
         <p:nvSpPr>
           <p:cNvPr id="189" name="Google Shape;189;g9f210aecbc_0_62:notes"/>
-          <p:cNvSpPr/>
+          <p:cNvSpPr>
+            <a:spLocks noGrp="1" noRot="1" noChangeAspect="1"/>
+          </p:cNvSpPr>
           <p:nvPr>
-            <p:ph idx="2" type="sldImg"/>
+            <p:ph type="sldImg" idx="2"/>
           </p:nvPr>
         </p:nvSpPr>
         <p:spPr>
@@ -2591,9 +2719,13 @@
             <a:ext cx="6096000" cy="3429000"/>
           </a:xfrm>
           <a:custGeom>
-            <a:rect b="b" l="l" r="r" t="t"/>
+            <a:avLst/>
+            <a:gdLst/>
+            <a:ahLst/>
+            <a:cxnLst/>
+            <a:rect l="l" t="t" r="r" b="b"/>
             <a:pathLst>
-              <a:path extrusionOk="0" h="120000" w="120000">
+              <a:path w="120000" h="120000" extrusionOk="0">
                 <a:moveTo>
                   <a:pt x="0" y="0"/>
                 </a:moveTo>
@@ -2615,9 +2747,11 @@
       <p:sp>
         <p:nvSpPr>
           <p:cNvPr id="190" name="Google Shape;190;g9f210aecbc_0_62:notes"/>
-          <p:cNvSpPr txBox="1"/>
+          <p:cNvSpPr txBox="1">
+            <a:spLocks noGrp="1"/>
+          </p:cNvSpPr>
           <p:nvPr>
-            <p:ph idx="1" type="body"/>
+            <p:ph type="body" idx="1"/>
           </p:nvPr>
         </p:nvSpPr>
         <p:spPr>
@@ -2630,12 +2764,12 @@
           </a:prstGeom>
         </p:spPr>
         <p:txBody>
-          <a:bodyPr anchorCtr="0" anchor="t" bIns="91425" lIns="91425" spcFirstLastPara="1" rIns="91425" wrap="square" tIns="91425">
+          <a:bodyPr spcFirstLastPara="1" wrap="square" lIns="91425" tIns="91425" rIns="91425" bIns="91425" anchor="t" anchorCtr="0">
             <a:noAutofit/>
           </a:bodyPr>
           <a:lstStyle/>
           <a:p>
-            <a:pPr indent="0" lvl="0" marL="0" rtl="0" algn="l">
+            <a:pPr marL="0" lvl="0" indent="0" algn="l" rtl="0">
               <a:spcBef>
                 <a:spcPts val="0"/>
               </a:spcBef>
@@ -2644,9 +2778,6 @@
               </a:spcAft>
               <a:buNone/>
             </a:pPr>
-            <a:r>
-              <a:t/>
-            </a:r>
             <a:endParaRPr/>
           </a:p>
         </p:txBody>
@@ -2660,11 +2791,11 @@
 </file>
 
 <file path=ppt/notesSlides/notesSlide27.xml><?xml version="1.0" encoding="utf-8"?>
-<p:notes xmlns:a="http://schemas.openxmlformats.org/drawingml/2006/main" xmlns:r="http://schemas.openxmlformats.org/officeDocument/2006/relationships" xmlns:mc="http://schemas.openxmlformats.org/markup-compatibility/2006" xmlns:mv="urn:schemas-microsoft-com:mac:vml" xmlns:p="http://schemas.openxmlformats.org/presentationml/2006/main" xmlns:c="http://schemas.openxmlformats.org/drawingml/2006/chart" xmlns:dgm="http://schemas.openxmlformats.org/drawingml/2006/diagram" xmlns:o="urn:schemas-microsoft-com:office:office" xmlns:v="urn:schemas-microsoft-com:vml" xmlns:pvml="urn:schemas-microsoft-com:office:powerpoint" xmlns:com="http://schemas.openxmlformats.org/drawingml/2006/compatibility" xmlns:p14="http://schemas.microsoft.com/office/powerpoint/2010/main" xmlns:p15="http://schemas.microsoft.com/office/powerpoint/2012/main" xmlns:ahyp="http://schemas.microsoft.com/office/drawing/2018/hyperlinkcolor" showMasterPhAnim="0" showMasterSp="0">
+<p:notes xmlns:a="http://schemas.openxmlformats.org/drawingml/2006/main" xmlns:r="http://schemas.openxmlformats.org/officeDocument/2006/relationships" xmlns:p="http://schemas.openxmlformats.org/presentationml/2006/main" showMasterSp="0" showMasterPhAnim="0">
   <p:cSld>
     <p:spTree>
       <p:nvGrpSpPr>
-        <p:cNvPr id="193" name="Shape 193"/>
+        <p:cNvPr id="1" name="Shape 193"/>
         <p:cNvGrpSpPr/>
         <p:nvPr/>
       </p:nvGrpSpPr>
@@ -2679,9 +2810,11 @@
       <p:sp>
         <p:nvSpPr>
           <p:cNvPr id="194" name="Google Shape;194;g9f210aecbc_0_66:notes"/>
-          <p:cNvSpPr/>
+          <p:cNvSpPr>
+            <a:spLocks noGrp="1" noRot="1" noChangeAspect="1"/>
+          </p:cNvSpPr>
           <p:nvPr>
-            <p:ph idx="2" type="sldImg"/>
+            <p:ph type="sldImg" idx="2"/>
           </p:nvPr>
         </p:nvSpPr>
         <p:spPr>
@@ -2690,9 +2823,13 @@
             <a:ext cx="6096000" cy="3429000"/>
           </a:xfrm>
           <a:custGeom>
-            <a:rect b="b" l="l" r="r" t="t"/>
+            <a:avLst/>
+            <a:gdLst/>
+            <a:ahLst/>
+            <a:cxnLst/>
+            <a:rect l="l" t="t" r="r" b="b"/>
             <a:pathLst>
-              <a:path extrusionOk="0" h="120000" w="120000">
+              <a:path w="120000" h="120000" extrusionOk="0">
                 <a:moveTo>
                   <a:pt x="0" y="0"/>
                 </a:moveTo>
@@ -2714,9 +2851,11 @@
       <p:sp>
         <p:nvSpPr>
           <p:cNvPr id="195" name="Google Shape;195;g9f210aecbc_0_66:notes"/>
-          <p:cNvSpPr txBox="1"/>
+          <p:cNvSpPr txBox="1">
+            <a:spLocks noGrp="1"/>
+          </p:cNvSpPr>
           <p:nvPr>
-            <p:ph idx="1" type="body"/>
+            <p:ph type="body" idx="1"/>
           </p:nvPr>
         </p:nvSpPr>
         <p:spPr>
@@ -2729,12 +2868,12 @@
           </a:prstGeom>
         </p:spPr>
         <p:txBody>
-          <a:bodyPr anchorCtr="0" anchor="t" bIns="91425" lIns="91425" spcFirstLastPara="1" rIns="91425" wrap="square" tIns="91425">
+          <a:bodyPr spcFirstLastPara="1" wrap="square" lIns="91425" tIns="91425" rIns="91425" bIns="91425" anchor="t" anchorCtr="0">
             <a:noAutofit/>
           </a:bodyPr>
           <a:lstStyle/>
           <a:p>
-            <a:pPr indent="0" lvl="0" marL="0" rtl="0" algn="l">
+            <a:pPr marL="0" lvl="0" indent="0" algn="l" rtl="0">
               <a:spcBef>
                 <a:spcPts val="0"/>
               </a:spcBef>
@@ -2743,9 +2882,6 @@
               </a:spcAft>
               <a:buNone/>
             </a:pPr>
-            <a:r>
-              <a:t/>
-            </a:r>
             <a:endParaRPr/>
           </a:p>
         </p:txBody>
@@ -2759,11 +2895,11 @@
 </file>
 
 <file path=ppt/notesSlides/notesSlide28.xml><?xml version="1.0" encoding="utf-8"?>
-<p:notes xmlns:a="http://schemas.openxmlformats.org/drawingml/2006/main" xmlns:r="http://schemas.openxmlformats.org/officeDocument/2006/relationships" xmlns:mc="http://schemas.openxmlformats.org/markup-compatibility/2006" xmlns:mv="urn:schemas-microsoft-com:mac:vml" xmlns:p="http://schemas.openxmlformats.org/presentationml/2006/main" xmlns:c="http://schemas.openxmlformats.org/drawingml/2006/chart" xmlns:dgm="http://schemas.openxmlformats.org/drawingml/2006/diagram" xmlns:o="urn:schemas-microsoft-com:office:office" xmlns:v="urn:schemas-microsoft-com:vml" xmlns:pvml="urn:schemas-microsoft-com:office:powerpoint" xmlns:com="http://schemas.openxmlformats.org/drawingml/2006/compatibility" xmlns:p14="http://schemas.microsoft.com/office/powerpoint/2010/main" xmlns:p15="http://schemas.microsoft.com/office/powerpoint/2012/main" xmlns:ahyp="http://schemas.microsoft.com/office/drawing/2018/hyperlinkcolor" showMasterPhAnim="0" showMasterSp="0">
+<p:notes xmlns:a="http://schemas.openxmlformats.org/drawingml/2006/main" xmlns:r="http://schemas.openxmlformats.org/officeDocument/2006/relationships" xmlns:p="http://schemas.openxmlformats.org/presentationml/2006/main" showMasterSp="0" showMasterPhAnim="0">
   <p:cSld>
     <p:spTree>
       <p:nvGrpSpPr>
-        <p:cNvPr id="198" name="Shape 198"/>
+        <p:cNvPr id="1" name="Shape 198"/>
         <p:cNvGrpSpPr/>
         <p:nvPr/>
       </p:nvGrpSpPr>
@@ -2778,9 +2914,11 @@
       <p:sp>
         <p:nvSpPr>
           <p:cNvPr id="199" name="Google Shape;199;g9f210aecbc_0_70:notes"/>
-          <p:cNvSpPr/>
+          <p:cNvSpPr>
+            <a:spLocks noGrp="1" noRot="1" noChangeAspect="1"/>
+          </p:cNvSpPr>
           <p:nvPr>
-            <p:ph idx="2" type="sldImg"/>
+            <p:ph type="sldImg" idx="2"/>
           </p:nvPr>
         </p:nvSpPr>
         <p:spPr>
@@ -2789,9 +2927,13 @@
             <a:ext cx="6096000" cy="3429000"/>
           </a:xfrm>
           <a:custGeom>
-            <a:rect b="b" l="l" r="r" t="t"/>
+            <a:avLst/>
+            <a:gdLst/>
+            <a:ahLst/>
+            <a:cxnLst/>
+            <a:rect l="l" t="t" r="r" b="b"/>
             <a:pathLst>
-              <a:path extrusionOk="0" h="120000" w="120000">
+              <a:path w="120000" h="120000" extrusionOk="0">
                 <a:moveTo>
                   <a:pt x="0" y="0"/>
                 </a:moveTo>
@@ -2813,9 +2955,11 @@
       <p:sp>
         <p:nvSpPr>
           <p:cNvPr id="200" name="Google Shape;200;g9f210aecbc_0_70:notes"/>
-          <p:cNvSpPr txBox="1"/>
+          <p:cNvSpPr txBox="1">
+            <a:spLocks noGrp="1"/>
+          </p:cNvSpPr>
           <p:nvPr>
-            <p:ph idx="1" type="body"/>
+            <p:ph type="body" idx="1"/>
           </p:nvPr>
         </p:nvSpPr>
         <p:spPr>
@@ -2828,12 +2972,12 @@
           </a:prstGeom>
         </p:spPr>
         <p:txBody>
-          <a:bodyPr anchorCtr="0" anchor="t" bIns="91425" lIns="91425" spcFirstLastPara="1" rIns="91425" wrap="square" tIns="91425">
+          <a:bodyPr spcFirstLastPara="1" wrap="square" lIns="91425" tIns="91425" rIns="91425" bIns="91425" anchor="t" anchorCtr="0">
             <a:noAutofit/>
           </a:bodyPr>
           <a:lstStyle/>
           <a:p>
-            <a:pPr indent="0" lvl="0" marL="0" rtl="0" algn="l">
+            <a:pPr marL="0" lvl="0" indent="0" algn="l" rtl="0">
               <a:spcBef>
                 <a:spcPts val="0"/>
               </a:spcBef>
@@ -2842,9 +2986,6 @@
               </a:spcAft>
               <a:buNone/>
             </a:pPr>
-            <a:r>
-              <a:t/>
-            </a:r>
             <a:endParaRPr/>
           </a:p>
         </p:txBody>
@@ -2858,11 +2999,11 @@
 </file>
 
 <file path=ppt/notesSlides/notesSlide29.xml><?xml version="1.0" encoding="utf-8"?>
-<p:notes xmlns:a="http://schemas.openxmlformats.org/drawingml/2006/main" xmlns:r="http://schemas.openxmlformats.org/officeDocument/2006/relationships" xmlns:mc="http://schemas.openxmlformats.org/markup-compatibility/2006" xmlns:mv="urn:schemas-microsoft-com:mac:vml" xmlns:p="http://schemas.openxmlformats.org/presentationml/2006/main" xmlns:c="http://schemas.openxmlformats.org/drawingml/2006/chart" xmlns:dgm="http://schemas.openxmlformats.org/drawingml/2006/diagram" xmlns:o="urn:schemas-microsoft-com:office:office" xmlns:v="urn:schemas-microsoft-com:vml" xmlns:pvml="urn:schemas-microsoft-com:office:powerpoint" xmlns:com="http://schemas.openxmlformats.org/drawingml/2006/compatibility" xmlns:p14="http://schemas.microsoft.com/office/powerpoint/2010/main" xmlns:p15="http://schemas.microsoft.com/office/powerpoint/2012/main" xmlns:ahyp="http://schemas.microsoft.com/office/drawing/2018/hyperlinkcolor" showMasterPhAnim="0" showMasterSp="0">
+<p:notes xmlns:a="http://schemas.openxmlformats.org/drawingml/2006/main" xmlns:r="http://schemas.openxmlformats.org/officeDocument/2006/relationships" xmlns:p="http://schemas.openxmlformats.org/presentationml/2006/main" showMasterSp="0" showMasterPhAnim="0">
   <p:cSld>
     <p:spTree>
       <p:nvGrpSpPr>
-        <p:cNvPr id="203" name="Shape 203"/>
+        <p:cNvPr id="1" name="Shape 203"/>
         <p:cNvGrpSpPr/>
         <p:nvPr/>
       </p:nvGrpSpPr>
@@ -2877,9 +3018,11 @@
       <p:sp>
         <p:nvSpPr>
           <p:cNvPr id="204" name="Google Shape;204;g9f210aecbc_0_74:notes"/>
-          <p:cNvSpPr/>
+          <p:cNvSpPr>
+            <a:spLocks noGrp="1" noRot="1" noChangeAspect="1"/>
+          </p:cNvSpPr>
           <p:nvPr>
-            <p:ph idx="2" type="sldImg"/>
+            <p:ph type="sldImg" idx="2"/>
           </p:nvPr>
         </p:nvSpPr>
         <p:spPr>
@@ -2888,9 +3031,13 @@
             <a:ext cx="6096000" cy="3429000"/>
           </a:xfrm>
           <a:custGeom>
-            <a:rect b="b" l="l" r="r" t="t"/>
+            <a:avLst/>
+            <a:gdLst/>
+            <a:ahLst/>
+            <a:cxnLst/>
+            <a:rect l="l" t="t" r="r" b="b"/>
             <a:pathLst>
-              <a:path extrusionOk="0" h="120000" w="120000">
+              <a:path w="120000" h="120000" extrusionOk="0">
                 <a:moveTo>
                   <a:pt x="0" y="0"/>
                 </a:moveTo>
@@ -2912,9 +3059,11 @@
       <p:sp>
         <p:nvSpPr>
           <p:cNvPr id="205" name="Google Shape;205;g9f210aecbc_0_74:notes"/>
-          <p:cNvSpPr txBox="1"/>
+          <p:cNvSpPr txBox="1">
+            <a:spLocks noGrp="1"/>
+          </p:cNvSpPr>
           <p:nvPr>
-            <p:ph idx="1" type="body"/>
+            <p:ph type="body" idx="1"/>
           </p:nvPr>
         </p:nvSpPr>
         <p:spPr>
@@ -2927,12 +3076,12 @@
           </a:prstGeom>
         </p:spPr>
         <p:txBody>
-          <a:bodyPr anchorCtr="0" anchor="t" bIns="91425" lIns="91425" spcFirstLastPara="1" rIns="91425" wrap="square" tIns="91425">
+          <a:bodyPr spcFirstLastPara="1" wrap="square" lIns="91425" tIns="91425" rIns="91425" bIns="91425" anchor="t" anchorCtr="0">
             <a:noAutofit/>
           </a:bodyPr>
           <a:lstStyle/>
           <a:p>
-            <a:pPr indent="0" lvl="0" marL="0" rtl="0" algn="l">
+            <a:pPr marL="0" lvl="0" indent="0" algn="l" rtl="0">
               <a:spcBef>
                 <a:spcPts val="0"/>
               </a:spcBef>
@@ -2941,9 +3090,6 @@
               </a:spcAft>
               <a:buNone/>
             </a:pPr>
-            <a:r>
-              <a:t/>
-            </a:r>
             <a:endParaRPr/>
           </a:p>
         </p:txBody>
@@ -2957,11 +3103,11 @@
 </file>
 
 <file path=ppt/notesSlides/notesSlide3.xml><?xml version="1.0" encoding="utf-8"?>
-<p:notes xmlns:a="http://schemas.openxmlformats.org/drawingml/2006/main" xmlns:r="http://schemas.openxmlformats.org/officeDocument/2006/relationships" xmlns:mc="http://schemas.openxmlformats.org/markup-compatibility/2006" xmlns:mv="urn:schemas-microsoft-com:mac:vml" xmlns:p="http://schemas.openxmlformats.org/presentationml/2006/main" xmlns:c="http://schemas.openxmlformats.org/drawingml/2006/chart" xmlns:dgm="http://schemas.openxmlformats.org/drawingml/2006/diagram" xmlns:o="urn:schemas-microsoft-com:office:office" xmlns:v="urn:schemas-microsoft-com:vml" xmlns:pvml="urn:schemas-microsoft-com:office:powerpoint" xmlns:com="http://schemas.openxmlformats.org/drawingml/2006/compatibility" xmlns:p14="http://schemas.microsoft.com/office/powerpoint/2010/main" xmlns:p15="http://schemas.microsoft.com/office/powerpoint/2012/main" xmlns:ahyp="http://schemas.microsoft.com/office/drawing/2018/hyperlinkcolor" showMasterPhAnim="0" showMasterSp="0">
+<p:notes xmlns:a="http://schemas.openxmlformats.org/drawingml/2006/main" xmlns:r="http://schemas.openxmlformats.org/officeDocument/2006/relationships" xmlns:p="http://schemas.openxmlformats.org/presentationml/2006/main" showMasterSp="0" showMasterPhAnim="0">
   <p:cSld>
     <p:spTree>
       <p:nvGrpSpPr>
-        <p:cNvPr id="60" name="Shape 60"/>
+        <p:cNvPr id="1" name="Shape 60"/>
         <p:cNvGrpSpPr/>
         <p:nvPr/>
       </p:nvGrpSpPr>
@@ -2976,9 +3122,11 @@
       <p:sp>
         <p:nvSpPr>
           <p:cNvPr id="61" name="Google Shape;61;g18401b6c2f9_0_4:notes"/>
-          <p:cNvSpPr/>
+          <p:cNvSpPr>
+            <a:spLocks noGrp="1" noRot="1" noChangeAspect="1"/>
+          </p:cNvSpPr>
           <p:nvPr>
-            <p:ph idx="2" type="sldImg"/>
+            <p:ph type="sldImg" idx="2"/>
           </p:nvPr>
         </p:nvSpPr>
         <p:spPr>
@@ -2987,9 +3135,13 @@
             <a:ext cx="6096000" cy="3429000"/>
           </a:xfrm>
           <a:custGeom>
-            <a:rect b="b" l="l" r="r" t="t"/>
+            <a:avLst/>
+            <a:gdLst/>
+            <a:ahLst/>
+            <a:cxnLst/>
+            <a:rect l="l" t="t" r="r" b="b"/>
             <a:pathLst>
-              <a:path extrusionOk="0" h="120000" w="120000">
+              <a:path w="120000" h="120000" extrusionOk="0">
                 <a:moveTo>
                   <a:pt x="0" y="0"/>
                 </a:moveTo>
@@ -3011,9 +3163,11 @@
       <p:sp>
         <p:nvSpPr>
           <p:cNvPr id="62" name="Google Shape;62;g18401b6c2f9_0_4:notes"/>
-          <p:cNvSpPr txBox="1"/>
+          <p:cNvSpPr txBox="1">
+            <a:spLocks noGrp="1"/>
+          </p:cNvSpPr>
           <p:nvPr>
-            <p:ph idx="1" type="body"/>
+            <p:ph type="body" idx="1"/>
           </p:nvPr>
         </p:nvSpPr>
         <p:spPr>
@@ -3026,12 +3180,12 @@
           </a:prstGeom>
         </p:spPr>
         <p:txBody>
-          <a:bodyPr anchorCtr="0" anchor="t" bIns="91425" lIns="91425" spcFirstLastPara="1" rIns="91425" wrap="square" tIns="91425">
+          <a:bodyPr spcFirstLastPara="1" wrap="square" lIns="91425" tIns="91425" rIns="91425" bIns="91425" anchor="t" anchorCtr="0">
             <a:noAutofit/>
           </a:bodyPr>
           <a:lstStyle/>
           <a:p>
-            <a:pPr indent="0" lvl="0" marL="0" rtl="0" algn="l">
+            <a:pPr marL="0" lvl="0" indent="0" algn="l" rtl="0">
               <a:spcBef>
                 <a:spcPts val="0"/>
               </a:spcBef>
@@ -3040,9 +3194,6 @@
               </a:spcAft>
               <a:buNone/>
             </a:pPr>
-            <a:r>
-              <a:t/>
-            </a:r>
             <a:endParaRPr/>
           </a:p>
         </p:txBody>
@@ -3056,11 +3207,11 @@
 </file>
 
 <file path=ppt/notesSlides/notesSlide30.xml><?xml version="1.0" encoding="utf-8"?>
-<p:notes xmlns:a="http://schemas.openxmlformats.org/drawingml/2006/main" xmlns:r="http://schemas.openxmlformats.org/officeDocument/2006/relationships" xmlns:mc="http://schemas.openxmlformats.org/markup-compatibility/2006" xmlns:mv="urn:schemas-microsoft-com:mac:vml" xmlns:p="http://schemas.openxmlformats.org/presentationml/2006/main" xmlns:c="http://schemas.openxmlformats.org/drawingml/2006/chart" xmlns:dgm="http://schemas.openxmlformats.org/drawingml/2006/diagram" xmlns:o="urn:schemas-microsoft-com:office:office" xmlns:v="urn:schemas-microsoft-com:vml" xmlns:pvml="urn:schemas-microsoft-com:office:powerpoint" xmlns:com="http://schemas.openxmlformats.org/drawingml/2006/compatibility" xmlns:p14="http://schemas.microsoft.com/office/powerpoint/2010/main" xmlns:p15="http://schemas.microsoft.com/office/powerpoint/2012/main" xmlns:ahyp="http://schemas.microsoft.com/office/drawing/2018/hyperlinkcolor" showMasterPhAnim="0" showMasterSp="0">
+<p:notes xmlns:a="http://schemas.openxmlformats.org/drawingml/2006/main" xmlns:r="http://schemas.openxmlformats.org/officeDocument/2006/relationships" xmlns:p="http://schemas.openxmlformats.org/presentationml/2006/main" showMasterSp="0" showMasterPhAnim="0">
   <p:cSld>
     <p:spTree>
       <p:nvGrpSpPr>
-        <p:cNvPr id="208" name="Shape 208"/>
+        <p:cNvPr id="1" name="Shape 208"/>
         <p:cNvGrpSpPr/>
         <p:nvPr/>
       </p:nvGrpSpPr>
@@ -3075,9 +3226,11 @@
       <p:sp>
         <p:nvSpPr>
           <p:cNvPr id="209" name="Google Shape;209;g9f210aecbc_0_78:notes"/>
-          <p:cNvSpPr/>
+          <p:cNvSpPr>
+            <a:spLocks noGrp="1" noRot="1" noChangeAspect="1"/>
+          </p:cNvSpPr>
           <p:nvPr>
-            <p:ph idx="2" type="sldImg"/>
+            <p:ph type="sldImg" idx="2"/>
           </p:nvPr>
         </p:nvSpPr>
         <p:spPr>
@@ -3086,9 +3239,13 @@
             <a:ext cx="6096000" cy="3429000"/>
           </a:xfrm>
           <a:custGeom>
-            <a:rect b="b" l="l" r="r" t="t"/>
+            <a:avLst/>
+            <a:gdLst/>
+            <a:ahLst/>
+            <a:cxnLst/>
+            <a:rect l="l" t="t" r="r" b="b"/>
             <a:pathLst>
-              <a:path extrusionOk="0" h="120000" w="120000">
+              <a:path w="120000" h="120000" extrusionOk="0">
                 <a:moveTo>
                   <a:pt x="0" y="0"/>
                 </a:moveTo>
@@ -3110,9 +3267,11 @@
       <p:sp>
         <p:nvSpPr>
           <p:cNvPr id="210" name="Google Shape;210;g9f210aecbc_0_78:notes"/>
-          <p:cNvSpPr txBox="1"/>
+          <p:cNvSpPr txBox="1">
+            <a:spLocks noGrp="1"/>
+          </p:cNvSpPr>
           <p:nvPr>
-            <p:ph idx="1" type="body"/>
+            <p:ph type="body" idx="1"/>
           </p:nvPr>
         </p:nvSpPr>
         <p:spPr>
@@ -3125,12 +3284,12 @@
           </a:prstGeom>
         </p:spPr>
         <p:txBody>
-          <a:bodyPr anchorCtr="0" anchor="t" bIns="91425" lIns="91425" spcFirstLastPara="1" rIns="91425" wrap="square" tIns="91425">
+          <a:bodyPr spcFirstLastPara="1" wrap="square" lIns="91425" tIns="91425" rIns="91425" bIns="91425" anchor="t" anchorCtr="0">
             <a:noAutofit/>
           </a:bodyPr>
           <a:lstStyle/>
           <a:p>
-            <a:pPr indent="0" lvl="0" marL="0" rtl="0" algn="l">
+            <a:pPr marL="0" lvl="0" indent="0" algn="l" rtl="0">
               <a:spcBef>
                 <a:spcPts val="0"/>
               </a:spcBef>
@@ -3156,11 +3315,11 @@
 </file>
 
 <file path=ppt/notesSlides/notesSlide31.xml><?xml version="1.0" encoding="utf-8"?>
-<p:notes xmlns:a="http://schemas.openxmlformats.org/drawingml/2006/main" xmlns:r="http://schemas.openxmlformats.org/officeDocument/2006/relationships" xmlns:mc="http://schemas.openxmlformats.org/markup-compatibility/2006" xmlns:mv="urn:schemas-microsoft-com:mac:vml" xmlns:p="http://schemas.openxmlformats.org/presentationml/2006/main" xmlns:c="http://schemas.openxmlformats.org/drawingml/2006/chart" xmlns:dgm="http://schemas.openxmlformats.org/drawingml/2006/diagram" xmlns:o="urn:schemas-microsoft-com:office:office" xmlns:v="urn:schemas-microsoft-com:vml" xmlns:pvml="urn:schemas-microsoft-com:office:powerpoint" xmlns:com="http://schemas.openxmlformats.org/drawingml/2006/compatibility" xmlns:p14="http://schemas.microsoft.com/office/powerpoint/2010/main" xmlns:p15="http://schemas.microsoft.com/office/powerpoint/2012/main" xmlns:ahyp="http://schemas.microsoft.com/office/drawing/2018/hyperlinkcolor" showMasterPhAnim="0" showMasterSp="0">
+<p:notes xmlns:a="http://schemas.openxmlformats.org/drawingml/2006/main" xmlns:r="http://schemas.openxmlformats.org/officeDocument/2006/relationships" xmlns:p="http://schemas.openxmlformats.org/presentationml/2006/main" showMasterSp="0" showMasterPhAnim="0">
   <p:cSld>
     <p:spTree>
       <p:nvGrpSpPr>
-        <p:cNvPr id="213" name="Shape 213"/>
+        <p:cNvPr id="1" name="Shape 213"/>
         <p:cNvGrpSpPr/>
         <p:nvPr/>
       </p:nvGrpSpPr>
@@ -3175,9 +3334,11 @@
       <p:sp>
         <p:nvSpPr>
           <p:cNvPr id="214" name="Google Shape;214;g9f210aecbc_0_222:notes"/>
-          <p:cNvSpPr/>
+          <p:cNvSpPr>
+            <a:spLocks noGrp="1" noRot="1" noChangeAspect="1"/>
+          </p:cNvSpPr>
           <p:nvPr>
-            <p:ph idx="2" type="sldImg"/>
+            <p:ph type="sldImg" idx="2"/>
           </p:nvPr>
         </p:nvSpPr>
         <p:spPr>
@@ -3186,9 +3347,13 @@
             <a:ext cx="6096000" cy="3429000"/>
           </a:xfrm>
           <a:custGeom>
-            <a:rect b="b" l="l" r="r" t="t"/>
+            <a:avLst/>
+            <a:gdLst/>
+            <a:ahLst/>
+            <a:cxnLst/>
+            <a:rect l="l" t="t" r="r" b="b"/>
             <a:pathLst>
-              <a:path extrusionOk="0" h="120000" w="120000">
+              <a:path w="120000" h="120000" extrusionOk="0">
                 <a:moveTo>
                   <a:pt x="0" y="0"/>
                 </a:moveTo>
@@ -3210,9 +3375,11 @@
       <p:sp>
         <p:nvSpPr>
           <p:cNvPr id="215" name="Google Shape;215;g9f210aecbc_0_222:notes"/>
-          <p:cNvSpPr txBox="1"/>
+          <p:cNvSpPr txBox="1">
+            <a:spLocks noGrp="1"/>
+          </p:cNvSpPr>
           <p:nvPr>
-            <p:ph idx="1" type="body"/>
+            <p:ph type="body" idx="1"/>
           </p:nvPr>
         </p:nvSpPr>
         <p:spPr>
@@ -3225,12 +3392,12 @@
           </a:prstGeom>
         </p:spPr>
         <p:txBody>
-          <a:bodyPr anchorCtr="0" anchor="t" bIns="91425" lIns="91425" spcFirstLastPara="1" rIns="91425" wrap="square" tIns="91425">
+          <a:bodyPr spcFirstLastPara="1" wrap="square" lIns="91425" tIns="91425" rIns="91425" bIns="91425" anchor="t" anchorCtr="0">
             <a:noAutofit/>
           </a:bodyPr>
           <a:lstStyle/>
           <a:p>
-            <a:pPr indent="0" lvl="0" marL="0" rtl="0" algn="l">
+            <a:pPr marL="0" lvl="0" indent="0" algn="l" rtl="0">
               <a:spcBef>
                 <a:spcPts val="0"/>
               </a:spcBef>
@@ -3259,7 +3426,7 @@
             </a:endParaRPr>
           </a:p>
           <a:p>
-            <a:pPr indent="0" lvl="0" marL="0" rtl="0" algn="l">
+            <a:pPr marL="0" lvl="0" indent="0" algn="l" rtl="0">
               <a:spcBef>
                 <a:spcPts val="0"/>
               </a:spcBef>
@@ -3285,11 +3452,11 @@
 </file>
 
 <file path=ppt/notesSlides/notesSlide32.xml><?xml version="1.0" encoding="utf-8"?>
-<p:notes xmlns:a="http://schemas.openxmlformats.org/drawingml/2006/main" xmlns:r="http://schemas.openxmlformats.org/officeDocument/2006/relationships" xmlns:mc="http://schemas.openxmlformats.org/markup-compatibility/2006" xmlns:mv="urn:schemas-microsoft-com:mac:vml" xmlns:p="http://schemas.openxmlformats.org/presentationml/2006/main" xmlns:c="http://schemas.openxmlformats.org/drawingml/2006/chart" xmlns:dgm="http://schemas.openxmlformats.org/drawingml/2006/diagram" xmlns:o="urn:schemas-microsoft-com:office:office" xmlns:v="urn:schemas-microsoft-com:vml" xmlns:pvml="urn:schemas-microsoft-com:office:powerpoint" xmlns:com="http://schemas.openxmlformats.org/drawingml/2006/compatibility" xmlns:p14="http://schemas.microsoft.com/office/powerpoint/2010/main" xmlns:p15="http://schemas.microsoft.com/office/powerpoint/2012/main" xmlns:ahyp="http://schemas.microsoft.com/office/drawing/2018/hyperlinkcolor" showMasterPhAnim="0" showMasterSp="0">
+<p:notes xmlns:a="http://schemas.openxmlformats.org/drawingml/2006/main" xmlns:r="http://schemas.openxmlformats.org/officeDocument/2006/relationships" xmlns:p="http://schemas.openxmlformats.org/presentationml/2006/main" showMasterSp="0" showMasterPhAnim="0">
   <p:cSld>
     <p:spTree>
       <p:nvGrpSpPr>
-        <p:cNvPr id="218" name="Shape 218"/>
+        <p:cNvPr id="1" name="Shape 218"/>
         <p:cNvGrpSpPr/>
         <p:nvPr/>
       </p:nvGrpSpPr>
@@ -3304,9 +3471,11 @@
       <p:sp>
         <p:nvSpPr>
           <p:cNvPr id="219" name="Google Shape;219;g29a924ac89a_3_0:notes"/>
-          <p:cNvSpPr/>
+          <p:cNvSpPr>
+            <a:spLocks noGrp="1" noRot="1" noChangeAspect="1"/>
+          </p:cNvSpPr>
           <p:nvPr>
-            <p:ph idx="2" type="sldImg"/>
+            <p:ph type="sldImg" idx="2"/>
           </p:nvPr>
         </p:nvSpPr>
         <p:spPr>
@@ -3315,9 +3484,13 @@
             <a:ext cx="6096000" cy="3429000"/>
           </a:xfrm>
           <a:custGeom>
-            <a:rect b="b" l="l" r="r" t="t"/>
+            <a:avLst/>
+            <a:gdLst/>
+            <a:ahLst/>
+            <a:cxnLst/>
+            <a:rect l="l" t="t" r="r" b="b"/>
             <a:pathLst>
-              <a:path extrusionOk="0" h="120000" w="120000">
+              <a:path w="120000" h="120000" extrusionOk="0">
                 <a:moveTo>
                   <a:pt x="0" y="0"/>
                 </a:moveTo>
@@ -3339,9 +3512,11 @@
       <p:sp>
         <p:nvSpPr>
           <p:cNvPr id="220" name="Google Shape;220;g29a924ac89a_3_0:notes"/>
-          <p:cNvSpPr txBox="1"/>
+          <p:cNvSpPr txBox="1">
+            <a:spLocks noGrp="1"/>
+          </p:cNvSpPr>
           <p:nvPr>
-            <p:ph idx="1" type="body"/>
+            <p:ph type="body" idx="1"/>
           </p:nvPr>
         </p:nvSpPr>
         <p:spPr>
@@ -3354,12 +3529,12 @@
           </a:prstGeom>
         </p:spPr>
         <p:txBody>
-          <a:bodyPr anchorCtr="0" anchor="t" bIns="91425" lIns="91425" spcFirstLastPara="1" rIns="91425" wrap="square" tIns="91425">
+          <a:bodyPr spcFirstLastPara="1" wrap="square" lIns="91425" tIns="91425" rIns="91425" bIns="91425" anchor="t" anchorCtr="0">
             <a:noAutofit/>
           </a:bodyPr>
           <a:lstStyle/>
           <a:p>
-            <a:pPr indent="0" lvl="0" marL="0" rtl="0" algn="l">
+            <a:pPr marL="0" lvl="0" indent="0" algn="l" rtl="0">
               <a:spcBef>
                 <a:spcPts val="0"/>
               </a:spcBef>
@@ -3385,11 +3560,11 @@
 </file>
 
 <file path=ppt/notesSlides/notesSlide33.xml><?xml version="1.0" encoding="utf-8"?>
-<p:notes xmlns:a="http://schemas.openxmlformats.org/drawingml/2006/main" xmlns:r="http://schemas.openxmlformats.org/officeDocument/2006/relationships" xmlns:mc="http://schemas.openxmlformats.org/markup-compatibility/2006" xmlns:mv="urn:schemas-microsoft-com:mac:vml" xmlns:p="http://schemas.openxmlformats.org/presentationml/2006/main" xmlns:c="http://schemas.openxmlformats.org/drawingml/2006/chart" xmlns:dgm="http://schemas.openxmlformats.org/drawingml/2006/diagram" xmlns:o="urn:schemas-microsoft-com:office:office" xmlns:v="urn:schemas-microsoft-com:vml" xmlns:pvml="urn:schemas-microsoft-com:office:powerpoint" xmlns:com="http://schemas.openxmlformats.org/drawingml/2006/compatibility" xmlns:p14="http://schemas.microsoft.com/office/powerpoint/2010/main" xmlns:p15="http://schemas.microsoft.com/office/powerpoint/2012/main" xmlns:ahyp="http://schemas.microsoft.com/office/drawing/2018/hyperlinkcolor" showMasterPhAnim="0" showMasterSp="0">
+<p:notes xmlns:a="http://schemas.openxmlformats.org/drawingml/2006/main" xmlns:r="http://schemas.openxmlformats.org/officeDocument/2006/relationships" xmlns:p="http://schemas.openxmlformats.org/presentationml/2006/main" showMasterSp="0" showMasterPhAnim="0">
   <p:cSld>
     <p:spTree>
       <p:nvGrpSpPr>
-        <p:cNvPr id="223" name="Shape 223"/>
+        <p:cNvPr id="1" name="Shape 223"/>
         <p:cNvGrpSpPr/>
         <p:nvPr/>
       </p:nvGrpSpPr>
@@ -3404,9 +3579,11 @@
       <p:sp>
         <p:nvSpPr>
           <p:cNvPr id="224" name="Google Shape;224;g18401b6c2f9_0_93:notes"/>
-          <p:cNvSpPr/>
+          <p:cNvSpPr>
+            <a:spLocks noGrp="1" noRot="1" noChangeAspect="1"/>
+          </p:cNvSpPr>
           <p:nvPr>
-            <p:ph idx="2" type="sldImg"/>
+            <p:ph type="sldImg" idx="2"/>
           </p:nvPr>
         </p:nvSpPr>
         <p:spPr>
@@ -3415,9 +3592,13 @@
             <a:ext cx="6096000" cy="3429000"/>
           </a:xfrm>
           <a:custGeom>
-            <a:rect b="b" l="l" r="r" t="t"/>
+            <a:avLst/>
+            <a:gdLst/>
+            <a:ahLst/>
+            <a:cxnLst/>
+            <a:rect l="l" t="t" r="r" b="b"/>
             <a:pathLst>
-              <a:path extrusionOk="0" h="120000" w="120000">
+              <a:path w="120000" h="120000" extrusionOk="0">
                 <a:moveTo>
                   <a:pt x="0" y="0"/>
                 </a:moveTo>
@@ -3439,9 +3620,11 @@
       <p:sp>
         <p:nvSpPr>
           <p:cNvPr id="225" name="Google Shape;225;g18401b6c2f9_0_93:notes"/>
-          <p:cNvSpPr txBox="1"/>
+          <p:cNvSpPr txBox="1">
+            <a:spLocks noGrp="1"/>
+          </p:cNvSpPr>
           <p:nvPr>
-            <p:ph idx="1" type="body"/>
+            <p:ph type="body" idx="1"/>
           </p:nvPr>
         </p:nvSpPr>
         <p:spPr>
@@ -3454,12 +3637,12 @@
           </a:prstGeom>
         </p:spPr>
         <p:txBody>
-          <a:bodyPr anchorCtr="0" anchor="t" bIns="91425" lIns="91425" spcFirstLastPara="1" rIns="91425" wrap="square" tIns="91425">
+          <a:bodyPr spcFirstLastPara="1" wrap="square" lIns="91425" tIns="91425" rIns="91425" bIns="91425" anchor="t" anchorCtr="0">
             <a:noAutofit/>
           </a:bodyPr>
           <a:lstStyle/>
           <a:p>
-            <a:pPr indent="0" lvl="0" marL="0" rtl="0" algn="l">
+            <a:pPr marL="0" lvl="0" indent="0" algn="l" rtl="0">
               <a:spcBef>
                 <a:spcPts val="0"/>
               </a:spcBef>
@@ -3485,11 +3668,11 @@
 </file>
 
 <file path=ppt/notesSlides/notesSlide34.xml><?xml version="1.0" encoding="utf-8"?>
-<p:notes xmlns:a="http://schemas.openxmlformats.org/drawingml/2006/main" xmlns:r="http://schemas.openxmlformats.org/officeDocument/2006/relationships" xmlns:mc="http://schemas.openxmlformats.org/markup-compatibility/2006" xmlns:mv="urn:schemas-microsoft-com:mac:vml" xmlns:p="http://schemas.openxmlformats.org/presentationml/2006/main" xmlns:c="http://schemas.openxmlformats.org/drawingml/2006/chart" xmlns:dgm="http://schemas.openxmlformats.org/drawingml/2006/diagram" xmlns:o="urn:schemas-microsoft-com:office:office" xmlns:v="urn:schemas-microsoft-com:vml" xmlns:pvml="urn:schemas-microsoft-com:office:powerpoint" xmlns:com="http://schemas.openxmlformats.org/drawingml/2006/compatibility" xmlns:p14="http://schemas.microsoft.com/office/powerpoint/2010/main" xmlns:p15="http://schemas.microsoft.com/office/powerpoint/2012/main" xmlns:ahyp="http://schemas.microsoft.com/office/drawing/2018/hyperlinkcolor" showMasterPhAnim="0" showMasterSp="0">
+<p:notes xmlns:a="http://schemas.openxmlformats.org/drawingml/2006/main" xmlns:r="http://schemas.openxmlformats.org/officeDocument/2006/relationships" xmlns:p="http://schemas.openxmlformats.org/presentationml/2006/main" showMasterSp="0" showMasterPhAnim="0">
   <p:cSld>
     <p:spTree>
       <p:nvGrpSpPr>
-        <p:cNvPr id="228" name="Shape 228"/>
+        <p:cNvPr id="1" name="Shape 228"/>
         <p:cNvGrpSpPr/>
         <p:nvPr/>
       </p:nvGrpSpPr>
@@ -3504,9 +3687,11 @@
       <p:sp>
         <p:nvSpPr>
           <p:cNvPr id="229" name="Google Shape;229;g312d605125f_1_1:notes"/>
-          <p:cNvSpPr/>
+          <p:cNvSpPr>
+            <a:spLocks noGrp="1" noRot="1" noChangeAspect="1"/>
+          </p:cNvSpPr>
           <p:nvPr>
-            <p:ph idx="2" type="sldImg"/>
+            <p:ph type="sldImg" idx="2"/>
           </p:nvPr>
         </p:nvSpPr>
         <p:spPr>
@@ -3515,9 +3700,13 @@
             <a:ext cx="6096000" cy="3429000"/>
           </a:xfrm>
           <a:custGeom>
-            <a:rect b="b" l="l" r="r" t="t"/>
+            <a:avLst/>
+            <a:gdLst/>
+            <a:ahLst/>
+            <a:cxnLst/>
+            <a:rect l="l" t="t" r="r" b="b"/>
             <a:pathLst>
-              <a:path extrusionOk="0" h="120000" w="120000">
+              <a:path w="120000" h="120000" extrusionOk="0">
                 <a:moveTo>
                   <a:pt x="0" y="0"/>
                 </a:moveTo>
@@ -3539,9 +3728,11 @@
       <p:sp>
         <p:nvSpPr>
           <p:cNvPr id="230" name="Google Shape;230;g312d605125f_1_1:notes"/>
-          <p:cNvSpPr txBox="1"/>
+          <p:cNvSpPr txBox="1">
+            <a:spLocks noGrp="1"/>
+          </p:cNvSpPr>
           <p:nvPr>
-            <p:ph idx="1" type="body"/>
+            <p:ph type="body" idx="1"/>
           </p:nvPr>
         </p:nvSpPr>
         <p:spPr>
@@ -3554,12 +3745,12 @@
           </a:prstGeom>
         </p:spPr>
         <p:txBody>
-          <a:bodyPr anchorCtr="0" anchor="t" bIns="91425" lIns="91425" spcFirstLastPara="1" rIns="91425" wrap="square" tIns="91425">
+          <a:bodyPr spcFirstLastPara="1" wrap="square" lIns="91425" tIns="91425" rIns="91425" bIns="91425" anchor="t" anchorCtr="0">
             <a:noAutofit/>
           </a:bodyPr>
           <a:lstStyle/>
           <a:p>
-            <a:pPr indent="0" lvl="0" marL="0" rtl="0" algn="l">
+            <a:pPr marL="0" lvl="0" indent="0" algn="l" rtl="0">
               <a:spcBef>
                 <a:spcPts val="0"/>
               </a:spcBef>
@@ -3568,9 +3759,6 @@
               </a:spcAft>
               <a:buNone/>
             </a:pPr>
-            <a:r>
-              <a:t/>
-            </a:r>
             <a:endParaRPr/>
           </a:p>
         </p:txBody>
@@ -3584,11 +3772,11 @@
 </file>
 
 <file path=ppt/notesSlides/notesSlide35.xml><?xml version="1.0" encoding="utf-8"?>
-<p:notes xmlns:a="http://schemas.openxmlformats.org/drawingml/2006/main" xmlns:r="http://schemas.openxmlformats.org/officeDocument/2006/relationships" xmlns:mc="http://schemas.openxmlformats.org/markup-compatibility/2006" xmlns:mv="urn:schemas-microsoft-com:mac:vml" xmlns:p="http://schemas.openxmlformats.org/presentationml/2006/main" xmlns:c="http://schemas.openxmlformats.org/drawingml/2006/chart" xmlns:dgm="http://schemas.openxmlformats.org/drawingml/2006/diagram" xmlns:o="urn:schemas-microsoft-com:office:office" xmlns:v="urn:schemas-microsoft-com:vml" xmlns:pvml="urn:schemas-microsoft-com:office:powerpoint" xmlns:com="http://schemas.openxmlformats.org/drawingml/2006/compatibility" xmlns:p14="http://schemas.microsoft.com/office/powerpoint/2010/main" xmlns:p15="http://schemas.microsoft.com/office/powerpoint/2012/main" xmlns:ahyp="http://schemas.microsoft.com/office/drawing/2018/hyperlinkcolor" showMasterPhAnim="0" showMasterSp="0">
+<p:notes xmlns:a="http://schemas.openxmlformats.org/drawingml/2006/main" xmlns:r="http://schemas.openxmlformats.org/officeDocument/2006/relationships" xmlns:p="http://schemas.openxmlformats.org/presentationml/2006/main" showMasterSp="0" showMasterPhAnim="0">
   <p:cSld>
     <p:spTree>
       <p:nvGrpSpPr>
-        <p:cNvPr id="233" name="Shape 233"/>
+        <p:cNvPr id="1" name="Shape 233"/>
         <p:cNvGrpSpPr/>
         <p:nvPr/>
       </p:nvGrpSpPr>
@@ -3603,9 +3791,11 @@
       <p:sp>
         <p:nvSpPr>
           <p:cNvPr id="234" name="Google Shape;234;g29a92345b97_0_63:notes"/>
-          <p:cNvSpPr/>
+          <p:cNvSpPr>
+            <a:spLocks noGrp="1" noRot="1" noChangeAspect="1"/>
+          </p:cNvSpPr>
           <p:nvPr>
-            <p:ph idx="2" type="sldImg"/>
+            <p:ph type="sldImg" idx="2"/>
           </p:nvPr>
         </p:nvSpPr>
         <p:spPr>
@@ -3614,9 +3804,13 @@
             <a:ext cx="6096000" cy="3429000"/>
           </a:xfrm>
           <a:custGeom>
-            <a:rect b="b" l="l" r="r" t="t"/>
+            <a:avLst/>
+            <a:gdLst/>
+            <a:ahLst/>
+            <a:cxnLst/>
+            <a:rect l="l" t="t" r="r" b="b"/>
             <a:pathLst>
-              <a:path extrusionOk="0" h="120000" w="120000">
+              <a:path w="120000" h="120000" extrusionOk="0">
                 <a:moveTo>
                   <a:pt x="0" y="0"/>
                 </a:moveTo>
@@ -3638,9 +3832,11 @@
       <p:sp>
         <p:nvSpPr>
           <p:cNvPr id="235" name="Google Shape;235;g29a92345b97_0_63:notes"/>
-          <p:cNvSpPr txBox="1"/>
+          <p:cNvSpPr txBox="1">
+            <a:spLocks noGrp="1"/>
+          </p:cNvSpPr>
           <p:nvPr>
-            <p:ph idx="1" type="body"/>
+            <p:ph type="body" idx="1"/>
           </p:nvPr>
         </p:nvSpPr>
         <p:spPr>
@@ -3653,12 +3849,12 @@
           </a:prstGeom>
         </p:spPr>
         <p:txBody>
-          <a:bodyPr anchorCtr="0" anchor="t" bIns="91425" lIns="91425" spcFirstLastPara="1" rIns="91425" wrap="square" tIns="91425">
+          <a:bodyPr spcFirstLastPara="1" wrap="square" lIns="91425" tIns="91425" rIns="91425" bIns="91425" anchor="t" anchorCtr="0">
             <a:noAutofit/>
           </a:bodyPr>
           <a:lstStyle/>
           <a:p>
-            <a:pPr indent="0" lvl="0" marL="0" rtl="0" algn="l">
+            <a:pPr marL="0" lvl="0" indent="0" algn="l" rtl="0">
               <a:spcBef>
                 <a:spcPts val="0"/>
               </a:spcBef>
@@ -3684,11 +3880,11 @@
 </file>
 
 <file path=ppt/notesSlides/notesSlide36.xml><?xml version="1.0" encoding="utf-8"?>
-<p:notes xmlns:a="http://schemas.openxmlformats.org/drawingml/2006/main" xmlns:r="http://schemas.openxmlformats.org/officeDocument/2006/relationships" xmlns:mc="http://schemas.openxmlformats.org/markup-compatibility/2006" xmlns:mv="urn:schemas-microsoft-com:mac:vml" xmlns:p="http://schemas.openxmlformats.org/presentationml/2006/main" xmlns:c="http://schemas.openxmlformats.org/drawingml/2006/chart" xmlns:dgm="http://schemas.openxmlformats.org/drawingml/2006/diagram" xmlns:o="urn:schemas-microsoft-com:office:office" xmlns:v="urn:schemas-microsoft-com:vml" xmlns:pvml="urn:schemas-microsoft-com:office:powerpoint" xmlns:com="http://schemas.openxmlformats.org/drawingml/2006/compatibility" xmlns:p14="http://schemas.microsoft.com/office/powerpoint/2010/main" xmlns:p15="http://schemas.microsoft.com/office/powerpoint/2012/main" xmlns:ahyp="http://schemas.microsoft.com/office/drawing/2018/hyperlinkcolor" showMasterPhAnim="0" showMasterSp="0">
+<p:notes xmlns:a="http://schemas.openxmlformats.org/drawingml/2006/main" xmlns:r="http://schemas.openxmlformats.org/officeDocument/2006/relationships" xmlns:p="http://schemas.openxmlformats.org/presentationml/2006/main" showMasterSp="0" showMasterPhAnim="0">
   <p:cSld>
     <p:spTree>
       <p:nvGrpSpPr>
-        <p:cNvPr id="238" name="Shape 238"/>
+        <p:cNvPr id="1" name="Shape 238"/>
         <p:cNvGrpSpPr/>
         <p:nvPr/>
       </p:nvGrpSpPr>
@@ -3703,20 +3899,26 @@
       <p:sp>
         <p:nvSpPr>
           <p:cNvPr id="239" name="Google Shape;239;g18401b6c2f9_0_0:notes"/>
-          <p:cNvSpPr/>
+          <p:cNvSpPr>
+            <a:spLocks noGrp="1" noRot="1" noChangeAspect="1"/>
+          </p:cNvSpPr>
           <p:nvPr>
-            <p:ph idx="2" type="sldImg"/>
+            <p:ph type="sldImg" idx="2"/>
           </p:nvPr>
         </p:nvSpPr>
         <p:spPr>
           <a:xfrm>
-            <a:off x="381300" y="685800"/>
+            <a:off x="381000" y="685800"/>
             <a:ext cx="6096000" cy="3429000"/>
           </a:xfrm>
           <a:custGeom>
-            <a:rect b="b" l="l" r="r" t="t"/>
+            <a:avLst/>
+            <a:gdLst/>
+            <a:ahLst/>
+            <a:cxnLst/>
+            <a:rect l="l" t="t" r="r" b="b"/>
             <a:pathLst>
-              <a:path extrusionOk="0" h="120000" w="120000">
+              <a:path w="120000" h="120000" extrusionOk="0">
                 <a:moveTo>
                   <a:pt x="0" y="0"/>
                 </a:moveTo>
@@ -3738,9 +3940,11 @@
       <p:sp>
         <p:nvSpPr>
           <p:cNvPr id="240" name="Google Shape;240;g18401b6c2f9_0_0:notes"/>
-          <p:cNvSpPr txBox="1"/>
+          <p:cNvSpPr txBox="1">
+            <a:spLocks noGrp="1"/>
+          </p:cNvSpPr>
           <p:nvPr>
-            <p:ph idx="1" type="body"/>
+            <p:ph type="body" idx="1"/>
           </p:nvPr>
         </p:nvSpPr>
         <p:spPr>
@@ -3753,12 +3957,12 @@
           </a:prstGeom>
         </p:spPr>
         <p:txBody>
-          <a:bodyPr anchorCtr="0" anchor="t" bIns="91425" lIns="91425" spcFirstLastPara="1" rIns="91425" wrap="square" tIns="91425">
+          <a:bodyPr spcFirstLastPara="1" wrap="square" lIns="91425" tIns="91425" rIns="91425" bIns="91425" anchor="t" anchorCtr="0">
             <a:noAutofit/>
           </a:bodyPr>
           <a:lstStyle/>
           <a:p>
-            <a:pPr indent="0" lvl="0" marL="0" rtl="0" algn="l">
+            <a:pPr marL="0" lvl="0" indent="0" algn="l" rtl="0">
               <a:spcBef>
                 <a:spcPts val="0"/>
               </a:spcBef>
@@ -3767,9 +3971,6 @@
               </a:spcAft>
               <a:buNone/>
             </a:pPr>
-            <a:r>
-              <a:t/>
-            </a:r>
             <a:endParaRPr>
               <a:solidFill>
                 <a:schemeClr val="dk1"/>
@@ -3787,11 +3988,11 @@
 </file>
 
 <file path=ppt/notesSlides/notesSlide4.xml><?xml version="1.0" encoding="utf-8"?>
-<p:notes xmlns:a="http://schemas.openxmlformats.org/drawingml/2006/main" xmlns:r="http://schemas.openxmlformats.org/officeDocument/2006/relationships" xmlns:mc="http://schemas.openxmlformats.org/markup-compatibility/2006" xmlns:mv="urn:schemas-microsoft-com:mac:vml" xmlns:p="http://schemas.openxmlformats.org/presentationml/2006/main" xmlns:c="http://schemas.openxmlformats.org/drawingml/2006/chart" xmlns:dgm="http://schemas.openxmlformats.org/drawingml/2006/diagram" xmlns:o="urn:schemas-microsoft-com:office:office" xmlns:v="urn:schemas-microsoft-com:vml" xmlns:pvml="urn:schemas-microsoft-com:office:powerpoint" xmlns:com="http://schemas.openxmlformats.org/drawingml/2006/compatibility" xmlns:p14="http://schemas.microsoft.com/office/powerpoint/2010/main" xmlns:p15="http://schemas.microsoft.com/office/powerpoint/2012/main" xmlns:ahyp="http://schemas.microsoft.com/office/drawing/2018/hyperlinkcolor" showMasterPhAnim="0" showMasterSp="0">
+<p:notes xmlns:a="http://schemas.openxmlformats.org/drawingml/2006/main" xmlns:r="http://schemas.openxmlformats.org/officeDocument/2006/relationships" xmlns:p="http://schemas.openxmlformats.org/presentationml/2006/main" showMasterSp="0" showMasterPhAnim="0">
   <p:cSld>
     <p:spTree>
       <p:nvGrpSpPr>
-        <p:cNvPr id="65" name="Shape 65"/>
+        <p:cNvPr id="1" name="Shape 65"/>
         <p:cNvGrpSpPr/>
         <p:nvPr/>
       </p:nvGrpSpPr>
@@ -3806,9 +4007,11 @@
       <p:sp>
         <p:nvSpPr>
           <p:cNvPr id="66" name="Google Shape;66;g18401b6c2f9_0_61:notes"/>
-          <p:cNvSpPr/>
+          <p:cNvSpPr>
+            <a:spLocks noGrp="1" noRot="1" noChangeAspect="1"/>
+          </p:cNvSpPr>
           <p:nvPr>
-            <p:ph idx="2" type="sldImg"/>
+            <p:ph type="sldImg" idx="2"/>
           </p:nvPr>
         </p:nvSpPr>
         <p:spPr>
@@ -3817,9 +4020,13 @@
             <a:ext cx="6096000" cy="3429000"/>
           </a:xfrm>
           <a:custGeom>
-            <a:rect b="b" l="l" r="r" t="t"/>
+            <a:avLst/>
+            <a:gdLst/>
+            <a:ahLst/>
+            <a:cxnLst/>
+            <a:rect l="l" t="t" r="r" b="b"/>
             <a:pathLst>
-              <a:path extrusionOk="0" h="120000" w="120000">
+              <a:path w="120000" h="120000" extrusionOk="0">
                 <a:moveTo>
                   <a:pt x="0" y="0"/>
                 </a:moveTo>
@@ -3841,9 +4048,11 @@
       <p:sp>
         <p:nvSpPr>
           <p:cNvPr id="67" name="Google Shape;67;g18401b6c2f9_0_61:notes"/>
-          <p:cNvSpPr txBox="1"/>
+          <p:cNvSpPr txBox="1">
+            <a:spLocks noGrp="1"/>
+          </p:cNvSpPr>
           <p:nvPr>
-            <p:ph idx="1" type="body"/>
+            <p:ph type="body" idx="1"/>
           </p:nvPr>
         </p:nvSpPr>
         <p:spPr>
@@ -3856,12 +4065,12 @@
           </a:prstGeom>
         </p:spPr>
         <p:txBody>
-          <a:bodyPr anchorCtr="0" anchor="t" bIns="91425" lIns="91425" spcFirstLastPara="1" rIns="91425" wrap="square" tIns="91425">
+          <a:bodyPr spcFirstLastPara="1" wrap="square" lIns="91425" tIns="91425" rIns="91425" bIns="91425" anchor="t" anchorCtr="0">
             <a:noAutofit/>
           </a:bodyPr>
           <a:lstStyle/>
           <a:p>
-            <a:pPr indent="0" lvl="0" marL="0" rtl="0" algn="l">
+            <a:pPr marL="0" lvl="0" indent="0" algn="l" rtl="0">
               <a:spcBef>
                 <a:spcPts val="0"/>
               </a:spcBef>
@@ -3870,9 +4079,6 @@
               </a:spcAft>
               <a:buNone/>
             </a:pPr>
-            <a:r>
-              <a:t/>
-            </a:r>
             <a:endParaRPr/>
           </a:p>
         </p:txBody>
@@ -3886,11 +4092,11 @@
 </file>
 
 <file path=ppt/notesSlides/notesSlide5.xml><?xml version="1.0" encoding="utf-8"?>
-<p:notes xmlns:a="http://schemas.openxmlformats.org/drawingml/2006/main" xmlns:r="http://schemas.openxmlformats.org/officeDocument/2006/relationships" xmlns:mc="http://schemas.openxmlformats.org/markup-compatibility/2006" xmlns:mv="urn:schemas-microsoft-com:mac:vml" xmlns:p="http://schemas.openxmlformats.org/presentationml/2006/main" xmlns:c="http://schemas.openxmlformats.org/drawingml/2006/chart" xmlns:dgm="http://schemas.openxmlformats.org/drawingml/2006/diagram" xmlns:o="urn:schemas-microsoft-com:office:office" xmlns:v="urn:schemas-microsoft-com:vml" xmlns:pvml="urn:schemas-microsoft-com:office:powerpoint" xmlns:com="http://schemas.openxmlformats.org/drawingml/2006/compatibility" xmlns:p14="http://schemas.microsoft.com/office/powerpoint/2010/main" xmlns:p15="http://schemas.microsoft.com/office/powerpoint/2012/main" xmlns:ahyp="http://schemas.microsoft.com/office/drawing/2018/hyperlinkcolor" showMasterPhAnim="0" showMasterSp="0">
+<p:notes xmlns:a="http://schemas.openxmlformats.org/drawingml/2006/main" xmlns:r="http://schemas.openxmlformats.org/officeDocument/2006/relationships" xmlns:p="http://schemas.openxmlformats.org/presentationml/2006/main" showMasterSp="0" showMasterPhAnim="0">
   <p:cSld>
     <p:spTree>
       <p:nvGrpSpPr>
-        <p:cNvPr id="70" name="Shape 70"/>
+        <p:cNvPr id="1" name="Shape 70"/>
         <p:cNvGrpSpPr/>
         <p:nvPr/>
       </p:nvGrpSpPr>
@@ -3905,9 +4111,11 @@
       <p:sp>
         <p:nvSpPr>
           <p:cNvPr id="71" name="Google Shape;71;g18401b6c2f9_0_65:notes"/>
-          <p:cNvSpPr/>
+          <p:cNvSpPr>
+            <a:spLocks noGrp="1" noRot="1" noChangeAspect="1"/>
+          </p:cNvSpPr>
           <p:nvPr>
-            <p:ph idx="2" type="sldImg"/>
+            <p:ph type="sldImg" idx="2"/>
           </p:nvPr>
         </p:nvSpPr>
         <p:spPr>
@@ -3916,9 +4124,13 @@
             <a:ext cx="6096000" cy="3429000"/>
           </a:xfrm>
           <a:custGeom>
-            <a:rect b="b" l="l" r="r" t="t"/>
+            <a:avLst/>
+            <a:gdLst/>
+            <a:ahLst/>
+            <a:cxnLst/>
+            <a:rect l="l" t="t" r="r" b="b"/>
             <a:pathLst>
-              <a:path extrusionOk="0" h="120000" w="120000">
+              <a:path w="120000" h="120000" extrusionOk="0">
                 <a:moveTo>
                   <a:pt x="0" y="0"/>
                 </a:moveTo>
@@ -3940,9 +4152,11 @@
       <p:sp>
         <p:nvSpPr>
           <p:cNvPr id="72" name="Google Shape;72;g18401b6c2f9_0_65:notes"/>
-          <p:cNvSpPr txBox="1"/>
+          <p:cNvSpPr txBox="1">
+            <a:spLocks noGrp="1"/>
+          </p:cNvSpPr>
           <p:nvPr>
-            <p:ph idx="1" type="body"/>
+            <p:ph type="body" idx="1"/>
           </p:nvPr>
         </p:nvSpPr>
         <p:spPr>
@@ -3955,12 +4169,12 @@
           </a:prstGeom>
         </p:spPr>
         <p:txBody>
-          <a:bodyPr anchorCtr="0" anchor="t" bIns="91425" lIns="91425" spcFirstLastPara="1" rIns="91425" wrap="square" tIns="91425">
+          <a:bodyPr spcFirstLastPara="1" wrap="square" lIns="91425" tIns="91425" rIns="91425" bIns="91425" anchor="t" anchorCtr="0">
             <a:noAutofit/>
           </a:bodyPr>
           <a:lstStyle/>
           <a:p>
-            <a:pPr indent="0" lvl="0" marL="0" rtl="0" algn="l">
+            <a:pPr marL="0" lvl="0" indent="0" algn="l" rtl="0">
               <a:spcBef>
                 <a:spcPts val="0"/>
               </a:spcBef>
@@ -3969,9 +4183,6 @@
               </a:spcAft>
               <a:buNone/>
             </a:pPr>
-            <a:r>
-              <a:t/>
-            </a:r>
             <a:endParaRPr/>
           </a:p>
         </p:txBody>
@@ -3985,11 +4196,11 @@
 </file>
 
 <file path=ppt/notesSlides/notesSlide6.xml><?xml version="1.0" encoding="utf-8"?>
-<p:notes xmlns:a="http://schemas.openxmlformats.org/drawingml/2006/main" xmlns:r="http://schemas.openxmlformats.org/officeDocument/2006/relationships" xmlns:mc="http://schemas.openxmlformats.org/markup-compatibility/2006" xmlns:mv="urn:schemas-microsoft-com:mac:vml" xmlns:p="http://schemas.openxmlformats.org/presentationml/2006/main" xmlns:c="http://schemas.openxmlformats.org/drawingml/2006/chart" xmlns:dgm="http://schemas.openxmlformats.org/drawingml/2006/diagram" xmlns:o="urn:schemas-microsoft-com:office:office" xmlns:v="urn:schemas-microsoft-com:vml" xmlns:pvml="urn:schemas-microsoft-com:office:powerpoint" xmlns:com="http://schemas.openxmlformats.org/drawingml/2006/compatibility" xmlns:p14="http://schemas.microsoft.com/office/powerpoint/2010/main" xmlns:p15="http://schemas.microsoft.com/office/powerpoint/2012/main" xmlns:ahyp="http://schemas.microsoft.com/office/drawing/2018/hyperlinkcolor" showMasterPhAnim="0" showMasterSp="0">
+<p:notes xmlns:a="http://schemas.openxmlformats.org/drawingml/2006/main" xmlns:r="http://schemas.openxmlformats.org/officeDocument/2006/relationships" xmlns:p="http://schemas.openxmlformats.org/presentationml/2006/main" showMasterSp="0" showMasterPhAnim="0">
   <p:cSld>
     <p:spTree>
       <p:nvGrpSpPr>
-        <p:cNvPr id="75" name="Shape 75"/>
+        <p:cNvPr id="1" name="Shape 75"/>
         <p:cNvGrpSpPr/>
         <p:nvPr/>
       </p:nvGrpSpPr>
@@ -4004,9 +4215,11 @@
       <p:sp>
         <p:nvSpPr>
           <p:cNvPr id="76" name="Google Shape;76;g18401b6c2f9_0_73:notes"/>
-          <p:cNvSpPr/>
+          <p:cNvSpPr>
+            <a:spLocks noGrp="1" noRot="1" noChangeAspect="1"/>
+          </p:cNvSpPr>
           <p:nvPr>
-            <p:ph idx="2" type="sldImg"/>
+            <p:ph type="sldImg" idx="2"/>
           </p:nvPr>
         </p:nvSpPr>
         <p:spPr>
@@ -4015,9 +4228,13 @@
             <a:ext cx="6096000" cy="3429000"/>
           </a:xfrm>
           <a:custGeom>
-            <a:rect b="b" l="l" r="r" t="t"/>
+            <a:avLst/>
+            <a:gdLst/>
+            <a:ahLst/>
+            <a:cxnLst/>
+            <a:rect l="l" t="t" r="r" b="b"/>
             <a:pathLst>
-              <a:path extrusionOk="0" h="120000" w="120000">
+              <a:path w="120000" h="120000" extrusionOk="0">
                 <a:moveTo>
                   <a:pt x="0" y="0"/>
                 </a:moveTo>
@@ -4039,9 +4256,11 @@
       <p:sp>
         <p:nvSpPr>
           <p:cNvPr id="77" name="Google Shape;77;g18401b6c2f9_0_73:notes"/>
-          <p:cNvSpPr txBox="1"/>
+          <p:cNvSpPr txBox="1">
+            <a:spLocks noGrp="1"/>
+          </p:cNvSpPr>
           <p:nvPr>
-            <p:ph idx="1" type="body"/>
+            <p:ph type="body" idx="1"/>
           </p:nvPr>
         </p:nvSpPr>
         <p:spPr>
@@ -4054,12 +4273,12 @@
           </a:prstGeom>
         </p:spPr>
         <p:txBody>
-          <a:bodyPr anchorCtr="0" anchor="t" bIns="91425" lIns="91425" spcFirstLastPara="1" rIns="91425" wrap="square" tIns="91425">
+          <a:bodyPr spcFirstLastPara="1" wrap="square" lIns="91425" tIns="91425" rIns="91425" bIns="91425" anchor="t" anchorCtr="0">
             <a:noAutofit/>
           </a:bodyPr>
           <a:lstStyle/>
           <a:p>
-            <a:pPr indent="0" lvl="0" marL="0" rtl="0" algn="l">
+            <a:pPr marL="0" lvl="0" indent="0" algn="l" rtl="0">
               <a:spcBef>
                 <a:spcPts val="0"/>
               </a:spcBef>
@@ -4068,9 +4287,6 @@
               </a:spcAft>
               <a:buNone/>
             </a:pPr>
-            <a:r>
-              <a:t/>
-            </a:r>
             <a:endParaRPr/>
           </a:p>
         </p:txBody>
@@ -4084,11 +4300,11 @@
 </file>
 
 <file path=ppt/notesSlides/notesSlide7.xml><?xml version="1.0" encoding="utf-8"?>
-<p:notes xmlns:a="http://schemas.openxmlformats.org/drawingml/2006/main" xmlns:r="http://schemas.openxmlformats.org/officeDocument/2006/relationships" xmlns:mc="http://schemas.openxmlformats.org/markup-compatibility/2006" xmlns:mv="urn:schemas-microsoft-com:mac:vml" xmlns:p="http://schemas.openxmlformats.org/presentationml/2006/main" xmlns:c="http://schemas.openxmlformats.org/drawingml/2006/chart" xmlns:dgm="http://schemas.openxmlformats.org/drawingml/2006/diagram" xmlns:o="urn:schemas-microsoft-com:office:office" xmlns:v="urn:schemas-microsoft-com:vml" xmlns:pvml="urn:schemas-microsoft-com:office:powerpoint" xmlns:com="http://schemas.openxmlformats.org/drawingml/2006/compatibility" xmlns:p14="http://schemas.microsoft.com/office/powerpoint/2010/main" xmlns:p15="http://schemas.microsoft.com/office/powerpoint/2012/main" xmlns:ahyp="http://schemas.microsoft.com/office/drawing/2018/hyperlinkcolor" showMasterPhAnim="0" showMasterSp="0">
+<p:notes xmlns:a="http://schemas.openxmlformats.org/drawingml/2006/main" xmlns:r="http://schemas.openxmlformats.org/officeDocument/2006/relationships" xmlns:p="http://schemas.openxmlformats.org/presentationml/2006/main" showMasterSp="0" showMasterPhAnim="0">
   <p:cSld>
     <p:spTree>
       <p:nvGrpSpPr>
-        <p:cNvPr id="80" name="Shape 80"/>
+        <p:cNvPr id="1" name="Shape 80"/>
         <p:cNvGrpSpPr/>
         <p:nvPr/>
       </p:nvGrpSpPr>
@@ -4103,9 +4319,11 @@
       <p:sp>
         <p:nvSpPr>
           <p:cNvPr id="81" name="Google Shape;81;g18401b6c2f9_0_77:notes"/>
-          <p:cNvSpPr/>
+          <p:cNvSpPr>
+            <a:spLocks noGrp="1" noRot="1" noChangeAspect="1"/>
+          </p:cNvSpPr>
           <p:nvPr>
-            <p:ph idx="2" type="sldImg"/>
+            <p:ph type="sldImg" idx="2"/>
           </p:nvPr>
         </p:nvSpPr>
         <p:spPr>
@@ -4114,9 +4332,13 @@
             <a:ext cx="6096000" cy="3429000"/>
           </a:xfrm>
           <a:custGeom>
-            <a:rect b="b" l="l" r="r" t="t"/>
+            <a:avLst/>
+            <a:gdLst/>
+            <a:ahLst/>
+            <a:cxnLst/>
+            <a:rect l="l" t="t" r="r" b="b"/>
             <a:pathLst>
-              <a:path extrusionOk="0" h="120000" w="120000">
+              <a:path w="120000" h="120000" extrusionOk="0">
                 <a:moveTo>
                   <a:pt x="0" y="0"/>
                 </a:moveTo>
@@ -4138,9 +4360,11 @@
       <p:sp>
         <p:nvSpPr>
           <p:cNvPr id="82" name="Google Shape;82;g18401b6c2f9_0_77:notes"/>
-          <p:cNvSpPr txBox="1"/>
+          <p:cNvSpPr txBox="1">
+            <a:spLocks noGrp="1"/>
+          </p:cNvSpPr>
           <p:nvPr>
-            <p:ph idx="1" type="body"/>
+            <p:ph type="body" idx="1"/>
           </p:nvPr>
         </p:nvSpPr>
         <p:spPr>
@@ -4153,12 +4377,12 @@
           </a:prstGeom>
         </p:spPr>
         <p:txBody>
-          <a:bodyPr anchorCtr="0" anchor="t" bIns="91425" lIns="91425" spcFirstLastPara="1" rIns="91425" wrap="square" tIns="91425">
+          <a:bodyPr spcFirstLastPara="1" wrap="square" lIns="91425" tIns="91425" rIns="91425" bIns="91425" anchor="t" anchorCtr="0">
             <a:noAutofit/>
           </a:bodyPr>
           <a:lstStyle/>
           <a:p>
-            <a:pPr indent="0" lvl="0" marL="0" rtl="0" algn="l">
+            <a:pPr marL="0" lvl="0" indent="0" algn="l" rtl="0">
               <a:spcBef>
                 <a:spcPts val="0"/>
               </a:spcBef>
@@ -4167,9 +4391,6 @@
               </a:spcAft>
               <a:buNone/>
             </a:pPr>
-            <a:r>
-              <a:t/>
-            </a:r>
             <a:endParaRPr/>
           </a:p>
         </p:txBody>
@@ -4183,11 +4404,11 @@
 </file>
 
 <file path=ppt/notesSlides/notesSlide8.xml><?xml version="1.0" encoding="utf-8"?>
-<p:notes xmlns:a="http://schemas.openxmlformats.org/drawingml/2006/main" xmlns:r="http://schemas.openxmlformats.org/officeDocument/2006/relationships" xmlns:mc="http://schemas.openxmlformats.org/markup-compatibility/2006" xmlns:mv="urn:schemas-microsoft-com:mac:vml" xmlns:p="http://schemas.openxmlformats.org/presentationml/2006/main" xmlns:c="http://schemas.openxmlformats.org/drawingml/2006/chart" xmlns:dgm="http://schemas.openxmlformats.org/drawingml/2006/diagram" xmlns:o="urn:schemas-microsoft-com:office:office" xmlns:v="urn:schemas-microsoft-com:vml" xmlns:pvml="urn:schemas-microsoft-com:office:powerpoint" xmlns:com="http://schemas.openxmlformats.org/drawingml/2006/compatibility" xmlns:p14="http://schemas.microsoft.com/office/powerpoint/2010/main" xmlns:p15="http://schemas.microsoft.com/office/powerpoint/2012/main" xmlns:ahyp="http://schemas.microsoft.com/office/drawing/2018/hyperlinkcolor" showMasterPhAnim="0" showMasterSp="0">
+<p:notes xmlns:a="http://schemas.openxmlformats.org/drawingml/2006/main" xmlns:r="http://schemas.openxmlformats.org/officeDocument/2006/relationships" xmlns:p="http://schemas.openxmlformats.org/presentationml/2006/main" showMasterSp="0" showMasterPhAnim="0">
   <p:cSld>
     <p:spTree>
       <p:nvGrpSpPr>
-        <p:cNvPr id="85" name="Shape 85"/>
+        <p:cNvPr id="1" name="Shape 85"/>
         <p:cNvGrpSpPr/>
         <p:nvPr/>
       </p:nvGrpSpPr>
@@ -4202,9 +4423,11 @@
       <p:sp>
         <p:nvSpPr>
           <p:cNvPr id="86" name="Google Shape;86;g18401b6c2f9_0_85:notes"/>
-          <p:cNvSpPr/>
+          <p:cNvSpPr>
+            <a:spLocks noGrp="1" noRot="1" noChangeAspect="1"/>
+          </p:cNvSpPr>
           <p:nvPr>
-            <p:ph idx="2" type="sldImg"/>
+            <p:ph type="sldImg" idx="2"/>
           </p:nvPr>
         </p:nvSpPr>
         <p:spPr>
@@ -4213,9 +4436,13 @@
             <a:ext cx="6096000" cy="3429000"/>
           </a:xfrm>
           <a:custGeom>
-            <a:rect b="b" l="l" r="r" t="t"/>
+            <a:avLst/>
+            <a:gdLst/>
+            <a:ahLst/>
+            <a:cxnLst/>
+            <a:rect l="l" t="t" r="r" b="b"/>
             <a:pathLst>
-              <a:path extrusionOk="0" h="120000" w="120000">
+              <a:path w="120000" h="120000" extrusionOk="0">
                 <a:moveTo>
                   <a:pt x="0" y="0"/>
                 </a:moveTo>
@@ -4237,9 +4464,11 @@
       <p:sp>
         <p:nvSpPr>
           <p:cNvPr id="87" name="Google Shape;87;g18401b6c2f9_0_85:notes"/>
-          <p:cNvSpPr txBox="1"/>
+          <p:cNvSpPr txBox="1">
+            <a:spLocks noGrp="1"/>
+          </p:cNvSpPr>
           <p:nvPr>
-            <p:ph idx="1" type="body"/>
+            <p:ph type="body" idx="1"/>
           </p:nvPr>
         </p:nvSpPr>
         <p:spPr>
@@ -4252,12 +4481,12 @@
           </a:prstGeom>
         </p:spPr>
         <p:txBody>
-          <a:bodyPr anchorCtr="0" anchor="t" bIns="91425" lIns="91425" spcFirstLastPara="1" rIns="91425" wrap="square" tIns="91425">
+          <a:bodyPr spcFirstLastPara="1" wrap="square" lIns="91425" tIns="91425" rIns="91425" bIns="91425" anchor="t" anchorCtr="0">
             <a:noAutofit/>
           </a:bodyPr>
           <a:lstStyle/>
           <a:p>
-            <a:pPr indent="0" lvl="0" marL="0" rtl="0" algn="l">
+            <a:pPr marL="0" lvl="0" indent="0" algn="l" rtl="0">
               <a:spcBef>
                 <a:spcPts val="0"/>
               </a:spcBef>
@@ -4266,9 +4495,6 @@
               </a:spcAft>
               <a:buNone/>
             </a:pPr>
-            <a:r>
-              <a:t/>
-            </a:r>
             <a:endParaRPr/>
           </a:p>
         </p:txBody>
@@ -4282,11 +4508,11 @@
 </file>
 
 <file path=ppt/notesSlides/notesSlide9.xml><?xml version="1.0" encoding="utf-8"?>
-<p:notes xmlns:a="http://schemas.openxmlformats.org/drawingml/2006/main" xmlns:r="http://schemas.openxmlformats.org/officeDocument/2006/relationships" xmlns:mc="http://schemas.openxmlformats.org/markup-compatibility/2006" xmlns:mv="urn:schemas-microsoft-com:mac:vml" xmlns:p="http://schemas.openxmlformats.org/presentationml/2006/main" xmlns:c="http://schemas.openxmlformats.org/drawingml/2006/chart" xmlns:dgm="http://schemas.openxmlformats.org/drawingml/2006/diagram" xmlns:o="urn:schemas-microsoft-com:office:office" xmlns:v="urn:schemas-microsoft-com:vml" xmlns:pvml="urn:schemas-microsoft-com:office:powerpoint" xmlns:com="http://schemas.openxmlformats.org/drawingml/2006/compatibility" xmlns:p14="http://schemas.microsoft.com/office/powerpoint/2010/main" xmlns:p15="http://schemas.microsoft.com/office/powerpoint/2012/main" xmlns:ahyp="http://schemas.microsoft.com/office/drawing/2018/hyperlinkcolor" showMasterPhAnim="0" showMasterSp="0">
+<p:notes xmlns:a="http://schemas.openxmlformats.org/drawingml/2006/main" xmlns:r="http://schemas.openxmlformats.org/officeDocument/2006/relationships" xmlns:p="http://schemas.openxmlformats.org/presentationml/2006/main" showMasterSp="0" showMasterPhAnim="0">
   <p:cSld>
     <p:spTree>
       <p:nvGrpSpPr>
-        <p:cNvPr id="90" name="Shape 90"/>
+        <p:cNvPr id="1" name="Shape 90"/>
         <p:cNvGrpSpPr/>
         <p:nvPr/>
       </p:nvGrpSpPr>
@@ -4301,9 +4527,11 @@
       <p:sp>
         <p:nvSpPr>
           <p:cNvPr id="91" name="Google Shape;91;g18401b6c2f9_0_8:notes"/>
-          <p:cNvSpPr/>
+          <p:cNvSpPr>
+            <a:spLocks noGrp="1" noRot="1" noChangeAspect="1"/>
+          </p:cNvSpPr>
           <p:nvPr>
-            <p:ph idx="2" type="sldImg"/>
+            <p:ph type="sldImg" idx="2"/>
           </p:nvPr>
         </p:nvSpPr>
         <p:spPr>
@@ -4312,9 +4540,13 @@
             <a:ext cx="6096000" cy="3429000"/>
           </a:xfrm>
           <a:custGeom>
-            <a:rect b="b" l="l" r="r" t="t"/>
+            <a:avLst/>
+            <a:gdLst/>
+            <a:ahLst/>
+            <a:cxnLst/>
+            <a:rect l="l" t="t" r="r" b="b"/>
             <a:pathLst>
-              <a:path extrusionOk="0" h="120000" w="120000">
+              <a:path w="120000" h="120000" extrusionOk="0">
                 <a:moveTo>
                   <a:pt x="0" y="0"/>
                 </a:moveTo>
@@ -4336,9 +4568,11 @@
       <p:sp>
         <p:nvSpPr>
           <p:cNvPr id="92" name="Google Shape;92;g18401b6c2f9_0_8:notes"/>
-          <p:cNvSpPr txBox="1"/>
+          <p:cNvSpPr txBox="1">
+            <a:spLocks noGrp="1"/>
+          </p:cNvSpPr>
           <p:nvPr>
-            <p:ph idx="1" type="body"/>
+            <p:ph type="body" idx="1"/>
           </p:nvPr>
         </p:nvSpPr>
         <p:spPr>
@@ -4351,12 +4585,12 @@
           </a:prstGeom>
         </p:spPr>
         <p:txBody>
-          <a:bodyPr anchorCtr="0" anchor="t" bIns="91425" lIns="91425" spcFirstLastPara="1" rIns="91425" wrap="square" tIns="91425">
+          <a:bodyPr spcFirstLastPara="1" wrap="square" lIns="91425" tIns="91425" rIns="91425" bIns="91425" anchor="t" anchorCtr="0">
             <a:noAutofit/>
           </a:bodyPr>
           <a:lstStyle/>
           <a:p>
-            <a:pPr indent="0" lvl="0" marL="0" rtl="0" algn="l">
+            <a:pPr marL="0" lvl="0" indent="0" algn="l" rtl="0">
               <a:spcBef>
                 <a:spcPts val="0"/>
               </a:spcBef>
@@ -4365,9 +4599,6 @@
               </a:spcAft>
               <a:buNone/>
             </a:pPr>
-            <a:r>
-              <a:t/>
-            </a:r>
             <a:endParaRPr/>
           </a:p>
         </p:txBody>
@@ -4381,11 +4612,11 @@
 </file>
 
 <file path=ppt/slideLayouts/slideLayout1.xml><?xml version="1.0" encoding="utf-8"?>
-<p:sldLayout xmlns:a="http://schemas.openxmlformats.org/drawingml/2006/main" xmlns:r="http://schemas.openxmlformats.org/officeDocument/2006/relationships" xmlns:mc="http://schemas.openxmlformats.org/markup-compatibility/2006" xmlns:mv="urn:schemas-microsoft-com:mac:vml" xmlns:p="http://schemas.openxmlformats.org/presentationml/2006/main" xmlns:c="http://schemas.openxmlformats.org/drawingml/2006/chart" xmlns:dgm="http://schemas.openxmlformats.org/drawingml/2006/diagram" xmlns:o="urn:schemas-microsoft-com:office:office" xmlns:v="urn:schemas-microsoft-com:vml" xmlns:pvml="urn:schemas-microsoft-com:office:powerpoint" xmlns:com="http://schemas.openxmlformats.org/drawingml/2006/compatibility" xmlns:p14="http://schemas.microsoft.com/office/powerpoint/2010/main" xmlns:p15="http://schemas.microsoft.com/office/powerpoint/2012/main" xmlns:ahyp="http://schemas.microsoft.com/office/drawing/2018/hyperlinkcolor" matchingName="Title slide" type="title">
+<p:sldLayout xmlns:a="http://schemas.openxmlformats.org/drawingml/2006/main" xmlns:r="http://schemas.openxmlformats.org/officeDocument/2006/relationships" xmlns:p="http://schemas.openxmlformats.org/presentationml/2006/main" matchingName="Title slide" type="title">
   <p:cSld name="TITLE">
     <p:spTree>
       <p:nvGrpSpPr>
-        <p:cNvPr id="9" name="Shape 9"/>
+        <p:cNvPr id="1" name="Shape 9"/>
         <p:cNvGrpSpPr/>
         <p:nvPr/>
       </p:nvGrpSpPr>
@@ -4400,7 +4631,9 @@
       <p:sp>
         <p:nvSpPr>
           <p:cNvPr id="10" name="Google Shape;10;p2"/>
-          <p:cNvSpPr txBox="1"/>
+          <p:cNvSpPr txBox="1">
+            <a:spLocks noGrp="1"/>
+          </p:cNvSpPr>
           <p:nvPr>
             <p:ph type="ctrTitle"/>
           </p:nvPr>
@@ -4415,7 +4648,7 @@
           </a:prstGeom>
         </p:spPr>
         <p:txBody>
-          <a:bodyPr anchorCtr="0" anchor="b" bIns="91425" lIns="91425" spcFirstLastPara="1" rIns="91425" wrap="square" tIns="91425">
+          <a:bodyPr spcFirstLastPara="1" wrap="square" lIns="91425" tIns="91425" rIns="91425" bIns="91425" anchor="b" anchorCtr="0">
             <a:noAutofit/>
           </a:bodyPr>
           <a:lstStyle>
@@ -4519,15 +4752,19 @@
               <a:defRPr sz="5200"/>
             </a:lvl9pPr>
           </a:lstStyle>
-          <a:p/>
+          <a:p>
+            <a:endParaRPr/>
+          </a:p>
         </p:txBody>
       </p:sp>
       <p:sp>
         <p:nvSpPr>
           <p:cNvPr id="11" name="Google Shape;11;p2"/>
-          <p:cNvSpPr txBox="1"/>
+          <p:cNvSpPr txBox="1">
+            <a:spLocks noGrp="1"/>
+          </p:cNvSpPr>
           <p:nvPr>
-            <p:ph idx="1" type="subTitle"/>
+            <p:ph type="subTitle" idx="1"/>
           </p:nvPr>
         </p:nvSpPr>
         <p:spPr>
@@ -4540,7 +4777,7 @@
           </a:prstGeom>
         </p:spPr>
         <p:txBody>
-          <a:bodyPr anchorCtr="0" anchor="t" bIns="91425" lIns="91425" spcFirstLastPara="1" rIns="91425" wrap="square" tIns="91425">
+          <a:bodyPr spcFirstLastPara="1" wrap="square" lIns="91425" tIns="91425" rIns="91425" bIns="91425" anchor="t" anchorCtr="0">
             <a:noAutofit/>
           </a:bodyPr>
           <a:lstStyle>
@@ -4671,15 +4908,19 @@
               <a:defRPr sz="2800"/>
             </a:lvl9pPr>
           </a:lstStyle>
-          <a:p/>
+          <a:p>
+            <a:endParaRPr/>
+          </a:p>
         </p:txBody>
       </p:sp>
       <p:sp>
         <p:nvSpPr>
           <p:cNvPr id="12" name="Google Shape;12;p2"/>
-          <p:cNvSpPr txBox="1"/>
+          <p:cNvSpPr txBox="1">
+            <a:spLocks noGrp="1"/>
+          </p:cNvSpPr>
           <p:nvPr>
-            <p:ph idx="12" type="sldNum"/>
+            <p:ph type="sldNum" idx="12"/>
           </p:nvPr>
         </p:nvSpPr>
         <p:spPr>
@@ -4692,7 +4933,7 @@
           </a:prstGeom>
         </p:spPr>
         <p:txBody>
-          <a:bodyPr anchorCtr="0" anchor="ctr" bIns="91425" lIns="91425" spcFirstLastPara="1" rIns="91425" wrap="square" tIns="91425">
+          <a:bodyPr spcFirstLastPara="1" wrap="square" lIns="91425" tIns="91425" rIns="91425" bIns="91425" anchor="ctr" anchorCtr="0">
             <a:noAutofit/>
           </a:bodyPr>
           <a:lstStyle>
@@ -4734,7 +4975,7 @@
             </a:lvl9pPr>
           </a:lstStyle>
           <a:p>
-            <a:pPr indent="0" lvl="0" marL="0" rtl="0" algn="r">
+            <a:pPr marL="0" lvl="0" indent="0" algn="r" rtl="0">
               <a:spcBef>
                 <a:spcPts val="0"/>
               </a:spcBef>
@@ -4760,11 +5001,11 @@
 </file>
 
 <file path=ppt/slideLayouts/slideLayout10.xml><?xml version="1.0" encoding="utf-8"?>
-<p:sldLayout xmlns:a="http://schemas.openxmlformats.org/drawingml/2006/main" xmlns:r="http://schemas.openxmlformats.org/officeDocument/2006/relationships" xmlns:mc="http://schemas.openxmlformats.org/markup-compatibility/2006" xmlns:mv="urn:schemas-microsoft-com:mac:vml" xmlns:p="http://schemas.openxmlformats.org/presentationml/2006/main" xmlns:c="http://schemas.openxmlformats.org/drawingml/2006/chart" xmlns:dgm="http://schemas.openxmlformats.org/drawingml/2006/diagram" xmlns:o="urn:schemas-microsoft-com:office:office" xmlns:v="urn:schemas-microsoft-com:vml" xmlns:pvml="urn:schemas-microsoft-com:office:powerpoint" xmlns:com="http://schemas.openxmlformats.org/drawingml/2006/compatibility" xmlns:p14="http://schemas.microsoft.com/office/powerpoint/2010/main" xmlns:p15="http://schemas.microsoft.com/office/powerpoint/2012/main" xmlns:ahyp="http://schemas.microsoft.com/office/drawing/2018/hyperlinkcolor" matchingName="Big number">
+<p:sldLayout xmlns:a="http://schemas.openxmlformats.org/drawingml/2006/main" xmlns:r="http://schemas.openxmlformats.org/officeDocument/2006/relationships" xmlns:p="http://schemas.openxmlformats.org/presentationml/2006/main" matchingName="Big number">
   <p:cSld name="BIG_NUMBER">
     <p:spTree>
       <p:nvGrpSpPr>
-        <p:cNvPr id="44" name="Shape 44"/>
+        <p:cNvPr id="1" name="Shape 44"/>
         <p:cNvGrpSpPr/>
         <p:nvPr/>
       </p:nvGrpSpPr>
@@ -4779,9 +5020,11 @@
       <p:sp>
         <p:nvSpPr>
           <p:cNvPr id="45" name="Google Shape;45;p11"/>
-          <p:cNvSpPr txBox="1"/>
+          <p:cNvSpPr txBox="1">
+            <a:spLocks noGrp="1"/>
+          </p:cNvSpPr>
           <p:nvPr>
-            <p:ph hasCustomPrompt="1" type="title"/>
+            <p:ph type="title" hasCustomPrompt="1"/>
           </p:nvPr>
         </p:nvSpPr>
         <p:spPr>
@@ -4794,7 +5037,7 @@
           </a:prstGeom>
         </p:spPr>
         <p:txBody>
-          <a:bodyPr anchorCtr="0" anchor="b" bIns="91425" lIns="91425" spcFirstLastPara="1" rIns="91425" wrap="square" tIns="91425">
+          <a:bodyPr spcFirstLastPara="1" wrap="square" lIns="91425" tIns="91425" rIns="91425" bIns="91425" anchor="b" anchorCtr="0">
             <a:noAutofit/>
           </a:bodyPr>
           <a:lstStyle>
@@ -4908,9 +5151,11 @@
       <p:sp>
         <p:nvSpPr>
           <p:cNvPr id="46" name="Google Shape;46;p11"/>
-          <p:cNvSpPr txBox="1"/>
+          <p:cNvSpPr txBox="1">
+            <a:spLocks noGrp="1"/>
+          </p:cNvSpPr>
           <p:nvPr>
-            <p:ph idx="1" type="body"/>
+            <p:ph type="body" idx="1"/>
           </p:nvPr>
         </p:nvSpPr>
         <p:spPr>
@@ -4923,11 +5168,11 @@
           </a:prstGeom>
         </p:spPr>
         <p:txBody>
-          <a:bodyPr anchorCtr="0" anchor="t" bIns="91425" lIns="91425" spcFirstLastPara="1" rIns="91425" wrap="square" tIns="91425">
+          <a:bodyPr spcFirstLastPara="1" wrap="square" lIns="91425" tIns="91425" rIns="91425" bIns="91425" anchor="t" anchorCtr="0">
             <a:noAutofit/>
           </a:bodyPr>
           <a:lstStyle>
-            <a:lvl1pPr indent="-342900" lvl="0" marL="457200" algn="ctr">
+            <a:lvl1pPr marL="457200" lvl="0" indent="-342900" algn="ctr">
               <a:spcBef>
                 <a:spcPts val="0"/>
               </a:spcBef>
@@ -4938,7 +5183,7 @@
               <a:buChar char="●"/>
               <a:defRPr/>
             </a:lvl1pPr>
-            <a:lvl2pPr indent="-317500" lvl="1" marL="914400" algn="ctr">
+            <a:lvl2pPr marL="914400" lvl="1" indent="-317500" algn="ctr">
               <a:spcBef>
                 <a:spcPts val="1600"/>
               </a:spcBef>
@@ -4949,7 +5194,7 @@
               <a:buChar char="○"/>
               <a:defRPr/>
             </a:lvl2pPr>
-            <a:lvl3pPr indent="-317500" lvl="2" marL="1371600" algn="ctr">
+            <a:lvl3pPr marL="1371600" lvl="2" indent="-317500" algn="ctr">
               <a:spcBef>
                 <a:spcPts val="1600"/>
               </a:spcBef>
@@ -4960,7 +5205,7 @@
               <a:buChar char="■"/>
               <a:defRPr/>
             </a:lvl3pPr>
-            <a:lvl4pPr indent="-317500" lvl="3" marL="1828800" algn="ctr">
+            <a:lvl4pPr marL="1828800" lvl="3" indent="-317500" algn="ctr">
               <a:spcBef>
                 <a:spcPts val="1600"/>
               </a:spcBef>
@@ -4971,7 +5216,7 @@
               <a:buChar char="●"/>
               <a:defRPr/>
             </a:lvl4pPr>
-            <a:lvl5pPr indent="-317500" lvl="4" marL="2286000" algn="ctr">
+            <a:lvl5pPr marL="2286000" lvl="4" indent="-317500" algn="ctr">
               <a:spcBef>
                 <a:spcPts val="1600"/>
               </a:spcBef>
@@ -4982,7 +5227,7 @@
               <a:buChar char="○"/>
               <a:defRPr/>
             </a:lvl5pPr>
-            <a:lvl6pPr indent="-317500" lvl="5" marL="2743200" algn="ctr">
+            <a:lvl6pPr marL="2743200" lvl="5" indent="-317500" algn="ctr">
               <a:spcBef>
                 <a:spcPts val="1600"/>
               </a:spcBef>
@@ -4993,7 +5238,7 @@
               <a:buChar char="■"/>
               <a:defRPr/>
             </a:lvl6pPr>
-            <a:lvl7pPr indent="-317500" lvl="6" marL="3200400" algn="ctr">
+            <a:lvl7pPr marL="3200400" lvl="6" indent="-317500" algn="ctr">
               <a:spcBef>
                 <a:spcPts val="1600"/>
               </a:spcBef>
@@ -5004,7 +5249,7 @@
               <a:buChar char="●"/>
               <a:defRPr/>
             </a:lvl7pPr>
-            <a:lvl8pPr indent="-317500" lvl="7" marL="3657600" algn="ctr">
+            <a:lvl8pPr marL="3657600" lvl="7" indent="-317500" algn="ctr">
               <a:spcBef>
                 <a:spcPts val="1600"/>
               </a:spcBef>
@@ -5015,7 +5260,7 @@
               <a:buChar char="○"/>
               <a:defRPr/>
             </a:lvl8pPr>
-            <a:lvl9pPr indent="-317500" lvl="8" marL="4114800" algn="ctr">
+            <a:lvl9pPr marL="4114800" lvl="8" indent="-317500" algn="ctr">
               <a:spcBef>
                 <a:spcPts val="1600"/>
               </a:spcBef>
@@ -5027,15 +5272,19 @@
               <a:defRPr/>
             </a:lvl9pPr>
           </a:lstStyle>
-          <a:p/>
+          <a:p>
+            <a:endParaRPr/>
+          </a:p>
         </p:txBody>
       </p:sp>
       <p:sp>
         <p:nvSpPr>
           <p:cNvPr id="47" name="Google Shape;47;p11"/>
-          <p:cNvSpPr txBox="1"/>
+          <p:cNvSpPr txBox="1">
+            <a:spLocks noGrp="1"/>
+          </p:cNvSpPr>
           <p:nvPr>
-            <p:ph idx="12" type="sldNum"/>
+            <p:ph type="sldNum" idx="12"/>
           </p:nvPr>
         </p:nvSpPr>
         <p:spPr>
@@ -5048,7 +5297,7 @@
           </a:prstGeom>
         </p:spPr>
         <p:txBody>
-          <a:bodyPr anchorCtr="0" anchor="ctr" bIns="91425" lIns="91425" spcFirstLastPara="1" rIns="91425" wrap="square" tIns="91425">
+          <a:bodyPr spcFirstLastPara="1" wrap="square" lIns="91425" tIns="91425" rIns="91425" bIns="91425" anchor="ctr" anchorCtr="0">
             <a:noAutofit/>
           </a:bodyPr>
           <a:lstStyle>
@@ -5090,7 +5339,7 @@
             </a:lvl9pPr>
           </a:lstStyle>
           <a:p>
-            <a:pPr indent="0" lvl="0" marL="0" rtl="0" algn="r">
+            <a:pPr marL="0" lvl="0" indent="0" algn="r" rtl="0">
               <a:spcBef>
                 <a:spcPts val="0"/>
               </a:spcBef>
@@ -5116,11 +5365,11 @@
 </file>
 
 <file path=ppt/slideLayouts/slideLayout11.xml><?xml version="1.0" encoding="utf-8"?>
-<p:sldLayout xmlns:a="http://schemas.openxmlformats.org/drawingml/2006/main" xmlns:r="http://schemas.openxmlformats.org/officeDocument/2006/relationships" xmlns:mc="http://schemas.openxmlformats.org/markup-compatibility/2006" xmlns:mv="urn:schemas-microsoft-com:mac:vml" xmlns:p="http://schemas.openxmlformats.org/presentationml/2006/main" xmlns:c="http://schemas.openxmlformats.org/drawingml/2006/chart" xmlns:dgm="http://schemas.openxmlformats.org/drawingml/2006/diagram" xmlns:o="urn:schemas-microsoft-com:office:office" xmlns:v="urn:schemas-microsoft-com:vml" xmlns:pvml="urn:schemas-microsoft-com:office:powerpoint" xmlns:com="http://schemas.openxmlformats.org/drawingml/2006/compatibility" xmlns:p14="http://schemas.microsoft.com/office/powerpoint/2010/main" xmlns:p15="http://schemas.microsoft.com/office/powerpoint/2012/main" xmlns:ahyp="http://schemas.microsoft.com/office/drawing/2018/hyperlinkcolor" matchingName="Blank" type="blank">
+<p:sldLayout xmlns:a="http://schemas.openxmlformats.org/drawingml/2006/main" xmlns:r="http://schemas.openxmlformats.org/officeDocument/2006/relationships" xmlns:p="http://schemas.openxmlformats.org/presentationml/2006/main" matchingName="Blank" type="blank">
   <p:cSld name="BLANK">
     <p:spTree>
       <p:nvGrpSpPr>
-        <p:cNvPr id="48" name="Shape 48"/>
+        <p:cNvPr id="1" name="Shape 48"/>
         <p:cNvGrpSpPr/>
         <p:nvPr/>
       </p:nvGrpSpPr>
@@ -5135,9 +5384,11 @@
       <p:sp>
         <p:nvSpPr>
           <p:cNvPr id="49" name="Google Shape;49;p12"/>
-          <p:cNvSpPr txBox="1"/>
+          <p:cNvSpPr txBox="1">
+            <a:spLocks noGrp="1"/>
+          </p:cNvSpPr>
           <p:nvPr>
-            <p:ph idx="12" type="sldNum"/>
+            <p:ph type="sldNum" idx="12"/>
           </p:nvPr>
         </p:nvSpPr>
         <p:spPr>
@@ -5150,7 +5401,7 @@
           </a:prstGeom>
         </p:spPr>
         <p:txBody>
-          <a:bodyPr anchorCtr="0" anchor="ctr" bIns="91425" lIns="91425" spcFirstLastPara="1" rIns="91425" wrap="square" tIns="91425">
+          <a:bodyPr spcFirstLastPara="1" wrap="square" lIns="91425" tIns="91425" rIns="91425" bIns="91425" anchor="ctr" anchorCtr="0">
             <a:noAutofit/>
           </a:bodyPr>
           <a:lstStyle>
@@ -5192,7 +5443,7 @@
             </a:lvl9pPr>
           </a:lstStyle>
           <a:p>
-            <a:pPr indent="0" lvl="0" marL="0" rtl="0" algn="r">
+            <a:pPr marL="0" lvl="0" indent="0" algn="r" rtl="0">
               <a:spcBef>
                 <a:spcPts val="0"/>
               </a:spcBef>
@@ -5218,11 +5469,11 @@
 </file>
 
 <file path=ppt/slideLayouts/slideLayout2.xml><?xml version="1.0" encoding="utf-8"?>
-<p:sldLayout xmlns:a="http://schemas.openxmlformats.org/drawingml/2006/main" xmlns:r="http://schemas.openxmlformats.org/officeDocument/2006/relationships" xmlns:mc="http://schemas.openxmlformats.org/markup-compatibility/2006" xmlns:mv="urn:schemas-microsoft-com:mac:vml" xmlns:p="http://schemas.openxmlformats.org/presentationml/2006/main" xmlns:c="http://schemas.openxmlformats.org/drawingml/2006/chart" xmlns:dgm="http://schemas.openxmlformats.org/drawingml/2006/diagram" xmlns:o="urn:schemas-microsoft-com:office:office" xmlns:v="urn:schemas-microsoft-com:vml" xmlns:pvml="urn:schemas-microsoft-com:office:powerpoint" xmlns:com="http://schemas.openxmlformats.org/drawingml/2006/compatibility" xmlns:p14="http://schemas.microsoft.com/office/powerpoint/2010/main" xmlns:p15="http://schemas.microsoft.com/office/powerpoint/2012/main" xmlns:ahyp="http://schemas.microsoft.com/office/drawing/2018/hyperlinkcolor" matchingName="Section header" type="secHead">
+<p:sldLayout xmlns:a="http://schemas.openxmlformats.org/drawingml/2006/main" xmlns:r="http://schemas.openxmlformats.org/officeDocument/2006/relationships" xmlns:p="http://schemas.openxmlformats.org/presentationml/2006/main" matchingName="Section header" type="secHead">
   <p:cSld name="SECTION_HEADER">
     <p:spTree>
       <p:nvGrpSpPr>
-        <p:cNvPr id="13" name="Shape 13"/>
+        <p:cNvPr id="1" name="Shape 13"/>
         <p:cNvGrpSpPr/>
         <p:nvPr/>
       </p:nvGrpSpPr>
@@ -5237,7 +5488,9 @@
       <p:sp>
         <p:nvSpPr>
           <p:cNvPr id="14" name="Google Shape;14;p3"/>
-          <p:cNvSpPr txBox="1"/>
+          <p:cNvSpPr txBox="1">
+            <a:spLocks noGrp="1"/>
+          </p:cNvSpPr>
           <p:nvPr>
             <p:ph type="title"/>
           </p:nvPr>
@@ -5252,7 +5505,7 @@
           </a:prstGeom>
         </p:spPr>
         <p:txBody>
-          <a:bodyPr anchorCtr="0" anchor="ctr" bIns="91425" lIns="91425" spcFirstLastPara="1" rIns="91425" wrap="square" tIns="91425">
+          <a:bodyPr spcFirstLastPara="1" wrap="square" lIns="91425" tIns="91425" rIns="91425" bIns="91425" anchor="ctr" anchorCtr="0">
             <a:noAutofit/>
           </a:bodyPr>
           <a:lstStyle>
@@ -5356,15 +5609,19 @@
               <a:defRPr sz="3600"/>
             </a:lvl9pPr>
           </a:lstStyle>
-          <a:p/>
+          <a:p>
+            <a:endParaRPr/>
+          </a:p>
         </p:txBody>
       </p:sp>
       <p:sp>
         <p:nvSpPr>
           <p:cNvPr id="15" name="Google Shape;15;p3"/>
-          <p:cNvSpPr txBox="1"/>
+          <p:cNvSpPr txBox="1">
+            <a:spLocks noGrp="1"/>
+          </p:cNvSpPr>
           <p:nvPr>
-            <p:ph idx="12" type="sldNum"/>
+            <p:ph type="sldNum" idx="12"/>
           </p:nvPr>
         </p:nvSpPr>
         <p:spPr>
@@ -5377,7 +5634,7 @@
           </a:prstGeom>
         </p:spPr>
         <p:txBody>
-          <a:bodyPr anchorCtr="0" anchor="ctr" bIns="91425" lIns="91425" spcFirstLastPara="1" rIns="91425" wrap="square" tIns="91425">
+          <a:bodyPr spcFirstLastPara="1" wrap="square" lIns="91425" tIns="91425" rIns="91425" bIns="91425" anchor="ctr" anchorCtr="0">
             <a:noAutofit/>
           </a:bodyPr>
           <a:lstStyle>
@@ -5419,7 +5676,7 @@
             </a:lvl9pPr>
           </a:lstStyle>
           <a:p>
-            <a:pPr indent="0" lvl="0" marL="0" rtl="0" algn="r">
+            <a:pPr marL="0" lvl="0" indent="0" algn="r" rtl="0">
               <a:spcBef>
                 <a:spcPts val="0"/>
               </a:spcBef>
@@ -5445,11 +5702,11 @@
 </file>
 
 <file path=ppt/slideLayouts/slideLayout3.xml><?xml version="1.0" encoding="utf-8"?>
-<p:sldLayout xmlns:a="http://schemas.openxmlformats.org/drawingml/2006/main" xmlns:r="http://schemas.openxmlformats.org/officeDocument/2006/relationships" xmlns:mc="http://schemas.openxmlformats.org/markup-compatibility/2006" xmlns:mv="urn:schemas-microsoft-com:mac:vml" xmlns:p="http://schemas.openxmlformats.org/presentationml/2006/main" xmlns:c="http://schemas.openxmlformats.org/drawingml/2006/chart" xmlns:dgm="http://schemas.openxmlformats.org/drawingml/2006/diagram" xmlns:o="urn:schemas-microsoft-com:office:office" xmlns:v="urn:schemas-microsoft-com:vml" xmlns:pvml="urn:schemas-microsoft-com:office:powerpoint" xmlns:com="http://schemas.openxmlformats.org/drawingml/2006/compatibility" xmlns:p14="http://schemas.microsoft.com/office/powerpoint/2010/main" xmlns:p15="http://schemas.microsoft.com/office/powerpoint/2012/main" xmlns:ahyp="http://schemas.microsoft.com/office/drawing/2018/hyperlinkcolor" matchingName="Title and body" type="tx">
+<p:sldLayout xmlns:a="http://schemas.openxmlformats.org/drawingml/2006/main" xmlns:r="http://schemas.openxmlformats.org/officeDocument/2006/relationships" xmlns:p="http://schemas.openxmlformats.org/presentationml/2006/main" matchingName="Title and body" type="tx">
   <p:cSld name="TITLE_AND_BODY">
     <p:spTree>
       <p:nvGrpSpPr>
-        <p:cNvPr id="16" name="Shape 16"/>
+        <p:cNvPr id="1" name="Shape 16"/>
         <p:cNvGrpSpPr/>
         <p:nvPr/>
       </p:nvGrpSpPr>
@@ -5464,7 +5721,9 @@
       <p:sp>
         <p:nvSpPr>
           <p:cNvPr id="17" name="Google Shape;17;p4"/>
-          <p:cNvSpPr txBox="1"/>
+          <p:cNvSpPr txBox="1">
+            <a:spLocks noGrp="1"/>
+          </p:cNvSpPr>
           <p:nvPr>
             <p:ph type="title"/>
           </p:nvPr>
@@ -5479,7 +5738,7 @@
           </a:prstGeom>
         </p:spPr>
         <p:txBody>
-          <a:bodyPr anchorCtr="0" anchor="t" bIns="91425" lIns="91425" spcFirstLastPara="1" rIns="91425" wrap="square" tIns="91425">
+          <a:bodyPr spcFirstLastPara="1" wrap="square" lIns="91425" tIns="91425" rIns="91425" bIns="91425" anchor="t" anchorCtr="0">
             <a:noAutofit/>
           </a:bodyPr>
           <a:lstStyle>
@@ -5583,15 +5842,19 @@
               <a:defRPr/>
             </a:lvl9pPr>
           </a:lstStyle>
-          <a:p/>
+          <a:p>
+            <a:endParaRPr/>
+          </a:p>
         </p:txBody>
       </p:sp>
       <p:sp>
         <p:nvSpPr>
           <p:cNvPr id="18" name="Google Shape;18;p4"/>
-          <p:cNvSpPr txBox="1"/>
+          <p:cNvSpPr txBox="1">
+            <a:spLocks noGrp="1"/>
+          </p:cNvSpPr>
           <p:nvPr>
-            <p:ph idx="1" type="body"/>
+            <p:ph type="body" idx="1"/>
           </p:nvPr>
         </p:nvSpPr>
         <p:spPr>
@@ -5604,11 +5867,11 @@
           </a:prstGeom>
         </p:spPr>
         <p:txBody>
-          <a:bodyPr anchorCtr="0" anchor="t" bIns="91425" lIns="91425" spcFirstLastPara="1" rIns="91425" wrap="square" tIns="91425">
+          <a:bodyPr spcFirstLastPara="1" wrap="square" lIns="91425" tIns="91425" rIns="91425" bIns="91425" anchor="t" anchorCtr="0">
             <a:noAutofit/>
           </a:bodyPr>
           <a:lstStyle>
-            <a:lvl1pPr indent="-342900" lvl="0" marL="457200">
+            <a:lvl1pPr marL="457200" lvl="0" indent="-342900">
               <a:spcBef>
                 <a:spcPts val="0"/>
               </a:spcBef>
@@ -5619,7 +5882,7 @@
               <a:buChar char="●"/>
               <a:defRPr/>
             </a:lvl1pPr>
-            <a:lvl2pPr indent="-317500" lvl="1" marL="914400">
+            <a:lvl2pPr marL="914400" lvl="1" indent="-317500">
               <a:spcBef>
                 <a:spcPts val="1600"/>
               </a:spcBef>
@@ -5630,7 +5893,7 @@
               <a:buChar char="○"/>
               <a:defRPr/>
             </a:lvl2pPr>
-            <a:lvl3pPr indent="-317500" lvl="2" marL="1371600">
+            <a:lvl3pPr marL="1371600" lvl="2" indent="-317500">
               <a:spcBef>
                 <a:spcPts val="1600"/>
               </a:spcBef>
@@ -5641,7 +5904,7 @@
               <a:buChar char="■"/>
               <a:defRPr/>
             </a:lvl3pPr>
-            <a:lvl4pPr indent="-317500" lvl="3" marL="1828800">
+            <a:lvl4pPr marL="1828800" lvl="3" indent="-317500">
               <a:spcBef>
                 <a:spcPts val="1600"/>
               </a:spcBef>
@@ -5652,7 +5915,7 @@
               <a:buChar char="●"/>
               <a:defRPr/>
             </a:lvl4pPr>
-            <a:lvl5pPr indent="-317500" lvl="4" marL="2286000">
+            <a:lvl5pPr marL="2286000" lvl="4" indent="-317500">
               <a:spcBef>
                 <a:spcPts val="1600"/>
               </a:spcBef>
@@ -5663,7 +5926,7 @@
               <a:buChar char="○"/>
               <a:defRPr/>
             </a:lvl5pPr>
-            <a:lvl6pPr indent="-317500" lvl="5" marL="2743200">
+            <a:lvl6pPr marL="2743200" lvl="5" indent="-317500">
               <a:spcBef>
                 <a:spcPts val="1600"/>
               </a:spcBef>
@@ -5674,7 +5937,7 @@
               <a:buChar char="■"/>
               <a:defRPr/>
             </a:lvl6pPr>
-            <a:lvl7pPr indent="-317500" lvl="6" marL="3200400">
+            <a:lvl7pPr marL="3200400" lvl="6" indent="-317500">
               <a:spcBef>
                 <a:spcPts val="1600"/>
               </a:spcBef>
@@ -5685,7 +5948,7 @@
               <a:buChar char="●"/>
               <a:defRPr/>
             </a:lvl7pPr>
-            <a:lvl8pPr indent="-317500" lvl="7" marL="3657600">
+            <a:lvl8pPr marL="3657600" lvl="7" indent="-317500">
               <a:spcBef>
                 <a:spcPts val="1600"/>
               </a:spcBef>
@@ -5696,7 +5959,7 @@
               <a:buChar char="○"/>
               <a:defRPr/>
             </a:lvl8pPr>
-            <a:lvl9pPr indent="-317500" lvl="8" marL="4114800">
+            <a:lvl9pPr marL="4114800" lvl="8" indent="-317500">
               <a:spcBef>
                 <a:spcPts val="1600"/>
               </a:spcBef>
@@ -5708,15 +5971,19 @@
               <a:defRPr/>
             </a:lvl9pPr>
           </a:lstStyle>
-          <a:p/>
+          <a:p>
+            <a:endParaRPr/>
+          </a:p>
         </p:txBody>
       </p:sp>
       <p:sp>
         <p:nvSpPr>
           <p:cNvPr id="19" name="Google Shape;19;p4"/>
-          <p:cNvSpPr txBox="1"/>
+          <p:cNvSpPr txBox="1">
+            <a:spLocks noGrp="1"/>
+          </p:cNvSpPr>
           <p:nvPr>
-            <p:ph idx="12" type="sldNum"/>
+            <p:ph type="sldNum" idx="12"/>
           </p:nvPr>
         </p:nvSpPr>
         <p:spPr>
@@ -5729,7 +5996,7 @@
           </a:prstGeom>
         </p:spPr>
         <p:txBody>
-          <a:bodyPr anchorCtr="0" anchor="ctr" bIns="91425" lIns="91425" spcFirstLastPara="1" rIns="91425" wrap="square" tIns="91425">
+          <a:bodyPr spcFirstLastPara="1" wrap="square" lIns="91425" tIns="91425" rIns="91425" bIns="91425" anchor="ctr" anchorCtr="0">
             <a:noAutofit/>
           </a:bodyPr>
           <a:lstStyle>
@@ -5771,7 +6038,7 @@
             </a:lvl9pPr>
           </a:lstStyle>
           <a:p>
-            <a:pPr indent="0" lvl="0" marL="0" rtl="0" algn="r">
+            <a:pPr marL="0" lvl="0" indent="0" algn="r" rtl="0">
               <a:spcBef>
                 <a:spcPts val="0"/>
               </a:spcBef>
@@ -5797,11 +6064,11 @@
 </file>
 
 <file path=ppt/slideLayouts/slideLayout4.xml><?xml version="1.0" encoding="utf-8"?>
-<p:sldLayout xmlns:a="http://schemas.openxmlformats.org/drawingml/2006/main" xmlns:r="http://schemas.openxmlformats.org/officeDocument/2006/relationships" xmlns:mc="http://schemas.openxmlformats.org/markup-compatibility/2006" xmlns:mv="urn:schemas-microsoft-com:mac:vml" xmlns:p="http://schemas.openxmlformats.org/presentationml/2006/main" xmlns:c="http://schemas.openxmlformats.org/drawingml/2006/chart" xmlns:dgm="http://schemas.openxmlformats.org/drawingml/2006/diagram" xmlns:o="urn:schemas-microsoft-com:office:office" xmlns:v="urn:schemas-microsoft-com:vml" xmlns:pvml="urn:schemas-microsoft-com:office:powerpoint" xmlns:com="http://schemas.openxmlformats.org/drawingml/2006/compatibility" xmlns:p14="http://schemas.microsoft.com/office/powerpoint/2010/main" xmlns:p15="http://schemas.microsoft.com/office/powerpoint/2012/main" xmlns:ahyp="http://schemas.microsoft.com/office/drawing/2018/hyperlinkcolor" matchingName="Title and two columns" type="twoColTx">
+<p:sldLayout xmlns:a="http://schemas.openxmlformats.org/drawingml/2006/main" xmlns:r="http://schemas.openxmlformats.org/officeDocument/2006/relationships" xmlns:p="http://schemas.openxmlformats.org/presentationml/2006/main" matchingName="Title and two columns" type="twoColTx">
   <p:cSld name="TITLE_AND_TWO_COLUMNS">
     <p:spTree>
       <p:nvGrpSpPr>
-        <p:cNvPr id="20" name="Shape 20"/>
+        <p:cNvPr id="1" name="Shape 20"/>
         <p:cNvGrpSpPr/>
         <p:nvPr/>
       </p:nvGrpSpPr>
@@ -5816,7 +6083,9 @@
       <p:sp>
         <p:nvSpPr>
           <p:cNvPr id="21" name="Google Shape;21;p5"/>
-          <p:cNvSpPr txBox="1"/>
+          <p:cNvSpPr txBox="1">
+            <a:spLocks noGrp="1"/>
+          </p:cNvSpPr>
           <p:nvPr>
             <p:ph type="title"/>
           </p:nvPr>
@@ -5831,7 +6100,7 @@
           </a:prstGeom>
         </p:spPr>
         <p:txBody>
-          <a:bodyPr anchorCtr="0" anchor="t" bIns="91425" lIns="91425" spcFirstLastPara="1" rIns="91425" wrap="square" tIns="91425">
+          <a:bodyPr spcFirstLastPara="1" wrap="square" lIns="91425" tIns="91425" rIns="91425" bIns="91425" anchor="t" anchorCtr="0">
             <a:noAutofit/>
           </a:bodyPr>
           <a:lstStyle>
@@ -5935,15 +6204,19 @@
               <a:defRPr/>
             </a:lvl9pPr>
           </a:lstStyle>
-          <a:p/>
+          <a:p>
+            <a:endParaRPr/>
+          </a:p>
         </p:txBody>
       </p:sp>
       <p:sp>
         <p:nvSpPr>
           <p:cNvPr id="22" name="Google Shape;22;p5"/>
-          <p:cNvSpPr txBox="1"/>
+          <p:cNvSpPr txBox="1">
+            <a:spLocks noGrp="1"/>
+          </p:cNvSpPr>
           <p:nvPr>
-            <p:ph idx="1" type="body"/>
+            <p:ph type="body" idx="1"/>
           </p:nvPr>
         </p:nvSpPr>
         <p:spPr>
@@ -5956,11 +6229,11 @@
           </a:prstGeom>
         </p:spPr>
         <p:txBody>
-          <a:bodyPr anchorCtr="0" anchor="t" bIns="91425" lIns="91425" spcFirstLastPara="1" rIns="91425" wrap="square" tIns="91425">
+          <a:bodyPr spcFirstLastPara="1" wrap="square" lIns="91425" tIns="91425" rIns="91425" bIns="91425" anchor="t" anchorCtr="0">
             <a:noAutofit/>
           </a:bodyPr>
           <a:lstStyle>
-            <a:lvl1pPr indent="-317500" lvl="0" marL="457200">
+            <a:lvl1pPr marL="457200" lvl="0" indent="-317500">
               <a:spcBef>
                 <a:spcPts val="0"/>
               </a:spcBef>
@@ -5971,7 +6244,7 @@
               <a:buChar char="●"/>
               <a:defRPr sz="1400"/>
             </a:lvl1pPr>
-            <a:lvl2pPr indent="-304800" lvl="1" marL="914400">
+            <a:lvl2pPr marL="914400" lvl="1" indent="-304800">
               <a:spcBef>
                 <a:spcPts val="1600"/>
               </a:spcBef>
@@ -5982,7 +6255,7 @@
               <a:buChar char="○"/>
               <a:defRPr sz="1200"/>
             </a:lvl2pPr>
-            <a:lvl3pPr indent="-304800" lvl="2" marL="1371600">
+            <a:lvl3pPr marL="1371600" lvl="2" indent="-304800">
               <a:spcBef>
                 <a:spcPts val="1600"/>
               </a:spcBef>
@@ -5993,7 +6266,7 @@
               <a:buChar char="■"/>
               <a:defRPr sz="1200"/>
             </a:lvl3pPr>
-            <a:lvl4pPr indent="-304800" lvl="3" marL="1828800">
+            <a:lvl4pPr marL="1828800" lvl="3" indent="-304800">
               <a:spcBef>
                 <a:spcPts val="1600"/>
               </a:spcBef>
@@ -6004,7 +6277,7 @@
               <a:buChar char="●"/>
               <a:defRPr sz="1200"/>
             </a:lvl4pPr>
-            <a:lvl5pPr indent="-304800" lvl="4" marL="2286000">
+            <a:lvl5pPr marL="2286000" lvl="4" indent="-304800">
               <a:spcBef>
                 <a:spcPts val="1600"/>
               </a:spcBef>
@@ -6015,7 +6288,7 @@
               <a:buChar char="○"/>
               <a:defRPr sz="1200"/>
             </a:lvl5pPr>
-            <a:lvl6pPr indent="-304800" lvl="5" marL="2743200">
+            <a:lvl6pPr marL="2743200" lvl="5" indent="-304800">
               <a:spcBef>
                 <a:spcPts val="1600"/>
               </a:spcBef>
@@ -6026,7 +6299,7 @@
               <a:buChar char="■"/>
               <a:defRPr sz="1200"/>
             </a:lvl6pPr>
-            <a:lvl7pPr indent="-304800" lvl="6" marL="3200400">
+            <a:lvl7pPr marL="3200400" lvl="6" indent="-304800">
               <a:spcBef>
                 <a:spcPts val="1600"/>
               </a:spcBef>
@@ -6037,7 +6310,7 @@
               <a:buChar char="●"/>
               <a:defRPr sz="1200"/>
             </a:lvl7pPr>
-            <a:lvl8pPr indent="-304800" lvl="7" marL="3657600">
+            <a:lvl8pPr marL="3657600" lvl="7" indent="-304800">
               <a:spcBef>
                 <a:spcPts val="1600"/>
               </a:spcBef>
@@ -6048,7 +6321,7 @@
               <a:buChar char="○"/>
               <a:defRPr sz="1200"/>
             </a:lvl8pPr>
-            <a:lvl9pPr indent="-304800" lvl="8" marL="4114800">
+            <a:lvl9pPr marL="4114800" lvl="8" indent="-304800">
               <a:spcBef>
                 <a:spcPts val="1600"/>
               </a:spcBef>
@@ -6060,15 +6333,19 @@
               <a:defRPr sz="1200"/>
             </a:lvl9pPr>
           </a:lstStyle>
-          <a:p/>
+          <a:p>
+            <a:endParaRPr/>
+          </a:p>
         </p:txBody>
       </p:sp>
       <p:sp>
         <p:nvSpPr>
           <p:cNvPr id="23" name="Google Shape;23;p5"/>
-          <p:cNvSpPr txBox="1"/>
+          <p:cNvSpPr txBox="1">
+            <a:spLocks noGrp="1"/>
+          </p:cNvSpPr>
           <p:nvPr>
-            <p:ph idx="2" type="body"/>
+            <p:ph type="body" idx="2"/>
           </p:nvPr>
         </p:nvSpPr>
         <p:spPr>
@@ -6081,11 +6358,11 @@
           </a:prstGeom>
         </p:spPr>
         <p:txBody>
-          <a:bodyPr anchorCtr="0" anchor="t" bIns="91425" lIns="91425" spcFirstLastPara="1" rIns="91425" wrap="square" tIns="91425">
+          <a:bodyPr spcFirstLastPara="1" wrap="square" lIns="91425" tIns="91425" rIns="91425" bIns="91425" anchor="t" anchorCtr="0">
             <a:noAutofit/>
           </a:bodyPr>
           <a:lstStyle>
-            <a:lvl1pPr indent="-317500" lvl="0" marL="457200">
+            <a:lvl1pPr marL="457200" lvl="0" indent="-317500">
               <a:spcBef>
                 <a:spcPts val="0"/>
               </a:spcBef>
@@ -6096,7 +6373,7 @@
               <a:buChar char="●"/>
               <a:defRPr sz="1400"/>
             </a:lvl1pPr>
-            <a:lvl2pPr indent="-304800" lvl="1" marL="914400">
+            <a:lvl2pPr marL="914400" lvl="1" indent="-304800">
               <a:spcBef>
                 <a:spcPts val="1600"/>
               </a:spcBef>
@@ -6107,7 +6384,7 @@
               <a:buChar char="○"/>
               <a:defRPr sz="1200"/>
             </a:lvl2pPr>
-            <a:lvl3pPr indent="-304800" lvl="2" marL="1371600">
+            <a:lvl3pPr marL="1371600" lvl="2" indent="-304800">
               <a:spcBef>
                 <a:spcPts val="1600"/>
               </a:spcBef>
@@ -6118,7 +6395,7 @@
               <a:buChar char="■"/>
               <a:defRPr sz="1200"/>
             </a:lvl3pPr>
-            <a:lvl4pPr indent="-304800" lvl="3" marL="1828800">
+            <a:lvl4pPr marL="1828800" lvl="3" indent="-304800">
               <a:spcBef>
                 <a:spcPts val="1600"/>
               </a:spcBef>
@@ -6129,7 +6406,7 @@
               <a:buChar char="●"/>
               <a:defRPr sz="1200"/>
             </a:lvl4pPr>
-            <a:lvl5pPr indent="-304800" lvl="4" marL="2286000">
+            <a:lvl5pPr marL="2286000" lvl="4" indent="-304800">
               <a:spcBef>
                 <a:spcPts val="1600"/>
               </a:spcBef>
@@ -6140,7 +6417,7 @@
               <a:buChar char="○"/>
               <a:defRPr sz="1200"/>
             </a:lvl5pPr>
-            <a:lvl6pPr indent="-304800" lvl="5" marL="2743200">
+            <a:lvl6pPr marL="2743200" lvl="5" indent="-304800">
               <a:spcBef>
                 <a:spcPts val="1600"/>
               </a:spcBef>
@@ -6151,7 +6428,7 @@
               <a:buChar char="■"/>
               <a:defRPr sz="1200"/>
             </a:lvl6pPr>
-            <a:lvl7pPr indent="-304800" lvl="6" marL="3200400">
+            <a:lvl7pPr marL="3200400" lvl="6" indent="-304800">
               <a:spcBef>
                 <a:spcPts val="1600"/>
               </a:spcBef>
@@ -6162,7 +6439,7 @@
               <a:buChar char="●"/>
               <a:defRPr sz="1200"/>
             </a:lvl7pPr>
-            <a:lvl8pPr indent="-304800" lvl="7" marL="3657600">
+            <a:lvl8pPr marL="3657600" lvl="7" indent="-304800">
               <a:spcBef>
                 <a:spcPts val="1600"/>
               </a:spcBef>
@@ -6173,7 +6450,7 @@
               <a:buChar char="○"/>
               <a:defRPr sz="1200"/>
             </a:lvl8pPr>
-            <a:lvl9pPr indent="-304800" lvl="8" marL="4114800">
+            <a:lvl9pPr marL="4114800" lvl="8" indent="-304800">
               <a:spcBef>
                 <a:spcPts val="1600"/>
               </a:spcBef>
@@ -6185,15 +6462,19 @@
               <a:defRPr sz="1200"/>
             </a:lvl9pPr>
           </a:lstStyle>
-          <a:p/>
+          <a:p>
+            <a:endParaRPr/>
+          </a:p>
         </p:txBody>
       </p:sp>
       <p:sp>
         <p:nvSpPr>
           <p:cNvPr id="24" name="Google Shape;24;p5"/>
-          <p:cNvSpPr txBox="1"/>
+          <p:cNvSpPr txBox="1">
+            <a:spLocks noGrp="1"/>
+          </p:cNvSpPr>
           <p:nvPr>
-            <p:ph idx="12" type="sldNum"/>
+            <p:ph type="sldNum" idx="12"/>
           </p:nvPr>
         </p:nvSpPr>
         <p:spPr>
@@ -6206,7 +6487,7 @@
           </a:prstGeom>
         </p:spPr>
         <p:txBody>
-          <a:bodyPr anchorCtr="0" anchor="ctr" bIns="91425" lIns="91425" spcFirstLastPara="1" rIns="91425" wrap="square" tIns="91425">
+          <a:bodyPr spcFirstLastPara="1" wrap="square" lIns="91425" tIns="91425" rIns="91425" bIns="91425" anchor="ctr" anchorCtr="0">
             <a:noAutofit/>
           </a:bodyPr>
           <a:lstStyle>
@@ -6248,7 +6529,7 @@
             </a:lvl9pPr>
           </a:lstStyle>
           <a:p>
-            <a:pPr indent="0" lvl="0" marL="0" rtl="0" algn="r">
+            <a:pPr marL="0" lvl="0" indent="0" algn="r" rtl="0">
               <a:spcBef>
                 <a:spcPts val="0"/>
               </a:spcBef>
@@ -6274,11 +6555,11 @@
 </file>
 
 <file path=ppt/slideLayouts/slideLayout5.xml><?xml version="1.0" encoding="utf-8"?>
-<p:sldLayout xmlns:a="http://schemas.openxmlformats.org/drawingml/2006/main" xmlns:r="http://schemas.openxmlformats.org/officeDocument/2006/relationships" xmlns:mc="http://schemas.openxmlformats.org/markup-compatibility/2006" xmlns:mv="urn:schemas-microsoft-com:mac:vml" xmlns:p="http://schemas.openxmlformats.org/presentationml/2006/main" xmlns:c="http://schemas.openxmlformats.org/drawingml/2006/chart" xmlns:dgm="http://schemas.openxmlformats.org/drawingml/2006/diagram" xmlns:o="urn:schemas-microsoft-com:office:office" xmlns:v="urn:schemas-microsoft-com:vml" xmlns:pvml="urn:schemas-microsoft-com:office:powerpoint" xmlns:com="http://schemas.openxmlformats.org/drawingml/2006/compatibility" xmlns:p14="http://schemas.microsoft.com/office/powerpoint/2010/main" xmlns:p15="http://schemas.microsoft.com/office/powerpoint/2012/main" xmlns:ahyp="http://schemas.microsoft.com/office/drawing/2018/hyperlinkcolor" matchingName="Title only" type="titleOnly">
+<p:sldLayout xmlns:a="http://schemas.openxmlformats.org/drawingml/2006/main" xmlns:r="http://schemas.openxmlformats.org/officeDocument/2006/relationships" xmlns:p="http://schemas.openxmlformats.org/presentationml/2006/main" matchingName="Title only" type="titleOnly">
   <p:cSld name="TITLE_ONLY">
     <p:spTree>
       <p:nvGrpSpPr>
-        <p:cNvPr id="25" name="Shape 25"/>
+        <p:cNvPr id="1" name="Shape 25"/>
         <p:cNvGrpSpPr/>
         <p:nvPr/>
       </p:nvGrpSpPr>
@@ -6293,7 +6574,9 @@
       <p:sp>
         <p:nvSpPr>
           <p:cNvPr id="26" name="Google Shape;26;p6"/>
-          <p:cNvSpPr txBox="1"/>
+          <p:cNvSpPr txBox="1">
+            <a:spLocks noGrp="1"/>
+          </p:cNvSpPr>
           <p:nvPr>
             <p:ph type="title"/>
           </p:nvPr>
@@ -6308,7 +6591,7 @@
           </a:prstGeom>
         </p:spPr>
         <p:txBody>
-          <a:bodyPr anchorCtr="0" anchor="t" bIns="91425" lIns="91425" spcFirstLastPara="1" rIns="91425" wrap="square" tIns="91425">
+          <a:bodyPr spcFirstLastPara="1" wrap="square" lIns="91425" tIns="91425" rIns="91425" bIns="91425" anchor="t" anchorCtr="0">
             <a:noAutofit/>
           </a:bodyPr>
           <a:lstStyle>
@@ -6412,15 +6695,19 @@
               <a:defRPr/>
             </a:lvl9pPr>
           </a:lstStyle>
-          <a:p/>
+          <a:p>
+            <a:endParaRPr/>
+          </a:p>
         </p:txBody>
       </p:sp>
       <p:sp>
         <p:nvSpPr>
           <p:cNvPr id="27" name="Google Shape;27;p6"/>
-          <p:cNvSpPr txBox="1"/>
+          <p:cNvSpPr txBox="1">
+            <a:spLocks noGrp="1"/>
+          </p:cNvSpPr>
           <p:nvPr>
-            <p:ph idx="12" type="sldNum"/>
+            <p:ph type="sldNum" idx="12"/>
           </p:nvPr>
         </p:nvSpPr>
         <p:spPr>
@@ -6433,7 +6720,7 @@
           </a:prstGeom>
         </p:spPr>
         <p:txBody>
-          <a:bodyPr anchorCtr="0" anchor="ctr" bIns="91425" lIns="91425" spcFirstLastPara="1" rIns="91425" wrap="square" tIns="91425">
+          <a:bodyPr spcFirstLastPara="1" wrap="square" lIns="91425" tIns="91425" rIns="91425" bIns="91425" anchor="ctr" anchorCtr="0">
             <a:noAutofit/>
           </a:bodyPr>
           <a:lstStyle>
@@ -6475,7 +6762,7 @@
             </a:lvl9pPr>
           </a:lstStyle>
           <a:p>
-            <a:pPr indent="0" lvl="0" marL="0" rtl="0" algn="r">
+            <a:pPr marL="0" lvl="0" indent="0" algn="r" rtl="0">
               <a:spcBef>
                 <a:spcPts val="0"/>
               </a:spcBef>
@@ -6501,11 +6788,11 @@
 </file>
 
 <file path=ppt/slideLayouts/slideLayout6.xml><?xml version="1.0" encoding="utf-8"?>
-<p:sldLayout xmlns:a="http://schemas.openxmlformats.org/drawingml/2006/main" xmlns:r="http://schemas.openxmlformats.org/officeDocument/2006/relationships" xmlns:mc="http://schemas.openxmlformats.org/markup-compatibility/2006" xmlns:mv="urn:schemas-microsoft-com:mac:vml" xmlns:p="http://schemas.openxmlformats.org/presentationml/2006/main" xmlns:c="http://schemas.openxmlformats.org/drawingml/2006/chart" xmlns:dgm="http://schemas.openxmlformats.org/drawingml/2006/diagram" xmlns:o="urn:schemas-microsoft-com:office:office" xmlns:v="urn:schemas-microsoft-com:vml" xmlns:pvml="urn:schemas-microsoft-com:office:powerpoint" xmlns:com="http://schemas.openxmlformats.org/drawingml/2006/compatibility" xmlns:p14="http://schemas.microsoft.com/office/powerpoint/2010/main" xmlns:p15="http://schemas.microsoft.com/office/powerpoint/2012/main" xmlns:ahyp="http://schemas.microsoft.com/office/drawing/2018/hyperlinkcolor" matchingName="One column text">
+<p:sldLayout xmlns:a="http://schemas.openxmlformats.org/drawingml/2006/main" xmlns:r="http://schemas.openxmlformats.org/officeDocument/2006/relationships" xmlns:p="http://schemas.openxmlformats.org/presentationml/2006/main" matchingName="One column text">
   <p:cSld name="ONE_COLUMN_TEXT">
     <p:spTree>
       <p:nvGrpSpPr>
-        <p:cNvPr id="28" name="Shape 28"/>
+        <p:cNvPr id="1" name="Shape 28"/>
         <p:cNvGrpSpPr/>
         <p:nvPr/>
       </p:nvGrpSpPr>
@@ -6520,7 +6807,9 @@
       <p:sp>
         <p:nvSpPr>
           <p:cNvPr id="29" name="Google Shape;29;p7"/>
-          <p:cNvSpPr txBox="1"/>
+          <p:cNvSpPr txBox="1">
+            <a:spLocks noGrp="1"/>
+          </p:cNvSpPr>
           <p:nvPr>
             <p:ph type="title"/>
           </p:nvPr>
@@ -6535,7 +6824,7 @@
           </a:prstGeom>
         </p:spPr>
         <p:txBody>
-          <a:bodyPr anchorCtr="0" anchor="b" bIns="91425" lIns="91425" spcFirstLastPara="1" rIns="91425" wrap="square" tIns="91425">
+          <a:bodyPr spcFirstLastPara="1" wrap="square" lIns="91425" tIns="91425" rIns="91425" bIns="91425" anchor="b" anchorCtr="0">
             <a:noAutofit/>
           </a:bodyPr>
           <a:lstStyle>
@@ -6639,15 +6928,19 @@
               <a:defRPr sz="2400"/>
             </a:lvl9pPr>
           </a:lstStyle>
-          <a:p/>
+          <a:p>
+            <a:endParaRPr/>
+          </a:p>
         </p:txBody>
       </p:sp>
       <p:sp>
         <p:nvSpPr>
           <p:cNvPr id="30" name="Google Shape;30;p7"/>
-          <p:cNvSpPr txBox="1"/>
+          <p:cNvSpPr txBox="1">
+            <a:spLocks noGrp="1"/>
+          </p:cNvSpPr>
           <p:nvPr>
-            <p:ph idx="1" type="body"/>
+            <p:ph type="body" idx="1"/>
           </p:nvPr>
         </p:nvSpPr>
         <p:spPr>
@@ -6660,11 +6953,11 @@
           </a:prstGeom>
         </p:spPr>
         <p:txBody>
-          <a:bodyPr anchorCtr="0" anchor="t" bIns="91425" lIns="91425" spcFirstLastPara="1" rIns="91425" wrap="square" tIns="91425">
+          <a:bodyPr spcFirstLastPara="1" wrap="square" lIns="91425" tIns="91425" rIns="91425" bIns="91425" anchor="t" anchorCtr="0">
             <a:noAutofit/>
           </a:bodyPr>
           <a:lstStyle>
-            <a:lvl1pPr indent="-304800" lvl="0" marL="457200">
+            <a:lvl1pPr marL="457200" lvl="0" indent="-304800">
               <a:spcBef>
                 <a:spcPts val="0"/>
               </a:spcBef>
@@ -6675,7 +6968,7 @@
               <a:buChar char="●"/>
               <a:defRPr sz="1200"/>
             </a:lvl1pPr>
-            <a:lvl2pPr indent="-304800" lvl="1" marL="914400">
+            <a:lvl2pPr marL="914400" lvl="1" indent="-304800">
               <a:spcBef>
                 <a:spcPts val="1600"/>
               </a:spcBef>
@@ -6686,7 +6979,7 @@
               <a:buChar char="○"/>
               <a:defRPr sz="1200"/>
             </a:lvl2pPr>
-            <a:lvl3pPr indent="-304800" lvl="2" marL="1371600">
+            <a:lvl3pPr marL="1371600" lvl="2" indent="-304800">
               <a:spcBef>
                 <a:spcPts val="1600"/>
               </a:spcBef>
@@ -6697,7 +6990,7 @@
               <a:buChar char="■"/>
               <a:defRPr sz="1200"/>
             </a:lvl3pPr>
-            <a:lvl4pPr indent="-304800" lvl="3" marL="1828800">
+            <a:lvl4pPr marL="1828800" lvl="3" indent="-304800">
               <a:spcBef>
                 <a:spcPts val="1600"/>
               </a:spcBef>
@@ -6708,7 +7001,7 @@
               <a:buChar char="●"/>
               <a:defRPr sz="1200"/>
             </a:lvl4pPr>
-            <a:lvl5pPr indent="-304800" lvl="4" marL="2286000">
+            <a:lvl5pPr marL="2286000" lvl="4" indent="-304800">
               <a:spcBef>
                 <a:spcPts val="1600"/>
               </a:spcBef>
@@ -6719,7 +7012,7 @@
               <a:buChar char="○"/>
               <a:defRPr sz="1200"/>
             </a:lvl5pPr>
-            <a:lvl6pPr indent="-304800" lvl="5" marL="2743200">
+            <a:lvl6pPr marL="2743200" lvl="5" indent="-304800">
               <a:spcBef>
                 <a:spcPts val="1600"/>
               </a:spcBef>
@@ -6730,7 +7023,7 @@
               <a:buChar char="■"/>
               <a:defRPr sz="1200"/>
             </a:lvl6pPr>
-            <a:lvl7pPr indent="-304800" lvl="6" marL="3200400">
+            <a:lvl7pPr marL="3200400" lvl="6" indent="-304800">
               <a:spcBef>
                 <a:spcPts val="1600"/>
               </a:spcBef>
@@ -6741,7 +7034,7 @@
               <a:buChar char="●"/>
               <a:defRPr sz="1200"/>
             </a:lvl7pPr>
-            <a:lvl8pPr indent="-304800" lvl="7" marL="3657600">
+            <a:lvl8pPr marL="3657600" lvl="7" indent="-304800">
               <a:spcBef>
                 <a:spcPts val="1600"/>
               </a:spcBef>
@@ -6752,7 +7045,7 @@
               <a:buChar char="○"/>
               <a:defRPr sz="1200"/>
             </a:lvl8pPr>
-            <a:lvl9pPr indent="-304800" lvl="8" marL="4114800">
+            <a:lvl9pPr marL="4114800" lvl="8" indent="-304800">
               <a:spcBef>
                 <a:spcPts val="1600"/>
               </a:spcBef>
@@ -6764,15 +7057,19 @@
               <a:defRPr sz="1200"/>
             </a:lvl9pPr>
           </a:lstStyle>
-          <a:p/>
+          <a:p>
+            <a:endParaRPr/>
+          </a:p>
         </p:txBody>
       </p:sp>
       <p:sp>
         <p:nvSpPr>
           <p:cNvPr id="31" name="Google Shape;31;p7"/>
-          <p:cNvSpPr txBox="1"/>
+          <p:cNvSpPr txBox="1">
+            <a:spLocks noGrp="1"/>
+          </p:cNvSpPr>
           <p:nvPr>
-            <p:ph idx="12" type="sldNum"/>
+            <p:ph type="sldNum" idx="12"/>
           </p:nvPr>
         </p:nvSpPr>
         <p:spPr>
@@ -6785,7 +7082,7 @@
           </a:prstGeom>
         </p:spPr>
         <p:txBody>
-          <a:bodyPr anchorCtr="0" anchor="ctr" bIns="91425" lIns="91425" spcFirstLastPara="1" rIns="91425" wrap="square" tIns="91425">
+          <a:bodyPr spcFirstLastPara="1" wrap="square" lIns="91425" tIns="91425" rIns="91425" bIns="91425" anchor="ctr" anchorCtr="0">
             <a:noAutofit/>
           </a:bodyPr>
           <a:lstStyle>
@@ -6827,7 +7124,7 @@
             </a:lvl9pPr>
           </a:lstStyle>
           <a:p>
-            <a:pPr indent="0" lvl="0" marL="0" rtl="0" algn="r">
+            <a:pPr marL="0" lvl="0" indent="0" algn="r" rtl="0">
               <a:spcBef>
                 <a:spcPts val="0"/>
               </a:spcBef>
@@ -6853,11 +7150,11 @@
 </file>
 
 <file path=ppt/slideLayouts/slideLayout7.xml><?xml version="1.0" encoding="utf-8"?>
-<p:sldLayout xmlns:a="http://schemas.openxmlformats.org/drawingml/2006/main" xmlns:r="http://schemas.openxmlformats.org/officeDocument/2006/relationships" xmlns:mc="http://schemas.openxmlformats.org/markup-compatibility/2006" xmlns:mv="urn:schemas-microsoft-com:mac:vml" xmlns:p="http://schemas.openxmlformats.org/presentationml/2006/main" xmlns:c="http://schemas.openxmlformats.org/drawingml/2006/chart" xmlns:dgm="http://schemas.openxmlformats.org/drawingml/2006/diagram" xmlns:o="urn:schemas-microsoft-com:office:office" xmlns:v="urn:schemas-microsoft-com:vml" xmlns:pvml="urn:schemas-microsoft-com:office:powerpoint" xmlns:com="http://schemas.openxmlformats.org/drawingml/2006/compatibility" xmlns:p14="http://schemas.microsoft.com/office/powerpoint/2010/main" xmlns:p15="http://schemas.microsoft.com/office/powerpoint/2012/main" xmlns:ahyp="http://schemas.microsoft.com/office/drawing/2018/hyperlinkcolor" matchingName="Main point">
+<p:sldLayout xmlns:a="http://schemas.openxmlformats.org/drawingml/2006/main" xmlns:r="http://schemas.openxmlformats.org/officeDocument/2006/relationships" xmlns:p="http://schemas.openxmlformats.org/presentationml/2006/main" matchingName="Main point">
   <p:cSld name="MAIN_POINT">
     <p:spTree>
       <p:nvGrpSpPr>
-        <p:cNvPr id="32" name="Shape 32"/>
+        <p:cNvPr id="1" name="Shape 32"/>
         <p:cNvGrpSpPr/>
         <p:nvPr/>
       </p:nvGrpSpPr>
@@ -6872,7 +7169,9 @@
       <p:sp>
         <p:nvSpPr>
           <p:cNvPr id="33" name="Google Shape;33;p8"/>
-          <p:cNvSpPr txBox="1"/>
+          <p:cNvSpPr txBox="1">
+            <a:spLocks noGrp="1"/>
+          </p:cNvSpPr>
           <p:nvPr>
             <p:ph type="title"/>
           </p:nvPr>
@@ -6887,7 +7186,7 @@
           </a:prstGeom>
         </p:spPr>
         <p:txBody>
-          <a:bodyPr anchorCtr="0" anchor="ctr" bIns="91425" lIns="91425" spcFirstLastPara="1" rIns="91425" wrap="square" tIns="91425">
+          <a:bodyPr spcFirstLastPara="1" wrap="square" lIns="91425" tIns="91425" rIns="91425" bIns="91425" anchor="ctr" anchorCtr="0">
             <a:noAutofit/>
           </a:bodyPr>
           <a:lstStyle>
@@ -6991,15 +7290,19 @@
               <a:defRPr sz="4800"/>
             </a:lvl9pPr>
           </a:lstStyle>
-          <a:p/>
+          <a:p>
+            <a:endParaRPr/>
+          </a:p>
         </p:txBody>
       </p:sp>
       <p:sp>
         <p:nvSpPr>
           <p:cNvPr id="34" name="Google Shape;34;p8"/>
-          <p:cNvSpPr txBox="1"/>
+          <p:cNvSpPr txBox="1">
+            <a:spLocks noGrp="1"/>
+          </p:cNvSpPr>
           <p:nvPr>
-            <p:ph idx="12" type="sldNum"/>
+            <p:ph type="sldNum" idx="12"/>
           </p:nvPr>
         </p:nvSpPr>
         <p:spPr>
@@ -7012,7 +7315,7 @@
           </a:prstGeom>
         </p:spPr>
         <p:txBody>
-          <a:bodyPr anchorCtr="0" anchor="ctr" bIns="91425" lIns="91425" spcFirstLastPara="1" rIns="91425" wrap="square" tIns="91425">
+          <a:bodyPr spcFirstLastPara="1" wrap="square" lIns="91425" tIns="91425" rIns="91425" bIns="91425" anchor="ctr" anchorCtr="0">
             <a:noAutofit/>
           </a:bodyPr>
           <a:lstStyle>
@@ -7054,7 +7357,7 @@
             </a:lvl9pPr>
           </a:lstStyle>
           <a:p>
-            <a:pPr indent="0" lvl="0" marL="0" rtl="0" algn="r">
+            <a:pPr marL="0" lvl="0" indent="0" algn="r" rtl="0">
               <a:spcBef>
                 <a:spcPts val="0"/>
               </a:spcBef>
@@ -7080,11 +7383,11 @@
 </file>
 
 <file path=ppt/slideLayouts/slideLayout8.xml><?xml version="1.0" encoding="utf-8"?>
-<p:sldLayout xmlns:a="http://schemas.openxmlformats.org/drawingml/2006/main" xmlns:r="http://schemas.openxmlformats.org/officeDocument/2006/relationships" xmlns:mc="http://schemas.openxmlformats.org/markup-compatibility/2006" xmlns:mv="urn:schemas-microsoft-com:mac:vml" xmlns:p="http://schemas.openxmlformats.org/presentationml/2006/main" xmlns:c="http://schemas.openxmlformats.org/drawingml/2006/chart" xmlns:dgm="http://schemas.openxmlformats.org/drawingml/2006/diagram" xmlns:o="urn:schemas-microsoft-com:office:office" xmlns:v="urn:schemas-microsoft-com:vml" xmlns:pvml="urn:schemas-microsoft-com:office:powerpoint" xmlns:com="http://schemas.openxmlformats.org/drawingml/2006/compatibility" xmlns:p14="http://schemas.microsoft.com/office/powerpoint/2010/main" xmlns:p15="http://schemas.microsoft.com/office/powerpoint/2012/main" xmlns:ahyp="http://schemas.microsoft.com/office/drawing/2018/hyperlinkcolor" matchingName="Section title and description">
+<p:sldLayout xmlns:a="http://schemas.openxmlformats.org/drawingml/2006/main" xmlns:r="http://schemas.openxmlformats.org/officeDocument/2006/relationships" xmlns:p="http://schemas.openxmlformats.org/presentationml/2006/main" matchingName="Section title and description">
   <p:cSld name="SECTION_TITLE_AND_DESCRIPTION">
     <p:spTree>
       <p:nvGrpSpPr>
-        <p:cNvPr id="35" name="Shape 35"/>
+        <p:cNvPr id="1" name="Shape 35"/>
         <p:cNvGrpSpPr/>
         <p:nvPr/>
       </p:nvGrpSpPr>
@@ -7118,12 +7421,12 @@
           </a:ln>
         </p:spPr>
         <p:txBody>
-          <a:bodyPr anchorCtr="0" anchor="ctr" bIns="91425" lIns="91425" spcFirstLastPara="1" rIns="91425" wrap="square" tIns="91425">
+          <a:bodyPr spcFirstLastPara="1" wrap="square" lIns="91425" tIns="91425" rIns="91425" bIns="91425" anchor="ctr" anchorCtr="0">
             <a:noAutofit/>
           </a:bodyPr>
           <a:lstStyle/>
           <a:p>
-            <a:pPr indent="0" lvl="0" marL="0" rtl="0" algn="l">
+            <a:pPr marL="0" lvl="0" indent="0" algn="l" rtl="0">
               <a:spcBef>
                 <a:spcPts val="0"/>
               </a:spcBef>
@@ -7132,9 +7435,6 @@
               </a:spcAft>
               <a:buNone/>
             </a:pPr>
-            <a:r>
-              <a:t/>
-            </a:r>
             <a:endParaRPr/>
           </a:p>
         </p:txBody>
@@ -7142,7 +7442,9 @@
       <p:sp>
         <p:nvSpPr>
           <p:cNvPr id="37" name="Google Shape;37;p9"/>
-          <p:cNvSpPr txBox="1"/>
+          <p:cNvSpPr txBox="1">
+            <a:spLocks noGrp="1"/>
+          </p:cNvSpPr>
           <p:nvPr>
             <p:ph type="title"/>
           </p:nvPr>
@@ -7157,7 +7459,7 @@
           </a:prstGeom>
         </p:spPr>
         <p:txBody>
-          <a:bodyPr anchorCtr="0" anchor="b" bIns="91425" lIns="91425" spcFirstLastPara="1" rIns="91425" wrap="square" tIns="91425">
+          <a:bodyPr spcFirstLastPara="1" wrap="square" lIns="91425" tIns="91425" rIns="91425" bIns="91425" anchor="b" anchorCtr="0">
             <a:noAutofit/>
           </a:bodyPr>
           <a:lstStyle>
@@ -7261,15 +7563,19 @@
               <a:defRPr sz="4200"/>
             </a:lvl9pPr>
           </a:lstStyle>
-          <a:p/>
+          <a:p>
+            <a:endParaRPr/>
+          </a:p>
         </p:txBody>
       </p:sp>
       <p:sp>
         <p:nvSpPr>
           <p:cNvPr id="38" name="Google Shape;38;p9"/>
-          <p:cNvSpPr txBox="1"/>
+          <p:cNvSpPr txBox="1">
+            <a:spLocks noGrp="1"/>
+          </p:cNvSpPr>
           <p:nvPr>
-            <p:ph idx="1" type="subTitle"/>
+            <p:ph type="subTitle" idx="1"/>
           </p:nvPr>
         </p:nvSpPr>
         <p:spPr>
@@ -7282,7 +7588,7 @@
           </a:prstGeom>
         </p:spPr>
         <p:txBody>
-          <a:bodyPr anchorCtr="0" anchor="t" bIns="91425" lIns="91425" spcFirstLastPara="1" rIns="91425" wrap="square" tIns="91425">
+          <a:bodyPr spcFirstLastPara="1" wrap="square" lIns="91425" tIns="91425" rIns="91425" bIns="91425" anchor="t" anchorCtr="0">
             <a:noAutofit/>
           </a:bodyPr>
           <a:lstStyle>
@@ -7413,15 +7719,19 @@
               <a:defRPr sz="2100"/>
             </a:lvl9pPr>
           </a:lstStyle>
-          <a:p/>
+          <a:p>
+            <a:endParaRPr/>
+          </a:p>
         </p:txBody>
       </p:sp>
       <p:sp>
         <p:nvSpPr>
           <p:cNvPr id="39" name="Google Shape;39;p9"/>
-          <p:cNvSpPr txBox="1"/>
+          <p:cNvSpPr txBox="1">
+            <a:spLocks noGrp="1"/>
+          </p:cNvSpPr>
           <p:nvPr>
-            <p:ph idx="2" type="body"/>
+            <p:ph type="body" idx="2"/>
           </p:nvPr>
         </p:nvSpPr>
         <p:spPr>
@@ -7434,11 +7744,11 @@
           </a:prstGeom>
         </p:spPr>
         <p:txBody>
-          <a:bodyPr anchorCtr="0" anchor="ctr" bIns="91425" lIns="91425" spcFirstLastPara="1" rIns="91425" wrap="square" tIns="91425">
+          <a:bodyPr spcFirstLastPara="1" wrap="square" lIns="91425" tIns="91425" rIns="91425" bIns="91425" anchor="ctr" anchorCtr="0">
             <a:noAutofit/>
           </a:bodyPr>
           <a:lstStyle>
-            <a:lvl1pPr indent="-342900" lvl="0" marL="457200">
+            <a:lvl1pPr marL="457200" lvl="0" indent="-342900">
               <a:spcBef>
                 <a:spcPts val="0"/>
               </a:spcBef>
@@ -7456,7 +7766,7 @@
                 </a:solidFill>
               </a:defRPr>
             </a:lvl1pPr>
-            <a:lvl2pPr indent="-317500" lvl="1" marL="914400">
+            <a:lvl2pPr marL="914400" lvl="1" indent="-317500">
               <a:spcBef>
                 <a:spcPts val="1600"/>
               </a:spcBef>
@@ -7474,7 +7784,7 @@
                 </a:solidFill>
               </a:defRPr>
             </a:lvl2pPr>
-            <a:lvl3pPr indent="-317500" lvl="2" marL="1371600">
+            <a:lvl3pPr marL="1371600" lvl="2" indent="-317500">
               <a:spcBef>
                 <a:spcPts val="1600"/>
               </a:spcBef>
@@ -7492,7 +7802,7 @@
                 </a:solidFill>
               </a:defRPr>
             </a:lvl3pPr>
-            <a:lvl4pPr indent="-317500" lvl="3" marL="1828800">
+            <a:lvl4pPr marL="1828800" lvl="3" indent="-317500">
               <a:spcBef>
                 <a:spcPts val="1600"/>
               </a:spcBef>
@@ -7510,7 +7820,7 @@
                 </a:solidFill>
               </a:defRPr>
             </a:lvl4pPr>
-            <a:lvl5pPr indent="-317500" lvl="4" marL="2286000">
+            <a:lvl5pPr marL="2286000" lvl="4" indent="-317500">
               <a:spcBef>
                 <a:spcPts val="1600"/>
               </a:spcBef>
@@ -7528,7 +7838,7 @@
                 </a:solidFill>
               </a:defRPr>
             </a:lvl5pPr>
-            <a:lvl6pPr indent="-317500" lvl="5" marL="2743200">
+            <a:lvl6pPr marL="2743200" lvl="5" indent="-317500">
               <a:spcBef>
                 <a:spcPts val="1600"/>
               </a:spcBef>
@@ -7546,7 +7856,7 @@
                 </a:solidFill>
               </a:defRPr>
             </a:lvl6pPr>
-            <a:lvl7pPr indent="-317500" lvl="6" marL="3200400">
+            <a:lvl7pPr marL="3200400" lvl="6" indent="-317500">
               <a:spcBef>
                 <a:spcPts val="1600"/>
               </a:spcBef>
@@ -7564,7 +7874,7 @@
                 </a:solidFill>
               </a:defRPr>
             </a:lvl7pPr>
-            <a:lvl8pPr indent="-317500" lvl="7" marL="3657600">
+            <a:lvl8pPr marL="3657600" lvl="7" indent="-317500">
               <a:spcBef>
                 <a:spcPts val="1600"/>
               </a:spcBef>
@@ -7582,7 +7892,7 @@
                 </a:solidFill>
               </a:defRPr>
             </a:lvl8pPr>
-            <a:lvl9pPr indent="-317500" lvl="8" marL="4114800">
+            <a:lvl9pPr marL="4114800" lvl="8" indent="-317500">
               <a:spcBef>
                 <a:spcPts val="1600"/>
               </a:spcBef>
@@ -7601,15 +7911,19 @@
               </a:defRPr>
             </a:lvl9pPr>
           </a:lstStyle>
-          <a:p/>
+          <a:p>
+            <a:endParaRPr/>
+          </a:p>
         </p:txBody>
       </p:sp>
       <p:sp>
         <p:nvSpPr>
           <p:cNvPr id="40" name="Google Shape;40;p9"/>
-          <p:cNvSpPr txBox="1"/>
+          <p:cNvSpPr txBox="1">
+            <a:spLocks noGrp="1"/>
+          </p:cNvSpPr>
           <p:nvPr>
-            <p:ph idx="12" type="sldNum"/>
+            <p:ph type="sldNum" idx="12"/>
           </p:nvPr>
         </p:nvSpPr>
         <p:spPr>
@@ -7622,7 +7936,7 @@
           </a:prstGeom>
         </p:spPr>
         <p:txBody>
-          <a:bodyPr anchorCtr="0" anchor="ctr" bIns="91425" lIns="91425" spcFirstLastPara="1" rIns="91425" wrap="square" tIns="91425">
+          <a:bodyPr spcFirstLastPara="1" wrap="square" lIns="91425" tIns="91425" rIns="91425" bIns="91425" anchor="ctr" anchorCtr="0">
             <a:noAutofit/>
           </a:bodyPr>
           <a:lstStyle>
@@ -7664,7 +7978,7 @@
             </a:lvl9pPr>
           </a:lstStyle>
           <a:p>
-            <a:pPr indent="0" lvl="0" marL="0" rtl="0" algn="r">
+            <a:pPr marL="0" lvl="0" indent="0" algn="r" rtl="0">
               <a:spcBef>
                 <a:spcPts val="0"/>
               </a:spcBef>
@@ -7690,11 +8004,11 @@
 </file>
 
 <file path=ppt/slideLayouts/slideLayout9.xml><?xml version="1.0" encoding="utf-8"?>
-<p:sldLayout xmlns:a="http://schemas.openxmlformats.org/drawingml/2006/main" xmlns:r="http://schemas.openxmlformats.org/officeDocument/2006/relationships" xmlns:mc="http://schemas.openxmlformats.org/markup-compatibility/2006" xmlns:mv="urn:schemas-microsoft-com:mac:vml" xmlns:p="http://schemas.openxmlformats.org/presentationml/2006/main" xmlns:c="http://schemas.openxmlformats.org/drawingml/2006/chart" xmlns:dgm="http://schemas.openxmlformats.org/drawingml/2006/diagram" xmlns:o="urn:schemas-microsoft-com:office:office" xmlns:v="urn:schemas-microsoft-com:vml" xmlns:pvml="urn:schemas-microsoft-com:office:powerpoint" xmlns:com="http://schemas.openxmlformats.org/drawingml/2006/compatibility" xmlns:p14="http://schemas.microsoft.com/office/powerpoint/2010/main" xmlns:p15="http://schemas.microsoft.com/office/powerpoint/2012/main" xmlns:ahyp="http://schemas.microsoft.com/office/drawing/2018/hyperlinkcolor" matchingName="Caption">
+<p:sldLayout xmlns:a="http://schemas.openxmlformats.org/drawingml/2006/main" xmlns:r="http://schemas.openxmlformats.org/officeDocument/2006/relationships" xmlns:p="http://schemas.openxmlformats.org/presentationml/2006/main" matchingName="Caption">
   <p:cSld name="CAPTION_ONLY">
     <p:spTree>
       <p:nvGrpSpPr>
-        <p:cNvPr id="41" name="Shape 41"/>
+        <p:cNvPr id="1" name="Shape 41"/>
         <p:cNvGrpSpPr/>
         <p:nvPr/>
       </p:nvGrpSpPr>
@@ -7709,9 +8023,11 @@
       <p:sp>
         <p:nvSpPr>
           <p:cNvPr id="42" name="Google Shape;42;p10"/>
-          <p:cNvSpPr txBox="1"/>
+          <p:cNvSpPr txBox="1">
+            <a:spLocks noGrp="1"/>
+          </p:cNvSpPr>
           <p:nvPr>
-            <p:ph idx="1" type="body"/>
+            <p:ph type="body" idx="1"/>
           </p:nvPr>
         </p:nvSpPr>
         <p:spPr>
@@ -7724,11 +8040,11 @@
           </a:prstGeom>
         </p:spPr>
         <p:txBody>
-          <a:bodyPr anchorCtr="0" anchor="ctr" bIns="91425" lIns="91425" spcFirstLastPara="1" rIns="91425" wrap="square" tIns="91425">
+          <a:bodyPr spcFirstLastPara="1" wrap="square" lIns="91425" tIns="91425" rIns="91425" bIns="91425" anchor="ctr" anchorCtr="0">
             <a:noAutofit/>
           </a:bodyPr>
           <a:lstStyle>
-            <a:lvl1pPr indent="-228600" lvl="0" marL="457200">
+            <a:lvl1pPr marL="457200" lvl="0" indent="-228600">
               <a:lnSpc>
                 <a:spcPct val="100000"/>
               </a:lnSpc>
@@ -7743,15 +8059,19 @@
               <a:defRPr/>
             </a:lvl1pPr>
           </a:lstStyle>
-          <a:p/>
+          <a:p>
+            <a:endParaRPr/>
+          </a:p>
         </p:txBody>
       </p:sp>
       <p:sp>
         <p:nvSpPr>
           <p:cNvPr id="43" name="Google Shape;43;p10"/>
-          <p:cNvSpPr txBox="1"/>
+          <p:cNvSpPr txBox="1">
+            <a:spLocks noGrp="1"/>
+          </p:cNvSpPr>
           <p:nvPr>
-            <p:ph idx="12" type="sldNum"/>
+            <p:ph type="sldNum" idx="12"/>
           </p:nvPr>
         </p:nvSpPr>
         <p:spPr>
@@ -7764,7 +8084,7 @@
           </a:prstGeom>
         </p:spPr>
         <p:txBody>
-          <a:bodyPr anchorCtr="0" anchor="ctr" bIns="91425" lIns="91425" spcFirstLastPara="1" rIns="91425" wrap="square" tIns="91425">
+          <a:bodyPr spcFirstLastPara="1" wrap="square" lIns="91425" tIns="91425" rIns="91425" bIns="91425" anchor="ctr" anchorCtr="0">
             <a:noAutofit/>
           </a:bodyPr>
           <a:lstStyle>
@@ -7806,7 +8126,7 @@
             </a:lvl9pPr>
           </a:lstStyle>
           <a:p>
-            <a:pPr indent="0" lvl="0" marL="0" rtl="0" algn="r">
+            <a:pPr marL="0" lvl="0" indent="0" algn="r" rtl="0">
               <a:spcBef>
                 <a:spcPts val="0"/>
               </a:spcBef>
@@ -7832,18 +8152,19 @@
 </file>
 
 <file path=ppt/slideMasters/slideMaster1.xml><?xml version="1.0" encoding="utf-8"?>
-<p:sldMaster xmlns:a="http://schemas.openxmlformats.org/drawingml/2006/main" xmlns:r="http://schemas.openxmlformats.org/officeDocument/2006/relationships" xmlns:mc="http://schemas.openxmlformats.org/markup-compatibility/2006" xmlns:mv="urn:schemas-microsoft-com:mac:vml" xmlns:p="http://schemas.openxmlformats.org/presentationml/2006/main" xmlns:c="http://schemas.openxmlformats.org/drawingml/2006/chart" xmlns:dgm="http://schemas.openxmlformats.org/drawingml/2006/diagram" xmlns:o="urn:schemas-microsoft-com:office:office" xmlns:v="urn:schemas-microsoft-com:vml" xmlns:pvml="urn:schemas-microsoft-com:office:powerpoint" xmlns:com="http://schemas.openxmlformats.org/drawingml/2006/compatibility" xmlns:p14="http://schemas.microsoft.com/office/powerpoint/2010/main" xmlns:p15="http://schemas.microsoft.com/office/powerpoint/2012/main" xmlns:ahyp="http://schemas.microsoft.com/office/drawing/2018/hyperlinkcolor">
+<p:sldMaster xmlns:a="http://schemas.openxmlformats.org/drawingml/2006/main" xmlns:r="http://schemas.openxmlformats.org/officeDocument/2006/relationships" xmlns:p="http://schemas.openxmlformats.org/presentationml/2006/main">
   <p:cSld name="simple-dark-2">
     <p:bg>
       <p:bgPr>
         <a:solidFill>
           <a:srgbClr val="000000"/>
         </a:solidFill>
+        <a:effectLst/>
       </p:bgPr>
     </p:bg>
     <p:spTree>
       <p:nvGrpSpPr>
-        <p:cNvPr id="5" name="Shape 5"/>
+        <p:cNvPr id="1" name="Shape 5"/>
         <p:cNvGrpSpPr/>
         <p:nvPr/>
       </p:nvGrpSpPr>
@@ -7858,7 +8179,9 @@
       <p:sp>
         <p:nvSpPr>
           <p:cNvPr id="6" name="Google Shape;6;p1"/>
-          <p:cNvSpPr txBox="1"/>
+          <p:cNvSpPr txBox="1">
+            <a:spLocks noGrp="1"/>
+          </p:cNvSpPr>
           <p:nvPr>
             <p:ph type="title"/>
           </p:nvPr>
@@ -7877,7 +8200,7 @@
           </a:ln>
         </p:spPr>
         <p:txBody>
-          <a:bodyPr anchorCtr="0" anchor="t" bIns="91425" lIns="91425" spcFirstLastPara="1" rIns="91425" wrap="square" tIns="91425">
+          <a:bodyPr spcFirstLastPara="1" wrap="square" lIns="91425" tIns="91425" rIns="91425" bIns="91425" anchor="t" anchorCtr="0">
             <a:noAutofit/>
           </a:bodyPr>
           <a:lstStyle>
@@ -8044,15 +8367,19 @@
               </a:defRPr>
             </a:lvl9pPr>
           </a:lstStyle>
-          <a:p/>
+          <a:p>
+            <a:endParaRPr/>
+          </a:p>
         </p:txBody>
       </p:sp>
       <p:sp>
         <p:nvSpPr>
           <p:cNvPr id="7" name="Google Shape;7;p1"/>
-          <p:cNvSpPr txBox="1"/>
+          <p:cNvSpPr txBox="1">
+            <a:spLocks noGrp="1"/>
+          </p:cNvSpPr>
           <p:nvPr>
-            <p:ph idx="1" type="body"/>
+            <p:ph type="body" idx="1"/>
           </p:nvPr>
         </p:nvSpPr>
         <p:spPr>
@@ -8069,11 +8396,11 @@
           </a:ln>
         </p:spPr>
         <p:txBody>
-          <a:bodyPr anchorCtr="0" anchor="t" bIns="91425" lIns="91425" spcFirstLastPara="1" rIns="91425" wrap="square" tIns="91425">
+          <a:bodyPr spcFirstLastPara="1" wrap="square" lIns="91425" tIns="91425" rIns="91425" bIns="91425" anchor="t" anchorCtr="0">
             <a:noAutofit/>
           </a:bodyPr>
           <a:lstStyle>
-            <a:lvl1pPr indent="-342900" lvl="0" marL="457200">
+            <a:lvl1pPr marL="457200" lvl="0" indent="-342900">
               <a:lnSpc>
                 <a:spcPct val="115000"/>
               </a:lnSpc>
@@ -8094,7 +8421,7 @@
                 </a:solidFill>
               </a:defRPr>
             </a:lvl1pPr>
-            <a:lvl2pPr indent="-317500" lvl="1" marL="914400">
+            <a:lvl2pPr marL="914400" lvl="1" indent="-317500">
               <a:lnSpc>
                 <a:spcPct val="115000"/>
               </a:lnSpc>
@@ -8115,7 +8442,7 @@
                 </a:solidFill>
               </a:defRPr>
             </a:lvl2pPr>
-            <a:lvl3pPr indent="-317500" lvl="2" marL="1371600">
+            <a:lvl3pPr marL="1371600" lvl="2" indent="-317500">
               <a:lnSpc>
                 <a:spcPct val="115000"/>
               </a:lnSpc>
@@ -8136,7 +8463,7 @@
                 </a:solidFill>
               </a:defRPr>
             </a:lvl3pPr>
-            <a:lvl4pPr indent="-317500" lvl="3" marL="1828800">
+            <a:lvl4pPr marL="1828800" lvl="3" indent="-317500">
               <a:lnSpc>
                 <a:spcPct val="115000"/>
               </a:lnSpc>
@@ -8157,7 +8484,7 @@
                 </a:solidFill>
               </a:defRPr>
             </a:lvl4pPr>
-            <a:lvl5pPr indent="-317500" lvl="4" marL="2286000">
+            <a:lvl5pPr marL="2286000" lvl="4" indent="-317500">
               <a:lnSpc>
                 <a:spcPct val="115000"/>
               </a:lnSpc>
@@ -8178,7 +8505,7 @@
                 </a:solidFill>
               </a:defRPr>
             </a:lvl5pPr>
-            <a:lvl6pPr indent="-317500" lvl="5" marL="2743200">
+            <a:lvl6pPr marL="2743200" lvl="5" indent="-317500">
               <a:lnSpc>
                 <a:spcPct val="115000"/>
               </a:lnSpc>
@@ -8199,7 +8526,7 @@
                 </a:solidFill>
               </a:defRPr>
             </a:lvl6pPr>
-            <a:lvl7pPr indent="-317500" lvl="6" marL="3200400">
+            <a:lvl7pPr marL="3200400" lvl="6" indent="-317500">
               <a:lnSpc>
                 <a:spcPct val="115000"/>
               </a:lnSpc>
@@ -8220,7 +8547,7 @@
                 </a:solidFill>
               </a:defRPr>
             </a:lvl7pPr>
-            <a:lvl8pPr indent="-317500" lvl="7" marL="3657600">
+            <a:lvl8pPr marL="3657600" lvl="7" indent="-317500">
               <a:lnSpc>
                 <a:spcPct val="115000"/>
               </a:lnSpc>
@@ -8241,7 +8568,7 @@
                 </a:solidFill>
               </a:defRPr>
             </a:lvl8pPr>
-            <a:lvl9pPr indent="-317500" lvl="8" marL="4114800">
+            <a:lvl9pPr marL="4114800" lvl="8" indent="-317500">
               <a:lnSpc>
                 <a:spcPct val="115000"/>
               </a:lnSpc>
@@ -8263,15 +8590,19 @@
               </a:defRPr>
             </a:lvl9pPr>
           </a:lstStyle>
-          <a:p/>
+          <a:p>
+            <a:endParaRPr/>
+          </a:p>
         </p:txBody>
       </p:sp>
       <p:sp>
         <p:nvSpPr>
           <p:cNvPr id="8" name="Google Shape;8;p1"/>
-          <p:cNvSpPr txBox="1"/>
+          <p:cNvSpPr txBox="1">
+            <a:spLocks noGrp="1"/>
+          </p:cNvSpPr>
           <p:nvPr>
-            <p:ph idx="12" type="sldNum"/>
+            <p:ph type="sldNum" idx="12"/>
           </p:nvPr>
         </p:nvSpPr>
         <p:spPr>
@@ -8288,7 +8619,7 @@
           </a:ln>
         </p:spPr>
         <p:txBody>
-          <a:bodyPr anchorCtr="0" anchor="ctr" bIns="91425" lIns="91425" spcFirstLastPara="1" rIns="91425" wrap="square" tIns="91425">
+          <a:bodyPr spcFirstLastPara="1" wrap="square" lIns="91425" tIns="91425" rIns="91425" bIns="91425" anchor="ctr" anchorCtr="0">
             <a:noAutofit/>
           </a:bodyPr>
           <a:lstStyle>
@@ -8366,7 +8697,7 @@
             </a:lvl9pPr>
           </a:lstStyle>
           <a:p>
-            <a:pPr indent="0" lvl="0" marL="0" rtl="0" algn="r">
+            <a:pPr marL="0" lvl="0" indent="0" algn="r" rtl="0">
               <a:spcBef>
                 <a:spcPts val="0"/>
               </a:spcBef>
@@ -8385,7 +8716,7 @@
       </p:sp>
     </p:spTree>
   </p:cSld>
-  <p:clrMap accent1="accent1" accent2="accent2" accent3="accent3" accent4="accent4" accent5="accent5" accent6="accent6" bg1="lt1" bg2="dk2" tx1="dk1" tx2="lt2" folHlink="folHlink" hlink="hlink"/>
+  <p:clrMap bg1="lt1" tx1="dk1" bg2="dk2" tx2="lt2" accent1="accent1" accent2="accent2" accent3="accent3" accent4="accent4" accent5="accent5" accent6="accent6" hlink="hlink" folHlink="folHlink"/>
   <p:sldLayoutIdLst>
     <p:sldLayoutId id="2147483648" r:id="rId1"/>
     <p:sldLayoutId id="2147483649" r:id="rId2"/>
@@ -8399,10 +8730,10 @@
     <p:sldLayoutId id="2147483657" r:id="rId10"/>
     <p:sldLayoutId id="2147483658" r:id="rId11"/>
   </p:sldLayoutIdLst>
-  <p:hf dt="0" ftr="0" hdr="0" sldNum="0"/>
+  <p:hf sldNum="0" hdr="0" ftr="0" dt="0"/>
   <p:txStyles>
     <p:titleStyle>
-      <a:defPPr lvl="0" marR="0" rtl="0" algn="l">
+      <a:defPPr marR="0" lvl="0" algn="l" rtl="0">
         <a:lnSpc>
           <a:spcPct val="100000"/>
         </a:lnSpc>
@@ -8413,7 +8744,7 @@
           <a:spcPts val="0"/>
         </a:spcAft>
       </a:defPPr>
-      <a:lvl1pPr lvl="0" marR="0" rtl="0" algn="l">
+      <a:lvl1pPr marR="0" lvl="0" algn="l" rtl="0">
         <a:lnSpc>
           <a:spcPct val="100000"/>
         </a:lnSpc>
@@ -8427,7 +8758,7 @@
           <a:srgbClr val="000000"/>
         </a:buClr>
         <a:buFont typeface="Arial"/>
-        <a:defRPr b="0" i="0" sz="1400" u="none" cap="none" strike="noStrike">
+        <a:defRPr sz="1400" b="0" i="0" u="none" strike="noStrike" cap="none">
           <a:solidFill>
             <a:srgbClr val="000000"/>
           </a:solidFill>
@@ -8437,7 +8768,7 @@
           <a:sym typeface="Arial"/>
         </a:defRPr>
       </a:lvl1pPr>
-      <a:lvl2pPr lvl="1" marR="0" rtl="0" algn="l">
+      <a:lvl2pPr marR="0" lvl="1" algn="l" rtl="0">
         <a:lnSpc>
           <a:spcPct val="100000"/>
         </a:lnSpc>
@@ -8451,7 +8782,7 @@
           <a:srgbClr val="000000"/>
         </a:buClr>
         <a:buFont typeface="Arial"/>
-        <a:defRPr b="0" i="0" sz="1400" u="none" cap="none" strike="noStrike">
+        <a:defRPr sz="1400" b="0" i="0" u="none" strike="noStrike" cap="none">
           <a:solidFill>
             <a:srgbClr val="000000"/>
           </a:solidFill>
@@ -8461,7 +8792,7 @@
           <a:sym typeface="Arial"/>
         </a:defRPr>
       </a:lvl2pPr>
-      <a:lvl3pPr lvl="2" marR="0" rtl="0" algn="l">
+      <a:lvl3pPr marR="0" lvl="2" algn="l" rtl="0">
         <a:lnSpc>
           <a:spcPct val="100000"/>
         </a:lnSpc>
@@ -8475,7 +8806,7 @@
           <a:srgbClr val="000000"/>
         </a:buClr>
         <a:buFont typeface="Arial"/>
-        <a:defRPr b="0" i="0" sz="1400" u="none" cap="none" strike="noStrike">
+        <a:defRPr sz="1400" b="0" i="0" u="none" strike="noStrike" cap="none">
           <a:solidFill>
             <a:srgbClr val="000000"/>
           </a:solidFill>
@@ -8485,7 +8816,7 @@
           <a:sym typeface="Arial"/>
         </a:defRPr>
       </a:lvl3pPr>
-      <a:lvl4pPr lvl="3" marR="0" rtl="0" algn="l">
+      <a:lvl4pPr marR="0" lvl="3" algn="l" rtl="0">
         <a:lnSpc>
           <a:spcPct val="100000"/>
         </a:lnSpc>
@@ -8499,7 +8830,7 @@
           <a:srgbClr val="000000"/>
         </a:buClr>
         <a:buFont typeface="Arial"/>
-        <a:defRPr b="0" i="0" sz="1400" u="none" cap="none" strike="noStrike">
+        <a:defRPr sz="1400" b="0" i="0" u="none" strike="noStrike" cap="none">
           <a:solidFill>
             <a:srgbClr val="000000"/>
           </a:solidFill>
@@ -8509,7 +8840,7 @@
           <a:sym typeface="Arial"/>
         </a:defRPr>
       </a:lvl4pPr>
-      <a:lvl5pPr lvl="4" marR="0" rtl="0" algn="l">
+      <a:lvl5pPr marR="0" lvl="4" algn="l" rtl="0">
         <a:lnSpc>
           <a:spcPct val="100000"/>
         </a:lnSpc>
@@ -8523,7 +8854,7 @@
           <a:srgbClr val="000000"/>
         </a:buClr>
         <a:buFont typeface="Arial"/>
-        <a:defRPr b="0" i="0" sz="1400" u="none" cap="none" strike="noStrike">
+        <a:defRPr sz="1400" b="0" i="0" u="none" strike="noStrike" cap="none">
           <a:solidFill>
             <a:srgbClr val="000000"/>
           </a:solidFill>
@@ -8533,7 +8864,7 @@
           <a:sym typeface="Arial"/>
         </a:defRPr>
       </a:lvl5pPr>
-      <a:lvl6pPr lvl="5" marR="0" rtl="0" algn="l">
+      <a:lvl6pPr marR="0" lvl="5" algn="l" rtl="0">
         <a:lnSpc>
           <a:spcPct val="100000"/>
         </a:lnSpc>
@@ -8547,7 +8878,7 @@
           <a:srgbClr val="000000"/>
         </a:buClr>
         <a:buFont typeface="Arial"/>
-        <a:defRPr b="0" i="0" sz="1400" u="none" cap="none" strike="noStrike">
+        <a:defRPr sz="1400" b="0" i="0" u="none" strike="noStrike" cap="none">
           <a:solidFill>
             <a:srgbClr val="000000"/>
           </a:solidFill>
@@ -8557,7 +8888,7 @@
           <a:sym typeface="Arial"/>
         </a:defRPr>
       </a:lvl6pPr>
-      <a:lvl7pPr lvl="6" marR="0" rtl="0" algn="l">
+      <a:lvl7pPr marR="0" lvl="6" algn="l" rtl="0">
         <a:lnSpc>
           <a:spcPct val="100000"/>
         </a:lnSpc>
@@ -8571,7 +8902,7 @@
           <a:srgbClr val="000000"/>
         </a:buClr>
         <a:buFont typeface="Arial"/>
-        <a:defRPr b="0" i="0" sz="1400" u="none" cap="none" strike="noStrike">
+        <a:defRPr sz="1400" b="0" i="0" u="none" strike="noStrike" cap="none">
           <a:solidFill>
             <a:srgbClr val="000000"/>
           </a:solidFill>
@@ -8581,7 +8912,7 @@
           <a:sym typeface="Arial"/>
         </a:defRPr>
       </a:lvl7pPr>
-      <a:lvl8pPr lvl="7" marR="0" rtl="0" algn="l">
+      <a:lvl8pPr marR="0" lvl="7" algn="l" rtl="0">
         <a:lnSpc>
           <a:spcPct val="100000"/>
         </a:lnSpc>
@@ -8595,7 +8926,7 @@
           <a:srgbClr val="000000"/>
         </a:buClr>
         <a:buFont typeface="Arial"/>
-        <a:defRPr b="0" i="0" sz="1400" u="none" cap="none" strike="noStrike">
+        <a:defRPr sz="1400" b="0" i="0" u="none" strike="noStrike" cap="none">
           <a:solidFill>
             <a:srgbClr val="000000"/>
           </a:solidFill>
@@ -8605,7 +8936,7 @@
           <a:sym typeface="Arial"/>
         </a:defRPr>
       </a:lvl8pPr>
-      <a:lvl9pPr lvl="8" marR="0" rtl="0" algn="l">
+      <a:lvl9pPr marR="0" lvl="8" algn="l" rtl="0">
         <a:lnSpc>
           <a:spcPct val="100000"/>
         </a:lnSpc>
@@ -8619,7 +8950,7 @@
           <a:srgbClr val="000000"/>
         </a:buClr>
         <a:buFont typeface="Arial"/>
-        <a:defRPr b="0" i="0" sz="1400" u="none" cap="none" strike="noStrike">
+        <a:defRPr sz="1400" b="0" i="0" u="none" strike="noStrike" cap="none">
           <a:solidFill>
             <a:srgbClr val="000000"/>
           </a:solidFill>
@@ -8631,7 +8962,7 @@
       </a:lvl9pPr>
     </p:titleStyle>
     <p:bodyStyle>
-      <a:defPPr lvl="0" marR="0" rtl="0" algn="l">
+      <a:defPPr marR="0" lvl="0" algn="l" rtl="0">
         <a:lnSpc>
           <a:spcPct val="100000"/>
         </a:lnSpc>
@@ -8642,7 +8973,7 @@
           <a:spcPts val="0"/>
         </a:spcAft>
       </a:defPPr>
-      <a:lvl1pPr lvl="0" marR="0" rtl="0" algn="l">
+      <a:lvl1pPr marR="0" lvl="0" algn="l" rtl="0">
         <a:lnSpc>
           <a:spcPct val="100000"/>
         </a:lnSpc>
@@ -8656,7 +8987,7 @@
           <a:srgbClr val="000000"/>
         </a:buClr>
         <a:buFont typeface="Arial"/>
-        <a:defRPr b="0" i="0" sz="1400" u="none" cap="none" strike="noStrike">
+        <a:defRPr sz="1400" b="0" i="0" u="none" strike="noStrike" cap="none">
           <a:solidFill>
             <a:srgbClr val="000000"/>
           </a:solidFill>
@@ -8666,7 +8997,7 @@
           <a:sym typeface="Arial"/>
         </a:defRPr>
       </a:lvl1pPr>
-      <a:lvl2pPr lvl="1" marR="0" rtl="0" algn="l">
+      <a:lvl2pPr marR="0" lvl="1" algn="l" rtl="0">
         <a:lnSpc>
           <a:spcPct val="100000"/>
         </a:lnSpc>
@@ -8680,7 +9011,7 @@
           <a:srgbClr val="000000"/>
         </a:buClr>
         <a:buFont typeface="Arial"/>
-        <a:defRPr b="0" i="0" sz="1400" u="none" cap="none" strike="noStrike">
+        <a:defRPr sz="1400" b="0" i="0" u="none" strike="noStrike" cap="none">
           <a:solidFill>
             <a:srgbClr val="000000"/>
           </a:solidFill>
@@ -8690,7 +9021,7 @@
           <a:sym typeface="Arial"/>
         </a:defRPr>
       </a:lvl2pPr>
-      <a:lvl3pPr lvl="2" marR="0" rtl="0" algn="l">
+      <a:lvl3pPr marR="0" lvl="2" algn="l" rtl="0">
         <a:lnSpc>
           <a:spcPct val="100000"/>
         </a:lnSpc>
@@ -8704,7 +9035,7 @@
           <a:srgbClr val="000000"/>
         </a:buClr>
         <a:buFont typeface="Arial"/>
-        <a:defRPr b="0" i="0" sz="1400" u="none" cap="none" strike="noStrike">
+        <a:defRPr sz="1400" b="0" i="0" u="none" strike="noStrike" cap="none">
           <a:solidFill>
             <a:srgbClr val="000000"/>
           </a:solidFill>
@@ -8714,7 +9045,7 @@
           <a:sym typeface="Arial"/>
         </a:defRPr>
       </a:lvl3pPr>
-      <a:lvl4pPr lvl="3" marR="0" rtl="0" algn="l">
+      <a:lvl4pPr marR="0" lvl="3" algn="l" rtl="0">
         <a:lnSpc>
           <a:spcPct val="100000"/>
         </a:lnSpc>
@@ -8728,7 +9059,7 @@
           <a:srgbClr val="000000"/>
         </a:buClr>
         <a:buFont typeface="Arial"/>
-        <a:defRPr b="0" i="0" sz="1400" u="none" cap="none" strike="noStrike">
+        <a:defRPr sz="1400" b="0" i="0" u="none" strike="noStrike" cap="none">
           <a:solidFill>
             <a:srgbClr val="000000"/>
           </a:solidFill>
@@ -8738,7 +9069,7 @@
           <a:sym typeface="Arial"/>
         </a:defRPr>
       </a:lvl4pPr>
-      <a:lvl5pPr lvl="4" marR="0" rtl="0" algn="l">
+      <a:lvl5pPr marR="0" lvl="4" algn="l" rtl="0">
         <a:lnSpc>
           <a:spcPct val="100000"/>
         </a:lnSpc>
@@ -8752,7 +9083,7 @@
           <a:srgbClr val="000000"/>
         </a:buClr>
         <a:buFont typeface="Arial"/>
-        <a:defRPr b="0" i="0" sz="1400" u="none" cap="none" strike="noStrike">
+        <a:defRPr sz="1400" b="0" i="0" u="none" strike="noStrike" cap="none">
           <a:solidFill>
             <a:srgbClr val="000000"/>
           </a:solidFill>
@@ -8762,7 +9093,7 @@
           <a:sym typeface="Arial"/>
         </a:defRPr>
       </a:lvl5pPr>
-      <a:lvl6pPr lvl="5" marR="0" rtl="0" algn="l">
+      <a:lvl6pPr marR="0" lvl="5" algn="l" rtl="0">
         <a:lnSpc>
           <a:spcPct val="100000"/>
         </a:lnSpc>
@@ -8776,7 +9107,7 @@
           <a:srgbClr val="000000"/>
         </a:buClr>
         <a:buFont typeface="Arial"/>
-        <a:defRPr b="0" i="0" sz="1400" u="none" cap="none" strike="noStrike">
+        <a:defRPr sz="1400" b="0" i="0" u="none" strike="noStrike" cap="none">
           <a:solidFill>
             <a:srgbClr val="000000"/>
           </a:solidFill>
@@ -8786,7 +9117,7 @@
           <a:sym typeface="Arial"/>
         </a:defRPr>
       </a:lvl6pPr>
-      <a:lvl7pPr lvl="6" marR="0" rtl="0" algn="l">
+      <a:lvl7pPr marR="0" lvl="6" algn="l" rtl="0">
         <a:lnSpc>
           <a:spcPct val="100000"/>
         </a:lnSpc>
@@ -8800,7 +9131,7 @@
           <a:srgbClr val="000000"/>
         </a:buClr>
         <a:buFont typeface="Arial"/>
-        <a:defRPr b="0" i="0" sz="1400" u="none" cap="none" strike="noStrike">
+        <a:defRPr sz="1400" b="0" i="0" u="none" strike="noStrike" cap="none">
           <a:solidFill>
             <a:srgbClr val="000000"/>
           </a:solidFill>
@@ -8810,7 +9141,7 @@
           <a:sym typeface="Arial"/>
         </a:defRPr>
       </a:lvl7pPr>
-      <a:lvl8pPr lvl="7" marR="0" rtl="0" algn="l">
+      <a:lvl8pPr marR="0" lvl="7" algn="l" rtl="0">
         <a:lnSpc>
           <a:spcPct val="100000"/>
         </a:lnSpc>
@@ -8824,7 +9155,7 @@
           <a:srgbClr val="000000"/>
         </a:buClr>
         <a:buFont typeface="Arial"/>
-        <a:defRPr b="0" i="0" sz="1400" u="none" cap="none" strike="noStrike">
+        <a:defRPr sz="1400" b="0" i="0" u="none" strike="noStrike" cap="none">
           <a:solidFill>
             <a:srgbClr val="000000"/>
           </a:solidFill>
@@ -8834,7 +9165,7 @@
           <a:sym typeface="Arial"/>
         </a:defRPr>
       </a:lvl8pPr>
-      <a:lvl9pPr lvl="8" marR="0" rtl="0" algn="l">
+      <a:lvl9pPr marR="0" lvl="8" algn="l" rtl="0">
         <a:lnSpc>
           <a:spcPct val="100000"/>
         </a:lnSpc>
@@ -8848,7 +9179,7 @@
           <a:srgbClr val="000000"/>
         </a:buClr>
         <a:buFont typeface="Arial"/>
-        <a:defRPr b="0" i="0" sz="1400" u="none" cap="none" strike="noStrike">
+        <a:defRPr sz="1400" b="0" i="0" u="none" strike="noStrike" cap="none">
           <a:solidFill>
             <a:srgbClr val="000000"/>
           </a:solidFill>
@@ -8860,7 +9191,7 @@
       </a:lvl9pPr>
     </p:bodyStyle>
     <p:otherStyle>
-      <a:defPPr lvl="0" marR="0" rtl="0" algn="l">
+      <a:defPPr marR="0" lvl="0" algn="l" rtl="0">
         <a:lnSpc>
           <a:spcPct val="100000"/>
         </a:lnSpc>
@@ -8871,7 +9202,7 @@
           <a:spcPts val="0"/>
         </a:spcAft>
       </a:defPPr>
-      <a:lvl1pPr lvl="0" marR="0" rtl="0" algn="l">
+      <a:lvl1pPr marR="0" lvl="0" algn="l" rtl="0">
         <a:lnSpc>
           <a:spcPct val="100000"/>
         </a:lnSpc>
@@ -8885,7 +9216,7 @@
           <a:srgbClr val="000000"/>
         </a:buClr>
         <a:buFont typeface="Arial"/>
-        <a:defRPr b="0" i="0" sz="1400" u="none" cap="none" strike="noStrike">
+        <a:defRPr sz="1400" b="0" i="0" u="none" strike="noStrike" cap="none">
           <a:solidFill>
             <a:srgbClr val="000000"/>
           </a:solidFill>
@@ -8895,7 +9226,7 @@
           <a:sym typeface="Arial"/>
         </a:defRPr>
       </a:lvl1pPr>
-      <a:lvl2pPr lvl="1" marR="0" rtl="0" algn="l">
+      <a:lvl2pPr marR="0" lvl="1" algn="l" rtl="0">
         <a:lnSpc>
           <a:spcPct val="100000"/>
         </a:lnSpc>
@@ -8909,7 +9240,7 @@
           <a:srgbClr val="000000"/>
         </a:buClr>
         <a:buFont typeface="Arial"/>
-        <a:defRPr b="0" i="0" sz="1400" u="none" cap="none" strike="noStrike">
+        <a:defRPr sz="1400" b="0" i="0" u="none" strike="noStrike" cap="none">
           <a:solidFill>
             <a:srgbClr val="000000"/>
           </a:solidFill>
@@ -8919,7 +9250,7 @@
           <a:sym typeface="Arial"/>
         </a:defRPr>
       </a:lvl2pPr>
-      <a:lvl3pPr lvl="2" marR="0" rtl="0" algn="l">
+      <a:lvl3pPr marR="0" lvl="2" algn="l" rtl="0">
         <a:lnSpc>
           <a:spcPct val="100000"/>
         </a:lnSpc>
@@ -8933,7 +9264,7 @@
           <a:srgbClr val="000000"/>
         </a:buClr>
         <a:buFont typeface="Arial"/>
-        <a:defRPr b="0" i="0" sz="1400" u="none" cap="none" strike="noStrike">
+        <a:defRPr sz="1400" b="0" i="0" u="none" strike="noStrike" cap="none">
           <a:solidFill>
             <a:srgbClr val="000000"/>
           </a:solidFill>
@@ -8943,7 +9274,7 @@
           <a:sym typeface="Arial"/>
         </a:defRPr>
       </a:lvl3pPr>
-      <a:lvl4pPr lvl="3" marR="0" rtl="0" algn="l">
+      <a:lvl4pPr marR="0" lvl="3" algn="l" rtl="0">
         <a:lnSpc>
           <a:spcPct val="100000"/>
         </a:lnSpc>
@@ -8957,7 +9288,7 @@
           <a:srgbClr val="000000"/>
         </a:buClr>
         <a:buFont typeface="Arial"/>
-        <a:defRPr b="0" i="0" sz="1400" u="none" cap="none" strike="noStrike">
+        <a:defRPr sz="1400" b="0" i="0" u="none" strike="noStrike" cap="none">
           <a:solidFill>
             <a:srgbClr val="000000"/>
           </a:solidFill>
@@ -8967,7 +9298,7 @@
           <a:sym typeface="Arial"/>
         </a:defRPr>
       </a:lvl4pPr>
-      <a:lvl5pPr lvl="4" marR="0" rtl="0" algn="l">
+      <a:lvl5pPr marR="0" lvl="4" algn="l" rtl="0">
         <a:lnSpc>
           <a:spcPct val="100000"/>
         </a:lnSpc>
@@ -8981,7 +9312,7 @@
           <a:srgbClr val="000000"/>
         </a:buClr>
         <a:buFont typeface="Arial"/>
-        <a:defRPr b="0" i="0" sz="1400" u="none" cap="none" strike="noStrike">
+        <a:defRPr sz="1400" b="0" i="0" u="none" strike="noStrike" cap="none">
           <a:solidFill>
             <a:srgbClr val="000000"/>
           </a:solidFill>
@@ -8991,7 +9322,7 @@
           <a:sym typeface="Arial"/>
         </a:defRPr>
       </a:lvl5pPr>
-      <a:lvl6pPr lvl="5" marR="0" rtl="0" algn="l">
+      <a:lvl6pPr marR="0" lvl="5" algn="l" rtl="0">
         <a:lnSpc>
           <a:spcPct val="100000"/>
         </a:lnSpc>
@@ -9005,7 +9336,7 @@
           <a:srgbClr val="000000"/>
         </a:buClr>
         <a:buFont typeface="Arial"/>
-        <a:defRPr b="0" i="0" sz="1400" u="none" cap="none" strike="noStrike">
+        <a:defRPr sz="1400" b="0" i="0" u="none" strike="noStrike" cap="none">
           <a:solidFill>
             <a:srgbClr val="000000"/>
           </a:solidFill>
@@ -9015,7 +9346,7 @@
           <a:sym typeface="Arial"/>
         </a:defRPr>
       </a:lvl6pPr>
-      <a:lvl7pPr lvl="6" marR="0" rtl="0" algn="l">
+      <a:lvl7pPr marR="0" lvl="6" algn="l" rtl="0">
         <a:lnSpc>
           <a:spcPct val="100000"/>
         </a:lnSpc>
@@ -9029,7 +9360,7 @@
           <a:srgbClr val="000000"/>
         </a:buClr>
         <a:buFont typeface="Arial"/>
-        <a:defRPr b="0" i="0" sz="1400" u="none" cap="none" strike="noStrike">
+        <a:defRPr sz="1400" b="0" i="0" u="none" strike="noStrike" cap="none">
           <a:solidFill>
             <a:srgbClr val="000000"/>
           </a:solidFill>
@@ -9039,7 +9370,7 @@
           <a:sym typeface="Arial"/>
         </a:defRPr>
       </a:lvl7pPr>
-      <a:lvl8pPr lvl="7" marR="0" rtl="0" algn="l">
+      <a:lvl8pPr marR="0" lvl="7" algn="l" rtl="0">
         <a:lnSpc>
           <a:spcPct val="100000"/>
         </a:lnSpc>
@@ -9053,7 +9384,7 @@
           <a:srgbClr val="000000"/>
         </a:buClr>
         <a:buFont typeface="Arial"/>
-        <a:defRPr b="0" i="0" sz="1400" u="none" cap="none" strike="noStrike">
+        <a:defRPr sz="1400" b="0" i="0" u="none" strike="noStrike" cap="none">
           <a:solidFill>
             <a:srgbClr val="000000"/>
           </a:solidFill>
@@ -9063,7 +9394,7 @@
           <a:sym typeface="Arial"/>
         </a:defRPr>
       </a:lvl8pPr>
-      <a:lvl9pPr lvl="8" marR="0" rtl="0" algn="l">
+      <a:lvl9pPr marR="0" lvl="8" algn="l" rtl="0">
         <a:lnSpc>
           <a:spcPct val="100000"/>
         </a:lnSpc>
@@ -9077,7 +9408,7 @@
           <a:srgbClr val="000000"/>
         </a:buClr>
         <a:buFont typeface="Arial"/>
-        <a:defRPr b="0" i="0" sz="1400" u="none" cap="none" strike="noStrike">
+        <a:defRPr sz="1400" b="0" i="0" u="none" strike="noStrike" cap="none">
           <a:solidFill>
             <a:srgbClr val="000000"/>
           </a:solidFill>
@@ -9093,11 +9424,11 @@
 </file>
 
 <file path=ppt/slides/slide1.xml><?xml version="1.0" encoding="utf-8"?>
-<p:sld xmlns:a="http://schemas.openxmlformats.org/drawingml/2006/main" xmlns:r="http://schemas.openxmlformats.org/officeDocument/2006/relationships" xmlns:mc="http://schemas.openxmlformats.org/markup-compatibility/2006" xmlns:mv="urn:schemas-microsoft-com:mac:vml" xmlns:p="http://schemas.openxmlformats.org/presentationml/2006/main" xmlns:c="http://schemas.openxmlformats.org/drawingml/2006/chart" xmlns:dgm="http://schemas.openxmlformats.org/drawingml/2006/diagram" xmlns:o="urn:schemas-microsoft-com:office:office" xmlns:v="urn:schemas-microsoft-com:vml" xmlns:pvml="urn:schemas-microsoft-com:office:powerpoint" xmlns:com="http://schemas.openxmlformats.org/drawingml/2006/compatibility" xmlns:p14="http://schemas.microsoft.com/office/powerpoint/2010/main" xmlns:p15="http://schemas.microsoft.com/office/powerpoint/2012/main" xmlns:ahyp="http://schemas.microsoft.com/office/drawing/2018/hyperlinkcolor">
+<p:sld xmlns:a="http://schemas.openxmlformats.org/drawingml/2006/main" xmlns:r="http://schemas.openxmlformats.org/officeDocument/2006/relationships" xmlns:p="http://schemas.openxmlformats.org/presentationml/2006/main">
   <p:cSld>
     <p:spTree>
       <p:nvGrpSpPr>
-        <p:cNvPr id="53" name="Shape 53"/>
+        <p:cNvPr id="1" name="Shape 53"/>
         <p:cNvGrpSpPr/>
         <p:nvPr/>
       </p:nvGrpSpPr>
@@ -9109,34 +9440,274 @@
           <a:chExt cx="0" cy="0"/>
         </a:xfrm>
       </p:grpSpPr>
-      <p:pic>
-        <p:nvPicPr>
-          <p:cNvPr id="54" name="Google Shape;54;p13"/>
-          <p:cNvPicPr preferRelativeResize="0"/>
+      <p:sp>
+        <p:nvSpPr>
+          <p:cNvPr id="2" name="TextBox 1">
+            <a:extLst>
+              <a:ext uri="{FF2B5EF4-FFF2-40B4-BE49-F238E27FC236}">
+                <a16:creationId xmlns:a16="http://schemas.microsoft.com/office/drawing/2014/main" id="{50457470-869F-3131-BECA-F5A378ABE6C9}"/>
+              </a:ext>
+            </a:extLst>
+          </p:cNvPr>
+          <p:cNvSpPr txBox="1"/>
           <p:nvPr/>
-        </p:nvPicPr>
-        <p:blipFill>
-          <a:blip r:embed="rId3">
-            <a:alphaModFix/>
-          </a:blip>
-          <a:stretch>
-            <a:fillRect/>
-          </a:stretch>
-        </p:blipFill>
+        </p:nvSpPr>
         <p:spPr>
           <a:xfrm>
-            <a:off x="-12" y="0"/>
-            <a:ext cx="9144018" cy="5143501"/>
+            <a:off x="921001" y="2110085"/>
+            <a:ext cx="7301999" cy="923330"/>
           </a:xfrm>
           <a:prstGeom prst="rect">
             <a:avLst/>
           </a:prstGeom>
           <a:noFill/>
-          <a:ln>
-            <a:noFill/>
-          </a:ln>
-        </p:spPr>
-      </p:pic>
+        </p:spPr>
+        <p:txBody>
+          <a:bodyPr wrap="none" rtlCol="0">
+            <a:spAutoFit/>
+          </a:bodyPr>
+          <a:lstStyle>
+            <a:defPPr marR="0" lvl="0" algn="l" rtl="0">
+              <a:lnSpc>
+                <a:spcPct val="100000"/>
+              </a:lnSpc>
+              <a:spcBef>
+                <a:spcPts val="0"/>
+              </a:spcBef>
+              <a:spcAft>
+                <a:spcPts val="0"/>
+              </a:spcAft>
+              <a:defRPr/>
+            </a:defPPr>
+            <a:lvl1pPr marR="0" lvl="0" algn="l" rtl="0">
+              <a:lnSpc>
+                <a:spcPct val="100000"/>
+              </a:lnSpc>
+              <a:spcBef>
+                <a:spcPts val="0"/>
+              </a:spcBef>
+              <a:spcAft>
+                <a:spcPts val="0"/>
+              </a:spcAft>
+              <a:buClr>
+                <a:srgbClr val="000000"/>
+              </a:buClr>
+              <a:buFont typeface="Arial"/>
+              <a:defRPr sz="1400" b="0" i="0" u="none" strike="noStrike" cap="none">
+                <a:solidFill>
+                  <a:srgbClr val="000000"/>
+                </a:solidFill>
+                <a:latin typeface="Arial"/>
+                <a:ea typeface="Arial"/>
+                <a:cs typeface="Arial"/>
+                <a:sym typeface="Arial"/>
+              </a:defRPr>
+            </a:lvl1pPr>
+            <a:lvl2pPr marR="0" lvl="1" algn="l" rtl="0">
+              <a:lnSpc>
+                <a:spcPct val="100000"/>
+              </a:lnSpc>
+              <a:spcBef>
+                <a:spcPts val="0"/>
+              </a:spcBef>
+              <a:spcAft>
+                <a:spcPts val="0"/>
+              </a:spcAft>
+              <a:buClr>
+                <a:srgbClr val="000000"/>
+              </a:buClr>
+              <a:buFont typeface="Arial"/>
+              <a:defRPr sz="1400" b="0" i="0" u="none" strike="noStrike" cap="none">
+                <a:solidFill>
+                  <a:srgbClr val="000000"/>
+                </a:solidFill>
+                <a:latin typeface="Arial"/>
+                <a:ea typeface="Arial"/>
+                <a:cs typeface="Arial"/>
+                <a:sym typeface="Arial"/>
+              </a:defRPr>
+            </a:lvl2pPr>
+            <a:lvl3pPr marR="0" lvl="2" algn="l" rtl="0">
+              <a:lnSpc>
+                <a:spcPct val="100000"/>
+              </a:lnSpc>
+              <a:spcBef>
+                <a:spcPts val="0"/>
+              </a:spcBef>
+              <a:spcAft>
+                <a:spcPts val="0"/>
+              </a:spcAft>
+              <a:buClr>
+                <a:srgbClr val="000000"/>
+              </a:buClr>
+              <a:buFont typeface="Arial"/>
+              <a:defRPr sz="1400" b="0" i="0" u="none" strike="noStrike" cap="none">
+                <a:solidFill>
+                  <a:srgbClr val="000000"/>
+                </a:solidFill>
+                <a:latin typeface="Arial"/>
+                <a:ea typeface="Arial"/>
+                <a:cs typeface="Arial"/>
+                <a:sym typeface="Arial"/>
+              </a:defRPr>
+            </a:lvl3pPr>
+            <a:lvl4pPr marR="0" lvl="3" algn="l" rtl="0">
+              <a:lnSpc>
+                <a:spcPct val="100000"/>
+              </a:lnSpc>
+              <a:spcBef>
+                <a:spcPts val="0"/>
+              </a:spcBef>
+              <a:spcAft>
+                <a:spcPts val="0"/>
+              </a:spcAft>
+              <a:buClr>
+                <a:srgbClr val="000000"/>
+              </a:buClr>
+              <a:buFont typeface="Arial"/>
+              <a:defRPr sz="1400" b="0" i="0" u="none" strike="noStrike" cap="none">
+                <a:solidFill>
+                  <a:srgbClr val="000000"/>
+                </a:solidFill>
+                <a:latin typeface="Arial"/>
+                <a:ea typeface="Arial"/>
+                <a:cs typeface="Arial"/>
+                <a:sym typeface="Arial"/>
+              </a:defRPr>
+            </a:lvl4pPr>
+            <a:lvl5pPr marR="0" lvl="4" algn="l" rtl="0">
+              <a:lnSpc>
+                <a:spcPct val="100000"/>
+              </a:lnSpc>
+              <a:spcBef>
+                <a:spcPts val="0"/>
+              </a:spcBef>
+              <a:spcAft>
+                <a:spcPts val="0"/>
+              </a:spcAft>
+              <a:buClr>
+                <a:srgbClr val="000000"/>
+              </a:buClr>
+              <a:buFont typeface="Arial"/>
+              <a:defRPr sz="1400" b="0" i="0" u="none" strike="noStrike" cap="none">
+                <a:solidFill>
+                  <a:srgbClr val="000000"/>
+                </a:solidFill>
+                <a:latin typeface="Arial"/>
+                <a:ea typeface="Arial"/>
+                <a:cs typeface="Arial"/>
+                <a:sym typeface="Arial"/>
+              </a:defRPr>
+            </a:lvl5pPr>
+            <a:lvl6pPr marR="0" lvl="5" algn="l" rtl="0">
+              <a:lnSpc>
+                <a:spcPct val="100000"/>
+              </a:lnSpc>
+              <a:spcBef>
+                <a:spcPts val="0"/>
+              </a:spcBef>
+              <a:spcAft>
+                <a:spcPts val="0"/>
+              </a:spcAft>
+              <a:buClr>
+                <a:srgbClr val="000000"/>
+              </a:buClr>
+              <a:buFont typeface="Arial"/>
+              <a:defRPr sz="1400" b="0" i="0" u="none" strike="noStrike" cap="none">
+                <a:solidFill>
+                  <a:srgbClr val="000000"/>
+                </a:solidFill>
+                <a:latin typeface="Arial"/>
+                <a:ea typeface="Arial"/>
+                <a:cs typeface="Arial"/>
+                <a:sym typeface="Arial"/>
+              </a:defRPr>
+            </a:lvl6pPr>
+            <a:lvl7pPr marR="0" lvl="6" algn="l" rtl="0">
+              <a:lnSpc>
+                <a:spcPct val="100000"/>
+              </a:lnSpc>
+              <a:spcBef>
+                <a:spcPts val="0"/>
+              </a:spcBef>
+              <a:spcAft>
+                <a:spcPts val="0"/>
+              </a:spcAft>
+              <a:buClr>
+                <a:srgbClr val="000000"/>
+              </a:buClr>
+              <a:buFont typeface="Arial"/>
+              <a:defRPr sz="1400" b="0" i="0" u="none" strike="noStrike" cap="none">
+                <a:solidFill>
+                  <a:srgbClr val="000000"/>
+                </a:solidFill>
+                <a:latin typeface="Arial"/>
+                <a:ea typeface="Arial"/>
+                <a:cs typeface="Arial"/>
+                <a:sym typeface="Arial"/>
+              </a:defRPr>
+            </a:lvl7pPr>
+            <a:lvl8pPr marR="0" lvl="7" algn="l" rtl="0">
+              <a:lnSpc>
+                <a:spcPct val="100000"/>
+              </a:lnSpc>
+              <a:spcBef>
+                <a:spcPts val="0"/>
+              </a:spcBef>
+              <a:spcAft>
+                <a:spcPts val="0"/>
+              </a:spcAft>
+              <a:buClr>
+                <a:srgbClr val="000000"/>
+              </a:buClr>
+              <a:buFont typeface="Arial"/>
+              <a:defRPr sz="1400" b="0" i="0" u="none" strike="noStrike" cap="none">
+                <a:solidFill>
+                  <a:srgbClr val="000000"/>
+                </a:solidFill>
+                <a:latin typeface="Arial"/>
+                <a:ea typeface="Arial"/>
+                <a:cs typeface="Arial"/>
+                <a:sym typeface="Arial"/>
+              </a:defRPr>
+            </a:lvl8pPr>
+            <a:lvl9pPr marR="0" lvl="8" algn="l" rtl="0">
+              <a:lnSpc>
+                <a:spcPct val="100000"/>
+              </a:lnSpc>
+              <a:spcBef>
+                <a:spcPts val="0"/>
+              </a:spcBef>
+              <a:spcAft>
+                <a:spcPts val="0"/>
+              </a:spcAft>
+              <a:buClr>
+                <a:srgbClr val="000000"/>
+              </a:buClr>
+              <a:buFont typeface="Arial"/>
+              <a:defRPr sz="1400" b="0" i="0" u="none" strike="noStrike" cap="none">
+                <a:solidFill>
+                  <a:srgbClr val="000000"/>
+                </a:solidFill>
+                <a:latin typeface="Arial"/>
+                <a:ea typeface="Arial"/>
+                <a:cs typeface="Arial"/>
+                <a:sym typeface="Arial"/>
+              </a:defRPr>
+            </a:lvl9pPr>
+          </a:lstStyle>
+          <a:p>
+            <a:r>
+              <a:rPr lang="en-GB" sz="5400" dirty="0">
+                <a:solidFill>
+                  <a:schemeClr val="tx1"/>
+                </a:solidFill>
+              </a:rPr>
+              <a:t>Computing Technology</a:t>
+            </a:r>
+          </a:p>
+        </p:txBody>
+      </p:sp>
     </p:spTree>
   </p:cSld>
   <p:clrMapOvr>
@@ -9146,11 +9717,11 @@
 </file>
 
 <file path=ppt/slides/slide10.xml><?xml version="1.0" encoding="utf-8"?>
-<p:sld xmlns:a="http://schemas.openxmlformats.org/drawingml/2006/main" xmlns:r="http://schemas.openxmlformats.org/officeDocument/2006/relationships" xmlns:mc="http://schemas.openxmlformats.org/markup-compatibility/2006" xmlns:mv="urn:schemas-microsoft-com:mac:vml" xmlns:p="http://schemas.openxmlformats.org/presentationml/2006/main" xmlns:c="http://schemas.openxmlformats.org/drawingml/2006/chart" xmlns:dgm="http://schemas.openxmlformats.org/drawingml/2006/diagram" xmlns:o="urn:schemas-microsoft-com:office:office" xmlns:v="urn:schemas-microsoft-com:vml" xmlns:pvml="urn:schemas-microsoft-com:office:powerpoint" xmlns:com="http://schemas.openxmlformats.org/drawingml/2006/compatibility" xmlns:p14="http://schemas.microsoft.com/office/powerpoint/2010/main" xmlns:p15="http://schemas.microsoft.com/office/powerpoint/2012/main" xmlns:ahyp="http://schemas.microsoft.com/office/drawing/2018/hyperlinkcolor">
+<p:sld xmlns:a="http://schemas.openxmlformats.org/drawingml/2006/main" xmlns:r="http://schemas.openxmlformats.org/officeDocument/2006/relationships" xmlns:p="http://schemas.openxmlformats.org/presentationml/2006/main">
   <p:cSld>
     <p:spTree>
       <p:nvGrpSpPr>
-        <p:cNvPr id="98" name="Shape 98"/>
+        <p:cNvPr id="1" name="Shape 98"/>
         <p:cNvGrpSpPr/>
         <p:nvPr/>
       </p:nvGrpSpPr>
@@ -9165,7 +9736,9 @@
       <p:sp>
         <p:nvSpPr>
           <p:cNvPr id="99" name="Google Shape;99;p22"/>
-          <p:cNvSpPr txBox="1"/>
+          <p:cNvSpPr txBox="1">
+            <a:spLocks noGrp="1"/>
+          </p:cNvSpPr>
           <p:nvPr>
             <p:ph type="title"/>
           </p:nvPr>
@@ -9180,12 +9753,12 @@
           </a:prstGeom>
         </p:spPr>
         <p:txBody>
-          <a:bodyPr anchorCtr="0" anchor="ctr" bIns="91425" lIns="91425" spcFirstLastPara="1" rIns="91425" wrap="square" tIns="91425">
+          <a:bodyPr spcFirstLastPara="1" wrap="square" lIns="91425" tIns="91425" rIns="91425" bIns="91425" anchor="ctr" anchorCtr="0">
             <a:noAutofit/>
           </a:bodyPr>
           <a:lstStyle/>
           <a:p>
-            <a:pPr indent="0" lvl="0" marL="0" rtl="0" algn="l">
+            <a:pPr marL="0" lvl="0" indent="0" algn="l" rtl="0">
               <a:spcBef>
                 <a:spcPts val="0"/>
               </a:spcBef>
@@ -9223,11 +9796,11 @@
 </file>
 
 <file path=ppt/slides/slide11.xml><?xml version="1.0" encoding="utf-8"?>
-<p:sld xmlns:a="http://schemas.openxmlformats.org/drawingml/2006/main" xmlns:r="http://schemas.openxmlformats.org/officeDocument/2006/relationships" xmlns:mc="http://schemas.openxmlformats.org/markup-compatibility/2006" xmlns:mv="urn:schemas-microsoft-com:mac:vml" xmlns:p="http://schemas.openxmlformats.org/presentationml/2006/main" xmlns:c="http://schemas.openxmlformats.org/drawingml/2006/chart" xmlns:dgm="http://schemas.openxmlformats.org/drawingml/2006/diagram" xmlns:o="urn:schemas-microsoft-com:office:office" xmlns:v="urn:schemas-microsoft-com:vml" xmlns:pvml="urn:schemas-microsoft-com:office:powerpoint" xmlns:com="http://schemas.openxmlformats.org/drawingml/2006/compatibility" xmlns:p14="http://schemas.microsoft.com/office/powerpoint/2010/main" xmlns:p15="http://schemas.microsoft.com/office/powerpoint/2012/main" xmlns:ahyp="http://schemas.microsoft.com/office/drawing/2018/hyperlinkcolor">
+<p:sld xmlns:a="http://schemas.openxmlformats.org/drawingml/2006/main" xmlns:r="http://schemas.openxmlformats.org/officeDocument/2006/relationships" xmlns:p="http://schemas.openxmlformats.org/presentationml/2006/main">
   <p:cSld>
     <p:spTree>
       <p:nvGrpSpPr>
-        <p:cNvPr id="103" name="Shape 103"/>
+        <p:cNvPr id="1" name="Shape 103"/>
         <p:cNvGrpSpPr/>
         <p:nvPr/>
       </p:nvGrpSpPr>
@@ -9242,9 +9815,11 @@
       <p:sp>
         <p:nvSpPr>
           <p:cNvPr id="104" name="Google Shape;104;p23"/>
-          <p:cNvSpPr txBox="1"/>
+          <p:cNvSpPr txBox="1">
+            <a:spLocks noGrp="1"/>
+          </p:cNvSpPr>
           <p:nvPr>
-            <p:ph idx="1" type="body"/>
+            <p:ph type="body" idx="1"/>
           </p:nvPr>
         </p:nvSpPr>
         <p:spPr>
@@ -9257,12 +9832,12 @@
           </a:prstGeom>
         </p:spPr>
         <p:txBody>
-          <a:bodyPr anchorCtr="0" anchor="ctr" bIns="91425" lIns="91425" spcFirstLastPara="1" rIns="91425" wrap="square" tIns="91425">
+          <a:bodyPr spcFirstLastPara="1" wrap="square" lIns="91425" tIns="91425" rIns="91425" bIns="91425" anchor="ctr" anchorCtr="0">
             <a:noAutofit/>
           </a:bodyPr>
           <a:lstStyle/>
           <a:p>
-            <a:pPr indent="0" lvl="0" marL="0" rtl="0" algn="l">
+            <a:pPr marL="0" lvl="0" indent="0" algn="l" rtl="0">
               <a:spcBef>
                 <a:spcPts val="0"/>
               </a:spcBef>
@@ -9294,7 +9869,7 @@
             </a:endParaRPr>
           </a:p>
           <a:p>
-            <a:pPr indent="0" lvl="0" marL="0" rtl="0" algn="l">
+            <a:pPr marL="0" lvl="0" indent="0" algn="l" rtl="0">
               <a:spcBef>
                 <a:spcPts val="0"/>
               </a:spcBef>
@@ -9326,7 +9901,7 @@
             </a:endParaRPr>
           </a:p>
           <a:p>
-            <a:pPr indent="0" lvl="0" marL="0" rtl="0" algn="l">
+            <a:pPr marL="0" lvl="0" indent="0" algn="l" rtl="0">
               <a:spcBef>
                 <a:spcPts val="0"/>
               </a:spcBef>
@@ -9368,11 +9943,11 @@
 </file>
 
 <file path=ppt/slides/slide12.xml><?xml version="1.0" encoding="utf-8"?>
-<p:sld xmlns:a="http://schemas.openxmlformats.org/drawingml/2006/main" xmlns:r="http://schemas.openxmlformats.org/officeDocument/2006/relationships" xmlns:mc="http://schemas.openxmlformats.org/markup-compatibility/2006" xmlns:mv="urn:schemas-microsoft-com:mac:vml" xmlns:p="http://schemas.openxmlformats.org/presentationml/2006/main" xmlns:c="http://schemas.openxmlformats.org/drawingml/2006/chart" xmlns:dgm="http://schemas.openxmlformats.org/drawingml/2006/diagram" xmlns:o="urn:schemas-microsoft-com:office:office" xmlns:v="urn:schemas-microsoft-com:vml" xmlns:pvml="urn:schemas-microsoft-com:office:powerpoint" xmlns:com="http://schemas.openxmlformats.org/drawingml/2006/compatibility" xmlns:p14="http://schemas.microsoft.com/office/powerpoint/2010/main" xmlns:p15="http://schemas.microsoft.com/office/powerpoint/2012/main" xmlns:ahyp="http://schemas.microsoft.com/office/drawing/2018/hyperlinkcolor">
+<p:sld xmlns:a="http://schemas.openxmlformats.org/drawingml/2006/main" xmlns:r="http://schemas.openxmlformats.org/officeDocument/2006/relationships" xmlns:p="http://schemas.openxmlformats.org/presentationml/2006/main">
   <p:cSld>
     <p:spTree>
       <p:nvGrpSpPr>
-        <p:cNvPr id="108" name="Shape 108"/>
+        <p:cNvPr id="1" name="Shape 108"/>
         <p:cNvGrpSpPr/>
         <p:nvPr/>
       </p:nvGrpSpPr>
@@ -9387,7 +9962,9 @@
       <p:sp>
         <p:nvSpPr>
           <p:cNvPr id="109" name="Google Shape;109;p24"/>
-          <p:cNvSpPr txBox="1"/>
+          <p:cNvSpPr txBox="1">
+            <a:spLocks noGrp="1"/>
+          </p:cNvSpPr>
           <p:nvPr>
             <p:ph type="title"/>
           </p:nvPr>
@@ -9402,12 +9979,12 @@
           </a:prstGeom>
         </p:spPr>
         <p:txBody>
-          <a:bodyPr anchorCtr="0" anchor="ctr" bIns="91425" lIns="91425" spcFirstLastPara="1" rIns="91425" wrap="square" tIns="91425">
+          <a:bodyPr spcFirstLastPara="1" wrap="square" lIns="91425" tIns="91425" rIns="91425" bIns="91425" anchor="ctr" anchorCtr="0">
             <a:noAutofit/>
           </a:bodyPr>
           <a:lstStyle/>
           <a:p>
-            <a:pPr indent="0" lvl="0" marL="0" rtl="0" algn="ctr">
+            <a:pPr marL="0" lvl="0" indent="0" algn="ctr" rtl="0">
               <a:spcBef>
                 <a:spcPts val="0"/>
               </a:spcBef>
@@ -9433,11 +10010,11 @@
 </file>
 
 <file path=ppt/slides/slide13.xml><?xml version="1.0" encoding="utf-8"?>
-<p:sld xmlns:a="http://schemas.openxmlformats.org/drawingml/2006/main" xmlns:r="http://schemas.openxmlformats.org/officeDocument/2006/relationships" xmlns:mc="http://schemas.openxmlformats.org/markup-compatibility/2006" xmlns:mv="urn:schemas-microsoft-com:mac:vml" xmlns:p="http://schemas.openxmlformats.org/presentationml/2006/main" xmlns:c="http://schemas.openxmlformats.org/drawingml/2006/chart" xmlns:dgm="http://schemas.openxmlformats.org/drawingml/2006/diagram" xmlns:o="urn:schemas-microsoft-com:office:office" xmlns:v="urn:schemas-microsoft-com:vml" xmlns:pvml="urn:schemas-microsoft-com:office:powerpoint" xmlns:com="http://schemas.openxmlformats.org/drawingml/2006/compatibility" xmlns:p14="http://schemas.microsoft.com/office/powerpoint/2010/main" xmlns:p15="http://schemas.microsoft.com/office/powerpoint/2012/main" xmlns:ahyp="http://schemas.microsoft.com/office/drawing/2018/hyperlinkcolor">
+<p:sld xmlns:a="http://schemas.openxmlformats.org/drawingml/2006/main" xmlns:r="http://schemas.openxmlformats.org/officeDocument/2006/relationships" xmlns:p="http://schemas.openxmlformats.org/presentationml/2006/main">
   <p:cSld>
     <p:spTree>
       <p:nvGrpSpPr>
-        <p:cNvPr id="113" name="Shape 113"/>
+        <p:cNvPr id="1" name="Shape 113"/>
         <p:cNvGrpSpPr/>
         <p:nvPr/>
       </p:nvGrpSpPr>
@@ -9452,9 +10029,11 @@
       <p:sp>
         <p:nvSpPr>
           <p:cNvPr id="114" name="Google Shape;114;p25"/>
-          <p:cNvSpPr txBox="1"/>
+          <p:cNvSpPr txBox="1">
+            <a:spLocks noGrp="1"/>
+          </p:cNvSpPr>
           <p:nvPr>
-            <p:ph idx="1" type="body"/>
+            <p:ph type="body" idx="1"/>
           </p:nvPr>
         </p:nvSpPr>
         <p:spPr>
@@ -9467,12 +10046,12 @@
           </a:prstGeom>
         </p:spPr>
         <p:txBody>
-          <a:bodyPr anchorCtr="0" anchor="ctr" bIns="91425" lIns="91425" spcFirstLastPara="1" rIns="91425" wrap="square" tIns="91425">
+          <a:bodyPr spcFirstLastPara="1" wrap="square" lIns="91425" tIns="91425" rIns="91425" bIns="91425" anchor="ctr" anchorCtr="0">
             <a:noAutofit/>
           </a:bodyPr>
           <a:lstStyle/>
           <a:p>
-            <a:pPr indent="0" lvl="0" marL="0" rtl="0" algn="l">
+            <a:pPr marL="0" lvl="0" indent="0" algn="l" rtl="0">
               <a:spcBef>
                 <a:spcPts val="0"/>
               </a:spcBef>
@@ -9514,11 +10093,11 @@
 </file>
 
 <file path=ppt/slides/slide14.xml><?xml version="1.0" encoding="utf-8"?>
-<p:sld xmlns:a="http://schemas.openxmlformats.org/drawingml/2006/main" xmlns:r="http://schemas.openxmlformats.org/officeDocument/2006/relationships" xmlns:mc="http://schemas.openxmlformats.org/markup-compatibility/2006" xmlns:mv="urn:schemas-microsoft-com:mac:vml" xmlns:p="http://schemas.openxmlformats.org/presentationml/2006/main" xmlns:c="http://schemas.openxmlformats.org/drawingml/2006/chart" xmlns:dgm="http://schemas.openxmlformats.org/drawingml/2006/diagram" xmlns:o="urn:schemas-microsoft-com:office:office" xmlns:v="urn:schemas-microsoft-com:vml" xmlns:pvml="urn:schemas-microsoft-com:office:powerpoint" xmlns:com="http://schemas.openxmlformats.org/drawingml/2006/compatibility" xmlns:p14="http://schemas.microsoft.com/office/powerpoint/2010/main" xmlns:p15="http://schemas.microsoft.com/office/powerpoint/2012/main" xmlns:ahyp="http://schemas.microsoft.com/office/drawing/2018/hyperlinkcolor">
+<p:sld xmlns:a="http://schemas.openxmlformats.org/drawingml/2006/main" xmlns:r="http://schemas.openxmlformats.org/officeDocument/2006/relationships" xmlns:p="http://schemas.openxmlformats.org/presentationml/2006/main">
   <p:cSld>
     <p:spTree>
       <p:nvGrpSpPr>
-        <p:cNvPr id="118" name="Shape 118"/>
+        <p:cNvPr id="1" name="Shape 118"/>
         <p:cNvGrpSpPr/>
         <p:nvPr/>
       </p:nvGrpSpPr>
@@ -9533,9 +10112,11 @@
       <p:sp>
         <p:nvSpPr>
           <p:cNvPr id="119" name="Google Shape;119;p26"/>
-          <p:cNvSpPr txBox="1"/>
+          <p:cNvSpPr txBox="1">
+            <a:spLocks noGrp="1"/>
+          </p:cNvSpPr>
           <p:nvPr>
-            <p:ph idx="1" type="body"/>
+            <p:ph type="body" idx="1"/>
           </p:nvPr>
         </p:nvSpPr>
         <p:spPr>
@@ -9548,12 +10129,12 @@
           </a:prstGeom>
         </p:spPr>
         <p:txBody>
-          <a:bodyPr anchorCtr="0" anchor="ctr" bIns="91425" lIns="91425" spcFirstLastPara="1" rIns="91425" wrap="square" tIns="91425">
+          <a:bodyPr spcFirstLastPara="1" wrap="square" lIns="91425" tIns="91425" rIns="91425" bIns="91425" anchor="ctr" anchorCtr="0">
             <a:noAutofit/>
           </a:bodyPr>
           <a:lstStyle/>
           <a:p>
-            <a:pPr indent="0" lvl="0" marL="0" rtl="0" algn="l">
+            <a:pPr marL="0" lvl="0" indent="0" algn="l" rtl="0">
               <a:spcBef>
                 <a:spcPts val="0"/>
               </a:spcBef>
@@ -9585,7 +10166,7 @@
             </a:endParaRPr>
           </a:p>
           <a:p>
-            <a:pPr indent="0" lvl="0" marL="0" rtl="0" algn="l">
+            <a:pPr marL="0" lvl="0" indent="0" algn="l" rtl="0">
               <a:spcBef>
                 <a:spcPts val="0"/>
               </a:spcBef>
@@ -9617,7 +10198,7 @@
             </a:endParaRPr>
           </a:p>
           <a:p>
-            <a:pPr indent="0" lvl="0" marL="0" rtl="0" algn="l">
+            <a:pPr marL="0" lvl="0" indent="0" algn="l" rtl="0">
               <a:spcBef>
                 <a:spcPts val="0"/>
               </a:spcBef>
@@ -9626,9 +10207,6 @@
               </a:spcAft>
               <a:buNone/>
             </a:pPr>
-            <a:r>
-              <a:t/>
-            </a:r>
             <a:endParaRPr>
               <a:solidFill>
                 <a:srgbClr val="FFFFFF"/>
@@ -9640,7 +10218,7 @@
             </a:endParaRPr>
           </a:p>
           <a:p>
-            <a:pPr indent="0" lvl="0" marL="0" rtl="0" algn="l">
+            <a:pPr marL="0" lvl="0" indent="0" algn="l" rtl="0">
               <a:spcBef>
                 <a:spcPts val="0"/>
               </a:spcBef>
@@ -9649,9 +10227,6 @@
               </a:spcAft>
               <a:buNone/>
             </a:pPr>
-            <a:r>
-              <a:t/>
-            </a:r>
             <a:endParaRPr>
               <a:solidFill>
                 <a:srgbClr val="FFFFFF"/>
@@ -9673,11 +10248,11 @@
 </file>
 
 <file path=ppt/slides/slide15.xml><?xml version="1.0" encoding="utf-8"?>
-<p:sld xmlns:a="http://schemas.openxmlformats.org/drawingml/2006/main" xmlns:r="http://schemas.openxmlformats.org/officeDocument/2006/relationships" xmlns:mc="http://schemas.openxmlformats.org/markup-compatibility/2006" xmlns:mv="urn:schemas-microsoft-com:mac:vml" xmlns:p="http://schemas.openxmlformats.org/presentationml/2006/main" xmlns:c="http://schemas.openxmlformats.org/drawingml/2006/chart" xmlns:dgm="http://schemas.openxmlformats.org/drawingml/2006/diagram" xmlns:o="urn:schemas-microsoft-com:office:office" xmlns:v="urn:schemas-microsoft-com:vml" xmlns:pvml="urn:schemas-microsoft-com:office:powerpoint" xmlns:com="http://schemas.openxmlformats.org/drawingml/2006/compatibility" xmlns:p14="http://schemas.microsoft.com/office/powerpoint/2010/main" xmlns:p15="http://schemas.microsoft.com/office/powerpoint/2012/main" xmlns:ahyp="http://schemas.microsoft.com/office/drawing/2018/hyperlinkcolor">
+<p:sld xmlns:a="http://schemas.openxmlformats.org/drawingml/2006/main" xmlns:r="http://schemas.openxmlformats.org/officeDocument/2006/relationships" xmlns:p="http://schemas.openxmlformats.org/presentationml/2006/main">
   <p:cSld>
     <p:spTree>
       <p:nvGrpSpPr>
-        <p:cNvPr id="123" name="Shape 123"/>
+        <p:cNvPr id="1" name="Shape 123"/>
         <p:cNvGrpSpPr/>
         <p:nvPr/>
       </p:nvGrpSpPr>
@@ -9692,9 +10267,11 @@
       <p:sp>
         <p:nvSpPr>
           <p:cNvPr id="124" name="Google Shape;124;p27"/>
-          <p:cNvSpPr txBox="1"/>
+          <p:cNvSpPr txBox="1">
+            <a:spLocks noGrp="1"/>
+          </p:cNvSpPr>
           <p:nvPr>
-            <p:ph idx="1" type="body"/>
+            <p:ph type="body" idx="1"/>
           </p:nvPr>
         </p:nvSpPr>
         <p:spPr>
@@ -9707,12 +10284,12 @@
           </a:prstGeom>
         </p:spPr>
         <p:txBody>
-          <a:bodyPr anchorCtr="0" anchor="ctr" bIns="91425" lIns="91425" spcFirstLastPara="1" rIns="91425" wrap="square" tIns="91425">
+          <a:bodyPr spcFirstLastPara="1" wrap="square" lIns="91425" tIns="91425" rIns="91425" bIns="91425" anchor="ctr" anchorCtr="0">
             <a:noAutofit/>
           </a:bodyPr>
           <a:lstStyle/>
           <a:p>
-            <a:pPr indent="0" lvl="0" marL="0" rtl="0" algn="l">
+            <a:pPr marL="0" lvl="0" indent="0" algn="l" rtl="0">
               <a:spcBef>
                 <a:spcPts val="0"/>
               </a:spcBef>
@@ -9744,7 +10321,7 @@
             </a:endParaRPr>
           </a:p>
           <a:p>
-            <a:pPr indent="0" lvl="0" marL="0" rtl="0" algn="l">
+            <a:pPr marL="0" lvl="0" indent="0" algn="l" rtl="0">
               <a:spcBef>
                 <a:spcPts val="0"/>
               </a:spcBef>
@@ -9753,9 +10330,6 @@
               </a:spcAft>
               <a:buNone/>
             </a:pPr>
-            <a:r>
-              <a:t/>
-            </a:r>
             <a:endParaRPr>
               <a:solidFill>
                 <a:srgbClr val="FFFFFF"/>
@@ -9767,7 +10341,7 @@
             </a:endParaRPr>
           </a:p>
           <a:p>
-            <a:pPr indent="0" lvl="0" marL="0" rtl="0" algn="l">
+            <a:pPr marL="0" lvl="0" indent="0" algn="l" rtl="0">
               <a:spcBef>
                 <a:spcPts val="0"/>
               </a:spcBef>
@@ -9799,7 +10373,7 @@
             </a:endParaRPr>
           </a:p>
           <a:p>
-            <a:pPr indent="0" lvl="0" marL="0" rtl="0" algn="l">
+            <a:pPr marL="0" lvl="0" indent="0" algn="l" rtl="0">
               <a:spcBef>
                 <a:spcPts val="0"/>
               </a:spcBef>
@@ -9808,9 +10382,6 @@
               </a:spcAft>
               <a:buNone/>
             </a:pPr>
-            <a:r>
-              <a:t/>
-            </a:r>
             <a:endParaRPr>
               <a:solidFill>
                 <a:srgbClr val="FFFFFF"/>
@@ -9822,7 +10393,7 @@
             </a:endParaRPr>
           </a:p>
           <a:p>
-            <a:pPr indent="0" lvl="0" marL="0" rtl="0" algn="l">
+            <a:pPr marL="0" lvl="0" indent="0" algn="l" rtl="0">
               <a:spcBef>
                 <a:spcPts val="0"/>
               </a:spcBef>
@@ -9831,9 +10402,6 @@
               </a:spcAft>
               <a:buNone/>
             </a:pPr>
-            <a:r>
-              <a:t/>
-            </a:r>
             <a:endParaRPr>
               <a:solidFill>
                 <a:srgbClr val="FFFFFF"/>
@@ -9845,7 +10413,7 @@
             </a:endParaRPr>
           </a:p>
           <a:p>
-            <a:pPr indent="0" lvl="0" marL="0" rtl="0" algn="l">
+            <a:pPr marL="0" lvl="0" indent="0" algn="l" rtl="0">
               <a:spcBef>
                 <a:spcPts val="0"/>
               </a:spcBef>
@@ -9877,7 +10445,7 @@
             </a:endParaRPr>
           </a:p>
           <a:p>
-            <a:pPr indent="0" lvl="0" marL="0" rtl="0" algn="l">
+            <a:pPr marL="0" lvl="0" indent="0" algn="l" rtl="0">
               <a:spcBef>
                 <a:spcPts val="0"/>
               </a:spcBef>
@@ -9909,7 +10477,7 @@
             </a:endParaRPr>
           </a:p>
           <a:p>
-            <a:pPr indent="0" lvl="0" marL="0" rtl="0" algn="l">
+            <a:pPr marL="0" lvl="0" indent="0" algn="l" rtl="0">
               <a:spcBef>
                 <a:spcPts val="0"/>
               </a:spcBef>
@@ -9951,11 +10519,11 @@
 </file>
 
 <file path=ppt/slides/slide16.xml><?xml version="1.0" encoding="utf-8"?>
-<p:sld xmlns:a="http://schemas.openxmlformats.org/drawingml/2006/main" xmlns:r="http://schemas.openxmlformats.org/officeDocument/2006/relationships" xmlns:mc="http://schemas.openxmlformats.org/markup-compatibility/2006" xmlns:mv="urn:schemas-microsoft-com:mac:vml" xmlns:p="http://schemas.openxmlformats.org/presentationml/2006/main" xmlns:c="http://schemas.openxmlformats.org/drawingml/2006/chart" xmlns:dgm="http://schemas.openxmlformats.org/drawingml/2006/diagram" xmlns:o="urn:schemas-microsoft-com:office:office" xmlns:v="urn:schemas-microsoft-com:vml" xmlns:pvml="urn:schemas-microsoft-com:office:powerpoint" xmlns:com="http://schemas.openxmlformats.org/drawingml/2006/compatibility" xmlns:p14="http://schemas.microsoft.com/office/powerpoint/2010/main" xmlns:p15="http://schemas.microsoft.com/office/powerpoint/2012/main" xmlns:ahyp="http://schemas.microsoft.com/office/drawing/2018/hyperlinkcolor">
+<p:sld xmlns:a="http://schemas.openxmlformats.org/drawingml/2006/main" xmlns:r="http://schemas.openxmlformats.org/officeDocument/2006/relationships" xmlns:p="http://schemas.openxmlformats.org/presentationml/2006/main">
   <p:cSld>
     <p:spTree>
       <p:nvGrpSpPr>
-        <p:cNvPr id="128" name="Shape 128"/>
+        <p:cNvPr id="1" name="Shape 128"/>
         <p:cNvGrpSpPr/>
         <p:nvPr/>
       </p:nvGrpSpPr>
@@ -9970,9 +10538,11 @@
       <p:sp>
         <p:nvSpPr>
           <p:cNvPr id="129" name="Google Shape;129;p28"/>
-          <p:cNvSpPr txBox="1"/>
+          <p:cNvSpPr txBox="1">
+            <a:spLocks noGrp="1"/>
+          </p:cNvSpPr>
           <p:nvPr>
-            <p:ph idx="1" type="body"/>
+            <p:ph type="body" idx="1"/>
           </p:nvPr>
         </p:nvSpPr>
         <p:spPr>
@@ -9985,12 +10555,12 @@
           </a:prstGeom>
         </p:spPr>
         <p:txBody>
-          <a:bodyPr anchorCtr="0" anchor="ctr" bIns="91425" lIns="91425" spcFirstLastPara="1" rIns="91425" wrap="square" tIns="91425">
+          <a:bodyPr spcFirstLastPara="1" wrap="square" lIns="91425" tIns="91425" rIns="91425" bIns="91425" anchor="ctr" anchorCtr="0">
             <a:noAutofit/>
           </a:bodyPr>
           <a:lstStyle/>
           <a:p>
-            <a:pPr indent="0" lvl="0" marL="0" rtl="0" algn="l">
+            <a:pPr marL="0" lvl="0" indent="0" algn="l" rtl="0">
               <a:spcBef>
                 <a:spcPts val="0"/>
               </a:spcBef>
@@ -10022,7 +10592,7 @@
             </a:endParaRPr>
           </a:p>
           <a:p>
-            <a:pPr indent="0" lvl="0" marL="0" rtl="0" algn="l">
+            <a:pPr marL="0" lvl="0" indent="0" algn="l" rtl="0">
               <a:spcBef>
                 <a:spcPts val="0"/>
               </a:spcBef>
@@ -10054,7 +10624,7 @@
             </a:endParaRPr>
           </a:p>
           <a:p>
-            <a:pPr indent="0" lvl="0" marL="0" rtl="0" algn="l">
+            <a:pPr marL="0" lvl="0" indent="0" algn="l" rtl="0">
               <a:spcBef>
                 <a:spcPts val="0"/>
               </a:spcBef>
@@ -10086,7 +10656,7 @@
             </a:endParaRPr>
           </a:p>
           <a:p>
-            <a:pPr indent="0" lvl="0" marL="0" rtl="0" algn="l">
+            <a:pPr marL="0" lvl="0" indent="0" algn="l" rtl="0">
               <a:spcBef>
                 <a:spcPts val="0"/>
               </a:spcBef>
@@ -10128,11 +10698,11 @@
 </file>
 
 <file path=ppt/slides/slide17.xml><?xml version="1.0" encoding="utf-8"?>
-<p:sld xmlns:a="http://schemas.openxmlformats.org/drawingml/2006/main" xmlns:r="http://schemas.openxmlformats.org/officeDocument/2006/relationships" xmlns:mc="http://schemas.openxmlformats.org/markup-compatibility/2006" xmlns:mv="urn:schemas-microsoft-com:mac:vml" xmlns:p="http://schemas.openxmlformats.org/presentationml/2006/main" xmlns:c="http://schemas.openxmlformats.org/drawingml/2006/chart" xmlns:dgm="http://schemas.openxmlformats.org/drawingml/2006/diagram" xmlns:o="urn:schemas-microsoft-com:office:office" xmlns:v="urn:schemas-microsoft-com:vml" xmlns:pvml="urn:schemas-microsoft-com:office:powerpoint" xmlns:com="http://schemas.openxmlformats.org/drawingml/2006/compatibility" xmlns:p14="http://schemas.microsoft.com/office/powerpoint/2010/main" xmlns:p15="http://schemas.microsoft.com/office/powerpoint/2012/main" xmlns:ahyp="http://schemas.microsoft.com/office/drawing/2018/hyperlinkcolor">
+<p:sld xmlns:a="http://schemas.openxmlformats.org/drawingml/2006/main" xmlns:r="http://schemas.openxmlformats.org/officeDocument/2006/relationships" xmlns:p="http://schemas.openxmlformats.org/presentationml/2006/main">
   <p:cSld>
     <p:spTree>
       <p:nvGrpSpPr>
-        <p:cNvPr id="133" name="Shape 133"/>
+        <p:cNvPr id="1" name="Shape 133"/>
         <p:cNvGrpSpPr/>
         <p:nvPr/>
       </p:nvGrpSpPr>
@@ -10147,9 +10717,11 @@
       <p:sp>
         <p:nvSpPr>
           <p:cNvPr id="134" name="Google Shape;134;p29"/>
-          <p:cNvSpPr txBox="1"/>
+          <p:cNvSpPr txBox="1">
+            <a:spLocks noGrp="1"/>
+          </p:cNvSpPr>
           <p:nvPr>
-            <p:ph idx="1" type="body"/>
+            <p:ph type="body" idx="1"/>
           </p:nvPr>
         </p:nvSpPr>
         <p:spPr>
@@ -10162,12 +10734,12 @@
           </a:prstGeom>
         </p:spPr>
         <p:txBody>
-          <a:bodyPr anchorCtr="0" anchor="ctr" bIns="91425" lIns="91425" spcFirstLastPara="1" rIns="91425" wrap="square" tIns="91425">
+          <a:bodyPr spcFirstLastPara="1" wrap="square" lIns="91425" tIns="91425" rIns="91425" bIns="91425" anchor="ctr" anchorCtr="0">
             <a:noAutofit/>
           </a:bodyPr>
           <a:lstStyle/>
           <a:p>
-            <a:pPr indent="0" lvl="0" marL="0" rtl="0" algn="l">
+            <a:pPr marL="0" lvl="0" indent="0" algn="l" rtl="0">
               <a:spcBef>
                 <a:spcPts val="0"/>
               </a:spcBef>
@@ -10199,7 +10771,7 @@
             </a:endParaRPr>
           </a:p>
           <a:p>
-            <a:pPr indent="0" lvl="0" marL="0" rtl="0" algn="l">
+            <a:pPr marL="0" lvl="0" indent="0" algn="l" rtl="0">
               <a:spcBef>
                 <a:spcPts val="0"/>
               </a:spcBef>
@@ -10208,9 +10780,6 @@
               </a:spcAft>
               <a:buNone/>
             </a:pPr>
-            <a:r>
-              <a:t/>
-            </a:r>
             <a:endParaRPr>
               <a:solidFill>
                 <a:srgbClr val="FFFFFF"/>
@@ -10222,7 +10791,7 @@
             </a:endParaRPr>
           </a:p>
           <a:p>
-            <a:pPr indent="0" lvl="0" marL="0" rtl="0" algn="l">
+            <a:pPr marL="0" lvl="0" indent="0" algn="l" rtl="0">
               <a:spcBef>
                 <a:spcPts val="0"/>
               </a:spcBef>
@@ -10254,7 +10823,7 @@
             </a:endParaRPr>
           </a:p>
           <a:p>
-            <a:pPr indent="0" lvl="0" marL="0" rtl="0" algn="l">
+            <a:pPr marL="0" lvl="0" indent="0" algn="l" rtl="0">
               <a:spcBef>
                 <a:spcPts val="0"/>
               </a:spcBef>
@@ -10263,9 +10832,6 @@
               </a:spcAft>
               <a:buNone/>
             </a:pPr>
-            <a:r>
-              <a:t/>
-            </a:r>
             <a:endParaRPr>
               <a:solidFill>
                 <a:srgbClr val="FFFFFF"/>
@@ -10277,7 +10843,7 @@
             </a:endParaRPr>
           </a:p>
           <a:p>
-            <a:pPr indent="0" lvl="0" marL="0" rtl="0" algn="l">
+            <a:pPr marL="0" lvl="0" indent="0" algn="l" rtl="0">
               <a:spcBef>
                 <a:spcPts val="0"/>
               </a:spcBef>
@@ -10286,9 +10852,6 @@
               </a:spcAft>
               <a:buNone/>
             </a:pPr>
-            <a:r>
-              <a:t/>
-            </a:r>
             <a:endParaRPr>
               <a:solidFill>
                 <a:srgbClr val="FFFFFF"/>
@@ -10300,7 +10863,7 @@
             </a:endParaRPr>
           </a:p>
           <a:p>
-            <a:pPr indent="0" lvl="0" marL="0" rtl="0" algn="l">
+            <a:pPr marL="0" lvl="0" indent="0" algn="l" rtl="0">
               <a:spcBef>
                 <a:spcPts val="0"/>
               </a:spcBef>
@@ -10332,7 +10895,7 @@
             </a:endParaRPr>
           </a:p>
           <a:p>
-            <a:pPr indent="0" lvl="0" marL="0" rtl="0" algn="l">
+            <a:pPr marL="0" lvl="0" indent="0" algn="l" rtl="0">
               <a:spcBef>
                 <a:spcPts val="0"/>
               </a:spcBef>
@@ -10364,7 +10927,7 @@
             </a:endParaRPr>
           </a:p>
           <a:p>
-            <a:pPr indent="0" lvl="0" marL="0" rtl="0" algn="l">
+            <a:pPr marL="0" lvl="0" indent="0" algn="l" rtl="0">
               <a:spcBef>
                 <a:spcPts val="0"/>
               </a:spcBef>
@@ -10406,11 +10969,11 @@
 </file>
 
 <file path=ppt/slides/slide18.xml><?xml version="1.0" encoding="utf-8"?>
-<p:sld xmlns:a="http://schemas.openxmlformats.org/drawingml/2006/main" xmlns:r="http://schemas.openxmlformats.org/officeDocument/2006/relationships" xmlns:mc="http://schemas.openxmlformats.org/markup-compatibility/2006" xmlns:mv="urn:schemas-microsoft-com:mac:vml" xmlns:p="http://schemas.openxmlformats.org/presentationml/2006/main" xmlns:c="http://schemas.openxmlformats.org/drawingml/2006/chart" xmlns:dgm="http://schemas.openxmlformats.org/drawingml/2006/diagram" xmlns:o="urn:schemas-microsoft-com:office:office" xmlns:v="urn:schemas-microsoft-com:vml" xmlns:pvml="urn:schemas-microsoft-com:office:powerpoint" xmlns:com="http://schemas.openxmlformats.org/drawingml/2006/compatibility" xmlns:p14="http://schemas.microsoft.com/office/powerpoint/2010/main" xmlns:p15="http://schemas.microsoft.com/office/powerpoint/2012/main" xmlns:ahyp="http://schemas.microsoft.com/office/drawing/2018/hyperlinkcolor">
+<p:sld xmlns:a="http://schemas.openxmlformats.org/drawingml/2006/main" xmlns:r="http://schemas.openxmlformats.org/officeDocument/2006/relationships" xmlns:p="http://schemas.openxmlformats.org/presentationml/2006/main">
   <p:cSld>
     <p:spTree>
       <p:nvGrpSpPr>
-        <p:cNvPr id="138" name="Shape 138"/>
+        <p:cNvPr id="1" name="Shape 138"/>
         <p:cNvGrpSpPr/>
         <p:nvPr/>
       </p:nvGrpSpPr>
@@ -10425,9 +10988,11 @@
       <p:sp>
         <p:nvSpPr>
           <p:cNvPr id="139" name="Google Shape;139;p30"/>
-          <p:cNvSpPr txBox="1"/>
+          <p:cNvSpPr txBox="1">
+            <a:spLocks noGrp="1"/>
+          </p:cNvSpPr>
           <p:nvPr>
-            <p:ph idx="1" type="body"/>
+            <p:ph type="body" idx="1"/>
           </p:nvPr>
         </p:nvSpPr>
         <p:spPr>
@@ -10440,12 +11005,12 @@
           </a:prstGeom>
         </p:spPr>
         <p:txBody>
-          <a:bodyPr anchorCtr="0" anchor="ctr" bIns="91425" lIns="91425" spcFirstLastPara="1" rIns="91425" wrap="square" tIns="91425">
+          <a:bodyPr spcFirstLastPara="1" wrap="square" lIns="91425" tIns="91425" rIns="91425" bIns="91425" anchor="ctr" anchorCtr="0">
             <a:noAutofit/>
           </a:bodyPr>
           <a:lstStyle/>
           <a:p>
-            <a:pPr indent="0" lvl="0" marL="0" rtl="0" algn="l">
+            <a:pPr marL="0" lvl="0" indent="0" algn="l" rtl="0">
               <a:spcBef>
                 <a:spcPts val="0"/>
               </a:spcBef>
@@ -10487,11 +11052,11 @@
 </file>
 
 <file path=ppt/slides/slide19.xml><?xml version="1.0" encoding="utf-8"?>
-<p:sld xmlns:a="http://schemas.openxmlformats.org/drawingml/2006/main" xmlns:r="http://schemas.openxmlformats.org/officeDocument/2006/relationships" xmlns:mc="http://schemas.openxmlformats.org/markup-compatibility/2006" xmlns:mv="urn:schemas-microsoft-com:mac:vml" xmlns:p="http://schemas.openxmlformats.org/presentationml/2006/main" xmlns:c="http://schemas.openxmlformats.org/drawingml/2006/chart" xmlns:dgm="http://schemas.openxmlformats.org/drawingml/2006/diagram" xmlns:o="urn:schemas-microsoft-com:office:office" xmlns:v="urn:schemas-microsoft-com:vml" xmlns:pvml="urn:schemas-microsoft-com:office:powerpoint" xmlns:com="http://schemas.openxmlformats.org/drawingml/2006/compatibility" xmlns:p14="http://schemas.microsoft.com/office/powerpoint/2010/main" xmlns:p15="http://schemas.microsoft.com/office/powerpoint/2012/main" xmlns:ahyp="http://schemas.microsoft.com/office/drawing/2018/hyperlinkcolor">
+<p:sld xmlns:a="http://schemas.openxmlformats.org/drawingml/2006/main" xmlns:r="http://schemas.openxmlformats.org/officeDocument/2006/relationships" xmlns:p="http://schemas.openxmlformats.org/presentationml/2006/main">
   <p:cSld>
     <p:spTree>
       <p:nvGrpSpPr>
-        <p:cNvPr id="143" name="Shape 143"/>
+        <p:cNvPr id="1" name="Shape 143"/>
         <p:cNvGrpSpPr/>
         <p:nvPr/>
       </p:nvGrpSpPr>
@@ -10506,7 +11071,9 @@
       <p:sp>
         <p:nvSpPr>
           <p:cNvPr id="144" name="Google Shape;144;p31"/>
-          <p:cNvSpPr txBox="1"/>
+          <p:cNvSpPr txBox="1">
+            <a:spLocks noGrp="1"/>
+          </p:cNvSpPr>
           <p:nvPr>
             <p:ph type="title"/>
           </p:nvPr>
@@ -10521,12 +11088,12 @@
           </a:prstGeom>
         </p:spPr>
         <p:txBody>
-          <a:bodyPr anchorCtr="0" anchor="ctr" bIns="91425" lIns="91425" spcFirstLastPara="1" rIns="91425" wrap="square" tIns="91425">
+          <a:bodyPr spcFirstLastPara="1" wrap="square" lIns="91425" tIns="91425" rIns="91425" bIns="91425" anchor="ctr" anchorCtr="0">
             <a:noAutofit/>
           </a:bodyPr>
           <a:lstStyle/>
           <a:p>
-            <a:pPr indent="0" lvl="0" marL="0" rtl="0" algn="ctr">
+            <a:pPr marL="0" lvl="0" indent="0" algn="ctr" rtl="0">
               <a:spcBef>
                 <a:spcPts val="0"/>
               </a:spcBef>
@@ -10552,11 +11119,11 @@
 </file>
 
 <file path=ppt/slides/slide2.xml><?xml version="1.0" encoding="utf-8"?>
-<p:sld xmlns:a="http://schemas.openxmlformats.org/drawingml/2006/main" xmlns:r="http://schemas.openxmlformats.org/officeDocument/2006/relationships" xmlns:mc="http://schemas.openxmlformats.org/markup-compatibility/2006" xmlns:mv="urn:schemas-microsoft-com:mac:vml" xmlns:p="http://schemas.openxmlformats.org/presentationml/2006/main" xmlns:c="http://schemas.openxmlformats.org/drawingml/2006/chart" xmlns:dgm="http://schemas.openxmlformats.org/drawingml/2006/diagram" xmlns:o="urn:schemas-microsoft-com:office:office" xmlns:v="urn:schemas-microsoft-com:vml" xmlns:pvml="urn:schemas-microsoft-com:office:powerpoint" xmlns:com="http://schemas.openxmlformats.org/drawingml/2006/compatibility" xmlns:p14="http://schemas.microsoft.com/office/powerpoint/2010/main" xmlns:p15="http://schemas.microsoft.com/office/powerpoint/2012/main" xmlns:ahyp="http://schemas.microsoft.com/office/drawing/2018/hyperlinkcolor">
+<p:sld xmlns:a="http://schemas.openxmlformats.org/drawingml/2006/main" xmlns:r="http://schemas.openxmlformats.org/officeDocument/2006/relationships" xmlns:p="http://schemas.openxmlformats.org/presentationml/2006/main">
   <p:cSld>
     <p:spTree>
       <p:nvGrpSpPr>
-        <p:cNvPr id="58" name="Shape 58"/>
+        <p:cNvPr id="1" name="Shape 58"/>
         <p:cNvGrpSpPr/>
         <p:nvPr/>
       </p:nvGrpSpPr>
@@ -10571,9 +11138,11 @@
       <p:sp>
         <p:nvSpPr>
           <p:cNvPr id="59" name="Google Shape;59;p14"/>
-          <p:cNvSpPr txBox="1"/>
+          <p:cNvSpPr txBox="1">
+            <a:spLocks noGrp="1"/>
+          </p:cNvSpPr>
           <p:nvPr>
-            <p:ph idx="1" type="body"/>
+            <p:ph type="body" idx="1"/>
           </p:nvPr>
         </p:nvSpPr>
         <p:spPr>
@@ -10586,12 +11155,12 @@
           </a:prstGeom>
         </p:spPr>
         <p:txBody>
-          <a:bodyPr anchorCtr="0" anchor="ctr" bIns="91425" lIns="91425" spcFirstLastPara="1" rIns="91425" wrap="square" tIns="91425">
+          <a:bodyPr spcFirstLastPara="1" wrap="square" lIns="91425" tIns="91425" rIns="91425" bIns="91425" anchor="ctr" anchorCtr="0">
             <a:noAutofit/>
           </a:bodyPr>
           <a:lstStyle/>
           <a:p>
-            <a:pPr indent="0" lvl="0" marL="0" rtl="0" algn="l">
+            <a:pPr marL="0" lvl="0" indent="0" algn="l" rtl="0">
               <a:spcBef>
                 <a:spcPts val="0"/>
               </a:spcBef>
@@ -10633,11 +11202,11 @@
 </file>
 
 <file path=ppt/slides/slide20.xml><?xml version="1.0" encoding="utf-8"?>
-<p:sld xmlns:a="http://schemas.openxmlformats.org/drawingml/2006/main" xmlns:r="http://schemas.openxmlformats.org/officeDocument/2006/relationships" xmlns:mc="http://schemas.openxmlformats.org/markup-compatibility/2006" xmlns:mv="urn:schemas-microsoft-com:mac:vml" xmlns:p="http://schemas.openxmlformats.org/presentationml/2006/main" xmlns:c="http://schemas.openxmlformats.org/drawingml/2006/chart" xmlns:dgm="http://schemas.openxmlformats.org/drawingml/2006/diagram" xmlns:o="urn:schemas-microsoft-com:office:office" xmlns:v="urn:schemas-microsoft-com:vml" xmlns:pvml="urn:schemas-microsoft-com:office:powerpoint" xmlns:com="http://schemas.openxmlformats.org/drawingml/2006/compatibility" xmlns:p14="http://schemas.microsoft.com/office/powerpoint/2010/main" xmlns:p15="http://schemas.microsoft.com/office/powerpoint/2012/main" xmlns:ahyp="http://schemas.microsoft.com/office/drawing/2018/hyperlinkcolor">
+<p:sld xmlns:a="http://schemas.openxmlformats.org/drawingml/2006/main" xmlns:r="http://schemas.openxmlformats.org/officeDocument/2006/relationships" xmlns:p="http://schemas.openxmlformats.org/presentationml/2006/main">
   <p:cSld>
     <p:spTree>
       <p:nvGrpSpPr>
-        <p:cNvPr id="148" name="Shape 148"/>
+        <p:cNvPr id="1" name="Shape 148"/>
         <p:cNvGrpSpPr/>
         <p:nvPr/>
       </p:nvGrpSpPr>
@@ -10652,9 +11221,11 @@
       <p:sp>
         <p:nvSpPr>
           <p:cNvPr id="149" name="Google Shape;149;p32"/>
-          <p:cNvSpPr txBox="1"/>
+          <p:cNvSpPr txBox="1">
+            <a:spLocks noGrp="1"/>
+          </p:cNvSpPr>
           <p:nvPr>
-            <p:ph idx="1" type="body"/>
+            <p:ph type="body" idx="1"/>
           </p:nvPr>
         </p:nvSpPr>
         <p:spPr>
@@ -10667,12 +11238,12 @@
           </a:prstGeom>
         </p:spPr>
         <p:txBody>
-          <a:bodyPr anchorCtr="0" anchor="ctr" bIns="91425" lIns="91425" spcFirstLastPara="1" rIns="91425" wrap="square" tIns="91425">
+          <a:bodyPr spcFirstLastPara="1" wrap="square" lIns="91425" tIns="91425" rIns="91425" bIns="91425" anchor="ctr" anchorCtr="0">
             <a:noAutofit/>
           </a:bodyPr>
           <a:lstStyle/>
           <a:p>
-            <a:pPr indent="0" lvl="0" marL="0" rtl="0" algn="l">
+            <a:pPr marL="0" lvl="0" indent="0" algn="l" rtl="0">
               <a:spcBef>
                 <a:spcPts val="0"/>
               </a:spcBef>
@@ -10714,11 +11285,11 @@
 </file>
 
 <file path=ppt/slides/slide21.xml><?xml version="1.0" encoding="utf-8"?>
-<p:sld xmlns:a="http://schemas.openxmlformats.org/drawingml/2006/main" xmlns:r="http://schemas.openxmlformats.org/officeDocument/2006/relationships" xmlns:mc="http://schemas.openxmlformats.org/markup-compatibility/2006" xmlns:mv="urn:schemas-microsoft-com:mac:vml" xmlns:p="http://schemas.openxmlformats.org/presentationml/2006/main" xmlns:c="http://schemas.openxmlformats.org/drawingml/2006/chart" xmlns:dgm="http://schemas.openxmlformats.org/drawingml/2006/diagram" xmlns:o="urn:schemas-microsoft-com:office:office" xmlns:v="urn:schemas-microsoft-com:vml" xmlns:pvml="urn:schemas-microsoft-com:office:powerpoint" xmlns:com="http://schemas.openxmlformats.org/drawingml/2006/compatibility" xmlns:p14="http://schemas.microsoft.com/office/powerpoint/2010/main" xmlns:p15="http://schemas.microsoft.com/office/powerpoint/2012/main" xmlns:ahyp="http://schemas.microsoft.com/office/drawing/2018/hyperlinkcolor">
+<p:sld xmlns:a="http://schemas.openxmlformats.org/drawingml/2006/main" xmlns:r="http://schemas.openxmlformats.org/officeDocument/2006/relationships" xmlns:p="http://schemas.openxmlformats.org/presentationml/2006/main">
   <p:cSld>
     <p:spTree>
       <p:nvGrpSpPr>
-        <p:cNvPr id="153" name="Shape 153"/>
+        <p:cNvPr id="1" name="Shape 153"/>
         <p:cNvGrpSpPr/>
         <p:nvPr/>
       </p:nvGrpSpPr>
@@ -10733,7 +11304,9 @@
       <p:sp>
         <p:nvSpPr>
           <p:cNvPr id="154" name="Google Shape;154;p33"/>
-          <p:cNvSpPr txBox="1"/>
+          <p:cNvSpPr txBox="1">
+            <a:spLocks noGrp="1"/>
+          </p:cNvSpPr>
           <p:nvPr>
             <p:ph type="title"/>
           </p:nvPr>
@@ -10748,12 +11321,12 @@
           </a:prstGeom>
         </p:spPr>
         <p:txBody>
-          <a:bodyPr anchorCtr="0" anchor="ctr" bIns="91425" lIns="91425" spcFirstLastPara="1" rIns="91425" wrap="square" tIns="91425">
+          <a:bodyPr spcFirstLastPara="1" wrap="square" lIns="91425" tIns="91425" rIns="91425" bIns="91425" anchor="ctr" anchorCtr="0">
             <a:noAutofit/>
           </a:bodyPr>
           <a:lstStyle/>
           <a:p>
-            <a:pPr indent="0" lvl="0" marL="0" rtl="0" algn="ctr">
+            <a:pPr marL="0" lvl="0" indent="0" algn="ctr" rtl="0">
               <a:spcBef>
                 <a:spcPts val="0"/>
               </a:spcBef>
@@ -10788,18 +11361,19 @@
 </file>
 
 <file path=ppt/slides/slide22.xml><?xml version="1.0" encoding="utf-8"?>
-<p:sld xmlns:a="http://schemas.openxmlformats.org/drawingml/2006/main" xmlns:r="http://schemas.openxmlformats.org/officeDocument/2006/relationships" xmlns:mc="http://schemas.openxmlformats.org/markup-compatibility/2006" xmlns:mv="urn:schemas-microsoft-com:mac:vml" xmlns:p="http://schemas.openxmlformats.org/presentationml/2006/main" xmlns:c="http://schemas.openxmlformats.org/drawingml/2006/chart" xmlns:dgm="http://schemas.openxmlformats.org/drawingml/2006/diagram" xmlns:o="urn:schemas-microsoft-com:office:office" xmlns:v="urn:schemas-microsoft-com:vml" xmlns:pvml="urn:schemas-microsoft-com:office:powerpoint" xmlns:com="http://schemas.openxmlformats.org/drawingml/2006/compatibility" xmlns:p14="http://schemas.microsoft.com/office/powerpoint/2010/main" xmlns:p15="http://schemas.microsoft.com/office/powerpoint/2012/main" xmlns:ahyp="http://schemas.microsoft.com/office/drawing/2018/hyperlinkcolor">
+<p:sld xmlns:a="http://schemas.openxmlformats.org/drawingml/2006/main" xmlns:r="http://schemas.openxmlformats.org/officeDocument/2006/relationships" xmlns:p="http://schemas.openxmlformats.org/presentationml/2006/main">
   <p:cSld>
     <p:bg>
       <p:bgPr>
         <a:solidFill>
           <a:srgbClr val="FFFFFF"/>
         </a:solidFill>
+        <a:effectLst/>
       </p:bgPr>
     </p:bg>
     <p:spTree>
       <p:nvGrpSpPr>
-        <p:cNvPr id="158" name="Shape 158"/>
+        <p:cNvPr id="1" name="Shape 158"/>
         <p:cNvGrpSpPr/>
         <p:nvPr/>
       </p:nvGrpSpPr>
@@ -10861,12 +11435,12 @@
           </a:ln>
         </p:spPr>
         <p:txBody>
-          <a:bodyPr anchorCtr="0" anchor="ctr" bIns="91425" lIns="91425" spcFirstLastPara="1" rIns="91425" wrap="square" tIns="91425">
+          <a:bodyPr spcFirstLastPara="1" wrap="square" lIns="91425" tIns="91425" rIns="91425" bIns="91425" anchor="ctr" anchorCtr="0">
             <a:noAutofit/>
           </a:bodyPr>
           <a:lstStyle/>
           <a:p>
-            <a:pPr indent="0" lvl="0" marL="0" rtl="0" algn="ctr">
+            <a:pPr marL="0" lvl="0" indent="0" algn="ctr" rtl="0">
               <a:spcBef>
                 <a:spcPts val="0"/>
               </a:spcBef>
@@ -10875,9 +11449,6 @@
               </a:spcAft>
               <a:buNone/>
             </a:pPr>
-            <a:r>
-              <a:t/>
-            </a:r>
             <a:endParaRPr/>
           </a:p>
         </p:txBody>
@@ -10891,11 +11462,11 @@
 </file>
 
 <file path=ppt/slides/slide23.xml><?xml version="1.0" encoding="utf-8"?>
-<p:sld xmlns:a="http://schemas.openxmlformats.org/drawingml/2006/main" xmlns:r="http://schemas.openxmlformats.org/officeDocument/2006/relationships" xmlns:mc="http://schemas.openxmlformats.org/markup-compatibility/2006" xmlns:mv="urn:schemas-microsoft-com:mac:vml" xmlns:p="http://schemas.openxmlformats.org/presentationml/2006/main" xmlns:c="http://schemas.openxmlformats.org/drawingml/2006/chart" xmlns:dgm="http://schemas.openxmlformats.org/drawingml/2006/diagram" xmlns:o="urn:schemas-microsoft-com:office:office" xmlns:v="urn:schemas-microsoft-com:vml" xmlns:pvml="urn:schemas-microsoft-com:office:powerpoint" xmlns:com="http://schemas.openxmlformats.org/drawingml/2006/compatibility" xmlns:p14="http://schemas.microsoft.com/office/powerpoint/2010/main" xmlns:p15="http://schemas.microsoft.com/office/powerpoint/2012/main" xmlns:ahyp="http://schemas.microsoft.com/office/drawing/2018/hyperlinkcolor">
+<p:sld xmlns:a="http://schemas.openxmlformats.org/drawingml/2006/main" xmlns:r="http://schemas.openxmlformats.org/officeDocument/2006/relationships" xmlns:p="http://schemas.openxmlformats.org/presentationml/2006/main">
   <p:cSld>
     <p:spTree>
       <p:nvGrpSpPr>
-        <p:cNvPr id="164" name="Shape 164"/>
+        <p:cNvPr id="1" name="Shape 164"/>
         <p:cNvGrpSpPr/>
         <p:nvPr/>
       </p:nvGrpSpPr>
@@ -10920,27 +11491,27 @@
           </a:xfrm>
           <a:prstGeom prst="roundRect">
             <a:avLst>
-              <a:gd fmla="val 16667" name="adj"/>
+              <a:gd name="adj" fmla="val 16667"/>
             </a:avLst>
           </a:prstGeom>
           <a:noFill/>
-          <a:ln cap="flat" cmpd="sng" w="38100">
+          <a:ln w="38100" cap="flat" cmpd="sng">
             <a:solidFill>
               <a:schemeClr val="dk1"/>
             </a:solidFill>
             <a:prstDash val="solid"/>
             <a:round/>
-            <a:headEnd len="sm" w="sm" type="none"/>
-            <a:tailEnd len="sm" w="sm" type="none"/>
+            <a:headEnd type="none" w="sm" len="sm"/>
+            <a:tailEnd type="none" w="sm" len="sm"/>
           </a:ln>
         </p:spPr>
         <p:txBody>
-          <a:bodyPr anchorCtr="0" anchor="ctr" bIns="91425" lIns="91425" spcFirstLastPara="1" rIns="91425" wrap="square" tIns="91425">
+          <a:bodyPr spcFirstLastPara="1" wrap="square" lIns="91425" tIns="91425" rIns="91425" bIns="91425" anchor="ctr" anchorCtr="0">
             <a:noAutofit/>
           </a:bodyPr>
           <a:lstStyle/>
           <a:p>
-            <a:pPr indent="0" lvl="0" marL="0" rtl="0" algn="ctr">
+            <a:pPr marL="0" lvl="0" indent="0" algn="ctr" rtl="0">
               <a:spcBef>
                 <a:spcPts val="0"/>
               </a:spcBef>
@@ -10978,27 +11549,27 @@
           </a:xfrm>
           <a:prstGeom prst="roundRect">
             <a:avLst>
-              <a:gd fmla="val 16667" name="adj"/>
+              <a:gd name="adj" fmla="val 16667"/>
             </a:avLst>
           </a:prstGeom>
           <a:noFill/>
-          <a:ln cap="flat" cmpd="sng" w="38100">
+          <a:ln w="38100" cap="flat" cmpd="sng">
             <a:solidFill>
               <a:schemeClr val="dk1"/>
             </a:solidFill>
             <a:prstDash val="solid"/>
             <a:round/>
-            <a:headEnd len="sm" w="sm" type="none"/>
-            <a:tailEnd len="sm" w="sm" type="none"/>
+            <a:headEnd type="none" w="sm" len="sm"/>
+            <a:tailEnd type="none" w="sm" len="sm"/>
           </a:ln>
         </p:spPr>
         <p:txBody>
-          <a:bodyPr anchorCtr="0" anchor="ctr" bIns="91425" lIns="91425" spcFirstLastPara="1" rIns="91425" wrap="square" tIns="91425">
+          <a:bodyPr spcFirstLastPara="1" wrap="square" lIns="91425" tIns="91425" rIns="91425" bIns="91425" anchor="ctr" anchorCtr="0">
             <a:noAutofit/>
           </a:bodyPr>
           <a:lstStyle/>
           <a:p>
-            <a:pPr indent="0" lvl="0" marL="0" rtl="0" algn="ctr">
+            <a:pPr marL="0" lvl="0" indent="0" algn="ctr" rtl="0">
               <a:spcBef>
                 <a:spcPts val="0"/>
               </a:spcBef>
@@ -11036,30 +11607,30 @@
           </a:xfrm>
           <a:prstGeom prst="round2SameRect">
             <a:avLst>
-              <a:gd fmla="val 50000" name="adj1"/>
-              <a:gd fmla="val 0" name="adj2"/>
+              <a:gd name="adj1" fmla="val 50000"/>
+              <a:gd name="adj2" fmla="val 0"/>
             </a:avLst>
           </a:prstGeom>
           <a:solidFill>
             <a:srgbClr val="D9D9D9"/>
           </a:solidFill>
-          <a:ln cap="flat" cmpd="sng" w="9525">
+          <a:ln w="9525" cap="flat" cmpd="sng">
             <a:solidFill>
               <a:schemeClr val="dk1"/>
             </a:solidFill>
             <a:prstDash val="solid"/>
             <a:round/>
-            <a:headEnd len="sm" w="sm" type="none"/>
-            <a:tailEnd len="sm" w="sm" type="none"/>
+            <a:headEnd type="none" w="sm" len="sm"/>
+            <a:tailEnd type="none" w="sm" len="sm"/>
           </a:ln>
         </p:spPr>
         <p:txBody>
-          <a:bodyPr anchorCtr="0" anchor="ctr" bIns="91425" lIns="91425" spcFirstLastPara="1" rIns="91425" wrap="square" tIns="91425">
+          <a:bodyPr spcFirstLastPara="1" wrap="square" lIns="91425" tIns="91425" rIns="91425" bIns="91425" anchor="ctr" anchorCtr="0">
             <a:noAutofit/>
           </a:bodyPr>
           <a:lstStyle/>
           <a:p>
-            <a:pPr indent="0" lvl="0" marL="0" rtl="0" algn="l">
+            <a:pPr marL="0" lvl="0" indent="0" algn="l" rtl="0">
               <a:spcBef>
                 <a:spcPts val="0"/>
               </a:spcBef>
@@ -11068,9 +11639,6 @@
               </a:spcAft>
               <a:buNone/>
             </a:pPr>
-            <a:r>
-              <a:t/>
-            </a:r>
             <a:endParaRPr/>
           </a:p>
         </p:txBody>
@@ -11092,23 +11660,23 @@
           <a:solidFill>
             <a:srgbClr val="B7B7B7"/>
           </a:solidFill>
-          <a:ln cap="flat" cmpd="sng" w="9525">
+          <a:ln w="9525" cap="flat" cmpd="sng">
             <a:solidFill>
               <a:schemeClr val="dk1"/>
             </a:solidFill>
             <a:prstDash val="solid"/>
             <a:round/>
-            <a:headEnd len="sm" w="sm" type="none"/>
-            <a:tailEnd len="sm" w="sm" type="none"/>
+            <a:headEnd type="none" w="sm" len="sm"/>
+            <a:tailEnd type="none" w="sm" len="sm"/>
           </a:ln>
         </p:spPr>
         <p:txBody>
-          <a:bodyPr anchorCtr="0" anchor="ctr" bIns="91425" lIns="91425" spcFirstLastPara="1" rIns="91425" wrap="square" tIns="91425">
+          <a:bodyPr spcFirstLastPara="1" wrap="square" lIns="91425" tIns="91425" rIns="91425" bIns="91425" anchor="ctr" anchorCtr="0">
             <a:noAutofit/>
           </a:bodyPr>
           <a:lstStyle/>
           <a:p>
-            <a:pPr indent="0" lvl="0" marL="0" rtl="0" algn="l">
+            <a:pPr marL="0" lvl="0" indent="0" algn="l" rtl="0">
               <a:spcBef>
                 <a:spcPts val="0"/>
               </a:spcBef>
@@ -11117,9 +11685,6 @@
               </a:spcAft>
               <a:buNone/>
             </a:pPr>
-            <a:r>
-              <a:t/>
-            </a:r>
             <a:endParaRPr/>
           </a:p>
         </p:txBody>
@@ -11139,14 +11704,14 @@
             <a:avLst/>
           </a:prstGeom>
           <a:noFill/>
-          <a:ln cap="flat" cmpd="sng" w="38100">
+          <a:ln w="38100" cap="flat" cmpd="sng">
             <a:solidFill>
               <a:schemeClr val="dk1"/>
             </a:solidFill>
             <a:prstDash val="solid"/>
             <a:round/>
-            <a:headEnd len="med" w="med" type="triangle"/>
-            <a:tailEnd len="med" w="med" type="triangle"/>
+            <a:headEnd type="triangle" w="med" len="med"/>
+            <a:tailEnd type="triangle" w="med" len="med"/>
           </a:ln>
         </p:spPr>
       </p:cxnSp>
@@ -11165,14 +11730,14 @@
             <a:avLst/>
           </a:prstGeom>
           <a:noFill/>
-          <a:ln cap="flat" cmpd="sng" w="38100">
+          <a:ln w="38100" cap="flat" cmpd="sng">
             <a:solidFill>
               <a:schemeClr val="dk1"/>
             </a:solidFill>
             <a:prstDash val="solid"/>
             <a:round/>
-            <a:headEnd len="med" w="med" type="triangle"/>
-            <a:tailEnd len="med" w="med" type="triangle"/>
+            <a:headEnd type="triangle" w="med" len="med"/>
+            <a:tailEnd type="triangle" w="med" len="med"/>
           </a:ln>
         </p:spPr>
       </p:cxnSp>
@@ -11185,11 +11750,11 @@
 </file>
 
 <file path=ppt/slides/slide24.xml><?xml version="1.0" encoding="utf-8"?>
-<p:sld xmlns:a="http://schemas.openxmlformats.org/drawingml/2006/main" xmlns:r="http://schemas.openxmlformats.org/officeDocument/2006/relationships" xmlns:mc="http://schemas.openxmlformats.org/markup-compatibility/2006" xmlns:mv="urn:schemas-microsoft-com:mac:vml" xmlns:p="http://schemas.openxmlformats.org/presentationml/2006/main" xmlns:c="http://schemas.openxmlformats.org/drawingml/2006/chart" xmlns:dgm="http://schemas.openxmlformats.org/drawingml/2006/diagram" xmlns:o="urn:schemas-microsoft-com:office:office" xmlns:v="urn:schemas-microsoft-com:vml" xmlns:pvml="urn:schemas-microsoft-com:office:powerpoint" xmlns:com="http://schemas.openxmlformats.org/drawingml/2006/compatibility" xmlns:p14="http://schemas.microsoft.com/office/powerpoint/2010/main" xmlns:p15="http://schemas.microsoft.com/office/powerpoint/2012/main" xmlns:ahyp="http://schemas.microsoft.com/office/drawing/2018/hyperlinkcolor">
+<p:sld xmlns:a="http://schemas.openxmlformats.org/drawingml/2006/main" xmlns:r="http://schemas.openxmlformats.org/officeDocument/2006/relationships" xmlns:p="http://schemas.openxmlformats.org/presentationml/2006/main">
   <p:cSld>
     <p:spTree>
       <p:nvGrpSpPr>
-        <p:cNvPr id="174" name="Shape 174"/>
+        <p:cNvPr id="1" name="Shape 174"/>
         <p:cNvGrpSpPr/>
         <p:nvPr/>
       </p:nvGrpSpPr>
@@ -11214,27 +11779,27 @@
           </a:xfrm>
           <a:prstGeom prst="roundRect">
             <a:avLst>
-              <a:gd fmla="val 16667" name="adj"/>
+              <a:gd name="adj" fmla="val 16667"/>
             </a:avLst>
           </a:prstGeom>
           <a:noFill/>
-          <a:ln cap="flat" cmpd="sng" w="38100">
+          <a:ln w="38100" cap="flat" cmpd="sng">
             <a:solidFill>
               <a:schemeClr val="dk1"/>
             </a:solidFill>
             <a:prstDash val="solid"/>
             <a:round/>
-            <a:headEnd len="sm" w="sm" type="none"/>
-            <a:tailEnd len="sm" w="sm" type="none"/>
+            <a:headEnd type="none" w="sm" len="sm"/>
+            <a:tailEnd type="none" w="sm" len="sm"/>
           </a:ln>
         </p:spPr>
         <p:txBody>
-          <a:bodyPr anchorCtr="0" anchor="ctr" bIns="91425" lIns="91425" spcFirstLastPara="1" rIns="91425" wrap="square" tIns="91425">
+          <a:bodyPr spcFirstLastPara="1" wrap="square" lIns="91425" tIns="91425" rIns="91425" bIns="91425" anchor="ctr" anchorCtr="0">
             <a:noAutofit/>
           </a:bodyPr>
           <a:lstStyle/>
           <a:p>
-            <a:pPr indent="0" lvl="0" marL="0" rtl="0" algn="ctr">
+            <a:pPr marL="0" lvl="0" indent="0" algn="ctr" rtl="0">
               <a:spcBef>
                 <a:spcPts val="0"/>
               </a:spcBef>
@@ -11272,27 +11837,27 @@
           </a:xfrm>
           <a:prstGeom prst="roundRect">
             <a:avLst>
-              <a:gd fmla="val 16667" name="adj"/>
+              <a:gd name="adj" fmla="val 16667"/>
             </a:avLst>
           </a:prstGeom>
           <a:noFill/>
-          <a:ln cap="flat" cmpd="sng" w="38100">
+          <a:ln w="38100" cap="flat" cmpd="sng">
             <a:solidFill>
               <a:schemeClr val="dk1"/>
             </a:solidFill>
             <a:prstDash val="solid"/>
             <a:round/>
-            <a:headEnd len="sm" w="sm" type="none"/>
-            <a:tailEnd len="sm" w="sm" type="none"/>
+            <a:headEnd type="none" w="sm" len="sm"/>
+            <a:tailEnd type="none" w="sm" len="sm"/>
           </a:ln>
         </p:spPr>
         <p:txBody>
-          <a:bodyPr anchorCtr="0" anchor="ctr" bIns="91425" lIns="91425" spcFirstLastPara="1" rIns="91425" wrap="square" tIns="91425">
+          <a:bodyPr spcFirstLastPara="1" wrap="square" lIns="91425" tIns="91425" rIns="91425" bIns="91425" anchor="ctr" anchorCtr="0">
             <a:noAutofit/>
           </a:bodyPr>
           <a:lstStyle/>
           <a:p>
-            <a:pPr indent="0" lvl="0" marL="0" rtl="0" algn="ctr">
+            <a:pPr marL="0" lvl="0" indent="0" algn="ctr" rtl="0">
               <a:spcBef>
                 <a:spcPts val="0"/>
               </a:spcBef>
@@ -11330,27 +11895,27 @@
           </a:xfrm>
           <a:prstGeom prst="roundRect">
             <a:avLst>
-              <a:gd fmla="val 16667" name="adj"/>
+              <a:gd name="adj" fmla="val 16667"/>
             </a:avLst>
           </a:prstGeom>
           <a:noFill/>
-          <a:ln cap="flat" cmpd="sng" w="38100">
+          <a:ln w="38100" cap="flat" cmpd="sng">
             <a:solidFill>
               <a:schemeClr val="dk1"/>
             </a:solidFill>
             <a:prstDash val="solid"/>
             <a:round/>
-            <a:headEnd len="sm" w="sm" type="none"/>
-            <a:tailEnd len="sm" w="sm" type="none"/>
+            <a:headEnd type="none" w="sm" len="sm"/>
+            <a:tailEnd type="none" w="sm" len="sm"/>
           </a:ln>
         </p:spPr>
         <p:txBody>
-          <a:bodyPr anchorCtr="0" anchor="ctr" bIns="91425" lIns="91425" spcFirstLastPara="1" rIns="91425" wrap="square" tIns="91425">
+          <a:bodyPr spcFirstLastPara="1" wrap="square" lIns="91425" tIns="91425" rIns="91425" bIns="91425" anchor="ctr" anchorCtr="0">
             <a:noAutofit/>
           </a:bodyPr>
           <a:lstStyle/>
           <a:p>
-            <a:pPr indent="0" lvl="0" marL="0" rtl="0" algn="ctr">
+            <a:pPr marL="0" lvl="0" indent="0" algn="ctr" rtl="0">
               <a:spcBef>
                 <a:spcPts val="0"/>
               </a:spcBef>
@@ -11388,30 +11953,30 @@
           </a:xfrm>
           <a:prstGeom prst="round2SameRect">
             <a:avLst>
-              <a:gd fmla="val 50000" name="adj1"/>
-              <a:gd fmla="val 0" name="adj2"/>
+              <a:gd name="adj1" fmla="val 50000"/>
+              <a:gd name="adj2" fmla="val 0"/>
             </a:avLst>
           </a:prstGeom>
           <a:solidFill>
             <a:srgbClr val="D9D9D9"/>
           </a:solidFill>
-          <a:ln cap="flat" cmpd="sng" w="9525">
+          <a:ln w="9525" cap="flat" cmpd="sng">
             <a:solidFill>
               <a:schemeClr val="dk1"/>
             </a:solidFill>
             <a:prstDash val="solid"/>
             <a:round/>
-            <a:headEnd len="sm" w="sm" type="none"/>
-            <a:tailEnd len="sm" w="sm" type="none"/>
+            <a:headEnd type="none" w="sm" len="sm"/>
+            <a:tailEnd type="none" w="sm" len="sm"/>
           </a:ln>
         </p:spPr>
         <p:txBody>
-          <a:bodyPr anchorCtr="0" anchor="ctr" bIns="91425" lIns="91425" spcFirstLastPara="1" rIns="91425" wrap="square" tIns="91425">
+          <a:bodyPr spcFirstLastPara="1" wrap="square" lIns="91425" tIns="91425" rIns="91425" bIns="91425" anchor="ctr" anchorCtr="0">
             <a:noAutofit/>
           </a:bodyPr>
           <a:lstStyle/>
           <a:p>
-            <a:pPr indent="0" lvl="0" marL="0" rtl="0" algn="l">
+            <a:pPr marL="0" lvl="0" indent="0" algn="l" rtl="0">
               <a:spcBef>
                 <a:spcPts val="0"/>
               </a:spcBef>
@@ -11420,9 +11985,6 @@
               </a:spcAft>
               <a:buNone/>
             </a:pPr>
-            <a:r>
-              <a:t/>
-            </a:r>
             <a:endParaRPr/>
           </a:p>
         </p:txBody>
@@ -11444,23 +12006,23 @@
           <a:solidFill>
             <a:srgbClr val="B7B7B7"/>
           </a:solidFill>
-          <a:ln cap="flat" cmpd="sng" w="9525">
+          <a:ln w="9525" cap="flat" cmpd="sng">
             <a:solidFill>
               <a:schemeClr val="dk1"/>
             </a:solidFill>
             <a:prstDash val="solid"/>
             <a:round/>
-            <a:headEnd len="sm" w="sm" type="none"/>
-            <a:tailEnd len="sm" w="sm" type="none"/>
+            <a:headEnd type="none" w="sm" len="sm"/>
+            <a:tailEnd type="none" w="sm" len="sm"/>
           </a:ln>
         </p:spPr>
         <p:txBody>
-          <a:bodyPr anchorCtr="0" anchor="ctr" bIns="91425" lIns="91425" spcFirstLastPara="1" rIns="91425" wrap="square" tIns="91425">
+          <a:bodyPr spcFirstLastPara="1" wrap="square" lIns="91425" tIns="91425" rIns="91425" bIns="91425" anchor="ctr" anchorCtr="0">
             <a:noAutofit/>
           </a:bodyPr>
           <a:lstStyle/>
           <a:p>
-            <a:pPr indent="0" lvl="0" marL="0" rtl="0" algn="l">
+            <a:pPr marL="0" lvl="0" indent="0" algn="l" rtl="0">
               <a:spcBef>
                 <a:spcPts val="0"/>
               </a:spcBef>
@@ -11469,9 +12031,6 @@
               </a:spcAft>
               <a:buNone/>
             </a:pPr>
-            <a:r>
-              <a:t/>
-            </a:r>
             <a:endParaRPr/>
           </a:p>
         </p:txBody>
@@ -11491,14 +12050,14 @@
             <a:avLst/>
           </a:prstGeom>
           <a:noFill/>
-          <a:ln cap="flat" cmpd="sng" w="38100">
+          <a:ln w="38100" cap="flat" cmpd="sng">
             <a:solidFill>
               <a:schemeClr val="dk1"/>
             </a:solidFill>
             <a:prstDash val="solid"/>
             <a:round/>
-            <a:headEnd len="med" w="med" type="triangle"/>
-            <a:tailEnd len="med" w="med" type="triangle"/>
+            <a:headEnd type="triangle" w="med" len="med"/>
+            <a:tailEnd type="triangle" w="med" len="med"/>
           </a:ln>
         </p:spPr>
       </p:cxnSp>
@@ -11517,14 +12076,14 @@
             <a:avLst/>
           </a:prstGeom>
           <a:noFill/>
-          <a:ln cap="flat" cmpd="sng" w="38100">
+          <a:ln w="38100" cap="flat" cmpd="sng">
             <a:solidFill>
               <a:schemeClr val="dk1"/>
             </a:solidFill>
             <a:prstDash val="solid"/>
             <a:round/>
-            <a:headEnd len="med" w="med" type="triangle"/>
-            <a:tailEnd len="med" w="med" type="triangle"/>
+            <a:headEnd type="triangle" w="med" len="med"/>
+            <a:tailEnd type="triangle" w="med" len="med"/>
           </a:ln>
         </p:spPr>
       </p:cxnSp>
@@ -11543,14 +12102,14 @@
             <a:avLst/>
           </a:prstGeom>
           <a:noFill/>
-          <a:ln cap="flat" cmpd="sng" w="38100">
+          <a:ln w="38100" cap="flat" cmpd="sng">
             <a:solidFill>
               <a:schemeClr val="dk1"/>
             </a:solidFill>
             <a:prstDash val="solid"/>
             <a:round/>
-            <a:headEnd len="med" w="med" type="triangle"/>
-            <a:tailEnd len="med" w="med" type="triangle"/>
+            <a:headEnd type="triangle" w="med" len="med"/>
+            <a:tailEnd type="triangle" w="med" len="med"/>
           </a:ln>
         </p:spPr>
       </p:cxnSp>
@@ -11563,11 +12122,11 @@
 </file>
 
 <file path=ppt/slides/slide25.xml><?xml version="1.0" encoding="utf-8"?>
-<p:sld xmlns:a="http://schemas.openxmlformats.org/drawingml/2006/main" xmlns:r="http://schemas.openxmlformats.org/officeDocument/2006/relationships" xmlns:mc="http://schemas.openxmlformats.org/markup-compatibility/2006" xmlns:mv="urn:schemas-microsoft-com:mac:vml" xmlns:p="http://schemas.openxmlformats.org/presentationml/2006/main" xmlns:c="http://schemas.openxmlformats.org/drawingml/2006/chart" xmlns:dgm="http://schemas.openxmlformats.org/drawingml/2006/diagram" xmlns:o="urn:schemas-microsoft-com:office:office" xmlns:v="urn:schemas-microsoft-com:vml" xmlns:pvml="urn:schemas-microsoft-com:office:powerpoint" xmlns:com="http://schemas.openxmlformats.org/drawingml/2006/compatibility" xmlns:p14="http://schemas.microsoft.com/office/powerpoint/2010/main" xmlns:p15="http://schemas.microsoft.com/office/powerpoint/2012/main" xmlns:ahyp="http://schemas.microsoft.com/office/drawing/2018/hyperlinkcolor">
+<p:sld xmlns:a="http://schemas.openxmlformats.org/drawingml/2006/main" xmlns:r="http://schemas.openxmlformats.org/officeDocument/2006/relationships" xmlns:p="http://schemas.openxmlformats.org/presentationml/2006/main">
   <p:cSld>
     <p:spTree>
       <p:nvGrpSpPr>
-        <p:cNvPr id="186" name="Shape 186"/>
+        <p:cNvPr id="1" name="Shape 186"/>
         <p:cNvGrpSpPr/>
         <p:nvPr/>
       </p:nvGrpSpPr>
@@ -11616,11 +12175,11 @@
 </file>
 
 <file path=ppt/slides/slide26.xml><?xml version="1.0" encoding="utf-8"?>
-<p:sld xmlns:a="http://schemas.openxmlformats.org/drawingml/2006/main" xmlns:r="http://schemas.openxmlformats.org/officeDocument/2006/relationships" xmlns:mc="http://schemas.openxmlformats.org/markup-compatibility/2006" xmlns:mv="urn:schemas-microsoft-com:mac:vml" xmlns:p="http://schemas.openxmlformats.org/presentationml/2006/main" xmlns:c="http://schemas.openxmlformats.org/drawingml/2006/chart" xmlns:dgm="http://schemas.openxmlformats.org/drawingml/2006/diagram" xmlns:o="urn:schemas-microsoft-com:office:office" xmlns:v="urn:schemas-microsoft-com:vml" xmlns:pvml="urn:schemas-microsoft-com:office:powerpoint" xmlns:com="http://schemas.openxmlformats.org/drawingml/2006/compatibility" xmlns:p14="http://schemas.microsoft.com/office/powerpoint/2010/main" xmlns:p15="http://schemas.microsoft.com/office/powerpoint/2012/main" xmlns:ahyp="http://schemas.microsoft.com/office/drawing/2018/hyperlinkcolor">
+<p:sld xmlns:a="http://schemas.openxmlformats.org/drawingml/2006/main" xmlns:r="http://schemas.openxmlformats.org/officeDocument/2006/relationships" xmlns:p="http://schemas.openxmlformats.org/presentationml/2006/main">
   <p:cSld>
     <p:spTree>
       <p:nvGrpSpPr>
-        <p:cNvPr id="191" name="Shape 191"/>
+        <p:cNvPr id="1" name="Shape 191"/>
         <p:cNvGrpSpPr/>
         <p:nvPr/>
       </p:nvGrpSpPr>
@@ -11635,9 +12194,11 @@
       <p:sp>
         <p:nvSpPr>
           <p:cNvPr id="192" name="Google Shape;192;p38"/>
-          <p:cNvSpPr txBox="1"/>
+          <p:cNvSpPr txBox="1">
+            <a:spLocks noGrp="1"/>
+          </p:cNvSpPr>
           <p:nvPr>
-            <p:ph idx="1" type="body"/>
+            <p:ph type="body" idx="1"/>
           </p:nvPr>
         </p:nvSpPr>
         <p:spPr>
@@ -11650,12 +12211,12 @@
           </a:prstGeom>
         </p:spPr>
         <p:txBody>
-          <a:bodyPr anchorCtr="0" anchor="ctr" bIns="91425" lIns="91425" spcFirstLastPara="1" rIns="91425" wrap="square" tIns="91425">
+          <a:bodyPr spcFirstLastPara="1" wrap="square" lIns="91425" tIns="91425" rIns="91425" bIns="91425" anchor="ctr" anchorCtr="0">
             <a:noAutofit/>
           </a:bodyPr>
           <a:lstStyle/>
           <a:p>
-            <a:pPr indent="0" lvl="0" marL="0" rtl="0" algn="l">
+            <a:pPr marL="0" lvl="0" indent="0" algn="l" rtl="0">
               <a:spcBef>
                 <a:spcPts val="0"/>
               </a:spcBef>
@@ -11674,19 +12235,7 @@
                 <a:cs typeface="Consolas"/>
                 <a:sym typeface="Consolas"/>
               </a:rPr>
-              <a:t>POST</a:t>
-            </a:r>
-            <a:r>
-              <a:rPr lang="en">
-                <a:solidFill>
-                  <a:srgbClr val="FFFFFF"/>
-                </a:solidFill>
-                <a:latin typeface="Consolas"/>
-                <a:ea typeface="Consolas"/>
-                <a:cs typeface="Consolas"/>
-                <a:sym typeface="Consolas"/>
-              </a:rPr>
-              <a:t> / HTTP/2</a:t>
+              <a:t>POST / HTTP/2</a:t>
             </a:r>
             <a:endParaRPr>
               <a:solidFill>
@@ -11699,7 +12248,7 @@
             </a:endParaRPr>
           </a:p>
           <a:p>
-            <a:pPr indent="0" lvl="0" marL="0" rtl="0" algn="l">
+            <a:pPr marL="0" lvl="0" indent="0" algn="l" rtl="0">
               <a:spcBef>
                 <a:spcPts val="0"/>
               </a:spcBef>
@@ -11731,7 +12280,7 @@
             </a:endParaRPr>
           </a:p>
           <a:p>
-            <a:pPr indent="0" lvl="0" marL="0" rtl="0" algn="l">
+            <a:pPr marL="0" lvl="0" indent="0" algn="l" rtl="0">
               <a:spcBef>
                 <a:spcPts val="0"/>
               </a:spcBef>
@@ -11740,9 +12289,6 @@
               </a:spcAft>
               <a:buNone/>
             </a:pPr>
-            <a:r>
-              <a:t/>
-            </a:r>
             <a:endParaRPr>
               <a:solidFill>
                 <a:srgbClr val="FFFFFF"/>
@@ -11754,7 +12300,7 @@
             </a:endParaRPr>
           </a:p>
           <a:p>
-            <a:pPr indent="0" lvl="0" marL="0" rtl="0" algn="l">
+            <a:pPr marL="0" lvl="0" indent="0" algn="l" rtl="0">
               <a:spcBef>
                 <a:spcPts val="0"/>
               </a:spcBef>
@@ -11796,11 +12342,11 @@
 </file>
 
 <file path=ppt/slides/slide27.xml><?xml version="1.0" encoding="utf-8"?>
-<p:sld xmlns:a="http://schemas.openxmlformats.org/drawingml/2006/main" xmlns:r="http://schemas.openxmlformats.org/officeDocument/2006/relationships" xmlns:mc="http://schemas.openxmlformats.org/markup-compatibility/2006" xmlns:mv="urn:schemas-microsoft-com:mac:vml" xmlns:p="http://schemas.openxmlformats.org/presentationml/2006/main" xmlns:c="http://schemas.openxmlformats.org/drawingml/2006/chart" xmlns:dgm="http://schemas.openxmlformats.org/drawingml/2006/diagram" xmlns:o="urn:schemas-microsoft-com:office:office" xmlns:v="urn:schemas-microsoft-com:vml" xmlns:pvml="urn:schemas-microsoft-com:office:powerpoint" xmlns:com="http://schemas.openxmlformats.org/drawingml/2006/compatibility" xmlns:p14="http://schemas.microsoft.com/office/powerpoint/2010/main" xmlns:p15="http://schemas.microsoft.com/office/powerpoint/2012/main" xmlns:ahyp="http://schemas.microsoft.com/office/drawing/2018/hyperlinkcolor">
+<p:sld xmlns:a="http://schemas.openxmlformats.org/drawingml/2006/main" xmlns:r="http://schemas.openxmlformats.org/officeDocument/2006/relationships" xmlns:p="http://schemas.openxmlformats.org/presentationml/2006/main">
   <p:cSld>
     <p:spTree>
       <p:nvGrpSpPr>
-        <p:cNvPr id="196" name="Shape 196"/>
+        <p:cNvPr id="1" name="Shape 196"/>
         <p:cNvGrpSpPr/>
         <p:nvPr/>
       </p:nvGrpSpPr>
@@ -11815,9 +12361,11 @@
       <p:sp>
         <p:nvSpPr>
           <p:cNvPr id="197" name="Google Shape;197;p39"/>
-          <p:cNvSpPr txBox="1"/>
+          <p:cNvSpPr txBox="1">
+            <a:spLocks noGrp="1"/>
+          </p:cNvSpPr>
           <p:nvPr>
-            <p:ph idx="1" type="body"/>
+            <p:ph type="body" idx="1"/>
           </p:nvPr>
         </p:nvSpPr>
         <p:spPr>
@@ -11830,12 +12378,12 @@
           </a:prstGeom>
         </p:spPr>
         <p:txBody>
-          <a:bodyPr anchorCtr="0" anchor="ctr" bIns="91425" lIns="91425" spcFirstLastPara="1" rIns="91425" wrap="square" tIns="91425">
+          <a:bodyPr spcFirstLastPara="1" wrap="square" lIns="91425" tIns="91425" rIns="91425" bIns="91425" anchor="ctr" anchorCtr="0">
             <a:noAutofit/>
           </a:bodyPr>
           <a:lstStyle/>
           <a:p>
-            <a:pPr indent="0" lvl="0" marL="0" rtl="0" algn="l">
+            <a:pPr marL="0" lvl="0" indent="0" algn="l" rtl="0">
               <a:spcBef>
                 <a:spcPts val="0"/>
               </a:spcBef>
@@ -11867,7 +12415,7 @@
             </a:endParaRPr>
           </a:p>
           <a:p>
-            <a:pPr indent="0" lvl="0" marL="0" rtl="0" algn="l">
+            <a:pPr marL="0" lvl="0" indent="0" algn="l" rtl="0">
               <a:spcBef>
                 <a:spcPts val="0"/>
               </a:spcBef>
@@ -11899,7 +12447,7 @@
             </a:endParaRPr>
           </a:p>
           <a:p>
-            <a:pPr indent="0" lvl="0" marL="0" rtl="0" algn="l">
+            <a:pPr marL="0" lvl="0" indent="0" algn="l" rtl="0">
               <a:spcBef>
                 <a:spcPts val="0"/>
               </a:spcBef>
@@ -11908,9 +12456,6 @@
               </a:spcAft>
               <a:buNone/>
             </a:pPr>
-            <a:r>
-              <a:t/>
-            </a:r>
             <a:endParaRPr>
               <a:solidFill>
                 <a:srgbClr val="FFFFFF"/>
@@ -11922,7 +12467,7 @@
             </a:endParaRPr>
           </a:p>
           <a:p>
-            <a:pPr indent="0" lvl="0" marL="0" rtl="0" algn="l">
+            <a:pPr marL="0" lvl="0" indent="0" algn="l" rtl="0">
               <a:spcBef>
                 <a:spcPts val="0"/>
               </a:spcBef>
@@ -11964,11 +12509,11 @@
 </file>
 
 <file path=ppt/slides/slide28.xml><?xml version="1.0" encoding="utf-8"?>
-<p:sld xmlns:a="http://schemas.openxmlformats.org/drawingml/2006/main" xmlns:r="http://schemas.openxmlformats.org/officeDocument/2006/relationships" xmlns:mc="http://schemas.openxmlformats.org/markup-compatibility/2006" xmlns:mv="urn:schemas-microsoft-com:mac:vml" xmlns:p="http://schemas.openxmlformats.org/presentationml/2006/main" xmlns:c="http://schemas.openxmlformats.org/drawingml/2006/chart" xmlns:dgm="http://schemas.openxmlformats.org/drawingml/2006/diagram" xmlns:o="urn:schemas-microsoft-com:office:office" xmlns:v="urn:schemas-microsoft-com:vml" xmlns:pvml="urn:schemas-microsoft-com:office:powerpoint" xmlns:com="http://schemas.openxmlformats.org/drawingml/2006/compatibility" xmlns:p14="http://schemas.microsoft.com/office/powerpoint/2010/main" xmlns:p15="http://schemas.microsoft.com/office/powerpoint/2012/main" xmlns:ahyp="http://schemas.microsoft.com/office/drawing/2018/hyperlinkcolor">
+<p:sld xmlns:a="http://schemas.openxmlformats.org/drawingml/2006/main" xmlns:r="http://schemas.openxmlformats.org/officeDocument/2006/relationships" xmlns:p="http://schemas.openxmlformats.org/presentationml/2006/main">
   <p:cSld>
     <p:spTree>
       <p:nvGrpSpPr>
-        <p:cNvPr id="201" name="Shape 201"/>
+        <p:cNvPr id="1" name="Shape 201"/>
         <p:cNvGrpSpPr/>
         <p:nvPr/>
       </p:nvGrpSpPr>
@@ -11983,9 +12528,11 @@
       <p:sp>
         <p:nvSpPr>
           <p:cNvPr id="202" name="Google Shape;202;p40"/>
-          <p:cNvSpPr txBox="1"/>
+          <p:cNvSpPr txBox="1">
+            <a:spLocks noGrp="1"/>
+          </p:cNvSpPr>
           <p:nvPr>
-            <p:ph idx="1" type="body"/>
+            <p:ph type="body" idx="1"/>
           </p:nvPr>
         </p:nvSpPr>
         <p:spPr>
@@ -11998,12 +12545,12 @@
           </a:prstGeom>
         </p:spPr>
         <p:txBody>
-          <a:bodyPr anchorCtr="0" anchor="ctr" bIns="91425" lIns="91425" spcFirstLastPara="1" rIns="91425" wrap="square" tIns="91425">
+          <a:bodyPr spcFirstLastPara="1" wrap="square" lIns="91425" tIns="91425" rIns="91425" bIns="91425" anchor="ctr" anchorCtr="0">
             <a:noAutofit/>
           </a:bodyPr>
           <a:lstStyle/>
           <a:p>
-            <a:pPr indent="0" lvl="0" marL="0" rtl="0" algn="l">
+            <a:pPr marL="0" lvl="0" indent="0" algn="l" rtl="0">
               <a:spcBef>
                 <a:spcPts val="0"/>
               </a:spcBef>
@@ -12035,7 +12582,7 @@
             </a:endParaRPr>
           </a:p>
           <a:p>
-            <a:pPr indent="0" lvl="0" marL="0" rtl="0" algn="l">
+            <a:pPr marL="0" lvl="0" indent="0" algn="l" rtl="0">
               <a:spcBef>
                 <a:spcPts val="0"/>
               </a:spcBef>
@@ -12067,7 +12614,7 @@
             </a:endParaRPr>
           </a:p>
           <a:p>
-            <a:pPr indent="0" lvl="0" marL="0" rtl="0" algn="l">
+            <a:pPr marL="0" lvl="0" indent="0" algn="l" rtl="0">
               <a:spcBef>
                 <a:spcPts val="0"/>
               </a:spcBef>
@@ -12099,7 +12646,7 @@
             </a:endParaRPr>
           </a:p>
           <a:p>
-            <a:pPr indent="0" lvl="0" marL="0" rtl="0" algn="l">
+            <a:pPr marL="0" lvl="0" indent="0" algn="l" rtl="0">
               <a:spcBef>
                 <a:spcPts val="0"/>
               </a:spcBef>
@@ -12141,11 +12688,11 @@
 </file>
 
 <file path=ppt/slides/slide29.xml><?xml version="1.0" encoding="utf-8"?>
-<p:sld xmlns:a="http://schemas.openxmlformats.org/drawingml/2006/main" xmlns:r="http://schemas.openxmlformats.org/officeDocument/2006/relationships" xmlns:mc="http://schemas.openxmlformats.org/markup-compatibility/2006" xmlns:mv="urn:schemas-microsoft-com:mac:vml" xmlns:p="http://schemas.openxmlformats.org/presentationml/2006/main" xmlns:c="http://schemas.openxmlformats.org/drawingml/2006/chart" xmlns:dgm="http://schemas.openxmlformats.org/drawingml/2006/diagram" xmlns:o="urn:schemas-microsoft-com:office:office" xmlns:v="urn:schemas-microsoft-com:vml" xmlns:pvml="urn:schemas-microsoft-com:office:powerpoint" xmlns:com="http://schemas.openxmlformats.org/drawingml/2006/compatibility" xmlns:p14="http://schemas.microsoft.com/office/powerpoint/2010/main" xmlns:p15="http://schemas.microsoft.com/office/powerpoint/2012/main" xmlns:ahyp="http://schemas.microsoft.com/office/drawing/2018/hyperlinkcolor">
+<p:sld xmlns:a="http://schemas.openxmlformats.org/drawingml/2006/main" xmlns:r="http://schemas.openxmlformats.org/officeDocument/2006/relationships" xmlns:p="http://schemas.openxmlformats.org/presentationml/2006/main">
   <p:cSld>
     <p:spTree>
       <p:nvGrpSpPr>
-        <p:cNvPr id="206" name="Shape 206"/>
+        <p:cNvPr id="1" name="Shape 206"/>
         <p:cNvGrpSpPr/>
         <p:nvPr/>
       </p:nvGrpSpPr>
@@ -12160,9 +12707,11 @@
       <p:sp>
         <p:nvSpPr>
           <p:cNvPr id="207" name="Google Shape;207;p41"/>
-          <p:cNvSpPr txBox="1"/>
+          <p:cNvSpPr txBox="1">
+            <a:spLocks noGrp="1"/>
+          </p:cNvSpPr>
           <p:nvPr>
-            <p:ph idx="1" type="body"/>
+            <p:ph type="body" idx="1"/>
           </p:nvPr>
         </p:nvSpPr>
         <p:spPr>
@@ -12175,12 +12724,12 @@
           </a:prstGeom>
         </p:spPr>
         <p:txBody>
-          <a:bodyPr anchorCtr="0" anchor="ctr" bIns="91425" lIns="91425" spcFirstLastPara="1" rIns="91425" wrap="square" tIns="91425">
+          <a:bodyPr spcFirstLastPara="1" wrap="square" lIns="91425" tIns="91425" rIns="91425" bIns="91425" anchor="ctr" anchorCtr="0">
             <a:noAutofit/>
           </a:bodyPr>
           <a:lstStyle/>
           <a:p>
-            <a:pPr indent="0" lvl="0" marL="0" rtl="0" algn="l">
+            <a:pPr marL="0" lvl="0" indent="0" algn="l" rtl="0">
               <a:spcBef>
                 <a:spcPts val="0"/>
               </a:spcBef>
@@ -12212,7 +12761,7 @@
             </a:endParaRPr>
           </a:p>
           <a:p>
-            <a:pPr indent="0" lvl="0" marL="0" rtl="0" algn="l">
+            <a:pPr marL="0" lvl="0" indent="0" algn="l" rtl="0">
               <a:spcBef>
                 <a:spcPts val="0"/>
               </a:spcBef>
@@ -12231,19 +12780,7 @@
                 <a:cs typeface="Consolas"/>
                 <a:sym typeface="Consolas"/>
               </a:rPr>
-              <a:t>Host: </a:t>
-            </a:r>
-            <a:r>
-              <a:rPr lang="en">
-                <a:solidFill>
-                  <a:srgbClr val="FFFFFF"/>
-                </a:solidFill>
-                <a:latin typeface="Consolas"/>
-                <a:ea typeface="Consolas"/>
-                <a:cs typeface="Consolas"/>
-                <a:sym typeface="Consolas"/>
-              </a:rPr>
-              <a:t>accounts.google.com</a:t>
+              <a:t>Host: accounts.google.com</a:t>
             </a:r>
             <a:endParaRPr>
               <a:solidFill>
@@ -12256,7 +12793,7 @@
             </a:endParaRPr>
           </a:p>
           <a:p>
-            <a:pPr indent="0" lvl="0" marL="0" rtl="0" algn="l">
+            <a:pPr marL="0" lvl="0" indent="0" algn="l" rtl="0">
               <a:spcBef>
                 <a:spcPts val="0"/>
               </a:spcBef>
@@ -12265,9 +12802,6 @@
               </a:spcAft>
               <a:buNone/>
             </a:pPr>
-            <a:r>
-              <a:t/>
-            </a:r>
             <a:endParaRPr>
               <a:solidFill>
                 <a:srgbClr val="FFFFFF"/>
@@ -12279,7 +12813,7 @@
             </a:endParaRPr>
           </a:p>
           <a:p>
-            <a:pPr indent="0" lvl="0" marL="0" rtl="0" algn="l">
+            <a:pPr marL="0" lvl="0" indent="0" algn="l" rtl="0">
               <a:spcBef>
                 <a:spcPts val="0"/>
               </a:spcBef>
@@ -12321,11 +12855,11 @@
 </file>
 
 <file path=ppt/slides/slide3.xml><?xml version="1.0" encoding="utf-8"?>
-<p:sld xmlns:a="http://schemas.openxmlformats.org/drawingml/2006/main" xmlns:r="http://schemas.openxmlformats.org/officeDocument/2006/relationships" xmlns:mc="http://schemas.openxmlformats.org/markup-compatibility/2006" xmlns:mv="urn:schemas-microsoft-com:mac:vml" xmlns:p="http://schemas.openxmlformats.org/presentationml/2006/main" xmlns:c="http://schemas.openxmlformats.org/drawingml/2006/chart" xmlns:dgm="http://schemas.openxmlformats.org/drawingml/2006/diagram" xmlns:o="urn:schemas-microsoft-com:office:office" xmlns:v="urn:schemas-microsoft-com:vml" xmlns:pvml="urn:schemas-microsoft-com:office:powerpoint" xmlns:com="http://schemas.openxmlformats.org/drawingml/2006/compatibility" xmlns:p14="http://schemas.microsoft.com/office/powerpoint/2010/main" xmlns:p15="http://schemas.microsoft.com/office/powerpoint/2012/main" xmlns:ahyp="http://schemas.microsoft.com/office/drawing/2018/hyperlinkcolor">
+<p:sld xmlns:a="http://schemas.openxmlformats.org/drawingml/2006/main" xmlns:r="http://schemas.openxmlformats.org/officeDocument/2006/relationships" xmlns:p="http://schemas.openxmlformats.org/presentationml/2006/main">
   <p:cSld>
     <p:spTree>
       <p:nvGrpSpPr>
-        <p:cNvPr id="63" name="Shape 63"/>
+        <p:cNvPr id="1" name="Shape 63"/>
         <p:cNvGrpSpPr/>
         <p:nvPr/>
       </p:nvGrpSpPr>
@@ -12340,7 +12874,9 @@
       <p:sp>
         <p:nvSpPr>
           <p:cNvPr id="64" name="Google Shape;64;p15"/>
-          <p:cNvSpPr txBox="1"/>
+          <p:cNvSpPr txBox="1">
+            <a:spLocks noGrp="1"/>
+          </p:cNvSpPr>
           <p:nvPr>
             <p:ph type="title"/>
           </p:nvPr>
@@ -12355,12 +12891,12 @@
           </a:prstGeom>
         </p:spPr>
         <p:txBody>
-          <a:bodyPr anchorCtr="0" anchor="ctr" bIns="91425" lIns="91425" spcFirstLastPara="1" rIns="91425" wrap="square" tIns="91425">
+          <a:bodyPr spcFirstLastPara="1" wrap="square" lIns="91425" tIns="91425" rIns="91425" bIns="91425" anchor="ctr" anchorCtr="0">
             <a:noAutofit/>
           </a:bodyPr>
           <a:lstStyle/>
           <a:p>
-            <a:pPr indent="0" lvl="0" marL="0" rtl="0" algn="l">
+            <a:pPr marL="0" lvl="0" indent="0" algn="l" rtl="0">
               <a:spcBef>
                 <a:spcPts val="0"/>
               </a:spcBef>
@@ -12398,11 +12934,11 @@
 </file>
 
 <file path=ppt/slides/slide30.xml><?xml version="1.0" encoding="utf-8"?>
-<p:sld xmlns:a="http://schemas.openxmlformats.org/drawingml/2006/main" xmlns:r="http://schemas.openxmlformats.org/officeDocument/2006/relationships" xmlns:mc="http://schemas.openxmlformats.org/markup-compatibility/2006" xmlns:mv="urn:schemas-microsoft-com:mac:vml" xmlns:p="http://schemas.openxmlformats.org/presentationml/2006/main" xmlns:c="http://schemas.openxmlformats.org/drawingml/2006/chart" xmlns:dgm="http://schemas.openxmlformats.org/drawingml/2006/diagram" xmlns:o="urn:schemas-microsoft-com:office:office" xmlns:v="urn:schemas-microsoft-com:vml" xmlns:pvml="urn:schemas-microsoft-com:office:powerpoint" xmlns:com="http://schemas.openxmlformats.org/drawingml/2006/compatibility" xmlns:p14="http://schemas.microsoft.com/office/powerpoint/2010/main" xmlns:p15="http://schemas.microsoft.com/office/powerpoint/2012/main" xmlns:ahyp="http://schemas.microsoft.com/office/drawing/2018/hyperlinkcolor">
+<p:sld xmlns:a="http://schemas.openxmlformats.org/drawingml/2006/main" xmlns:r="http://schemas.openxmlformats.org/officeDocument/2006/relationships" xmlns:p="http://schemas.openxmlformats.org/presentationml/2006/main">
   <p:cSld>
     <p:spTree>
       <p:nvGrpSpPr>
-        <p:cNvPr id="211" name="Shape 211"/>
+        <p:cNvPr id="1" name="Shape 211"/>
         <p:cNvGrpSpPr/>
         <p:nvPr/>
       </p:nvGrpSpPr>
@@ -12417,9 +12953,11 @@
       <p:sp>
         <p:nvSpPr>
           <p:cNvPr id="212" name="Google Shape;212;p42"/>
-          <p:cNvSpPr txBox="1"/>
+          <p:cNvSpPr txBox="1">
+            <a:spLocks noGrp="1"/>
+          </p:cNvSpPr>
           <p:nvPr>
-            <p:ph idx="1" type="body"/>
+            <p:ph type="body" idx="1"/>
           </p:nvPr>
         </p:nvSpPr>
         <p:spPr>
@@ -12432,12 +12970,12 @@
           </a:prstGeom>
         </p:spPr>
         <p:txBody>
-          <a:bodyPr anchorCtr="0" anchor="ctr" bIns="91425" lIns="91425" spcFirstLastPara="1" rIns="91425" wrap="square" tIns="91425">
+          <a:bodyPr spcFirstLastPara="1" wrap="square" lIns="91425" tIns="91425" rIns="91425" bIns="91425" anchor="ctr" anchorCtr="0">
             <a:noAutofit/>
           </a:bodyPr>
           <a:lstStyle/>
           <a:p>
-            <a:pPr indent="0" lvl="0" marL="0" rtl="0" algn="l">
+            <a:pPr marL="0" lvl="0" indent="0" algn="l" rtl="0">
               <a:spcBef>
                 <a:spcPts val="0"/>
               </a:spcBef>
@@ -12469,7 +13007,7 @@
             </a:endParaRPr>
           </a:p>
           <a:p>
-            <a:pPr indent="0" lvl="0" marL="0" rtl="0" algn="l">
+            <a:pPr marL="0" lvl="0" indent="0" algn="l" rtl="0">
               <a:spcBef>
                 <a:spcPts val="0"/>
               </a:spcBef>
@@ -12488,19 +13026,7 @@
                 <a:cs typeface="Consolas"/>
                 <a:sym typeface="Consolas"/>
               </a:rPr>
-              <a:t>Host: </a:t>
-            </a:r>
-            <a:r>
-              <a:rPr lang="en">
-                <a:solidFill>
-                  <a:srgbClr val="FFFFFF"/>
-                </a:solidFill>
-                <a:latin typeface="Consolas"/>
-                <a:ea typeface="Consolas"/>
-                <a:cs typeface="Consolas"/>
-                <a:sym typeface="Consolas"/>
-              </a:rPr>
-              <a:t>accounts.google.com</a:t>
+              <a:t>Host: accounts.google.com</a:t>
             </a:r>
             <a:endParaRPr>
               <a:solidFill>
@@ -12513,7 +13039,7 @@
             </a:endParaRPr>
           </a:p>
           <a:p>
-            <a:pPr indent="0" lvl="0" marL="0" rtl="0" algn="l">
+            <a:pPr marL="0" lvl="0" indent="0" algn="l" rtl="0">
               <a:spcBef>
                 <a:spcPts val="0"/>
               </a:spcBef>
@@ -12545,7 +13071,7 @@
             </a:endParaRPr>
           </a:p>
           <a:p>
-            <a:pPr indent="0" lvl="0" marL="0" rtl="0" algn="l">
+            <a:pPr marL="0" lvl="0" indent="0" algn="l" rtl="0">
               <a:spcBef>
                 <a:spcPts val="0"/>
               </a:spcBef>
@@ -12587,11 +13113,11 @@
 </file>
 
 <file path=ppt/slides/slide31.xml><?xml version="1.0" encoding="utf-8"?>
-<p:sld xmlns:a="http://schemas.openxmlformats.org/drawingml/2006/main" xmlns:r="http://schemas.openxmlformats.org/officeDocument/2006/relationships" xmlns:mc="http://schemas.openxmlformats.org/markup-compatibility/2006" xmlns:mv="urn:schemas-microsoft-com:mac:vml" xmlns:p="http://schemas.openxmlformats.org/presentationml/2006/main" xmlns:c="http://schemas.openxmlformats.org/drawingml/2006/chart" xmlns:dgm="http://schemas.openxmlformats.org/drawingml/2006/diagram" xmlns:o="urn:schemas-microsoft-com:office:office" xmlns:v="urn:schemas-microsoft-com:vml" xmlns:pvml="urn:schemas-microsoft-com:office:powerpoint" xmlns:com="http://schemas.openxmlformats.org/drawingml/2006/compatibility" xmlns:p14="http://schemas.microsoft.com/office/powerpoint/2010/main" xmlns:p15="http://schemas.microsoft.com/office/powerpoint/2012/main" xmlns:ahyp="http://schemas.microsoft.com/office/drawing/2018/hyperlinkcolor">
+<p:sld xmlns:a="http://schemas.openxmlformats.org/drawingml/2006/main" xmlns:r="http://schemas.openxmlformats.org/officeDocument/2006/relationships" xmlns:p="http://schemas.openxmlformats.org/presentationml/2006/main">
   <p:cSld>
     <p:spTree>
       <p:nvGrpSpPr>
-        <p:cNvPr id="216" name="Shape 216"/>
+        <p:cNvPr id="1" name="Shape 216"/>
         <p:cNvGrpSpPr/>
         <p:nvPr/>
       </p:nvGrpSpPr>
@@ -12606,9 +13132,11 @@
       <p:sp>
         <p:nvSpPr>
           <p:cNvPr id="217" name="Google Shape;217;p43"/>
-          <p:cNvSpPr txBox="1"/>
+          <p:cNvSpPr txBox="1">
+            <a:spLocks noGrp="1"/>
+          </p:cNvSpPr>
           <p:nvPr>
-            <p:ph idx="1" type="body"/>
+            <p:ph type="body" idx="1"/>
           </p:nvPr>
         </p:nvSpPr>
         <p:spPr>
@@ -12621,12 +13149,12 @@
           </a:prstGeom>
         </p:spPr>
         <p:txBody>
-          <a:bodyPr anchorCtr="0" anchor="ctr" bIns="91425" lIns="91425" spcFirstLastPara="1" rIns="91425" wrap="square" tIns="91425">
+          <a:bodyPr spcFirstLastPara="1" wrap="square" lIns="91425" tIns="91425" rIns="91425" bIns="91425" anchor="ctr" anchorCtr="0">
             <a:noAutofit/>
           </a:bodyPr>
           <a:lstStyle/>
           <a:p>
-            <a:pPr indent="0" lvl="0" marL="0" rtl="0" algn="l">
+            <a:pPr marL="0" lvl="0" indent="0" algn="l" rtl="0">
               <a:spcBef>
                 <a:spcPts val="0"/>
               </a:spcBef>
@@ -12668,11 +13196,11 @@
 </file>
 
 <file path=ppt/slides/slide32.xml><?xml version="1.0" encoding="utf-8"?>
-<p:sld xmlns:a="http://schemas.openxmlformats.org/drawingml/2006/main" xmlns:r="http://schemas.openxmlformats.org/officeDocument/2006/relationships" xmlns:mc="http://schemas.openxmlformats.org/markup-compatibility/2006" xmlns:mv="urn:schemas-microsoft-com:mac:vml" xmlns:p="http://schemas.openxmlformats.org/presentationml/2006/main" xmlns:c="http://schemas.openxmlformats.org/drawingml/2006/chart" xmlns:dgm="http://schemas.openxmlformats.org/drawingml/2006/diagram" xmlns:o="urn:schemas-microsoft-com:office:office" xmlns:v="urn:schemas-microsoft-com:vml" xmlns:pvml="urn:schemas-microsoft-com:office:powerpoint" xmlns:com="http://schemas.openxmlformats.org/drawingml/2006/compatibility" xmlns:p14="http://schemas.microsoft.com/office/powerpoint/2010/main" xmlns:p15="http://schemas.microsoft.com/office/powerpoint/2012/main" xmlns:ahyp="http://schemas.microsoft.com/office/drawing/2018/hyperlinkcolor">
+<p:sld xmlns:a="http://schemas.openxmlformats.org/drawingml/2006/main" xmlns:r="http://schemas.openxmlformats.org/officeDocument/2006/relationships" xmlns:p="http://schemas.openxmlformats.org/presentationml/2006/main">
   <p:cSld>
     <p:spTree>
       <p:nvGrpSpPr>
-        <p:cNvPr id="221" name="Shape 221"/>
+        <p:cNvPr id="1" name="Shape 221"/>
         <p:cNvGrpSpPr/>
         <p:nvPr/>
       </p:nvGrpSpPr>
@@ -12687,9 +13215,11 @@
       <p:sp>
         <p:nvSpPr>
           <p:cNvPr id="222" name="Google Shape;222;p44"/>
-          <p:cNvSpPr txBox="1"/>
+          <p:cNvSpPr txBox="1">
+            <a:spLocks noGrp="1"/>
+          </p:cNvSpPr>
           <p:nvPr>
-            <p:ph idx="1" type="body"/>
+            <p:ph type="body" idx="1"/>
           </p:nvPr>
         </p:nvSpPr>
         <p:spPr>
@@ -12702,12 +13232,12 @@
           </a:prstGeom>
         </p:spPr>
         <p:txBody>
-          <a:bodyPr anchorCtr="0" anchor="ctr" bIns="91425" lIns="91425" spcFirstLastPara="1" rIns="91425" wrap="square" tIns="91425">
+          <a:bodyPr spcFirstLastPara="1" wrap="square" lIns="91425" tIns="91425" rIns="91425" bIns="91425" anchor="ctr" anchorCtr="0">
             <a:noAutofit/>
           </a:bodyPr>
           <a:lstStyle/>
           <a:p>
-            <a:pPr indent="0" lvl="0" marL="0" rtl="0" algn="l">
+            <a:pPr marL="0" lvl="0" indent="0" algn="l" rtl="0">
               <a:spcBef>
                 <a:spcPts val="0"/>
               </a:spcBef>
@@ -12749,11 +13279,11 @@
 </file>
 
 <file path=ppt/slides/slide33.xml><?xml version="1.0" encoding="utf-8"?>
-<p:sld xmlns:a="http://schemas.openxmlformats.org/drawingml/2006/main" xmlns:r="http://schemas.openxmlformats.org/officeDocument/2006/relationships" xmlns:mc="http://schemas.openxmlformats.org/markup-compatibility/2006" xmlns:mv="urn:schemas-microsoft-com:mac:vml" xmlns:p="http://schemas.openxmlformats.org/presentationml/2006/main" xmlns:c="http://schemas.openxmlformats.org/drawingml/2006/chart" xmlns:dgm="http://schemas.openxmlformats.org/drawingml/2006/diagram" xmlns:o="urn:schemas-microsoft-com:office:office" xmlns:v="urn:schemas-microsoft-com:vml" xmlns:pvml="urn:schemas-microsoft-com:office:powerpoint" xmlns:com="http://schemas.openxmlformats.org/drawingml/2006/compatibility" xmlns:p14="http://schemas.microsoft.com/office/powerpoint/2010/main" xmlns:p15="http://schemas.microsoft.com/office/powerpoint/2012/main" xmlns:ahyp="http://schemas.microsoft.com/office/drawing/2018/hyperlinkcolor">
+<p:sld xmlns:a="http://schemas.openxmlformats.org/drawingml/2006/main" xmlns:r="http://schemas.openxmlformats.org/officeDocument/2006/relationships" xmlns:p="http://schemas.openxmlformats.org/presentationml/2006/main">
   <p:cSld>
     <p:spTree>
       <p:nvGrpSpPr>
-        <p:cNvPr id="226" name="Shape 226"/>
+        <p:cNvPr id="1" name="Shape 226"/>
         <p:cNvGrpSpPr/>
         <p:nvPr/>
       </p:nvGrpSpPr>
@@ -12768,7 +13298,9 @@
       <p:sp>
         <p:nvSpPr>
           <p:cNvPr id="227" name="Google Shape;227;p45"/>
-          <p:cNvSpPr txBox="1"/>
+          <p:cNvSpPr txBox="1">
+            <a:spLocks noGrp="1"/>
+          </p:cNvSpPr>
           <p:nvPr>
             <p:ph type="title"/>
           </p:nvPr>
@@ -12783,12 +13315,12 @@
           </a:prstGeom>
         </p:spPr>
         <p:txBody>
-          <a:bodyPr anchorCtr="0" anchor="ctr" bIns="91425" lIns="91425" spcFirstLastPara="1" rIns="91425" wrap="square" tIns="91425">
+          <a:bodyPr spcFirstLastPara="1" wrap="square" lIns="91425" tIns="91425" rIns="91425" bIns="91425" anchor="ctr" anchorCtr="0">
             <a:noAutofit/>
           </a:bodyPr>
           <a:lstStyle/>
           <a:p>
-            <a:pPr indent="0" lvl="0" marL="0" rtl="0" algn="ctr">
+            <a:pPr marL="0" lvl="0" indent="0" algn="ctr" rtl="0">
               <a:spcBef>
                 <a:spcPts val="0"/>
               </a:spcBef>
@@ -12814,11 +13346,11 @@
 </file>
 
 <file path=ppt/slides/slide34.xml><?xml version="1.0" encoding="utf-8"?>
-<p:sld xmlns:a="http://schemas.openxmlformats.org/drawingml/2006/main" xmlns:r="http://schemas.openxmlformats.org/officeDocument/2006/relationships" xmlns:mc="http://schemas.openxmlformats.org/markup-compatibility/2006" xmlns:mv="urn:schemas-microsoft-com:mac:vml" xmlns:p="http://schemas.openxmlformats.org/presentationml/2006/main" xmlns:c="http://schemas.openxmlformats.org/drawingml/2006/chart" xmlns:dgm="http://schemas.openxmlformats.org/drawingml/2006/diagram" xmlns:o="urn:schemas-microsoft-com:office:office" xmlns:v="urn:schemas-microsoft-com:vml" xmlns:pvml="urn:schemas-microsoft-com:office:powerpoint" xmlns:com="http://schemas.openxmlformats.org/drawingml/2006/compatibility" xmlns:p14="http://schemas.microsoft.com/office/powerpoint/2010/main" xmlns:p15="http://schemas.microsoft.com/office/powerpoint/2012/main" xmlns:ahyp="http://schemas.microsoft.com/office/drawing/2018/hyperlinkcolor">
+<p:sld xmlns:a="http://schemas.openxmlformats.org/drawingml/2006/main" xmlns:r="http://schemas.openxmlformats.org/officeDocument/2006/relationships" xmlns:p="http://schemas.openxmlformats.org/presentationml/2006/main">
   <p:cSld>
     <p:spTree>
       <p:nvGrpSpPr>
-        <p:cNvPr id="231" name="Shape 231"/>
+        <p:cNvPr id="1" name="Shape 231"/>
         <p:cNvGrpSpPr/>
         <p:nvPr/>
       </p:nvGrpSpPr>
@@ -12833,7 +13365,9 @@
       <p:sp>
         <p:nvSpPr>
           <p:cNvPr id="232" name="Google Shape;232;p46"/>
-          <p:cNvSpPr txBox="1"/>
+          <p:cNvSpPr txBox="1">
+            <a:spLocks noGrp="1"/>
+          </p:cNvSpPr>
           <p:nvPr>
             <p:ph type="title"/>
           </p:nvPr>
@@ -12848,12 +13382,12 @@
           </a:prstGeom>
         </p:spPr>
         <p:txBody>
-          <a:bodyPr anchorCtr="0" anchor="ctr" bIns="91425" lIns="91425" spcFirstLastPara="1" rIns="91425" wrap="square" tIns="91425">
+          <a:bodyPr spcFirstLastPara="1" wrap="square" lIns="91425" tIns="91425" rIns="91425" bIns="91425" anchor="ctr" anchorCtr="0">
             <a:noAutofit/>
           </a:bodyPr>
           <a:lstStyle/>
           <a:p>
-            <a:pPr indent="0" lvl="0" marL="0" rtl="0" algn="ctr">
+            <a:pPr marL="0" lvl="0" indent="0" algn="ctr" rtl="0">
               <a:spcBef>
                 <a:spcPts val="0"/>
               </a:spcBef>
@@ -12879,11 +13413,11 @@
 </file>
 
 <file path=ppt/slides/slide35.xml><?xml version="1.0" encoding="utf-8"?>
-<p:sld xmlns:a="http://schemas.openxmlformats.org/drawingml/2006/main" xmlns:r="http://schemas.openxmlformats.org/officeDocument/2006/relationships" xmlns:mc="http://schemas.openxmlformats.org/markup-compatibility/2006" xmlns:mv="urn:schemas-microsoft-com:mac:vml" xmlns:p="http://schemas.openxmlformats.org/presentationml/2006/main" xmlns:c="http://schemas.openxmlformats.org/drawingml/2006/chart" xmlns:dgm="http://schemas.openxmlformats.org/drawingml/2006/diagram" xmlns:o="urn:schemas-microsoft-com:office:office" xmlns:v="urn:schemas-microsoft-com:vml" xmlns:pvml="urn:schemas-microsoft-com:office:powerpoint" xmlns:com="http://schemas.openxmlformats.org/drawingml/2006/compatibility" xmlns:p14="http://schemas.microsoft.com/office/powerpoint/2010/main" xmlns:p15="http://schemas.microsoft.com/office/powerpoint/2012/main" xmlns:ahyp="http://schemas.microsoft.com/office/drawing/2018/hyperlinkcolor">
+<p:sld xmlns:a="http://schemas.openxmlformats.org/drawingml/2006/main" xmlns:r="http://schemas.openxmlformats.org/officeDocument/2006/relationships" xmlns:p="http://schemas.openxmlformats.org/presentationml/2006/main">
   <p:cSld>
     <p:spTree>
       <p:nvGrpSpPr>
-        <p:cNvPr id="236" name="Shape 236"/>
+        <p:cNvPr id="1" name="Shape 236"/>
         <p:cNvGrpSpPr/>
         <p:nvPr/>
       </p:nvGrpSpPr>
@@ -12898,9 +13432,11 @@
       <p:sp>
         <p:nvSpPr>
           <p:cNvPr id="237" name="Google Shape;237;p47"/>
-          <p:cNvSpPr txBox="1"/>
+          <p:cNvSpPr txBox="1">
+            <a:spLocks noGrp="1"/>
+          </p:cNvSpPr>
           <p:nvPr>
-            <p:ph idx="1" type="body"/>
+            <p:ph type="body" idx="1"/>
           </p:nvPr>
         </p:nvSpPr>
         <p:spPr>
@@ -12913,12 +13449,12 @@
           </a:prstGeom>
         </p:spPr>
         <p:txBody>
-          <a:bodyPr anchorCtr="0" anchor="ctr" bIns="91425" lIns="91425" spcFirstLastPara="1" rIns="91425" wrap="square" tIns="91425">
+          <a:bodyPr spcFirstLastPara="1" wrap="square" lIns="91425" tIns="91425" rIns="91425" bIns="91425" anchor="ctr" anchorCtr="0">
             <a:noAutofit/>
           </a:bodyPr>
           <a:lstStyle/>
           <a:p>
-            <a:pPr indent="0" lvl="0" marL="0" rtl="0" algn="l">
+            <a:pPr marL="0" lvl="0" indent="0" algn="l" rtl="0">
               <a:spcBef>
                 <a:spcPts val="0"/>
               </a:spcBef>
@@ -12950,7 +13486,7 @@
             </a:endParaRPr>
           </a:p>
           <a:p>
-            <a:pPr indent="0" lvl="0" marL="0" rtl="0" algn="l">
+            <a:pPr marL="0" lvl="0" indent="0" algn="l" rtl="0">
               <a:spcBef>
                 <a:spcPts val="0"/>
               </a:spcBef>
@@ -12982,7 +13518,7 @@
             </a:endParaRPr>
           </a:p>
           <a:p>
-            <a:pPr indent="0" lvl="0" marL="0" rtl="0" algn="l">
+            <a:pPr marL="0" lvl="0" indent="0" algn="l" rtl="0">
               <a:spcBef>
                 <a:spcPts val="0"/>
               </a:spcBef>
@@ -13014,7 +13550,7 @@
             </a:endParaRPr>
           </a:p>
           <a:p>
-            <a:pPr indent="0" lvl="0" marL="0" rtl="0" algn="l">
+            <a:pPr marL="0" lvl="0" indent="0" algn="l" rtl="0">
               <a:spcBef>
                 <a:spcPts val="0"/>
               </a:spcBef>
@@ -13046,7 +13582,7 @@
             </a:endParaRPr>
           </a:p>
           <a:p>
-            <a:pPr indent="0" lvl="0" marL="0" rtl="0" algn="l">
+            <a:pPr marL="0" lvl="0" indent="0" algn="l" rtl="0">
               <a:spcBef>
                 <a:spcPts val="0"/>
               </a:spcBef>
@@ -13078,7 +13614,7 @@
             </a:endParaRPr>
           </a:p>
           <a:p>
-            <a:pPr indent="0" lvl="0" marL="0" rtl="0" algn="l">
+            <a:pPr marL="0" lvl="0" indent="0" algn="l" rtl="0">
               <a:spcBef>
                 <a:spcPts val="0"/>
               </a:spcBef>
@@ -13110,7 +13646,7 @@
             </a:endParaRPr>
           </a:p>
           <a:p>
-            <a:pPr indent="0" lvl="0" marL="0" rtl="0" algn="l">
+            <a:pPr marL="0" lvl="0" indent="0" algn="l" rtl="0">
               <a:spcBef>
                 <a:spcPts val="0"/>
               </a:spcBef>
@@ -13142,7 +13678,7 @@
             </a:endParaRPr>
           </a:p>
           <a:p>
-            <a:pPr indent="0" lvl="0" marL="0" rtl="0" algn="l">
+            <a:pPr marL="0" lvl="0" indent="0" algn="l" rtl="0">
               <a:spcBef>
                 <a:spcPts val="0"/>
               </a:spcBef>
@@ -13174,7 +13710,7 @@
             </a:endParaRPr>
           </a:p>
           <a:p>
-            <a:pPr indent="0" lvl="0" marL="0" rtl="0" algn="l">
+            <a:pPr marL="0" lvl="0" indent="0" algn="l" rtl="0">
               <a:spcBef>
                 <a:spcPts val="0"/>
               </a:spcBef>
@@ -13206,7 +13742,7 @@
             </a:endParaRPr>
           </a:p>
           <a:p>
-            <a:pPr indent="0" lvl="0" marL="0" rtl="0" algn="l">
+            <a:pPr marL="0" lvl="0" indent="0" algn="l" rtl="0">
               <a:spcBef>
                 <a:spcPts val="0"/>
               </a:spcBef>
@@ -13215,9 +13751,6 @@
               </a:spcAft>
               <a:buNone/>
             </a:pPr>
-            <a:r>
-              <a:t/>
-            </a:r>
             <a:endParaRPr sz="1600">
               <a:solidFill>
                 <a:srgbClr val="FFFFFF"/>
@@ -13229,7 +13762,7 @@
             </a:endParaRPr>
           </a:p>
           <a:p>
-            <a:pPr indent="0" lvl="0" marL="0" rtl="0" algn="l">
+            <a:pPr marL="0" lvl="0" indent="0" algn="l" rtl="0">
               <a:spcBef>
                 <a:spcPts val="0"/>
               </a:spcBef>
@@ -13238,9 +13771,6 @@
               </a:spcAft>
               <a:buNone/>
             </a:pPr>
-            <a:r>
-              <a:t/>
-            </a:r>
             <a:endParaRPr sz="1600">
               <a:solidFill>
                 <a:srgbClr val="FFFFFF"/>
@@ -13262,11 +13792,11 @@
 </file>
 
 <file path=ppt/slides/slide36.xml><?xml version="1.0" encoding="utf-8"?>
-<p:sld xmlns:a="http://schemas.openxmlformats.org/drawingml/2006/main" xmlns:r="http://schemas.openxmlformats.org/officeDocument/2006/relationships" xmlns:mc="http://schemas.openxmlformats.org/markup-compatibility/2006" xmlns:mv="urn:schemas-microsoft-com:mac:vml" xmlns:p="http://schemas.openxmlformats.org/presentationml/2006/main" xmlns:c="http://schemas.openxmlformats.org/drawingml/2006/chart" xmlns:dgm="http://schemas.openxmlformats.org/drawingml/2006/diagram" xmlns:o="urn:schemas-microsoft-com:office:office" xmlns:v="urn:schemas-microsoft-com:vml" xmlns:pvml="urn:schemas-microsoft-com:office:powerpoint" xmlns:com="http://schemas.openxmlformats.org/drawingml/2006/compatibility" xmlns:p14="http://schemas.microsoft.com/office/powerpoint/2010/main" xmlns:p15="http://schemas.microsoft.com/office/powerpoint/2012/main" xmlns:ahyp="http://schemas.microsoft.com/office/drawing/2018/hyperlinkcolor">
+<p:sld xmlns:a="http://schemas.openxmlformats.org/drawingml/2006/main" xmlns:r="http://schemas.openxmlformats.org/officeDocument/2006/relationships" xmlns:p="http://schemas.openxmlformats.org/presentationml/2006/main">
   <p:cSld>
     <p:spTree>
       <p:nvGrpSpPr>
-        <p:cNvPr id="241" name="Shape 241"/>
+        <p:cNvPr id="1" name="Shape 241"/>
         <p:cNvGrpSpPr/>
         <p:nvPr/>
       </p:nvGrpSpPr>
@@ -13278,34 +13808,274 @@
           <a:chExt cx="0" cy="0"/>
         </a:xfrm>
       </p:grpSpPr>
-      <p:pic>
-        <p:nvPicPr>
-          <p:cNvPr id="242" name="Google Shape;242;p48"/>
-          <p:cNvPicPr preferRelativeResize="0"/>
+      <p:sp>
+        <p:nvSpPr>
+          <p:cNvPr id="2" name="TextBox 1">
+            <a:extLst>
+              <a:ext uri="{FF2B5EF4-FFF2-40B4-BE49-F238E27FC236}">
+                <a16:creationId xmlns:a16="http://schemas.microsoft.com/office/drawing/2014/main" id="{50457470-869F-3131-BECA-F5A378ABE6C9}"/>
+              </a:ext>
+            </a:extLst>
+          </p:cNvPr>
+          <p:cNvSpPr txBox="1"/>
           <p:nvPr/>
-        </p:nvPicPr>
-        <p:blipFill>
-          <a:blip r:embed="rId3">
-            <a:alphaModFix/>
-          </a:blip>
-          <a:stretch>
-            <a:fillRect/>
-          </a:stretch>
-        </p:blipFill>
+        </p:nvSpPr>
         <p:spPr>
           <a:xfrm>
-            <a:off x="-12" y="0"/>
-            <a:ext cx="9144018" cy="5143501"/>
+            <a:off x="921001" y="2110085"/>
+            <a:ext cx="7301999" cy="923330"/>
           </a:xfrm>
           <a:prstGeom prst="rect">
             <a:avLst/>
           </a:prstGeom>
           <a:noFill/>
-          <a:ln>
-            <a:noFill/>
-          </a:ln>
-        </p:spPr>
-      </p:pic>
+        </p:spPr>
+        <p:txBody>
+          <a:bodyPr wrap="none" rtlCol="0">
+            <a:spAutoFit/>
+          </a:bodyPr>
+          <a:lstStyle>
+            <a:defPPr marR="0" lvl="0" algn="l" rtl="0">
+              <a:lnSpc>
+                <a:spcPct val="100000"/>
+              </a:lnSpc>
+              <a:spcBef>
+                <a:spcPts val="0"/>
+              </a:spcBef>
+              <a:spcAft>
+                <a:spcPts val="0"/>
+              </a:spcAft>
+              <a:defRPr/>
+            </a:defPPr>
+            <a:lvl1pPr marR="0" lvl="0" algn="l" rtl="0">
+              <a:lnSpc>
+                <a:spcPct val="100000"/>
+              </a:lnSpc>
+              <a:spcBef>
+                <a:spcPts val="0"/>
+              </a:spcBef>
+              <a:spcAft>
+                <a:spcPts val="0"/>
+              </a:spcAft>
+              <a:buClr>
+                <a:srgbClr val="000000"/>
+              </a:buClr>
+              <a:buFont typeface="Arial"/>
+              <a:defRPr sz="1400" b="0" i="0" u="none" strike="noStrike" cap="none">
+                <a:solidFill>
+                  <a:srgbClr val="000000"/>
+                </a:solidFill>
+                <a:latin typeface="Arial"/>
+                <a:ea typeface="Arial"/>
+                <a:cs typeface="Arial"/>
+                <a:sym typeface="Arial"/>
+              </a:defRPr>
+            </a:lvl1pPr>
+            <a:lvl2pPr marR="0" lvl="1" algn="l" rtl="0">
+              <a:lnSpc>
+                <a:spcPct val="100000"/>
+              </a:lnSpc>
+              <a:spcBef>
+                <a:spcPts val="0"/>
+              </a:spcBef>
+              <a:spcAft>
+                <a:spcPts val="0"/>
+              </a:spcAft>
+              <a:buClr>
+                <a:srgbClr val="000000"/>
+              </a:buClr>
+              <a:buFont typeface="Arial"/>
+              <a:defRPr sz="1400" b="0" i="0" u="none" strike="noStrike" cap="none">
+                <a:solidFill>
+                  <a:srgbClr val="000000"/>
+                </a:solidFill>
+                <a:latin typeface="Arial"/>
+                <a:ea typeface="Arial"/>
+                <a:cs typeface="Arial"/>
+                <a:sym typeface="Arial"/>
+              </a:defRPr>
+            </a:lvl2pPr>
+            <a:lvl3pPr marR="0" lvl="2" algn="l" rtl="0">
+              <a:lnSpc>
+                <a:spcPct val="100000"/>
+              </a:lnSpc>
+              <a:spcBef>
+                <a:spcPts val="0"/>
+              </a:spcBef>
+              <a:spcAft>
+                <a:spcPts val="0"/>
+              </a:spcAft>
+              <a:buClr>
+                <a:srgbClr val="000000"/>
+              </a:buClr>
+              <a:buFont typeface="Arial"/>
+              <a:defRPr sz="1400" b="0" i="0" u="none" strike="noStrike" cap="none">
+                <a:solidFill>
+                  <a:srgbClr val="000000"/>
+                </a:solidFill>
+                <a:latin typeface="Arial"/>
+                <a:ea typeface="Arial"/>
+                <a:cs typeface="Arial"/>
+                <a:sym typeface="Arial"/>
+              </a:defRPr>
+            </a:lvl3pPr>
+            <a:lvl4pPr marR="0" lvl="3" algn="l" rtl="0">
+              <a:lnSpc>
+                <a:spcPct val="100000"/>
+              </a:lnSpc>
+              <a:spcBef>
+                <a:spcPts val="0"/>
+              </a:spcBef>
+              <a:spcAft>
+                <a:spcPts val="0"/>
+              </a:spcAft>
+              <a:buClr>
+                <a:srgbClr val="000000"/>
+              </a:buClr>
+              <a:buFont typeface="Arial"/>
+              <a:defRPr sz="1400" b="0" i="0" u="none" strike="noStrike" cap="none">
+                <a:solidFill>
+                  <a:srgbClr val="000000"/>
+                </a:solidFill>
+                <a:latin typeface="Arial"/>
+                <a:ea typeface="Arial"/>
+                <a:cs typeface="Arial"/>
+                <a:sym typeface="Arial"/>
+              </a:defRPr>
+            </a:lvl4pPr>
+            <a:lvl5pPr marR="0" lvl="4" algn="l" rtl="0">
+              <a:lnSpc>
+                <a:spcPct val="100000"/>
+              </a:lnSpc>
+              <a:spcBef>
+                <a:spcPts val="0"/>
+              </a:spcBef>
+              <a:spcAft>
+                <a:spcPts val="0"/>
+              </a:spcAft>
+              <a:buClr>
+                <a:srgbClr val="000000"/>
+              </a:buClr>
+              <a:buFont typeface="Arial"/>
+              <a:defRPr sz="1400" b="0" i="0" u="none" strike="noStrike" cap="none">
+                <a:solidFill>
+                  <a:srgbClr val="000000"/>
+                </a:solidFill>
+                <a:latin typeface="Arial"/>
+                <a:ea typeface="Arial"/>
+                <a:cs typeface="Arial"/>
+                <a:sym typeface="Arial"/>
+              </a:defRPr>
+            </a:lvl5pPr>
+            <a:lvl6pPr marR="0" lvl="5" algn="l" rtl="0">
+              <a:lnSpc>
+                <a:spcPct val="100000"/>
+              </a:lnSpc>
+              <a:spcBef>
+                <a:spcPts val="0"/>
+              </a:spcBef>
+              <a:spcAft>
+                <a:spcPts val="0"/>
+              </a:spcAft>
+              <a:buClr>
+                <a:srgbClr val="000000"/>
+              </a:buClr>
+              <a:buFont typeface="Arial"/>
+              <a:defRPr sz="1400" b="0" i="0" u="none" strike="noStrike" cap="none">
+                <a:solidFill>
+                  <a:srgbClr val="000000"/>
+                </a:solidFill>
+                <a:latin typeface="Arial"/>
+                <a:ea typeface="Arial"/>
+                <a:cs typeface="Arial"/>
+                <a:sym typeface="Arial"/>
+              </a:defRPr>
+            </a:lvl6pPr>
+            <a:lvl7pPr marR="0" lvl="6" algn="l" rtl="0">
+              <a:lnSpc>
+                <a:spcPct val="100000"/>
+              </a:lnSpc>
+              <a:spcBef>
+                <a:spcPts val="0"/>
+              </a:spcBef>
+              <a:spcAft>
+                <a:spcPts val="0"/>
+              </a:spcAft>
+              <a:buClr>
+                <a:srgbClr val="000000"/>
+              </a:buClr>
+              <a:buFont typeface="Arial"/>
+              <a:defRPr sz="1400" b="0" i="0" u="none" strike="noStrike" cap="none">
+                <a:solidFill>
+                  <a:srgbClr val="000000"/>
+                </a:solidFill>
+                <a:latin typeface="Arial"/>
+                <a:ea typeface="Arial"/>
+                <a:cs typeface="Arial"/>
+                <a:sym typeface="Arial"/>
+              </a:defRPr>
+            </a:lvl7pPr>
+            <a:lvl8pPr marR="0" lvl="7" algn="l" rtl="0">
+              <a:lnSpc>
+                <a:spcPct val="100000"/>
+              </a:lnSpc>
+              <a:spcBef>
+                <a:spcPts val="0"/>
+              </a:spcBef>
+              <a:spcAft>
+                <a:spcPts val="0"/>
+              </a:spcAft>
+              <a:buClr>
+                <a:srgbClr val="000000"/>
+              </a:buClr>
+              <a:buFont typeface="Arial"/>
+              <a:defRPr sz="1400" b="0" i="0" u="none" strike="noStrike" cap="none">
+                <a:solidFill>
+                  <a:srgbClr val="000000"/>
+                </a:solidFill>
+                <a:latin typeface="Arial"/>
+                <a:ea typeface="Arial"/>
+                <a:cs typeface="Arial"/>
+                <a:sym typeface="Arial"/>
+              </a:defRPr>
+            </a:lvl8pPr>
+            <a:lvl9pPr marR="0" lvl="8" algn="l" rtl="0">
+              <a:lnSpc>
+                <a:spcPct val="100000"/>
+              </a:lnSpc>
+              <a:spcBef>
+                <a:spcPts val="0"/>
+              </a:spcBef>
+              <a:spcAft>
+                <a:spcPts val="0"/>
+              </a:spcAft>
+              <a:buClr>
+                <a:srgbClr val="000000"/>
+              </a:buClr>
+              <a:buFont typeface="Arial"/>
+              <a:defRPr sz="1400" b="0" i="0" u="none" strike="noStrike" cap="none">
+                <a:solidFill>
+                  <a:srgbClr val="000000"/>
+                </a:solidFill>
+                <a:latin typeface="Arial"/>
+                <a:ea typeface="Arial"/>
+                <a:cs typeface="Arial"/>
+                <a:sym typeface="Arial"/>
+              </a:defRPr>
+            </a:lvl9pPr>
+          </a:lstStyle>
+          <a:p>
+            <a:r>
+              <a:rPr lang="en-GB" sz="5400" dirty="0">
+                <a:solidFill>
+                  <a:schemeClr val="tx1"/>
+                </a:solidFill>
+              </a:rPr>
+              <a:t>Computing Technology</a:t>
+            </a:r>
+          </a:p>
+        </p:txBody>
+      </p:sp>
     </p:spTree>
   </p:cSld>
   <p:clrMapOvr>
@@ -13315,11 +14085,11 @@
 </file>
 
 <file path=ppt/slides/slide4.xml><?xml version="1.0" encoding="utf-8"?>
-<p:sld xmlns:a="http://schemas.openxmlformats.org/drawingml/2006/main" xmlns:r="http://schemas.openxmlformats.org/officeDocument/2006/relationships" xmlns:mc="http://schemas.openxmlformats.org/markup-compatibility/2006" xmlns:mv="urn:schemas-microsoft-com:mac:vml" xmlns:p="http://schemas.openxmlformats.org/presentationml/2006/main" xmlns:c="http://schemas.openxmlformats.org/drawingml/2006/chart" xmlns:dgm="http://schemas.openxmlformats.org/drawingml/2006/diagram" xmlns:o="urn:schemas-microsoft-com:office:office" xmlns:v="urn:schemas-microsoft-com:vml" xmlns:pvml="urn:schemas-microsoft-com:office:powerpoint" xmlns:com="http://schemas.openxmlformats.org/drawingml/2006/compatibility" xmlns:p14="http://schemas.microsoft.com/office/powerpoint/2010/main" xmlns:p15="http://schemas.microsoft.com/office/powerpoint/2012/main" xmlns:ahyp="http://schemas.microsoft.com/office/drawing/2018/hyperlinkcolor">
+<p:sld xmlns:a="http://schemas.openxmlformats.org/drawingml/2006/main" xmlns:r="http://schemas.openxmlformats.org/officeDocument/2006/relationships" xmlns:p="http://schemas.openxmlformats.org/presentationml/2006/main">
   <p:cSld>
     <p:spTree>
       <p:nvGrpSpPr>
-        <p:cNvPr id="68" name="Shape 68"/>
+        <p:cNvPr id="1" name="Shape 68"/>
         <p:cNvGrpSpPr/>
         <p:nvPr/>
       </p:nvGrpSpPr>
@@ -13334,7 +14104,9 @@
       <p:sp>
         <p:nvSpPr>
           <p:cNvPr id="69" name="Google Shape;69;p16"/>
-          <p:cNvSpPr txBox="1"/>
+          <p:cNvSpPr txBox="1">
+            <a:spLocks noGrp="1"/>
+          </p:cNvSpPr>
           <p:nvPr>
             <p:ph type="title"/>
           </p:nvPr>
@@ -13349,12 +14121,12 @@
           </a:prstGeom>
         </p:spPr>
         <p:txBody>
-          <a:bodyPr anchorCtr="0" anchor="ctr" bIns="91425" lIns="91425" spcFirstLastPara="1" rIns="91425" wrap="square" tIns="91425">
+          <a:bodyPr spcFirstLastPara="1" wrap="square" lIns="91425" tIns="91425" rIns="91425" bIns="91425" anchor="ctr" anchorCtr="0">
             <a:noAutofit/>
           </a:bodyPr>
           <a:lstStyle/>
           <a:p>
-            <a:pPr indent="0" lvl="0" marL="0" rtl="0" algn="l">
+            <a:pPr marL="0" lvl="0" indent="0" algn="l" rtl="0">
               <a:spcBef>
                 <a:spcPts val="0"/>
               </a:spcBef>
@@ -13392,11 +14164,11 @@
 </file>
 
 <file path=ppt/slides/slide5.xml><?xml version="1.0" encoding="utf-8"?>
-<p:sld xmlns:a="http://schemas.openxmlformats.org/drawingml/2006/main" xmlns:r="http://schemas.openxmlformats.org/officeDocument/2006/relationships" xmlns:mc="http://schemas.openxmlformats.org/markup-compatibility/2006" xmlns:mv="urn:schemas-microsoft-com:mac:vml" xmlns:p="http://schemas.openxmlformats.org/presentationml/2006/main" xmlns:c="http://schemas.openxmlformats.org/drawingml/2006/chart" xmlns:dgm="http://schemas.openxmlformats.org/drawingml/2006/diagram" xmlns:o="urn:schemas-microsoft-com:office:office" xmlns:v="urn:schemas-microsoft-com:vml" xmlns:pvml="urn:schemas-microsoft-com:office:powerpoint" xmlns:com="http://schemas.openxmlformats.org/drawingml/2006/compatibility" xmlns:p14="http://schemas.microsoft.com/office/powerpoint/2010/main" xmlns:p15="http://schemas.microsoft.com/office/powerpoint/2012/main" xmlns:ahyp="http://schemas.microsoft.com/office/drawing/2018/hyperlinkcolor">
+<p:sld xmlns:a="http://schemas.openxmlformats.org/drawingml/2006/main" xmlns:r="http://schemas.openxmlformats.org/officeDocument/2006/relationships" xmlns:p="http://schemas.openxmlformats.org/presentationml/2006/main">
   <p:cSld>
     <p:spTree>
       <p:nvGrpSpPr>
-        <p:cNvPr id="73" name="Shape 73"/>
+        <p:cNvPr id="1" name="Shape 73"/>
         <p:cNvGrpSpPr/>
         <p:nvPr/>
       </p:nvGrpSpPr>
@@ -13411,7 +14183,9 @@
       <p:sp>
         <p:nvSpPr>
           <p:cNvPr id="74" name="Google Shape;74;p17"/>
-          <p:cNvSpPr txBox="1"/>
+          <p:cNvSpPr txBox="1">
+            <a:spLocks noGrp="1"/>
+          </p:cNvSpPr>
           <p:nvPr>
             <p:ph type="title"/>
           </p:nvPr>
@@ -13426,12 +14200,12 @@
           </a:prstGeom>
         </p:spPr>
         <p:txBody>
-          <a:bodyPr anchorCtr="0" anchor="ctr" bIns="91425" lIns="91425" spcFirstLastPara="1" rIns="91425" wrap="square" tIns="91425">
+          <a:bodyPr spcFirstLastPara="1" wrap="square" lIns="91425" tIns="91425" rIns="91425" bIns="91425" anchor="ctr" anchorCtr="0">
             <a:noAutofit/>
           </a:bodyPr>
           <a:lstStyle/>
           <a:p>
-            <a:pPr indent="0" lvl="0" marL="0" rtl="0" algn="l">
+            <a:pPr marL="0" lvl="0" indent="0" algn="l" rtl="0">
               <a:spcBef>
                 <a:spcPts val="0"/>
               </a:spcBef>
@@ -13469,11 +14243,11 @@
 </file>
 
 <file path=ppt/slides/slide6.xml><?xml version="1.0" encoding="utf-8"?>
-<p:sld xmlns:a="http://schemas.openxmlformats.org/drawingml/2006/main" xmlns:r="http://schemas.openxmlformats.org/officeDocument/2006/relationships" xmlns:mc="http://schemas.openxmlformats.org/markup-compatibility/2006" xmlns:mv="urn:schemas-microsoft-com:mac:vml" xmlns:p="http://schemas.openxmlformats.org/presentationml/2006/main" xmlns:c="http://schemas.openxmlformats.org/drawingml/2006/chart" xmlns:dgm="http://schemas.openxmlformats.org/drawingml/2006/diagram" xmlns:o="urn:schemas-microsoft-com:office:office" xmlns:v="urn:schemas-microsoft-com:vml" xmlns:pvml="urn:schemas-microsoft-com:office:powerpoint" xmlns:com="http://schemas.openxmlformats.org/drawingml/2006/compatibility" xmlns:p14="http://schemas.microsoft.com/office/powerpoint/2010/main" xmlns:p15="http://schemas.microsoft.com/office/powerpoint/2012/main" xmlns:ahyp="http://schemas.microsoft.com/office/drawing/2018/hyperlinkcolor">
+<p:sld xmlns:a="http://schemas.openxmlformats.org/drawingml/2006/main" xmlns:r="http://schemas.openxmlformats.org/officeDocument/2006/relationships" xmlns:p="http://schemas.openxmlformats.org/presentationml/2006/main">
   <p:cSld>
     <p:spTree>
       <p:nvGrpSpPr>
-        <p:cNvPr id="78" name="Shape 78"/>
+        <p:cNvPr id="1" name="Shape 78"/>
         <p:cNvGrpSpPr/>
         <p:nvPr/>
       </p:nvGrpSpPr>
@@ -13488,7 +14262,9 @@
       <p:sp>
         <p:nvSpPr>
           <p:cNvPr id="79" name="Google Shape;79;p18"/>
-          <p:cNvSpPr txBox="1"/>
+          <p:cNvSpPr txBox="1">
+            <a:spLocks noGrp="1"/>
+          </p:cNvSpPr>
           <p:nvPr>
             <p:ph type="title"/>
           </p:nvPr>
@@ -13503,12 +14279,12 @@
           </a:prstGeom>
         </p:spPr>
         <p:txBody>
-          <a:bodyPr anchorCtr="0" anchor="ctr" bIns="91425" lIns="91425" spcFirstLastPara="1" rIns="91425" wrap="square" tIns="91425">
+          <a:bodyPr spcFirstLastPara="1" wrap="square" lIns="91425" tIns="91425" rIns="91425" bIns="91425" anchor="ctr" anchorCtr="0">
             <a:noAutofit/>
           </a:bodyPr>
           <a:lstStyle/>
           <a:p>
-            <a:pPr indent="0" lvl="0" marL="0" rtl="0" algn="l">
+            <a:pPr marL="0" lvl="0" indent="0" algn="l" rtl="0">
               <a:spcBef>
                 <a:spcPts val="0"/>
               </a:spcBef>
@@ -13546,11 +14322,11 @@
 </file>
 
 <file path=ppt/slides/slide7.xml><?xml version="1.0" encoding="utf-8"?>
-<p:sld xmlns:a="http://schemas.openxmlformats.org/drawingml/2006/main" xmlns:r="http://schemas.openxmlformats.org/officeDocument/2006/relationships" xmlns:mc="http://schemas.openxmlformats.org/markup-compatibility/2006" xmlns:mv="urn:schemas-microsoft-com:mac:vml" xmlns:p="http://schemas.openxmlformats.org/presentationml/2006/main" xmlns:c="http://schemas.openxmlformats.org/drawingml/2006/chart" xmlns:dgm="http://schemas.openxmlformats.org/drawingml/2006/diagram" xmlns:o="urn:schemas-microsoft-com:office:office" xmlns:v="urn:schemas-microsoft-com:vml" xmlns:pvml="urn:schemas-microsoft-com:office:powerpoint" xmlns:com="http://schemas.openxmlformats.org/drawingml/2006/compatibility" xmlns:p14="http://schemas.microsoft.com/office/powerpoint/2010/main" xmlns:p15="http://schemas.microsoft.com/office/powerpoint/2012/main" xmlns:ahyp="http://schemas.microsoft.com/office/drawing/2018/hyperlinkcolor">
+<p:sld xmlns:a="http://schemas.openxmlformats.org/drawingml/2006/main" xmlns:r="http://schemas.openxmlformats.org/officeDocument/2006/relationships" xmlns:p="http://schemas.openxmlformats.org/presentationml/2006/main">
   <p:cSld>
     <p:spTree>
       <p:nvGrpSpPr>
-        <p:cNvPr id="83" name="Shape 83"/>
+        <p:cNvPr id="1" name="Shape 83"/>
         <p:cNvGrpSpPr/>
         <p:nvPr/>
       </p:nvGrpSpPr>
@@ -13565,7 +14341,9 @@
       <p:sp>
         <p:nvSpPr>
           <p:cNvPr id="84" name="Google Shape;84;p19"/>
-          <p:cNvSpPr txBox="1"/>
+          <p:cNvSpPr txBox="1">
+            <a:spLocks noGrp="1"/>
+          </p:cNvSpPr>
           <p:nvPr>
             <p:ph type="title"/>
           </p:nvPr>
@@ -13580,12 +14358,12 @@
           </a:prstGeom>
         </p:spPr>
         <p:txBody>
-          <a:bodyPr anchorCtr="0" anchor="ctr" bIns="91425" lIns="91425" spcFirstLastPara="1" rIns="91425" wrap="square" tIns="91425">
+          <a:bodyPr spcFirstLastPara="1" wrap="square" lIns="91425" tIns="91425" rIns="91425" bIns="91425" anchor="ctr" anchorCtr="0">
             <a:noAutofit/>
           </a:bodyPr>
           <a:lstStyle/>
           <a:p>
-            <a:pPr indent="0" lvl="0" marL="0" rtl="0" algn="l">
+            <a:pPr marL="0" lvl="0" indent="0" algn="l" rtl="0">
               <a:spcBef>
                 <a:spcPts val="0"/>
               </a:spcBef>
@@ -13623,11 +14401,11 @@
 </file>
 
 <file path=ppt/slides/slide8.xml><?xml version="1.0" encoding="utf-8"?>
-<p:sld xmlns:a="http://schemas.openxmlformats.org/drawingml/2006/main" xmlns:r="http://schemas.openxmlformats.org/officeDocument/2006/relationships" xmlns:mc="http://schemas.openxmlformats.org/markup-compatibility/2006" xmlns:mv="urn:schemas-microsoft-com:mac:vml" xmlns:p="http://schemas.openxmlformats.org/presentationml/2006/main" xmlns:c="http://schemas.openxmlformats.org/drawingml/2006/chart" xmlns:dgm="http://schemas.openxmlformats.org/drawingml/2006/diagram" xmlns:o="urn:schemas-microsoft-com:office:office" xmlns:v="urn:schemas-microsoft-com:vml" xmlns:pvml="urn:schemas-microsoft-com:office:powerpoint" xmlns:com="http://schemas.openxmlformats.org/drawingml/2006/compatibility" xmlns:p14="http://schemas.microsoft.com/office/powerpoint/2010/main" xmlns:p15="http://schemas.microsoft.com/office/powerpoint/2012/main" xmlns:ahyp="http://schemas.microsoft.com/office/drawing/2018/hyperlinkcolor">
+<p:sld xmlns:a="http://schemas.openxmlformats.org/drawingml/2006/main" xmlns:r="http://schemas.openxmlformats.org/officeDocument/2006/relationships" xmlns:p="http://schemas.openxmlformats.org/presentationml/2006/main">
   <p:cSld>
     <p:spTree>
       <p:nvGrpSpPr>
-        <p:cNvPr id="88" name="Shape 88"/>
+        <p:cNvPr id="1" name="Shape 88"/>
         <p:cNvGrpSpPr/>
         <p:nvPr/>
       </p:nvGrpSpPr>
@@ -13642,7 +14420,9 @@
       <p:sp>
         <p:nvSpPr>
           <p:cNvPr id="89" name="Google Shape;89;p20"/>
-          <p:cNvSpPr txBox="1"/>
+          <p:cNvSpPr txBox="1">
+            <a:spLocks noGrp="1"/>
+          </p:cNvSpPr>
           <p:nvPr>
             <p:ph type="title"/>
           </p:nvPr>
@@ -13657,12 +14437,12 @@
           </a:prstGeom>
         </p:spPr>
         <p:txBody>
-          <a:bodyPr anchorCtr="0" anchor="ctr" bIns="91425" lIns="91425" spcFirstLastPara="1" rIns="91425" wrap="square" tIns="91425">
+          <a:bodyPr spcFirstLastPara="1" wrap="square" lIns="91425" tIns="91425" rIns="91425" bIns="91425" anchor="ctr" anchorCtr="0">
             <a:noAutofit/>
           </a:bodyPr>
           <a:lstStyle/>
           <a:p>
-            <a:pPr indent="0" lvl="0" marL="0" rtl="0" algn="l">
+            <a:pPr marL="0" lvl="0" indent="0" algn="l" rtl="0">
               <a:spcBef>
                 <a:spcPts val="0"/>
               </a:spcBef>
@@ -13700,11 +14480,11 @@
 </file>
 
 <file path=ppt/slides/slide9.xml><?xml version="1.0" encoding="utf-8"?>
-<p:sld xmlns:a="http://schemas.openxmlformats.org/drawingml/2006/main" xmlns:r="http://schemas.openxmlformats.org/officeDocument/2006/relationships" xmlns:mc="http://schemas.openxmlformats.org/markup-compatibility/2006" xmlns:mv="urn:schemas-microsoft-com:mac:vml" xmlns:p="http://schemas.openxmlformats.org/presentationml/2006/main" xmlns:c="http://schemas.openxmlformats.org/drawingml/2006/chart" xmlns:dgm="http://schemas.openxmlformats.org/drawingml/2006/diagram" xmlns:o="urn:schemas-microsoft-com:office:office" xmlns:v="urn:schemas-microsoft-com:vml" xmlns:pvml="urn:schemas-microsoft-com:office:powerpoint" xmlns:com="http://schemas.openxmlformats.org/drawingml/2006/compatibility" xmlns:p14="http://schemas.microsoft.com/office/powerpoint/2010/main" xmlns:p15="http://schemas.microsoft.com/office/powerpoint/2012/main" xmlns:ahyp="http://schemas.microsoft.com/office/drawing/2018/hyperlinkcolor">
+<p:sld xmlns:a="http://schemas.openxmlformats.org/drawingml/2006/main" xmlns:r="http://schemas.openxmlformats.org/officeDocument/2006/relationships" xmlns:p="http://schemas.openxmlformats.org/presentationml/2006/main">
   <p:cSld>
     <p:spTree>
       <p:nvGrpSpPr>
-        <p:cNvPr id="93" name="Shape 93"/>
+        <p:cNvPr id="1" name="Shape 93"/>
         <p:cNvGrpSpPr/>
         <p:nvPr/>
       </p:nvGrpSpPr>
@@ -13719,7 +14499,9 @@
       <p:sp>
         <p:nvSpPr>
           <p:cNvPr id="94" name="Google Shape;94;p21"/>
-          <p:cNvSpPr txBox="1"/>
+          <p:cNvSpPr txBox="1">
+            <a:spLocks noGrp="1"/>
+          </p:cNvSpPr>
           <p:nvPr>
             <p:ph type="title"/>
           </p:nvPr>
@@ -13734,12 +14516,12 @@
           </a:prstGeom>
         </p:spPr>
         <p:txBody>
-          <a:bodyPr anchorCtr="0" anchor="ctr" bIns="91425" lIns="91425" spcFirstLastPara="1" rIns="91425" wrap="square" tIns="91425">
+          <a:bodyPr spcFirstLastPara="1" wrap="square" lIns="91425" tIns="91425" rIns="91425" bIns="91425" anchor="ctr" anchorCtr="0">
             <a:noAutofit/>
           </a:bodyPr>
           <a:lstStyle/>
           <a:p>
-            <a:pPr indent="0" lvl="0" marL="0" rtl="0" algn="l">
+            <a:pPr marL="0" lvl="0" indent="0" algn="l" rtl="0">
               <a:spcBef>
                 <a:spcPts val="0"/>
               </a:spcBef>
@@ -13777,7 +14559,7 @@
 </file>
 
 <file path=ppt/theme/theme1.xml><?xml version="1.0" encoding="utf-8"?>
-<a:theme xmlns:a="http://schemas.openxmlformats.org/drawingml/2006/main" xmlns:r="http://schemas.openxmlformats.org/officeDocument/2006/relationships" name="Simple Dark">
+<a:theme xmlns:a="http://schemas.openxmlformats.org/drawingml/2006/main" name="Simple Dark">
   <a:themeElements>
     <a:clrScheme name="Simple Dark">
       <a:dk1>
@@ -14052,11 +14834,13 @@
       </a:bgFillStyleLst>
     </a:fmtScheme>
   </a:themeElements>
+  <a:objectDefaults/>
+  <a:extraClrSchemeLst/>
 </a:theme>
 </file>
 
 <file path=ppt/theme/theme2.xml><?xml version="1.0" encoding="utf-8"?>
-<a:theme xmlns:a="http://schemas.openxmlformats.org/drawingml/2006/main" xmlns:r="http://schemas.openxmlformats.org/officeDocument/2006/relationships">
+<a:theme xmlns:a="http://schemas.openxmlformats.org/drawingml/2006/main">
   <a:themeElements>
     <a:clrScheme name="Default">
       <a:dk1>
@@ -14331,5 +15115,7 @@
       </a:bgFillStyleLst>
     </a:fmtScheme>
   </a:themeElements>
+  <a:objectDefaults/>
+  <a:extraClrSchemeLst/>
 </a:theme>
 </file>